--- a/GitPresentation.pptx
+++ b/GitPresentation.pptx
@@ -201,7 +201,7 @@
           <a:p>
             <a:fld id="{94BE676F-555C-AE4D-B3E0-F8BCFFB2C399}" type="datetimeFigureOut">
               <a:rPr lang="en-US" smtClean="0"/>
-              <a:t>10/16/2017</a:t>
+              <a:t>10/16/17</a:t>
             </a:fld>
             <a:endParaRPr lang="en-US"/>
           </a:p>
@@ -359,7 +359,7 @@
           <a:p>
             <a:fld id="{62DC9C40-1CE6-A340-B000-CBE4CF18F9C7}" type="slidenum">
               <a:rPr lang="en-US" smtClean="0"/>
-              <a:t>‹N°›</a:t>
+              <a:t>‹#›</a:t>
             </a:fld>
             <a:endParaRPr lang="en-US"/>
           </a:p>
@@ -970,7 +970,7 @@
           <a:p>
             <a:fld id="{8AEB1F6E-BE39-9349-BC16-46503606C6CE}" type="datetimeFigureOut">
               <a:rPr lang="en-US" smtClean="0"/>
-              <a:t>10/16/2017</a:t>
+              <a:t>10/16/17</a:t>
             </a:fld>
             <a:endParaRPr lang="en-US"/>
           </a:p>
@@ -1017,7 +1017,7 @@
           <a:p>
             <a:fld id="{8F1441E5-2681-D342-A4D7-CDD8BDD1E122}" type="slidenum">
               <a:rPr lang="en-US" smtClean="0"/>
-              <a:t>‹N°›</a:t>
+              <a:t>‹#›</a:t>
             </a:fld>
             <a:endParaRPr lang="en-US"/>
           </a:p>
@@ -1261,7 +1261,7 @@
           <a:p>
             <a:fld id="{8AEB1F6E-BE39-9349-BC16-46503606C6CE}" type="datetimeFigureOut">
               <a:rPr lang="en-US" smtClean="0"/>
-              <a:t>10/16/2017</a:t>
+              <a:t>10/16/17</a:t>
             </a:fld>
             <a:endParaRPr lang="en-US"/>
           </a:p>
@@ -1303,7 +1303,7 @@
           <a:p>
             <a:fld id="{8F1441E5-2681-D342-A4D7-CDD8BDD1E122}" type="slidenum">
               <a:rPr lang="en-US" smtClean="0"/>
-              <a:t>‹N°›</a:t>
+              <a:t>‹#›</a:t>
             </a:fld>
             <a:endParaRPr lang="en-US"/>
           </a:p>
@@ -1504,7 +1504,7 @@
           <a:p>
             <a:fld id="{8AEB1F6E-BE39-9349-BC16-46503606C6CE}" type="datetimeFigureOut">
               <a:rPr lang="en-US" smtClean="0"/>
-              <a:t>10/16/2017</a:t>
+              <a:t>10/16/17</a:t>
             </a:fld>
             <a:endParaRPr lang="en-US"/>
           </a:p>
@@ -1546,7 +1546,7 @@
           <a:p>
             <a:fld id="{8F1441E5-2681-D342-A4D7-CDD8BDD1E122}" type="slidenum">
               <a:rPr lang="en-US" smtClean="0"/>
-              <a:t>‹N°›</a:t>
+              <a:t>‹#›</a:t>
             </a:fld>
             <a:endParaRPr lang="en-US"/>
           </a:p>
@@ -2039,7 +2039,7 @@
           <a:p>
             <a:fld id="{8AEB1F6E-BE39-9349-BC16-46503606C6CE}" type="datetimeFigureOut">
               <a:rPr lang="en-US" smtClean="0"/>
-              <a:t>10/16/2017</a:t>
+              <a:t>10/16/17</a:t>
             </a:fld>
             <a:endParaRPr lang="en-US"/>
           </a:p>
@@ -2081,7 +2081,7 @@
           <a:p>
             <a:fld id="{8F1441E5-2681-D342-A4D7-CDD8BDD1E122}" type="slidenum">
               <a:rPr lang="en-US" smtClean="0"/>
-              <a:t>‹N°›</a:t>
+              <a:t>‹#›</a:t>
             </a:fld>
             <a:endParaRPr lang="en-US"/>
           </a:p>
@@ -2282,7 +2282,7 @@
           <a:p>
             <a:fld id="{8AEB1F6E-BE39-9349-BC16-46503606C6CE}" type="datetimeFigureOut">
               <a:rPr lang="en-US" smtClean="0"/>
-              <a:t>10/16/2017</a:t>
+              <a:t>10/16/17</a:t>
             </a:fld>
             <a:endParaRPr lang="en-US"/>
           </a:p>
@@ -2324,7 +2324,7 @@
           <a:p>
             <a:fld id="{8F1441E5-2681-D342-A4D7-CDD8BDD1E122}" type="slidenum">
               <a:rPr lang="en-US" smtClean="0"/>
-              <a:t>‹N°›</a:t>
+              <a:t>‹#›</a:t>
             </a:fld>
             <a:endParaRPr lang="en-US"/>
           </a:p>
@@ -2809,7 +2809,7 @@
           <a:p>
             <a:fld id="{8AEB1F6E-BE39-9349-BC16-46503606C6CE}" type="datetimeFigureOut">
               <a:rPr lang="en-US" smtClean="0"/>
-              <a:t>10/16/2017</a:t>
+              <a:t>10/16/17</a:t>
             </a:fld>
             <a:endParaRPr lang="en-US"/>
           </a:p>
@@ -2851,7 +2851,7 @@
           <a:p>
             <a:fld id="{8F1441E5-2681-D342-A4D7-CDD8BDD1E122}" type="slidenum">
               <a:rPr lang="en-US" smtClean="0"/>
-              <a:t>‹N°›</a:t>
+              <a:t>‹#›</a:t>
             </a:fld>
             <a:endParaRPr lang="en-US"/>
           </a:p>
@@ -3101,7 +3101,7 @@
           <a:p>
             <a:fld id="{8AEB1F6E-BE39-9349-BC16-46503606C6CE}" type="datetimeFigureOut">
               <a:rPr lang="en-US" smtClean="0"/>
-              <a:t>10/16/2017</a:t>
+              <a:t>10/16/17</a:t>
             </a:fld>
             <a:endParaRPr lang="en-US"/>
           </a:p>
@@ -3143,7 +3143,7 @@
           <a:p>
             <a:fld id="{8F1441E5-2681-D342-A4D7-CDD8BDD1E122}" type="slidenum">
               <a:rPr lang="en-US" smtClean="0"/>
-              <a:t>‹N°›</a:t>
+              <a:t>‹#›</a:t>
             </a:fld>
             <a:endParaRPr lang="en-US"/>
           </a:p>
@@ -3270,7 +3270,7 @@
           <a:p>
             <a:fld id="{8AEB1F6E-BE39-9349-BC16-46503606C6CE}" type="datetimeFigureOut">
               <a:rPr lang="en-US" smtClean="0"/>
-              <a:t>10/16/2017</a:t>
+              <a:t>10/16/17</a:t>
             </a:fld>
             <a:endParaRPr lang="en-US"/>
           </a:p>
@@ -3312,7 +3312,7 @@
           <a:p>
             <a:fld id="{8F1441E5-2681-D342-A4D7-CDD8BDD1E122}" type="slidenum">
               <a:rPr lang="en-US" smtClean="0"/>
-              <a:t>‹N°›</a:t>
+              <a:t>‹#›</a:t>
             </a:fld>
             <a:endParaRPr lang="en-US"/>
           </a:p>
@@ -3445,7 +3445,7 @@
           <a:p>
             <a:fld id="{8AEB1F6E-BE39-9349-BC16-46503606C6CE}" type="datetimeFigureOut">
               <a:rPr lang="en-US" smtClean="0"/>
-              <a:t>10/16/2017</a:t>
+              <a:t>10/16/17</a:t>
             </a:fld>
             <a:endParaRPr lang="en-US"/>
           </a:p>
@@ -3487,7 +3487,7 @@
           <a:p>
             <a:fld id="{8F1441E5-2681-D342-A4D7-CDD8BDD1E122}" type="slidenum">
               <a:rPr lang="en-US" smtClean="0"/>
-              <a:t>‹N°›</a:t>
+              <a:t>‹#›</a:t>
             </a:fld>
             <a:endParaRPr lang="en-US"/>
           </a:p>
@@ -3651,7 +3651,7 @@
           <a:p>
             <a:fld id="{8AEB1F6E-BE39-9349-BC16-46503606C6CE}" type="datetimeFigureOut">
               <a:rPr lang="en-US" smtClean="0"/>
-              <a:t>10/16/2017</a:t>
+              <a:t>10/16/17</a:t>
             </a:fld>
             <a:endParaRPr lang="en-US"/>
           </a:p>
@@ -3698,7 +3698,7 @@
           <a:p>
             <a:fld id="{8F1441E5-2681-D342-A4D7-CDD8BDD1E122}" type="slidenum">
               <a:rPr lang="en-US" smtClean="0"/>
-              <a:t>‹N°›</a:t>
+              <a:t>‹#›</a:t>
             </a:fld>
             <a:endParaRPr lang="en-US"/>
           </a:p>
@@ -3897,7 +3897,7 @@
           <a:p>
             <a:fld id="{8AEB1F6E-BE39-9349-BC16-46503606C6CE}" type="datetimeFigureOut">
               <a:rPr lang="en-US" smtClean="0"/>
-              <a:t>10/16/2017</a:t>
+              <a:t>10/16/17</a:t>
             </a:fld>
             <a:endParaRPr lang="en-US"/>
           </a:p>
@@ -3939,7 +3939,7 @@
           <a:p>
             <a:fld id="{8F1441E5-2681-D342-A4D7-CDD8BDD1E122}" type="slidenum">
               <a:rPr lang="en-US" smtClean="0"/>
-              <a:t>‹N°›</a:t>
+              <a:t>‹#›</a:t>
             </a:fld>
             <a:endParaRPr lang="en-US"/>
           </a:p>
@@ -4239,7 +4239,7 @@
           <a:p>
             <a:fld id="{8AEB1F6E-BE39-9349-BC16-46503606C6CE}" type="datetimeFigureOut">
               <a:rPr lang="en-US" smtClean="0"/>
-              <a:t>10/16/2017</a:t>
+              <a:t>10/16/17</a:t>
             </a:fld>
             <a:endParaRPr lang="en-US"/>
           </a:p>
@@ -4281,7 +4281,7 @@
           <a:p>
             <a:fld id="{8F1441E5-2681-D342-A4D7-CDD8BDD1E122}" type="slidenum">
               <a:rPr lang="en-US" smtClean="0"/>
-              <a:t>‹N°›</a:t>
+              <a:t>‹#›</a:t>
             </a:fld>
             <a:endParaRPr lang="en-US"/>
           </a:p>
@@ -4726,7 +4726,7 @@
           <a:p>
             <a:fld id="{8AEB1F6E-BE39-9349-BC16-46503606C6CE}" type="datetimeFigureOut">
               <a:rPr lang="en-US" smtClean="0"/>
-              <a:t>10/16/2017</a:t>
+              <a:t>10/16/17</a:t>
             </a:fld>
             <a:endParaRPr lang="en-US"/>
           </a:p>
@@ -4768,7 +4768,7 @@
           <a:p>
             <a:fld id="{8F1441E5-2681-D342-A4D7-CDD8BDD1E122}" type="slidenum">
               <a:rPr lang="en-US" smtClean="0"/>
-              <a:t>‹N°›</a:t>
+              <a:t>‹#›</a:t>
             </a:fld>
             <a:endParaRPr lang="en-US"/>
           </a:p>
@@ -4839,7 +4839,7 @@
           <a:p>
             <a:fld id="{8AEB1F6E-BE39-9349-BC16-46503606C6CE}" type="datetimeFigureOut">
               <a:rPr lang="en-US" smtClean="0"/>
-              <a:t>10/16/2017</a:t>
+              <a:t>10/16/17</a:t>
             </a:fld>
             <a:endParaRPr lang="en-US"/>
           </a:p>
@@ -4881,7 +4881,7 @@
           <a:p>
             <a:fld id="{8F1441E5-2681-D342-A4D7-CDD8BDD1E122}" type="slidenum">
               <a:rPr lang="en-US" smtClean="0"/>
-              <a:t>‹N°›</a:t>
+              <a:t>‹#›</a:t>
             </a:fld>
             <a:endParaRPr lang="en-US"/>
           </a:p>
@@ -4929,7 +4929,7 @@
           <a:p>
             <a:fld id="{8AEB1F6E-BE39-9349-BC16-46503606C6CE}" type="datetimeFigureOut">
               <a:rPr lang="en-US" smtClean="0"/>
-              <a:t>10/16/2017</a:t>
+              <a:t>10/16/17</a:t>
             </a:fld>
             <a:endParaRPr lang="en-US"/>
           </a:p>
@@ -4971,7 +4971,7 @@
           <a:p>
             <a:fld id="{8F1441E5-2681-D342-A4D7-CDD8BDD1E122}" type="slidenum">
               <a:rPr lang="en-US" smtClean="0"/>
-              <a:t>‹N°›</a:t>
+              <a:t>‹#›</a:t>
             </a:fld>
             <a:endParaRPr lang="en-US"/>
           </a:p>
@@ -5207,7 +5207,7 @@
           <a:p>
             <a:fld id="{8AEB1F6E-BE39-9349-BC16-46503606C6CE}" type="datetimeFigureOut">
               <a:rPr lang="en-US" smtClean="0"/>
-              <a:t>10/16/2017</a:t>
+              <a:t>10/16/17</a:t>
             </a:fld>
             <a:endParaRPr lang="en-US"/>
           </a:p>
@@ -5249,7 +5249,7 @@
           <a:p>
             <a:fld id="{8F1441E5-2681-D342-A4D7-CDD8BDD1E122}" type="slidenum">
               <a:rPr lang="en-US" smtClean="0"/>
-              <a:t>‹N°›</a:t>
+              <a:t>‹#›</a:t>
             </a:fld>
             <a:endParaRPr lang="en-US"/>
           </a:p>
@@ -5493,7 +5493,7 @@
           <a:p>
             <a:fld id="{8AEB1F6E-BE39-9349-BC16-46503606C6CE}" type="datetimeFigureOut">
               <a:rPr lang="en-US" smtClean="0"/>
-              <a:t>10/16/2017</a:t>
+              <a:t>10/16/17</a:t>
             </a:fld>
             <a:endParaRPr lang="en-US"/>
           </a:p>
@@ -5535,7 +5535,7 @@
           <a:p>
             <a:fld id="{8F1441E5-2681-D342-A4D7-CDD8BDD1E122}" type="slidenum">
               <a:rPr lang="en-US" smtClean="0"/>
-              <a:t>‹N°›</a:t>
+              <a:t>‹#›</a:t>
             </a:fld>
             <a:endParaRPr lang="en-US"/>
           </a:p>
@@ -6018,7 +6018,7 @@
           <a:p>
             <a:fld id="{8AEB1F6E-BE39-9349-BC16-46503606C6CE}" type="datetimeFigureOut">
               <a:rPr lang="en-US" smtClean="0"/>
-              <a:t>10/16/2017</a:t>
+              <a:t>10/16/17</a:t>
             </a:fld>
             <a:endParaRPr lang="en-US"/>
           </a:p>
@@ -6096,7 +6096,7 @@
           <a:p>
             <a:fld id="{8F1441E5-2681-D342-A4D7-CDD8BDD1E122}" type="slidenum">
               <a:rPr lang="en-US" smtClean="0"/>
-              <a:t>‹N°›</a:t>
+              <a:t>‹#›</a:t>
             </a:fld>
             <a:endParaRPr lang="en-US"/>
           </a:p>
@@ -6559,12 +6559,36 @@
             <p:ph type="subTitle" idx="1"/>
           </p:nvPr>
         </p:nvSpPr>
-        <p:spPr/>
+        <p:spPr>
+          <a:xfrm>
+            <a:off x="4515377" y="4910667"/>
+            <a:ext cx="6987645" cy="1388534"/>
+          </a:xfrm>
+        </p:spPr>
         <p:txBody>
           <a:bodyPr/>
           <a:lstStyle/>
           <a:p>
-            <a:endParaRPr lang="en-US" dirty="0"/>
+            <a:r>
+              <a:rPr lang="en-US" dirty="0" err="1" smtClean="0"/>
+              <a:t>Maxime</a:t>
+            </a:r>
+            <a:r>
+              <a:rPr lang="en-US" dirty="0" smtClean="0"/>
+              <a:t> Blanchard</a:t>
+            </a:r>
+            <a:r>
+              <a:rPr lang="en-US" dirty="0"/>
+              <a:t/>
+            </a:r>
+            <a:br>
+              <a:rPr lang="en-US" dirty="0"/>
+            </a:br>
+            <a:r>
+              <a:rPr lang="en-US" dirty="0" smtClean="0"/>
+              <a:t>Mathieu Renaud</a:t>
+            </a:r>
+            <a:endParaRPr lang="en-US" dirty="0" smtClean="0"/>
           </a:p>
         </p:txBody>
       </p:sp>

--- a/GitPresentation.pptx
+++ b/GitPresentation.pptx
@@ -201,7 +201,7 @@
           <a:p>
             <a:fld id="{94BE676F-555C-AE4D-B3E0-F8BCFFB2C399}" type="datetimeFigureOut">
               <a:rPr lang="en-US" smtClean="0"/>
-              <a:t>10/16/17</a:t>
+              <a:t>10/16/2017</a:t>
             </a:fld>
             <a:endParaRPr lang="en-US"/>
           </a:p>
@@ -359,7 +359,7 @@
           <a:p>
             <a:fld id="{62DC9C40-1CE6-A340-B000-CBE4CF18F9C7}" type="slidenum">
               <a:rPr lang="en-US" smtClean="0"/>
-              <a:t>‹#›</a:t>
+              <a:t>‹N°›</a:t>
             </a:fld>
             <a:endParaRPr lang="en-US"/>
           </a:p>
@@ -970,7 +970,7 @@
           <a:p>
             <a:fld id="{8AEB1F6E-BE39-9349-BC16-46503606C6CE}" type="datetimeFigureOut">
               <a:rPr lang="en-US" smtClean="0"/>
-              <a:t>10/16/17</a:t>
+              <a:t>10/16/2017</a:t>
             </a:fld>
             <a:endParaRPr lang="en-US"/>
           </a:p>
@@ -1017,7 +1017,7 @@
           <a:p>
             <a:fld id="{8F1441E5-2681-D342-A4D7-CDD8BDD1E122}" type="slidenum">
               <a:rPr lang="en-US" smtClean="0"/>
-              <a:t>‹#›</a:t>
+              <a:t>‹N°›</a:t>
             </a:fld>
             <a:endParaRPr lang="en-US"/>
           </a:p>
@@ -1261,7 +1261,7 @@
           <a:p>
             <a:fld id="{8AEB1F6E-BE39-9349-BC16-46503606C6CE}" type="datetimeFigureOut">
               <a:rPr lang="en-US" smtClean="0"/>
-              <a:t>10/16/17</a:t>
+              <a:t>10/16/2017</a:t>
             </a:fld>
             <a:endParaRPr lang="en-US"/>
           </a:p>
@@ -1303,7 +1303,7 @@
           <a:p>
             <a:fld id="{8F1441E5-2681-D342-A4D7-CDD8BDD1E122}" type="slidenum">
               <a:rPr lang="en-US" smtClean="0"/>
-              <a:t>‹#›</a:t>
+              <a:t>‹N°›</a:t>
             </a:fld>
             <a:endParaRPr lang="en-US"/>
           </a:p>
@@ -1504,7 +1504,7 @@
           <a:p>
             <a:fld id="{8AEB1F6E-BE39-9349-BC16-46503606C6CE}" type="datetimeFigureOut">
               <a:rPr lang="en-US" smtClean="0"/>
-              <a:t>10/16/17</a:t>
+              <a:t>10/16/2017</a:t>
             </a:fld>
             <a:endParaRPr lang="en-US"/>
           </a:p>
@@ -1546,7 +1546,7 @@
           <a:p>
             <a:fld id="{8F1441E5-2681-D342-A4D7-CDD8BDD1E122}" type="slidenum">
               <a:rPr lang="en-US" smtClean="0"/>
-              <a:t>‹#›</a:t>
+              <a:t>‹N°›</a:t>
             </a:fld>
             <a:endParaRPr lang="en-US"/>
           </a:p>
@@ -2039,7 +2039,7 @@
           <a:p>
             <a:fld id="{8AEB1F6E-BE39-9349-BC16-46503606C6CE}" type="datetimeFigureOut">
               <a:rPr lang="en-US" smtClean="0"/>
-              <a:t>10/16/17</a:t>
+              <a:t>10/16/2017</a:t>
             </a:fld>
             <a:endParaRPr lang="en-US"/>
           </a:p>
@@ -2081,7 +2081,7 @@
           <a:p>
             <a:fld id="{8F1441E5-2681-D342-A4D7-CDD8BDD1E122}" type="slidenum">
               <a:rPr lang="en-US" smtClean="0"/>
-              <a:t>‹#›</a:t>
+              <a:t>‹N°›</a:t>
             </a:fld>
             <a:endParaRPr lang="en-US"/>
           </a:p>
@@ -2282,7 +2282,7 @@
           <a:p>
             <a:fld id="{8AEB1F6E-BE39-9349-BC16-46503606C6CE}" type="datetimeFigureOut">
               <a:rPr lang="en-US" smtClean="0"/>
-              <a:t>10/16/17</a:t>
+              <a:t>10/16/2017</a:t>
             </a:fld>
             <a:endParaRPr lang="en-US"/>
           </a:p>
@@ -2324,7 +2324,7 @@
           <a:p>
             <a:fld id="{8F1441E5-2681-D342-A4D7-CDD8BDD1E122}" type="slidenum">
               <a:rPr lang="en-US" smtClean="0"/>
-              <a:t>‹#›</a:t>
+              <a:t>‹N°›</a:t>
             </a:fld>
             <a:endParaRPr lang="en-US"/>
           </a:p>
@@ -2809,7 +2809,7 @@
           <a:p>
             <a:fld id="{8AEB1F6E-BE39-9349-BC16-46503606C6CE}" type="datetimeFigureOut">
               <a:rPr lang="en-US" smtClean="0"/>
-              <a:t>10/16/17</a:t>
+              <a:t>10/16/2017</a:t>
             </a:fld>
             <a:endParaRPr lang="en-US"/>
           </a:p>
@@ -2851,7 +2851,7 @@
           <a:p>
             <a:fld id="{8F1441E5-2681-D342-A4D7-CDD8BDD1E122}" type="slidenum">
               <a:rPr lang="en-US" smtClean="0"/>
-              <a:t>‹#›</a:t>
+              <a:t>‹N°›</a:t>
             </a:fld>
             <a:endParaRPr lang="en-US"/>
           </a:p>
@@ -3101,7 +3101,7 @@
           <a:p>
             <a:fld id="{8AEB1F6E-BE39-9349-BC16-46503606C6CE}" type="datetimeFigureOut">
               <a:rPr lang="en-US" smtClean="0"/>
-              <a:t>10/16/17</a:t>
+              <a:t>10/16/2017</a:t>
             </a:fld>
             <a:endParaRPr lang="en-US"/>
           </a:p>
@@ -3143,7 +3143,7 @@
           <a:p>
             <a:fld id="{8F1441E5-2681-D342-A4D7-CDD8BDD1E122}" type="slidenum">
               <a:rPr lang="en-US" smtClean="0"/>
-              <a:t>‹#›</a:t>
+              <a:t>‹N°›</a:t>
             </a:fld>
             <a:endParaRPr lang="en-US"/>
           </a:p>
@@ -3270,7 +3270,7 @@
           <a:p>
             <a:fld id="{8AEB1F6E-BE39-9349-BC16-46503606C6CE}" type="datetimeFigureOut">
               <a:rPr lang="en-US" smtClean="0"/>
-              <a:t>10/16/17</a:t>
+              <a:t>10/16/2017</a:t>
             </a:fld>
             <a:endParaRPr lang="en-US"/>
           </a:p>
@@ -3312,7 +3312,7 @@
           <a:p>
             <a:fld id="{8F1441E5-2681-D342-A4D7-CDD8BDD1E122}" type="slidenum">
               <a:rPr lang="en-US" smtClean="0"/>
-              <a:t>‹#›</a:t>
+              <a:t>‹N°›</a:t>
             </a:fld>
             <a:endParaRPr lang="en-US"/>
           </a:p>
@@ -3445,7 +3445,7 @@
           <a:p>
             <a:fld id="{8AEB1F6E-BE39-9349-BC16-46503606C6CE}" type="datetimeFigureOut">
               <a:rPr lang="en-US" smtClean="0"/>
-              <a:t>10/16/17</a:t>
+              <a:t>10/16/2017</a:t>
             </a:fld>
             <a:endParaRPr lang="en-US"/>
           </a:p>
@@ -3487,7 +3487,7 @@
           <a:p>
             <a:fld id="{8F1441E5-2681-D342-A4D7-CDD8BDD1E122}" type="slidenum">
               <a:rPr lang="en-US" smtClean="0"/>
-              <a:t>‹#›</a:t>
+              <a:t>‹N°›</a:t>
             </a:fld>
             <a:endParaRPr lang="en-US"/>
           </a:p>
@@ -3651,7 +3651,7 @@
           <a:p>
             <a:fld id="{8AEB1F6E-BE39-9349-BC16-46503606C6CE}" type="datetimeFigureOut">
               <a:rPr lang="en-US" smtClean="0"/>
-              <a:t>10/16/17</a:t>
+              <a:t>10/16/2017</a:t>
             </a:fld>
             <a:endParaRPr lang="en-US"/>
           </a:p>
@@ -3698,7 +3698,7 @@
           <a:p>
             <a:fld id="{8F1441E5-2681-D342-A4D7-CDD8BDD1E122}" type="slidenum">
               <a:rPr lang="en-US" smtClean="0"/>
-              <a:t>‹#›</a:t>
+              <a:t>‹N°›</a:t>
             </a:fld>
             <a:endParaRPr lang="en-US"/>
           </a:p>
@@ -3897,7 +3897,7 @@
           <a:p>
             <a:fld id="{8AEB1F6E-BE39-9349-BC16-46503606C6CE}" type="datetimeFigureOut">
               <a:rPr lang="en-US" smtClean="0"/>
-              <a:t>10/16/17</a:t>
+              <a:t>10/16/2017</a:t>
             </a:fld>
             <a:endParaRPr lang="en-US"/>
           </a:p>
@@ -3939,7 +3939,7 @@
           <a:p>
             <a:fld id="{8F1441E5-2681-D342-A4D7-CDD8BDD1E122}" type="slidenum">
               <a:rPr lang="en-US" smtClean="0"/>
-              <a:t>‹#›</a:t>
+              <a:t>‹N°›</a:t>
             </a:fld>
             <a:endParaRPr lang="en-US"/>
           </a:p>
@@ -4239,7 +4239,7 @@
           <a:p>
             <a:fld id="{8AEB1F6E-BE39-9349-BC16-46503606C6CE}" type="datetimeFigureOut">
               <a:rPr lang="en-US" smtClean="0"/>
-              <a:t>10/16/17</a:t>
+              <a:t>10/16/2017</a:t>
             </a:fld>
             <a:endParaRPr lang="en-US"/>
           </a:p>
@@ -4281,7 +4281,7 @@
           <a:p>
             <a:fld id="{8F1441E5-2681-D342-A4D7-CDD8BDD1E122}" type="slidenum">
               <a:rPr lang="en-US" smtClean="0"/>
-              <a:t>‹#›</a:t>
+              <a:t>‹N°›</a:t>
             </a:fld>
             <a:endParaRPr lang="en-US"/>
           </a:p>
@@ -4726,7 +4726,7 @@
           <a:p>
             <a:fld id="{8AEB1F6E-BE39-9349-BC16-46503606C6CE}" type="datetimeFigureOut">
               <a:rPr lang="en-US" smtClean="0"/>
-              <a:t>10/16/17</a:t>
+              <a:t>10/16/2017</a:t>
             </a:fld>
             <a:endParaRPr lang="en-US"/>
           </a:p>
@@ -4768,7 +4768,7 @@
           <a:p>
             <a:fld id="{8F1441E5-2681-D342-A4D7-CDD8BDD1E122}" type="slidenum">
               <a:rPr lang="en-US" smtClean="0"/>
-              <a:t>‹#›</a:t>
+              <a:t>‹N°›</a:t>
             </a:fld>
             <a:endParaRPr lang="en-US"/>
           </a:p>
@@ -4839,7 +4839,7 @@
           <a:p>
             <a:fld id="{8AEB1F6E-BE39-9349-BC16-46503606C6CE}" type="datetimeFigureOut">
               <a:rPr lang="en-US" smtClean="0"/>
-              <a:t>10/16/17</a:t>
+              <a:t>10/16/2017</a:t>
             </a:fld>
             <a:endParaRPr lang="en-US"/>
           </a:p>
@@ -4881,7 +4881,7 @@
           <a:p>
             <a:fld id="{8F1441E5-2681-D342-A4D7-CDD8BDD1E122}" type="slidenum">
               <a:rPr lang="en-US" smtClean="0"/>
-              <a:t>‹#›</a:t>
+              <a:t>‹N°›</a:t>
             </a:fld>
             <a:endParaRPr lang="en-US"/>
           </a:p>
@@ -4929,7 +4929,7 @@
           <a:p>
             <a:fld id="{8AEB1F6E-BE39-9349-BC16-46503606C6CE}" type="datetimeFigureOut">
               <a:rPr lang="en-US" smtClean="0"/>
-              <a:t>10/16/17</a:t>
+              <a:t>10/16/2017</a:t>
             </a:fld>
             <a:endParaRPr lang="en-US"/>
           </a:p>
@@ -4971,7 +4971,7 @@
           <a:p>
             <a:fld id="{8F1441E5-2681-D342-A4D7-CDD8BDD1E122}" type="slidenum">
               <a:rPr lang="en-US" smtClean="0"/>
-              <a:t>‹#›</a:t>
+              <a:t>‹N°›</a:t>
             </a:fld>
             <a:endParaRPr lang="en-US"/>
           </a:p>
@@ -5207,7 +5207,7 @@
           <a:p>
             <a:fld id="{8AEB1F6E-BE39-9349-BC16-46503606C6CE}" type="datetimeFigureOut">
               <a:rPr lang="en-US" smtClean="0"/>
-              <a:t>10/16/17</a:t>
+              <a:t>10/16/2017</a:t>
             </a:fld>
             <a:endParaRPr lang="en-US"/>
           </a:p>
@@ -5249,7 +5249,7 @@
           <a:p>
             <a:fld id="{8F1441E5-2681-D342-A4D7-CDD8BDD1E122}" type="slidenum">
               <a:rPr lang="en-US" smtClean="0"/>
-              <a:t>‹#›</a:t>
+              <a:t>‹N°›</a:t>
             </a:fld>
             <a:endParaRPr lang="en-US"/>
           </a:p>
@@ -5493,7 +5493,7 @@
           <a:p>
             <a:fld id="{8AEB1F6E-BE39-9349-BC16-46503606C6CE}" type="datetimeFigureOut">
               <a:rPr lang="en-US" smtClean="0"/>
-              <a:t>10/16/17</a:t>
+              <a:t>10/16/2017</a:t>
             </a:fld>
             <a:endParaRPr lang="en-US"/>
           </a:p>
@@ -5535,7 +5535,7 @@
           <a:p>
             <a:fld id="{8F1441E5-2681-D342-A4D7-CDD8BDD1E122}" type="slidenum">
               <a:rPr lang="en-US" smtClean="0"/>
-              <a:t>‹#›</a:t>
+              <a:t>‹N°›</a:t>
             </a:fld>
             <a:endParaRPr lang="en-US"/>
           </a:p>
@@ -6018,7 +6018,7 @@
           <a:p>
             <a:fld id="{8AEB1F6E-BE39-9349-BC16-46503606C6CE}" type="datetimeFigureOut">
               <a:rPr lang="en-US" smtClean="0"/>
-              <a:t>10/16/17</a:t>
+              <a:t>10/16/2017</a:t>
             </a:fld>
             <a:endParaRPr lang="en-US"/>
           </a:p>
@@ -6096,7 +6096,7 @@
           <a:p>
             <a:fld id="{8F1441E5-2681-D342-A4D7-CDD8BDD1E122}" type="slidenum">
               <a:rPr lang="en-US" smtClean="0"/>
-              <a:t>‹#›</a:t>
+              <a:t>‹N°›</a:t>
             </a:fld>
             <a:endParaRPr lang="en-US"/>
           </a:p>
@@ -6570,25 +6570,22 @@
           <a:lstStyle/>
           <a:p>
             <a:r>
-              <a:rPr lang="en-US" dirty="0" err="1" smtClean="0"/>
-              <a:t>Maxime</a:t>
-            </a:r>
-            <a:r>
-              <a:rPr lang="en-US" dirty="0" smtClean="0"/>
-              <a:t> Blanchard</a:t>
-            </a:r>
-            <a:r>
               <a:rPr lang="en-US" dirty="0"/>
-              <a:t/>
+              <a:t>Maxime Blanchard</a:t>
             </a:r>
             <a:br>
               <a:rPr lang="en-US" dirty="0"/>
             </a:br>
             <a:r>
-              <a:rPr lang="en-US" dirty="0" smtClean="0"/>
+              <a:rPr lang="en-US" dirty="0"/>
               <a:t>Mathieu Renaud</a:t>
             </a:r>
-            <a:endParaRPr lang="en-US" dirty="0" smtClean="0"/>
+          </a:p>
+          <a:p>
+            <a:r>
+              <a:rPr lang="en-US" dirty="0"/>
+              <a:t>test</a:t>
+            </a:r>
           </a:p>
         </p:txBody>
       </p:sp>

--- a/GitPresentation.pptx
+++ b/GitPresentation.pptx
@@ -5,10 +5,12 @@
     <p:sldMasterId id="2147483876" r:id="rId1"/>
   </p:sldMasterIdLst>
   <p:notesMasterIdLst>
-    <p:notesMasterId r:id="rId3"/>
+    <p:notesMasterId r:id="rId5"/>
   </p:notesMasterIdLst>
   <p:sldIdLst>
     <p:sldId id="256" r:id="rId2"/>
+    <p:sldId id="257" r:id="rId3"/>
+    <p:sldId id="258" r:id="rId4"/>
   </p:sldIdLst>
   <p:sldSz cx="12192000" cy="6858000"/>
   <p:notesSz cx="6858000" cy="9144000"/>
@@ -119,6 +121,1014 @@
 <p1510:revInfo xmlns:a="http://schemas.openxmlformats.org/drawingml/2006/main" xmlns:r="http://schemas.openxmlformats.org/officeDocument/2006/relationships" xmlns:p1510="http://schemas.microsoft.com/office/powerpoint/2015/10/main"/>
 </file>
 
+<file path=ppt/charts/chart1.xml><?xml version="1.0" encoding="utf-8"?>
+<c:chartSpace xmlns:c="http://schemas.openxmlformats.org/drawingml/2006/chart" xmlns:a="http://schemas.openxmlformats.org/drawingml/2006/main" xmlns:r="http://schemas.openxmlformats.org/officeDocument/2006/relationships">
+  <c:date1904 val="0"/>
+  <c:lang val="en-US"/>
+  <c:roundedCorners val="0"/>
+  <mc:AlternateContent xmlns:mc="http://schemas.openxmlformats.org/markup-compatibility/2006">
+    <mc:Choice xmlns:c14="http://schemas.microsoft.com/office/drawing/2007/8/2/chart" Requires="c14">
+      <c14:style val="102"/>
+    </mc:Choice>
+    <mc:Fallback>
+      <c:style val="2"/>
+    </mc:Fallback>
+  </mc:AlternateContent>
+  <c:chart>
+    <c:title>
+      <c:layout/>
+      <c:overlay val="0"/>
+      <c:spPr>
+        <a:noFill/>
+        <a:ln>
+          <a:noFill/>
+        </a:ln>
+        <a:effectLst/>
+      </c:spPr>
+      <c:txPr>
+        <a:bodyPr rot="0" spcFirstLastPara="1" vertOverflow="ellipsis" vert="horz" wrap="square" anchor="ctr" anchorCtr="1"/>
+        <a:lstStyle/>
+        <a:p>
+          <a:pPr>
+            <a:defRPr sz="2128" b="1" i="0" u="none" strike="noStrike" kern="1200" baseline="0">
+              <a:solidFill>
+                <a:schemeClr val="tx1">
+                  <a:lumMod val="65000"/>
+                  <a:lumOff val="35000"/>
+                </a:schemeClr>
+              </a:solidFill>
+              <a:latin typeface="+mn-lt"/>
+              <a:ea typeface="+mn-ea"/>
+              <a:cs typeface="+mn-cs"/>
+            </a:defRPr>
+          </a:pPr>
+          <a:endParaRPr lang="en-US"/>
+        </a:p>
+      </c:txPr>
+    </c:title>
+    <c:autoTitleDeleted val="0"/>
+    <c:plotArea>
+      <c:layout/>
+      <c:pieChart>
+        <c:varyColors val="1"/>
+        <c:ser>
+          <c:idx val="0"/>
+          <c:order val="0"/>
+          <c:tx>
+            <c:strRef>
+              <c:f>Sheet1!$B$1</c:f>
+              <c:strCache>
+                <c:ptCount val="1"/>
+                <c:pt idx="0">
+                  <c:v>VCS</c:v>
+                </c:pt>
+              </c:strCache>
+            </c:strRef>
+          </c:tx>
+          <c:dPt>
+            <c:idx val="0"/>
+            <c:bubble3D val="0"/>
+            <c:spPr>
+              <a:gradFill rotWithShape="1">
+                <a:gsLst>
+                  <a:gs pos="0">
+                    <a:schemeClr val="accent1">
+                      <a:tint val="96000"/>
+                      <a:lumMod val="102000"/>
+                    </a:schemeClr>
+                  </a:gs>
+                  <a:gs pos="100000">
+                    <a:schemeClr val="accent1">
+                      <a:shade val="88000"/>
+                      <a:lumMod val="94000"/>
+                    </a:schemeClr>
+                  </a:gs>
+                </a:gsLst>
+                <a:path path="circle">
+                  <a:fillToRect l="50000" t="100000" r="100000" b="50000"/>
+                </a:path>
+              </a:gradFill>
+              <a:ln>
+                <a:noFill/>
+              </a:ln>
+              <a:effectLst>
+                <a:outerShdw blurRad="38100" dist="25400" dir="5400000" rotWithShape="0">
+                  <a:srgbClr val="000000">
+                    <a:alpha val="64000"/>
+                  </a:srgbClr>
+                </a:outerShdw>
+              </a:effectLst>
+              <a:scene3d>
+                <a:camera prst="orthographicFront">
+                  <a:rot lat="0" lon="0" rev="0"/>
+                </a:camera>
+                <a:lightRig rig="threePt" dir="tl">
+                  <a:rot lat="0" lon="0" rev="1200000"/>
+                </a:lightRig>
+              </a:scene3d>
+              <a:sp3d>
+                <a:bevelT w="25400" h="12700"/>
+              </a:sp3d>
+            </c:spPr>
+          </c:dPt>
+          <c:dPt>
+            <c:idx val="1"/>
+            <c:bubble3D val="0"/>
+            <c:spPr>
+              <a:gradFill rotWithShape="1">
+                <a:gsLst>
+                  <a:gs pos="0">
+                    <a:schemeClr val="accent2">
+                      <a:tint val="96000"/>
+                      <a:lumMod val="102000"/>
+                    </a:schemeClr>
+                  </a:gs>
+                  <a:gs pos="100000">
+                    <a:schemeClr val="accent2">
+                      <a:shade val="88000"/>
+                      <a:lumMod val="94000"/>
+                    </a:schemeClr>
+                  </a:gs>
+                </a:gsLst>
+                <a:path path="circle">
+                  <a:fillToRect l="50000" t="100000" r="100000" b="50000"/>
+                </a:path>
+              </a:gradFill>
+              <a:ln>
+                <a:noFill/>
+              </a:ln>
+              <a:effectLst>
+                <a:outerShdw blurRad="38100" dist="25400" dir="5400000" rotWithShape="0">
+                  <a:srgbClr val="000000">
+                    <a:alpha val="64000"/>
+                  </a:srgbClr>
+                </a:outerShdw>
+              </a:effectLst>
+              <a:scene3d>
+                <a:camera prst="orthographicFront">
+                  <a:rot lat="0" lon="0" rev="0"/>
+                </a:camera>
+                <a:lightRig rig="threePt" dir="tl">
+                  <a:rot lat="0" lon="0" rev="1200000"/>
+                </a:lightRig>
+              </a:scene3d>
+              <a:sp3d>
+                <a:bevelT w="25400" h="12700"/>
+              </a:sp3d>
+            </c:spPr>
+          </c:dPt>
+          <c:dPt>
+            <c:idx val="2"/>
+            <c:bubble3D val="0"/>
+            <c:spPr>
+              <a:gradFill rotWithShape="1">
+                <a:gsLst>
+                  <a:gs pos="0">
+                    <a:schemeClr val="accent3">
+                      <a:tint val="96000"/>
+                      <a:lumMod val="102000"/>
+                    </a:schemeClr>
+                  </a:gs>
+                  <a:gs pos="100000">
+                    <a:schemeClr val="accent3">
+                      <a:shade val="88000"/>
+                      <a:lumMod val="94000"/>
+                    </a:schemeClr>
+                  </a:gs>
+                </a:gsLst>
+                <a:path path="circle">
+                  <a:fillToRect l="50000" t="100000" r="100000" b="50000"/>
+                </a:path>
+              </a:gradFill>
+              <a:ln>
+                <a:noFill/>
+              </a:ln>
+              <a:effectLst>
+                <a:outerShdw blurRad="38100" dist="25400" dir="5400000" rotWithShape="0">
+                  <a:srgbClr val="000000">
+                    <a:alpha val="64000"/>
+                  </a:srgbClr>
+                </a:outerShdw>
+              </a:effectLst>
+              <a:scene3d>
+                <a:camera prst="orthographicFront">
+                  <a:rot lat="0" lon="0" rev="0"/>
+                </a:camera>
+                <a:lightRig rig="threePt" dir="tl">
+                  <a:rot lat="0" lon="0" rev="1200000"/>
+                </a:lightRig>
+              </a:scene3d>
+              <a:sp3d>
+                <a:bevelT w="25400" h="12700"/>
+              </a:sp3d>
+            </c:spPr>
+          </c:dPt>
+          <c:dPt>
+            <c:idx val="3"/>
+            <c:bubble3D val="0"/>
+            <c:spPr>
+              <a:gradFill rotWithShape="1">
+                <a:gsLst>
+                  <a:gs pos="0">
+                    <a:schemeClr val="accent4">
+                      <a:tint val="96000"/>
+                      <a:lumMod val="102000"/>
+                    </a:schemeClr>
+                  </a:gs>
+                  <a:gs pos="100000">
+                    <a:schemeClr val="accent4">
+                      <a:shade val="88000"/>
+                      <a:lumMod val="94000"/>
+                    </a:schemeClr>
+                  </a:gs>
+                </a:gsLst>
+                <a:path path="circle">
+                  <a:fillToRect l="50000" t="100000" r="100000" b="50000"/>
+                </a:path>
+              </a:gradFill>
+              <a:ln>
+                <a:noFill/>
+              </a:ln>
+              <a:effectLst>
+                <a:outerShdw blurRad="38100" dist="25400" dir="5400000" rotWithShape="0">
+                  <a:srgbClr val="000000">
+                    <a:alpha val="64000"/>
+                  </a:srgbClr>
+                </a:outerShdw>
+              </a:effectLst>
+              <a:scene3d>
+                <a:camera prst="orthographicFront">
+                  <a:rot lat="0" lon="0" rev="0"/>
+                </a:camera>
+                <a:lightRig rig="threePt" dir="tl">
+                  <a:rot lat="0" lon="0" rev="1200000"/>
+                </a:lightRig>
+              </a:scene3d>
+              <a:sp3d>
+                <a:bevelT w="25400" h="12700"/>
+              </a:sp3d>
+            </c:spPr>
+          </c:dPt>
+          <c:dPt>
+            <c:idx val="4"/>
+            <c:bubble3D val="0"/>
+            <c:spPr>
+              <a:gradFill rotWithShape="1">
+                <a:gsLst>
+                  <a:gs pos="0">
+                    <a:schemeClr val="accent5">
+                      <a:tint val="96000"/>
+                      <a:lumMod val="102000"/>
+                    </a:schemeClr>
+                  </a:gs>
+                  <a:gs pos="100000">
+                    <a:schemeClr val="accent5">
+                      <a:shade val="88000"/>
+                      <a:lumMod val="94000"/>
+                    </a:schemeClr>
+                  </a:gs>
+                </a:gsLst>
+                <a:path path="circle">
+                  <a:fillToRect l="50000" t="100000" r="100000" b="50000"/>
+                </a:path>
+              </a:gradFill>
+              <a:ln>
+                <a:noFill/>
+              </a:ln>
+              <a:effectLst>
+                <a:outerShdw blurRad="38100" dist="25400" dir="5400000" rotWithShape="0">
+                  <a:srgbClr val="000000">
+                    <a:alpha val="64000"/>
+                  </a:srgbClr>
+                </a:outerShdw>
+              </a:effectLst>
+              <a:scene3d>
+                <a:camera prst="orthographicFront">
+                  <a:rot lat="0" lon="0" rev="0"/>
+                </a:camera>
+                <a:lightRig rig="threePt" dir="tl">
+                  <a:rot lat="0" lon="0" rev="1200000"/>
+                </a:lightRig>
+              </a:scene3d>
+              <a:sp3d>
+                <a:bevelT w="25400" h="12700"/>
+              </a:sp3d>
+            </c:spPr>
+          </c:dPt>
+          <c:dPt>
+            <c:idx val="5"/>
+            <c:bubble3D val="0"/>
+            <c:spPr>
+              <a:gradFill rotWithShape="1">
+                <a:gsLst>
+                  <a:gs pos="0">
+                    <a:schemeClr val="accent6">
+                      <a:tint val="96000"/>
+                      <a:lumMod val="102000"/>
+                    </a:schemeClr>
+                  </a:gs>
+                  <a:gs pos="100000">
+                    <a:schemeClr val="accent6">
+                      <a:shade val="88000"/>
+                      <a:lumMod val="94000"/>
+                    </a:schemeClr>
+                  </a:gs>
+                </a:gsLst>
+                <a:path path="circle">
+                  <a:fillToRect l="50000" t="100000" r="100000" b="50000"/>
+                </a:path>
+              </a:gradFill>
+              <a:ln>
+                <a:noFill/>
+              </a:ln>
+              <a:effectLst>
+                <a:outerShdw blurRad="38100" dist="25400" dir="5400000" rotWithShape="0">
+                  <a:srgbClr val="000000">
+                    <a:alpha val="64000"/>
+                  </a:srgbClr>
+                </a:outerShdw>
+              </a:effectLst>
+              <a:scene3d>
+                <a:camera prst="orthographicFront">
+                  <a:rot lat="0" lon="0" rev="0"/>
+                </a:camera>
+                <a:lightRig rig="threePt" dir="tl">
+                  <a:rot lat="0" lon="0" rev="1200000"/>
+                </a:lightRig>
+              </a:scene3d>
+              <a:sp3d>
+                <a:bevelT w="25400" h="12700"/>
+              </a:sp3d>
+            </c:spPr>
+          </c:dPt>
+          <c:cat>
+            <c:strRef>
+              <c:f>Sheet1!$A$2:$A$7</c:f>
+              <c:strCache>
+                <c:ptCount val="5"/>
+                <c:pt idx="0">
+                  <c:v>Git</c:v>
+                </c:pt>
+                <c:pt idx="1">
+                  <c:v>Mercurial</c:v>
+                </c:pt>
+                <c:pt idx="2">
+                  <c:v>SVN</c:v>
+                </c:pt>
+                <c:pt idx="3">
+                  <c:v>Perforce</c:v>
+                </c:pt>
+                <c:pt idx="4">
+                  <c:v>CVS</c:v>
+                </c:pt>
+              </c:strCache>
+            </c:strRef>
+          </c:cat>
+          <c:val>
+            <c:numRef>
+              <c:f>Sheet1!$B$2:$B$7</c:f>
+              <c:numCache>
+                <c:formatCode>General</c:formatCode>
+                <c:ptCount val="6"/>
+                <c:pt idx="0">
+                  <c:v>70.7</c:v>
+                </c:pt>
+                <c:pt idx="1">
+                  <c:v>13.5</c:v>
+                </c:pt>
+                <c:pt idx="2">
+                  <c:v>13.5</c:v>
+                </c:pt>
+                <c:pt idx="3">
+                  <c:v>1.5</c:v>
+                </c:pt>
+                <c:pt idx="4">
+                  <c:v>0.8</c:v>
+                </c:pt>
+              </c:numCache>
+            </c:numRef>
+          </c:val>
+        </c:ser>
+        <c:dLbls>
+          <c:showLegendKey val="0"/>
+          <c:showVal val="0"/>
+          <c:showCatName val="0"/>
+          <c:showSerName val="0"/>
+          <c:showPercent val="0"/>
+          <c:showBubbleSize val="0"/>
+          <c:showLeaderLines val="1"/>
+        </c:dLbls>
+        <c:firstSliceAng val="0"/>
+      </c:pieChart>
+      <c:spPr>
+        <a:noFill/>
+        <a:ln>
+          <a:noFill/>
+        </a:ln>
+        <a:effectLst/>
+      </c:spPr>
+    </c:plotArea>
+    <c:legend>
+      <c:legendPos val="b"/>
+      <c:layout/>
+      <c:overlay val="0"/>
+      <c:spPr>
+        <a:noFill/>
+        <a:ln>
+          <a:noFill/>
+        </a:ln>
+        <a:effectLst/>
+      </c:spPr>
+      <c:txPr>
+        <a:bodyPr rot="0" spcFirstLastPara="1" vertOverflow="ellipsis" vert="horz" wrap="square" anchor="ctr" anchorCtr="1"/>
+        <a:lstStyle/>
+        <a:p>
+          <a:pPr>
+            <a:defRPr sz="1197" b="0" i="0" u="none" strike="noStrike" kern="1200" baseline="0">
+              <a:solidFill>
+                <a:schemeClr val="tx1">
+                  <a:lumMod val="65000"/>
+                  <a:lumOff val="35000"/>
+                </a:schemeClr>
+              </a:solidFill>
+              <a:latin typeface="+mn-lt"/>
+              <a:ea typeface="+mn-ea"/>
+              <a:cs typeface="+mn-cs"/>
+            </a:defRPr>
+          </a:pPr>
+          <a:endParaRPr lang="en-US"/>
+        </a:p>
+      </c:txPr>
+    </c:legend>
+    <c:plotVisOnly val="1"/>
+    <c:dispBlanksAs val="gap"/>
+    <c:showDLblsOverMax val="0"/>
+  </c:chart>
+  <c:spPr>
+    <a:noFill/>
+    <a:ln>
+      <a:noFill/>
+    </a:ln>
+    <a:effectLst/>
+  </c:spPr>
+  <c:txPr>
+    <a:bodyPr/>
+    <a:lstStyle/>
+    <a:p>
+      <a:pPr>
+        <a:defRPr/>
+      </a:pPr>
+      <a:endParaRPr lang="en-US"/>
+    </a:p>
+  </c:txPr>
+  <c:externalData r:id="rId3">
+    <c:autoUpdate val="0"/>
+  </c:externalData>
+</c:chartSpace>
+</file>
+
+<file path=ppt/charts/colors1.xml><?xml version="1.0" encoding="utf-8"?>
+<cs:colorStyle xmlns:cs="http://schemas.microsoft.com/office/drawing/2012/chartStyle" xmlns:a="http://schemas.openxmlformats.org/drawingml/2006/main" meth="cycle" id="10">
+  <a:schemeClr val="accent1"/>
+  <a:schemeClr val="accent2"/>
+  <a:schemeClr val="accent3"/>
+  <a:schemeClr val="accent4"/>
+  <a:schemeClr val="accent5"/>
+  <a:schemeClr val="accent6"/>
+  <cs:variation/>
+  <cs:variation>
+    <a:lumMod val="60000"/>
+  </cs:variation>
+  <cs:variation>
+    <a:lumMod val="80000"/>
+    <a:lumOff val="20000"/>
+  </cs:variation>
+  <cs:variation>
+    <a:lumMod val="80000"/>
+  </cs:variation>
+  <cs:variation>
+    <a:lumMod val="60000"/>
+    <a:lumOff val="40000"/>
+  </cs:variation>
+  <cs:variation>
+    <a:lumMod val="50000"/>
+  </cs:variation>
+  <cs:variation>
+    <a:lumMod val="70000"/>
+    <a:lumOff val="30000"/>
+  </cs:variation>
+  <cs:variation>
+    <a:lumMod val="70000"/>
+  </cs:variation>
+  <cs:variation>
+    <a:lumMod val="50000"/>
+    <a:lumOff val="50000"/>
+  </cs:variation>
+</cs:colorStyle>
+</file>
+
+<file path=ppt/charts/style1.xml><?xml version="1.0" encoding="utf-8"?>
+<cs:chartStyle xmlns:cs="http://schemas.microsoft.com/office/drawing/2012/chartStyle" xmlns:a="http://schemas.openxmlformats.org/drawingml/2006/main" id="344">
+  <cs:axisTitle>
+    <cs:lnRef idx="0"/>
+    <cs:fillRef idx="0"/>
+    <cs:effectRef idx="0"/>
+    <cs:fontRef idx="minor">
+      <a:schemeClr val="tx1">
+        <a:lumMod val="65000"/>
+        <a:lumOff val="35000"/>
+      </a:schemeClr>
+    </cs:fontRef>
+    <cs:defRPr sz="1197" kern="1200"/>
+  </cs:axisTitle>
+  <cs:categoryAxis>
+    <cs:lnRef idx="0"/>
+    <cs:fillRef idx="0"/>
+    <cs:effectRef idx="0"/>
+    <cs:fontRef idx="minor">
+      <a:schemeClr val="tx1">
+        <a:lumMod val="65000"/>
+        <a:lumOff val="35000"/>
+      </a:schemeClr>
+    </cs:fontRef>
+    <cs:spPr>
+      <a:ln w="12700" cap="flat" cmpd="sng" algn="ctr">
+        <a:solidFill>
+          <a:schemeClr val="tx1">
+            <a:lumMod val="15000"/>
+            <a:lumOff val="85000"/>
+          </a:schemeClr>
+        </a:solidFill>
+        <a:round/>
+      </a:ln>
+    </cs:spPr>
+    <cs:defRPr sz="1197" kern="1200"/>
+  </cs:categoryAxis>
+  <cs:chartArea mods="allowNoFillOverride allowNoLineOverride">
+    <cs:lnRef idx="0"/>
+    <cs:fillRef idx="0"/>
+    <cs:effectRef idx="0"/>
+    <cs:fontRef idx="minor">
+      <a:schemeClr val="tx2"/>
+    </cs:fontRef>
+    <cs:spPr>
+      <a:solidFill>
+        <a:schemeClr val="bg1"/>
+      </a:solidFill>
+      <a:ln w="9525" cap="flat" cmpd="sng" algn="ctr">
+        <a:solidFill>
+          <a:schemeClr val="tx1">
+            <a:lumMod val="15000"/>
+            <a:lumOff val="85000"/>
+          </a:schemeClr>
+        </a:solidFill>
+        <a:round/>
+      </a:ln>
+    </cs:spPr>
+    <cs:defRPr sz="1197" kern="1200"/>
+  </cs:chartArea>
+  <cs:dataLabel>
+    <cs:lnRef idx="0"/>
+    <cs:fillRef idx="0"/>
+    <cs:effectRef idx="0"/>
+    <cs:fontRef idx="minor">
+      <a:schemeClr val="tx1">
+        <a:lumMod val="75000"/>
+        <a:lumOff val="25000"/>
+      </a:schemeClr>
+    </cs:fontRef>
+    <cs:defRPr sz="1197" kern="1200"/>
+  </cs:dataLabel>
+  <cs:dataLabelCallout>
+    <cs:lnRef idx="0"/>
+    <cs:fillRef idx="0"/>
+    <cs:effectRef idx="0"/>
+    <cs:fontRef idx="minor">
+      <a:schemeClr val="dk1">
+        <a:lumMod val="65000"/>
+        <a:lumOff val="35000"/>
+      </a:schemeClr>
+    </cs:fontRef>
+    <cs:spPr>
+      <a:solidFill>
+        <a:schemeClr val="lt1"/>
+      </a:solidFill>
+      <a:ln>
+        <a:solidFill>
+          <a:schemeClr val="dk1">
+            <a:lumMod val="25000"/>
+            <a:lumOff val="75000"/>
+          </a:schemeClr>
+        </a:solidFill>
+      </a:ln>
+    </cs:spPr>
+    <cs:defRPr sz="1197" kern="1200"/>
+    <cs:bodyPr rot="0" spcFirstLastPara="1" vertOverflow="clip" horzOverflow="clip" vert="horz" wrap="square" lIns="36576" tIns="18288" rIns="36576" bIns="18288" anchor="ctr" anchorCtr="1">
+      <a:spAutoFit/>
+    </cs:bodyPr>
+  </cs:dataLabelCallout>
+  <cs:dataPoint>
+    <cs:lnRef idx="0"/>
+    <cs:fillRef idx="3">
+      <cs:styleClr val="auto"/>
+    </cs:fillRef>
+    <cs:effectRef idx="3"/>
+    <cs:fontRef idx="minor">
+      <a:schemeClr val="tx1"/>
+    </cs:fontRef>
+  </cs:dataPoint>
+  <cs:dataPoint3D>
+    <cs:lnRef idx="0"/>
+    <cs:fillRef idx="3">
+      <cs:styleClr val="auto"/>
+    </cs:fillRef>
+    <cs:effectRef idx="3"/>
+    <cs:fontRef idx="minor">
+      <a:schemeClr val="tx1"/>
+    </cs:fontRef>
+  </cs:dataPoint3D>
+  <cs:dataPointLine>
+    <cs:lnRef idx="0">
+      <cs:styleClr val="auto"/>
+    </cs:lnRef>
+    <cs:fillRef idx="3"/>
+    <cs:effectRef idx="3"/>
+    <cs:fontRef idx="minor">
+      <a:schemeClr val="tx1"/>
+    </cs:fontRef>
+    <cs:spPr>
+      <a:ln w="34925" cap="rnd">
+        <a:solidFill>
+          <a:schemeClr val="phClr"/>
+        </a:solidFill>
+        <a:round/>
+      </a:ln>
+    </cs:spPr>
+  </cs:dataPointLine>
+  <cs:dataPointMarker>
+    <cs:lnRef idx="0">
+      <cs:styleClr val="auto"/>
+    </cs:lnRef>
+    <cs:fillRef idx="3">
+      <cs:styleClr val="auto"/>
+    </cs:fillRef>
+    <cs:effectRef idx="3"/>
+    <cs:fontRef idx="minor">
+      <a:schemeClr val="tx1"/>
+    </cs:fontRef>
+    <cs:spPr>
+      <a:ln w="9525">
+        <a:solidFill>
+          <a:schemeClr val="phClr"/>
+        </a:solidFill>
+        <a:round/>
+      </a:ln>
+    </cs:spPr>
+  </cs:dataPointMarker>
+  <cs:dataPointMarkerLayout symbol="circle" size="6"/>
+  <cs:dataPointWireframe>
+    <cs:lnRef idx="0">
+      <cs:styleClr val="auto"/>
+    </cs:lnRef>
+    <cs:fillRef idx="3"/>
+    <cs:effectRef idx="3"/>
+    <cs:fontRef idx="minor">
+      <a:schemeClr val="tx1"/>
+    </cs:fontRef>
+    <cs:spPr>
+      <a:ln w="9525" cap="rnd">
+        <a:solidFill>
+          <a:schemeClr val="phClr"/>
+        </a:solidFill>
+        <a:round/>
+      </a:ln>
+    </cs:spPr>
+  </cs:dataPointWireframe>
+  <cs:dataTable>
+    <cs:lnRef idx="0"/>
+    <cs:fillRef idx="0"/>
+    <cs:effectRef idx="0"/>
+    <cs:fontRef idx="minor">
+      <a:schemeClr val="tx1">
+        <a:lumMod val="65000"/>
+        <a:lumOff val="35000"/>
+      </a:schemeClr>
+    </cs:fontRef>
+    <cs:spPr>
+      <a:noFill/>
+      <a:ln w="9525" cap="flat" cmpd="sng" algn="ctr">
+        <a:solidFill>
+          <a:schemeClr val="tx1">
+            <a:lumMod val="15000"/>
+            <a:lumOff val="85000"/>
+          </a:schemeClr>
+        </a:solidFill>
+        <a:round/>
+      </a:ln>
+    </cs:spPr>
+    <cs:defRPr sz="1197" kern="1200"/>
+  </cs:dataTable>
+  <cs:downBar>
+    <cs:lnRef idx="0"/>
+    <cs:fillRef idx="0"/>
+    <cs:effectRef idx="0"/>
+    <cs:fontRef idx="minor">
+      <a:schemeClr val="dk1"/>
+    </cs:fontRef>
+    <cs:spPr>
+      <a:solidFill>
+        <a:schemeClr val="dk1">
+          <a:lumMod val="65000"/>
+          <a:lumOff val="35000"/>
+        </a:schemeClr>
+      </a:solidFill>
+      <a:ln w="9525">
+        <a:solidFill>
+          <a:schemeClr val="tx1">
+            <a:lumMod val="65000"/>
+            <a:lumOff val="35000"/>
+          </a:schemeClr>
+        </a:solidFill>
+      </a:ln>
+    </cs:spPr>
+  </cs:downBar>
+  <cs:dropLine>
+    <cs:lnRef idx="0"/>
+    <cs:fillRef idx="0"/>
+    <cs:effectRef idx="0"/>
+    <cs:fontRef idx="minor">
+      <a:schemeClr val="tx1"/>
+    </cs:fontRef>
+    <cs:spPr>
+      <a:ln w="9525" cap="flat" cmpd="sng" algn="ctr">
+        <a:solidFill>
+          <a:schemeClr val="tx1">
+            <a:lumMod val="35000"/>
+            <a:lumOff val="65000"/>
+          </a:schemeClr>
+        </a:solidFill>
+        <a:round/>
+      </a:ln>
+    </cs:spPr>
+  </cs:dropLine>
+  <cs:errorBar>
+    <cs:lnRef idx="0"/>
+    <cs:fillRef idx="0"/>
+    <cs:effectRef idx="0"/>
+    <cs:fontRef idx="minor">
+      <a:schemeClr val="tx1"/>
+    </cs:fontRef>
+    <cs:spPr>
+      <a:ln w="9525" cap="flat" cmpd="sng" algn="ctr">
+        <a:solidFill>
+          <a:schemeClr val="tx1">
+            <a:lumMod val="65000"/>
+            <a:lumOff val="35000"/>
+          </a:schemeClr>
+        </a:solidFill>
+        <a:round/>
+      </a:ln>
+    </cs:spPr>
+  </cs:errorBar>
+  <cs:floor>
+    <cs:lnRef idx="0"/>
+    <cs:fillRef idx="0"/>
+    <cs:effectRef idx="0"/>
+    <cs:fontRef idx="minor">
+      <a:schemeClr val="lt1"/>
+    </cs:fontRef>
+  </cs:floor>
+  <cs:gridlineMajor>
+    <cs:lnRef idx="0"/>
+    <cs:fillRef idx="0"/>
+    <cs:effectRef idx="0"/>
+    <cs:fontRef idx="minor">
+      <a:schemeClr val="tx1"/>
+    </cs:fontRef>
+    <cs:spPr>
+      <a:ln w="9525" cap="flat" cmpd="sng" algn="ctr">
+        <a:solidFill>
+          <a:schemeClr val="tx1">
+            <a:lumMod val="15000"/>
+            <a:lumOff val="85000"/>
+          </a:schemeClr>
+        </a:solidFill>
+        <a:round/>
+      </a:ln>
+    </cs:spPr>
+  </cs:gridlineMajor>
+  <cs:gridlineMinor>
+    <cs:lnRef idx="0"/>
+    <cs:fillRef idx="0"/>
+    <cs:effectRef idx="0"/>
+    <cs:fontRef idx="minor">
+      <a:schemeClr val="tx1"/>
+    </cs:fontRef>
+    <cs:spPr>
+      <a:ln w="9525" cap="flat" cmpd="sng" algn="ctr">
+        <a:solidFill>
+          <a:schemeClr val="tx1">
+            <a:lumMod val="5000"/>
+            <a:lumOff val="95000"/>
+          </a:schemeClr>
+        </a:solidFill>
+        <a:round/>
+      </a:ln>
+    </cs:spPr>
+  </cs:gridlineMinor>
+  <cs:hiLoLine>
+    <cs:lnRef idx="0"/>
+    <cs:fillRef idx="0"/>
+    <cs:effectRef idx="0"/>
+    <cs:fontRef idx="minor">
+      <a:schemeClr val="tx1"/>
+    </cs:fontRef>
+    <cs:spPr>
+      <a:ln w="9525" cap="flat" cmpd="sng" algn="ctr">
+        <a:solidFill>
+          <a:schemeClr val="tx1">
+            <a:lumMod val="75000"/>
+            <a:lumOff val="25000"/>
+          </a:schemeClr>
+        </a:solidFill>
+        <a:round/>
+      </a:ln>
+    </cs:spPr>
+  </cs:hiLoLine>
+  <cs:leaderLine>
+    <cs:lnRef idx="0"/>
+    <cs:fillRef idx="0"/>
+    <cs:effectRef idx="0"/>
+    <cs:fontRef idx="minor">
+      <a:schemeClr val="tx1"/>
+    </cs:fontRef>
+    <cs:spPr>
+      <a:ln w="9525" cap="flat" cmpd="sng" algn="ctr">
+        <a:solidFill>
+          <a:schemeClr val="tx1">
+            <a:lumMod val="35000"/>
+            <a:lumOff val="65000"/>
+          </a:schemeClr>
+        </a:solidFill>
+        <a:round/>
+      </a:ln>
+    </cs:spPr>
+  </cs:leaderLine>
+  <cs:legend>
+    <cs:lnRef idx="0"/>
+    <cs:fillRef idx="0"/>
+    <cs:effectRef idx="0"/>
+    <cs:fontRef idx="minor">
+      <a:schemeClr val="tx1">
+        <a:lumMod val="65000"/>
+        <a:lumOff val="35000"/>
+      </a:schemeClr>
+    </cs:fontRef>
+    <cs:defRPr sz="1197" kern="1200"/>
+  </cs:legend>
+  <cs:plotArea>
+    <cs:lnRef idx="0"/>
+    <cs:fillRef idx="0"/>
+    <cs:effectRef idx="0"/>
+    <cs:fontRef idx="minor">
+      <a:schemeClr val="lt1"/>
+    </cs:fontRef>
+  </cs:plotArea>
+  <cs:plotArea3D>
+    <cs:lnRef idx="0"/>
+    <cs:fillRef idx="0"/>
+    <cs:effectRef idx="0"/>
+    <cs:fontRef idx="minor">
+      <a:schemeClr val="lt1"/>
+    </cs:fontRef>
+  </cs:plotArea3D>
+  <cs:seriesAxis>
+    <cs:lnRef idx="0"/>
+    <cs:fillRef idx="0"/>
+    <cs:effectRef idx="0"/>
+    <cs:fontRef idx="minor">
+      <a:schemeClr val="tx1">
+        <a:lumMod val="65000"/>
+        <a:lumOff val="35000"/>
+      </a:schemeClr>
+    </cs:fontRef>
+    <cs:spPr>
+      <a:ln w="12700" cap="flat" cmpd="sng" algn="ctr">
+        <a:solidFill>
+          <a:schemeClr val="tx1">
+            <a:lumMod val="15000"/>
+            <a:lumOff val="85000"/>
+          </a:schemeClr>
+        </a:solidFill>
+        <a:round/>
+      </a:ln>
+    </cs:spPr>
+    <cs:defRPr sz="1197" kern="1200"/>
+  </cs:seriesAxis>
+  <cs:seriesLine>
+    <cs:lnRef idx="0"/>
+    <cs:fillRef idx="0"/>
+    <cs:effectRef idx="0"/>
+    <cs:fontRef idx="minor">
+      <a:schemeClr val="tx1"/>
+    </cs:fontRef>
+    <cs:spPr>
+      <a:ln w="9525" cap="flat" cmpd="sng" algn="ctr">
+        <a:solidFill>
+          <a:schemeClr val="tx1">
+            <a:lumMod val="35000"/>
+            <a:lumOff val="65000"/>
+          </a:schemeClr>
+        </a:solidFill>
+        <a:round/>
+      </a:ln>
+    </cs:spPr>
+  </cs:seriesLine>
+  <cs:title>
+    <cs:lnRef idx="0"/>
+    <cs:fillRef idx="0"/>
+    <cs:effectRef idx="0"/>
+    <cs:fontRef idx="minor">
+      <a:schemeClr val="tx1">
+        <a:lumMod val="65000"/>
+        <a:lumOff val="35000"/>
+      </a:schemeClr>
+    </cs:fontRef>
+    <cs:defRPr sz="2128" b="1" kern="1200" baseline="0"/>
+  </cs:title>
+  <cs:trendline>
+    <cs:lnRef idx="0">
+      <cs:styleClr val="auto"/>
+    </cs:lnRef>
+    <cs:fillRef idx="0"/>
+    <cs:effectRef idx="0"/>
+    <cs:fontRef idx="minor">
+      <a:schemeClr val="lt1"/>
+    </cs:fontRef>
+    <cs:spPr>
+      <a:ln w="19050" cap="rnd">
+        <a:solidFill>
+          <a:schemeClr val="phClr"/>
+        </a:solidFill>
+      </a:ln>
+    </cs:spPr>
+  </cs:trendline>
+  <cs:trendlineLabel>
+    <cs:lnRef idx="0"/>
+    <cs:fillRef idx="0"/>
+    <cs:effectRef idx="0"/>
+    <cs:fontRef idx="minor">
+      <a:schemeClr val="tx1">
+        <a:lumMod val="65000"/>
+        <a:lumOff val="35000"/>
+      </a:schemeClr>
+    </cs:fontRef>
+    <cs:defRPr sz="1197" kern="1200"/>
+  </cs:trendlineLabel>
+  <cs:upBar>
+    <cs:lnRef idx="0"/>
+    <cs:fillRef idx="0"/>
+    <cs:effectRef idx="0"/>
+    <cs:fontRef idx="minor">
+      <a:schemeClr val="dk1"/>
+    </cs:fontRef>
+    <cs:spPr>
+      <a:solidFill>
+        <a:schemeClr val="lt1"/>
+      </a:solidFill>
+      <a:ln w="9525">
+        <a:solidFill>
+          <a:schemeClr val="tx1">
+            <a:lumMod val="15000"/>
+            <a:lumOff val="85000"/>
+          </a:schemeClr>
+        </a:solidFill>
+      </a:ln>
+    </cs:spPr>
+  </cs:upBar>
+  <cs:valueAxis>
+    <cs:lnRef idx="0"/>
+    <cs:fillRef idx="0"/>
+    <cs:effectRef idx="0"/>
+    <cs:fontRef idx="minor">
+      <a:schemeClr val="tx1">
+        <a:lumMod val="65000"/>
+        <a:lumOff val="35000"/>
+      </a:schemeClr>
+    </cs:fontRef>
+    <cs:defRPr sz="1197" kern="1200"/>
+  </cs:valueAxis>
+  <cs:wall>
+    <cs:lnRef idx="0"/>
+    <cs:fillRef idx="0"/>
+    <cs:effectRef idx="0"/>
+    <cs:fontRef idx="minor">
+      <a:schemeClr val="lt1"/>
+    </cs:fontRef>
+  </cs:wall>
+</cs:chartStyle>
+</file>
+
 <file path=ppt/notesMasters/notesMaster1.xml><?xml version="1.0" encoding="utf-8"?>
 <p:notesMaster xmlns:a="http://schemas.openxmlformats.org/drawingml/2006/main" xmlns:r="http://schemas.openxmlformats.org/officeDocument/2006/relationships" xmlns:p="http://schemas.openxmlformats.org/presentationml/2006/main">
   <p:cSld>
@@ -201,7 +1211,7 @@
           <a:p>
             <a:fld id="{94BE676F-555C-AE4D-B3E0-F8BCFFB2C399}" type="datetimeFigureOut">
               <a:rPr lang="en-US" smtClean="0"/>
-              <a:t>10/16/2017</a:t>
+              <a:t>10/16/17</a:t>
             </a:fld>
             <a:endParaRPr lang="en-US"/>
           </a:p>
@@ -359,7 +1369,7 @@
           <a:p>
             <a:fld id="{62DC9C40-1CE6-A340-B000-CBE4CF18F9C7}" type="slidenum">
               <a:rPr lang="en-US" smtClean="0"/>
-              <a:t>‹N°›</a:t>
+              <a:t>‹#›</a:t>
             </a:fld>
             <a:endParaRPr lang="en-US"/>
           </a:p>
@@ -970,7 +1980,7 @@
           <a:p>
             <a:fld id="{8AEB1F6E-BE39-9349-BC16-46503606C6CE}" type="datetimeFigureOut">
               <a:rPr lang="en-US" smtClean="0"/>
-              <a:t>10/16/2017</a:t>
+              <a:t>10/16/17</a:t>
             </a:fld>
             <a:endParaRPr lang="en-US"/>
           </a:p>
@@ -1017,7 +2027,7 @@
           <a:p>
             <a:fld id="{8F1441E5-2681-D342-A4D7-CDD8BDD1E122}" type="slidenum">
               <a:rPr lang="en-US" smtClean="0"/>
-              <a:t>‹N°›</a:t>
+              <a:t>‹#›</a:t>
             </a:fld>
             <a:endParaRPr lang="en-US"/>
           </a:p>
@@ -1261,7 +2271,7 @@
           <a:p>
             <a:fld id="{8AEB1F6E-BE39-9349-BC16-46503606C6CE}" type="datetimeFigureOut">
               <a:rPr lang="en-US" smtClean="0"/>
-              <a:t>10/16/2017</a:t>
+              <a:t>10/16/17</a:t>
             </a:fld>
             <a:endParaRPr lang="en-US"/>
           </a:p>
@@ -1303,7 +2313,7 @@
           <a:p>
             <a:fld id="{8F1441E5-2681-D342-A4D7-CDD8BDD1E122}" type="slidenum">
               <a:rPr lang="en-US" smtClean="0"/>
-              <a:t>‹N°›</a:t>
+              <a:t>‹#›</a:t>
             </a:fld>
             <a:endParaRPr lang="en-US"/>
           </a:p>
@@ -1504,7 +2514,7 @@
           <a:p>
             <a:fld id="{8AEB1F6E-BE39-9349-BC16-46503606C6CE}" type="datetimeFigureOut">
               <a:rPr lang="en-US" smtClean="0"/>
-              <a:t>10/16/2017</a:t>
+              <a:t>10/16/17</a:t>
             </a:fld>
             <a:endParaRPr lang="en-US"/>
           </a:p>
@@ -1546,7 +2556,7 @@
           <a:p>
             <a:fld id="{8F1441E5-2681-D342-A4D7-CDD8BDD1E122}" type="slidenum">
               <a:rPr lang="en-US" smtClean="0"/>
-              <a:t>‹N°›</a:t>
+              <a:t>‹#›</a:t>
             </a:fld>
             <a:endParaRPr lang="en-US"/>
           </a:p>
@@ -2039,7 +3049,7 @@
           <a:p>
             <a:fld id="{8AEB1F6E-BE39-9349-BC16-46503606C6CE}" type="datetimeFigureOut">
               <a:rPr lang="en-US" smtClean="0"/>
-              <a:t>10/16/2017</a:t>
+              <a:t>10/16/17</a:t>
             </a:fld>
             <a:endParaRPr lang="en-US"/>
           </a:p>
@@ -2081,7 +3091,7 @@
           <a:p>
             <a:fld id="{8F1441E5-2681-D342-A4D7-CDD8BDD1E122}" type="slidenum">
               <a:rPr lang="en-US" smtClean="0"/>
-              <a:t>‹N°›</a:t>
+              <a:t>‹#›</a:t>
             </a:fld>
             <a:endParaRPr lang="en-US"/>
           </a:p>
@@ -2282,7 +3292,7 @@
           <a:p>
             <a:fld id="{8AEB1F6E-BE39-9349-BC16-46503606C6CE}" type="datetimeFigureOut">
               <a:rPr lang="en-US" smtClean="0"/>
-              <a:t>10/16/2017</a:t>
+              <a:t>10/16/17</a:t>
             </a:fld>
             <a:endParaRPr lang="en-US"/>
           </a:p>
@@ -2324,7 +3334,7 @@
           <a:p>
             <a:fld id="{8F1441E5-2681-D342-A4D7-CDD8BDD1E122}" type="slidenum">
               <a:rPr lang="en-US" smtClean="0"/>
-              <a:t>‹N°›</a:t>
+              <a:t>‹#›</a:t>
             </a:fld>
             <a:endParaRPr lang="en-US"/>
           </a:p>
@@ -2809,7 +3819,7 @@
           <a:p>
             <a:fld id="{8AEB1F6E-BE39-9349-BC16-46503606C6CE}" type="datetimeFigureOut">
               <a:rPr lang="en-US" smtClean="0"/>
-              <a:t>10/16/2017</a:t>
+              <a:t>10/16/17</a:t>
             </a:fld>
             <a:endParaRPr lang="en-US"/>
           </a:p>
@@ -2851,7 +3861,7 @@
           <a:p>
             <a:fld id="{8F1441E5-2681-D342-A4D7-CDD8BDD1E122}" type="slidenum">
               <a:rPr lang="en-US" smtClean="0"/>
-              <a:t>‹N°›</a:t>
+              <a:t>‹#›</a:t>
             </a:fld>
             <a:endParaRPr lang="en-US"/>
           </a:p>
@@ -3101,7 +4111,7 @@
           <a:p>
             <a:fld id="{8AEB1F6E-BE39-9349-BC16-46503606C6CE}" type="datetimeFigureOut">
               <a:rPr lang="en-US" smtClean="0"/>
-              <a:t>10/16/2017</a:t>
+              <a:t>10/16/17</a:t>
             </a:fld>
             <a:endParaRPr lang="en-US"/>
           </a:p>
@@ -3143,7 +4153,7 @@
           <a:p>
             <a:fld id="{8F1441E5-2681-D342-A4D7-CDD8BDD1E122}" type="slidenum">
               <a:rPr lang="en-US" smtClean="0"/>
-              <a:t>‹N°›</a:t>
+              <a:t>‹#›</a:t>
             </a:fld>
             <a:endParaRPr lang="en-US"/>
           </a:p>
@@ -3270,7 +4280,7 @@
           <a:p>
             <a:fld id="{8AEB1F6E-BE39-9349-BC16-46503606C6CE}" type="datetimeFigureOut">
               <a:rPr lang="en-US" smtClean="0"/>
-              <a:t>10/16/2017</a:t>
+              <a:t>10/16/17</a:t>
             </a:fld>
             <a:endParaRPr lang="en-US"/>
           </a:p>
@@ -3312,7 +4322,7 @@
           <a:p>
             <a:fld id="{8F1441E5-2681-D342-A4D7-CDD8BDD1E122}" type="slidenum">
               <a:rPr lang="en-US" smtClean="0"/>
-              <a:t>‹N°›</a:t>
+              <a:t>‹#›</a:t>
             </a:fld>
             <a:endParaRPr lang="en-US"/>
           </a:p>
@@ -3445,7 +4455,7 @@
           <a:p>
             <a:fld id="{8AEB1F6E-BE39-9349-BC16-46503606C6CE}" type="datetimeFigureOut">
               <a:rPr lang="en-US" smtClean="0"/>
-              <a:t>10/16/2017</a:t>
+              <a:t>10/16/17</a:t>
             </a:fld>
             <a:endParaRPr lang="en-US"/>
           </a:p>
@@ -3487,7 +4497,7 @@
           <a:p>
             <a:fld id="{8F1441E5-2681-D342-A4D7-CDD8BDD1E122}" type="slidenum">
               <a:rPr lang="en-US" smtClean="0"/>
-              <a:t>‹N°›</a:t>
+              <a:t>‹#›</a:t>
             </a:fld>
             <a:endParaRPr lang="en-US"/>
           </a:p>
@@ -3651,7 +4661,7 @@
           <a:p>
             <a:fld id="{8AEB1F6E-BE39-9349-BC16-46503606C6CE}" type="datetimeFigureOut">
               <a:rPr lang="en-US" smtClean="0"/>
-              <a:t>10/16/2017</a:t>
+              <a:t>10/16/17</a:t>
             </a:fld>
             <a:endParaRPr lang="en-US"/>
           </a:p>
@@ -3698,7 +4708,7 @@
           <a:p>
             <a:fld id="{8F1441E5-2681-D342-A4D7-CDD8BDD1E122}" type="slidenum">
               <a:rPr lang="en-US" smtClean="0"/>
-              <a:t>‹N°›</a:t>
+              <a:t>‹#›</a:t>
             </a:fld>
             <a:endParaRPr lang="en-US"/>
           </a:p>
@@ -3897,7 +4907,7 @@
           <a:p>
             <a:fld id="{8AEB1F6E-BE39-9349-BC16-46503606C6CE}" type="datetimeFigureOut">
               <a:rPr lang="en-US" smtClean="0"/>
-              <a:t>10/16/2017</a:t>
+              <a:t>10/16/17</a:t>
             </a:fld>
             <a:endParaRPr lang="en-US"/>
           </a:p>
@@ -3939,7 +4949,7 @@
           <a:p>
             <a:fld id="{8F1441E5-2681-D342-A4D7-CDD8BDD1E122}" type="slidenum">
               <a:rPr lang="en-US" smtClean="0"/>
-              <a:t>‹N°›</a:t>
+              <a:t>‹#›</a:t>
             </a:fld>
             <a:endParaRPr lang="en-US"/>
           </a:p>
@@ -4239,7 +5249,7 @@
           <a:p>
             <a:fld id="{8AEB1F6E-BE39-9349-BC16-46503606C6CE}" type="datetimeFigureOut">
               <a:rPr lang="en-US" smtClean="0"/>
-              <a:t>10/16/2017</a:t>
+              <a:t>10/16/17</a:t>
             </a:fld>
             <a:endParaRPr lang="en-US"/>
           </a:p>
@@ -4281,7 +5291,7 @@
           <a:p>
             <a:fld id="{8F1441E5-2681-D342-A4D7-CDD8BDD1E122}" type="slidenum">
               <a:rPr lang="en-US" smtClean="0"/>
-              <a:t>‹N°›</a:t>
+              <a:t>‹#›</a:t>
             </a:fld>
             <a:endParaRPr lang="en-US"/>
           </a:p>
@@ -4726,7 +5736,7 @@
           <a:p>
             <a:fld id="{8AEB1F6E-BE39-9349-BC16-46503606C6CE}" type="datetimeFigureOut">
               <a:rPr lang="en-US" smtClean="0"/>
-              <a:t>10/16/2017</a:t>
+              <a:t>10/16/17</a:t>
             </a:fld>
             <a:endParaRPr lang="en-US"/>
           </a:p>
@@ -4768,7 +5778,7 @@
           <a:p>
             <a:fld id="{8F1441E5-2681-D342-A4D7-CDD8BDD1E122}" type="slidenum">
               <a:rPr lang="en-US" smtClean="0"/>
-              <a:t>‹N°›</a:t>
+              <a:t>‹#›</a:t>
             </a:fld>
             <a:endParaRPr lang="en-US"/>
           </a:p>
@@ -4839,7 +5849,7 @@
           <a:p>
             <a:fld id="{8AEB1F6E-BE39-9349-BC16-46503606C6CE}" type="datetimeFigureOut">
               <a:rPr lang="en-US" smtClean="0"/>
-              <a:t>10/16/2017</a:t>
+              <a:t>10/16/17</a:t>
             </a:fld>
             <a:endParaRPr lang="en-US"/>
           </a:p>
@@ -4881,7 +5891,7 @@
           <a:p>
             <a:fld id="{8F1441E5-2681-D342-A4D7-CDD8BDD1E122}" type="slidenum">
               <a:rPr lang="en-US" smtClean="0"/>
-              <a:t>‹N°›</a:t>
+              <a:t>‹#›</a:t>
             </a:fld>
             <a:endParaRPr lang="en-US"/>
           </a:p>
@@ -4929,7 +5939,7 @@
           <a:p>
             <a:fld id="{8AEB1F6E-BE39-9349-BC16-46503606C6CE}" type="datetimeFigureOut">
               <a:rPr lang="en-US" smtClean="0"/>
-              <a:t>10/16/2017</a:t>
+              <a:t>10/16/17</a:t>
             </a:fld>
             <a:endParaRPr lang="en-US"/>
           </a:p>
@@ -4971,7 +5981,7 @@
           <a:p>
             <a:fld id="{8F1441E5-2681-D342-A4D7-CDD8BDD1E122}" type="slidenum">
               <a:rPr lang="en-US" smtClean="0"/>
-              <a:t>‹N°›</a:t>
+              <a:t>‹#›</a:t>
             </a:fld>
             <a:endParaRPr lang="en-US"/>
           </a:p>
@@ -5207,7 +6217,7 @@
           <a:p>
             <a:fld id="{8AEB1F6E-BE39-9349-BC16-46503606C6CE}" type="datetimeFigureOut">
               <a:rPr lang="en-US" smtClean="0"/>
-              <a:t>10/16/2017</a:t>
+              <a:t>10/16/17</a:t>
             </a:fld>
             <a:endParaRPr lang="en-US"/>
           </a:p>
@@ -5249,7 +6259,7 @@
           <a:p>
             <a:fld id="{8F1441E5-2681-D342-A4D7-CDD8BDD1E122}" type="slidenum">
               <a:rPr lang="en-US" smtClean="0"/>
-              <a:t>‹N°›</a:t>
+              <a:t>‹#›</a:t>
             </a:fld>
             <a:endParaRPr lang="en-US"/>
           </a:p>
@@ -5493,7 +6503,7 @@
           <a:p>
             <a:fld id="{8AEB1F6E-BE39-9349-BC16-46503606C6CE}" type="datetimeFigureOut">
               <a:rPr lang="en-US" smtClean="0"/>
-              <a:t>10/16/2017</a:t>
+              <a:t>10/16/17</a:t>
             </a:fld>
             <a:endParaRPr lang="en-US"/>
           </a:p>
@@ -5535,7 +6545,7 @@
           <a:p>
             <a:fld id="{8F1441E5-2681-D342-A4D7-CDD8BDD1E122}" type="slidenum">
               <a:rPr lang="en-US" smtClean="0"/>
-              <a:t>‹N°›</a:t>
+              <a:t>‹#›</a:t>
             </a:fld>
             <a:endParaRPr lang="en-US"/>
           </a:p>
@@ -6018,7 +7028,7 @@
           <a:p>
             <a:fld id="{8AEB1F6E-BE39-9349-BC16-46503606C6CE}" type="datetimeFigureOut">
               <a:rPr lang="en-US" smtClean="0"/>
-              <a:t>10/16/2017</a:t>
+              <a:t>10/16/17</a:t>
             </a:fld>
             <a:endParaRPr lang="en-US"/>
           </a:p>
@@ -6096,7 +7106,7 @@
           <a:p>
             <a:fld id="{8F1441E5-2681-D342-A4D7-CDD8BDD1E122}" type="slidenum">
               <a:rPr lang="en-US" smtClean="0"/>
-              <a:t>‹N°›</a:t>
+              <a:t>‹#›</a:t>
             </a:fld>
             <a:endParaRPr lang="en-US"/>
           </a:p>
@@ -6683,6 +7693,244 @@
     <p:extLst>
       <p:ext uri="{BB962C8B-B14F-4D97-AF65-F5344CB8AC3E}">
         <p14:creationId xmlns:p14="http://schemas.microsoft.com/office/powerpoint/2010/main" val="305000610"/>
+      </p:ext>
+    </p:extLst>
+  </p:cSld>
+  <p:clrMapOvr>
+    <a:masterClrMapping/>
+  </p:clrMapOvr>
+</p:sld>
+</file>
+
+<file path=ppt/slides/slide2.xml><?xml version="1.0" encoding="utf-8"?>
+<p:sld xmlns:a="http://schemas.openxmlformats.org/drawingml/2006/main" xmlns:r="http://schemas.openxmlformats.org/officeDocument/2006/relationships" xmlns:p="http://schemas.openxmlformats.org/presentationml/2006/main">
+  <p:cSld>
+    <p:spTree>
+      <p:nvGrpSpPr>
+        <p:cNvPr id="1" name=""/>
+        <p:cNvGrpSpPr/>
+        <p:nvPr/>
+      </p:nvGrpSpPr>
+      <p:grpSpPr>
+        <a:xfrm>
+          <a:off x="0" y="0"/>
+          <a:ext cx="0" cy="0"/>
+          <a:chOff x="0" y="0"/>
+          <a:chExt cx="0" cy="0"/>
+        </a:xfrm>
+      </p:grpSpPr>
+      <p:sp>
+        <p:nvSpPr>
+          <p:cNvPr id="2" name="Title 1"/>
+          <p:cNvSpPr>
+            <a:spLocks noGrp="1"/>
+          </p:cNvSpPr>
+          <p:nvPr>
+            <p:ph type="title"/>
+          </p:nvPr>
+        </p:nvSpPr>
+        <p:spPr/>
+        <p:txBody>
+          <a:bodyPr/>
+          <a:lstStyle/>
+          <a:p>
+            <a:r>
+              <a:rPr lang="en-US" dirty="0" err="1" smtClean="0"/>
+              <a:t>C’est</a:t>
+            </a:r>
+            <a:r>
+              <a:rPr lang="en-US" dirty="0" smtClean="0"/>
+              <a:t> quoi </a:t>
+            </a:r>
+            <a:r>
+              <a:rPr lang="en-US" dirty="0" err="1" smtClean="0"/>
+              <a:t>Git</a:t>
+            </a:r>
+            <a:r>
+              <a:rPr lang="en-US" dirty="0" smtClean="0"/>
+              <a:t> ?</a:t>
+            </a:r>
+            <a:endParaRPr lang="en-US" dirty="0"/>
+          </a:p>
+        </p:txBody>
+      </p:sp>
+      <p:sp>
+        <p:nvSpPr>
+          <p:cNvPr id="3" name="Content Placeholder 2"/>
+          <p:cNvSpPr>
+            <a:spLocks noGrp="1"/>
+          </p:cNvSpPr>
+          <p:nvPr>
+            <p:ph idx="1"/>
+          </p:nvPr>
+        </p:nvSpPr>
+        <p:spPr>
+          <a:xfrm>
+            <a:off x="1484310" y="2996183"/>
+            <a:ext cx="10018713" cy="3124201"/>
+          </a:xfrm>
+        </p:spPr>
+        <p:txBody>
+          <a:bodyPr/>
+          <a:lstStyle/>
+          <a:p>
+            <a:r>
+              <a:rPr lang="fr-CA" dirty="0" smtClean="0"/>
+              <a:t>Fondé en 2005 par Linus </a:t>
+            </a:r>
+            <a:r>
+              <a:rPr lang="fr-CA" dirty="0" err="1" smtClean="0"/>
+              <a:t>Torvalds</a:t>
+            </a:r>
+            <a:r>
+              <a:rPr lang="fr-CA" dirty="0" smtClean="0"/>
+              <a:t> (Fondateur de Linux)</a:t>
+            </a:r>
+          </a:p>
+          <a:p>
+            <a:r>
+              <a:rPr lang="fr-CA" dirty="0" smtClean="0"/>
+              <a:t>VCS (Version Control System)</a:t>
+            </a:r>
+          </a:p>
+          <a:p>
+            <a:r>
+              <a:rPr lang="fr-CA" dirty="0" smtClean="0"/>
+              <a:t>Les fonctionnalités</a:t>
+            </a:r>
+          </a:p>
+          <a:p>
+            <a:r>
+              <a:rPr lang="fr-CA" dirty="0" smtClean="0"/>
+              <a:t>Commencer ou s’ajouter à un projet</a:t>
+            </a:r>
+          </a:p>
+          <a:p>
+            <a:r>
+              <a:rPr lang="fr-CA" dirty="0" smtClean="0"/>
+              <a:t>Les commandes de bases</a:t>
+            </a:r>
+          </a:p>
+          <a:p>
+            <a:endParaRPr lang="en-US" dirty="0" smtClean="0"/>
+          </a:p>
+          <a:p>
+            <a:endParaRPr lang="en-US" dirty="0" smtClean="0"/>
+          </a:p>
+        </p:txBody>
+      </p:sp>
+    </p:spTree>
+    <p:extLst>
+      <p:ext uri="{BB962C8B-B14F-4D97-AF65-F5344CB8AC3E}">
+        <p14:creationId xmlns:p14="http://schemas.microsoft.com/office/powerpoint/2010/main" val="1757987412"/>
+      </p:ext>
+    </p:extLst>
+  </p:cSld>
+  <p:clrMapOvr>
+    <a:masterClrMapping/>
+  </p:clrMapOvr>
+</p:sld>
+</file>
+
+<file path=ppt/slides/slide3.xml><?xml version="1.0" encoding="utf-8"?>
+<p:sld xmlns:a="http://schemas.openxmlformats.org/drawingml/2006/main" xmlns:r="http://schemas.openxmlformats.org/officeDocument/2006/relationships" xmlns:p="http://schemas.openxmlformats.org/presentationml/2006/main">
+  <p:cSld>
+    <p:spTree>
+      <p:nvGrpSpPr>
+        <p:cNvPr id="1" name=""/>
+        <p:cNvGrpSpPr/>
+        <p:nvPr/>
+      </p:nvGrpSpPr>
+      <p:grpSpPr>
+        <a:xfrm>
+          <a:off x="0" y="0"/>
+          <a:ext cx="0" cy="0"/>
+          <a:chOff x="0" y="0"/>
+          <a:chExt cx="0" cy="0"/>
+        </a:xfrm>
+      </p:grpSpPr>
+      <p:sp>
+        <p:nvSpPr>
+          <p:cNvPr id="2" name="Title 1"/>
+          <p:cNvSpPr>
+            <a:spLocks noGrp="1"/>
+          </p:cNvSpPr>
+          <p:nvPr>
+            <p:ph type="title"/>
+          </p:nvPr>
+        </p:nvSpPr>
+        <p:spPr/>
+        <p:txBody>
+          <a:bodyPr/>
+          <a:lstStyle/>
+          <a:p>
+            <a:r>
+              <a:rPr lang="en-US" dirty="0" smtClean="0"/>
+              <a:t>VCS (Version Control System)</a:t>
+            </a:r>
+            <a:endParaRPr lang="en-US" dirty="0"/>
+          </a:p>
+        </p:txBody>
+      </p:sp>
+      <p:graphicFrame>
+        <p:nvGraphicFramePr>
+          <p:cNvPr id="4" name="Content Placeholder 3"/>
+          <p:cNvGraphicFramePr>
+            <a:graphicFrameLocks noGrp="1"/>
+          </p:cNvGraphicFramePr>
+          <p:nvPr>
+            <p:ph idx="1"/>
+            <p:extLst>
+              <p:ext uri="{D42A27DB-BD31-4B8C-83A1-F6EECF244321}">
+                <p14:modId xmlns:p14="http://schemas.microsoft.com/office/powerpoint/2010/main" val="1973821030"/>
+              </p:ext>
+            </p:extLst>
+          </p:nvPr>
+        </p:nvGraphicFramePr>
+        <p:xfrm>
+          <a:off x="4189496" y="2212848"/>
+          <a:ext cx="9895523" cy="3733800"/>
+        </p:xfrm>
+        <a:graphic>
+          <a:graphicData uri="http://schemas.openxmlformats.org/drawingml/2006/chart">
+            <c:chart xmlns:c="http://schemas.openxmlformats.org/drawingml/2006/chart" xmlns:r="http://schemas.openxmlformats.org/officeDocument/2006/relationships" r:id="rId2"/>
+          </a:graphicData>
+        </a:graphic>
+      </p:graphicFrame>
+      <p:pic>
+        <p:nvPicPr>
+          <p:cNvPr id="3" name="Picture 2"/>
+          <p:cNvPicPr>
+            <a:picLocks noChangeAspect="1"/>
+          </p:cNvPicPr>
+          <p:nvPr/>
+        </p:nvPicPr>
+        <p:blipFill>
+          <a:blip r:embed="rId3">
+            <a:extLst>
+              <a:ext uri="{28A0092B-C50C-407E-A947-70E740481C1C}">
+                <a14:useLocalDpi xmlns:a14="http://schemas.microsoft.com/office/drawing/2010/main" val="0"/>
+              </a:ext>
+            </a:extLst>
+          </a:blip>
+          <a:stretch>
+            <a:fillRect/>
+          </a:stretch>
+        </p:blipFill>
+        <p:spPr>
+          <a:xfrm>
+            <a:off x="2794409" y="2437337"/>
+            <a:ext cx="2931162" cy="3510373"/>
+          </a:xfrm>
+          <a:prstGeom prst="rect">
+            <a:avLst/>
+          </a:prstGeom>
+        </p:spPr>
+      </p:pic>
+    </p:spTree>
+    <p:extLst>
+      <p:ext uri="{BB962C8B-B14F-4D97-AF65-F5344CB8AC3E}">
+        <p14:creationId xmlns:p14="http://schemas.microsoft.com/office/powerpoint/2010/main" val="421802706"/>
       </p:ext>
     </p:extLst>
   </p:cSld>

--- a/GitPresentation.pptx
+++ b/GitPresentation.pptx
@@ -5,10 +5,25 @@
     <p:sldMasterId id="2147483876" r:id="rId1"/>
   </p:sldMasterIdLst>
   <p:notesMasterIdLst>
-    <p:notesMasterId r:id="rId3"/>
+    <p:notesMasterId r:id="rId18"/>
   </p:notesMasterIdLst>
   <p:sldIdLst>
     <p:sldId id="256" r:id="rId2"/>
+    <p:sldId id="257" r:id="rId3"/>
+    <p:sldId id="259" r:id="rId4"/>
+    <p:sldId id="258" r:id="rId5"/>
+    <p:sldId id="260" r:id="rId6"/>
+    <p:sldId id="261" r:id="rId7"/>
+    <p:sldId id="262" r:id="rId8"/>
+    <p:sldId id="263" r:id="rId9"/>
+    <p:sldId id="264" r:id="rId10"/>
+    <p:sldId id="266" r:id="rId11"/>
+    <p:sldId id="265" r:id="rId12"/>
+    <p:sldId id="267" r:id="rId13"/>
+    <p:sldId id="268" r:id="rId14"/>
+    <p:sldId id="269" r:id="rId15"/>
+    <p:sldId id="270" r:id="rId16"/>
+    <p:sldId id="271" r:id="rId17"/>
   </p:sldIdLst>
   <p:sldSz cx="12192000" cy="6858000"/>
   <p:notesSz cx="6858000" cy="9144000"/>
@@ -119,6 +134,1047 @@
 <p1510:revInfo xmlns:a="http://schemas.openxmlformats.org/drawingml/2006/main" xmlns:r="http://schemas.openxmlformats.org/officeDocument/2006/relationships" xmlns:p1510="http://schemas.microsoft.com/office/powerpoint/2015/10/main"/>
 </file>
 
+<file path=ppt/charts/chart1.xml><?xml version="1.0" encoding="utf-8"?>
+<c:chartSpace xmlns:c="http://schemas.openxmlformats.org/drawingml/2006/chart" xmlns:a="http://schemas.openxmlformats.org/drawingml/2006/main" xmlns:r="http://schemas.openxmlformats.org/officeDocument/2006/relationships" xmlns:c16r2="http://schemas.microsoft.com/office/drawing/2015/06/chart">
+  <c:date1904 val="0"/>
+  <c:lang val="fr-FR"/>
+  <c:roundedCorners val="0"/>
+  <mc:AlternateContent xmlns:mc="http://schemas.openxmlformats.org/markup-compatibility/2006">
+    <mc:Choice xmlns:c14="http://schemas.microsoft.com/office/drawing/2007/8/2/chart" Requires="c14">
+      <c14:style val="102"/>
+    </mc:Choice>
+    <mc:Fallback>
+      <c:style val="2"/>
+    </mc:Fallback>
+  </mc:AlternateContent>
+  <c:chart>
+    <c:title>
+      <c:overlay val="0"/>
+      <c:spPr>
+        <a:noFill/>
+        <a:ln>
+          <a:noFill/>
+        </a:ln>
+        <a:effectLst/>
+      </c:spPr>
+      <c:txPr>
+        <a:bodyPr rot="0" spcFirstLastPara="1" vertOverflow="ellipsis" vert="horz" wrap="square" anchor="ctr" anchorCtr="1"/>
+        <a:lstStyle/>
+        <a:p>
+          <a:pPr>
+            <a:defRPr sz="2128" b="1" i="0" u="none" strike="noStrike" kern="1200" baseline="0">
+              <a:solidFill>
+                <a:schemeClr val="tx1">
+                  <a:lumMod val="65000"/>
+                  <a:lumOff val="35000"/>
+                </a:schemeClr>
+              </a:solidFill>
+              <a:latin typeface="+mn-lt"/>
+              <a:ea typeface="+mn-ea"/>
+              <a:cs typeface="+mn-cs"/>
+            </a:defRPr>
+          </a:pPr>
+          <a:endParaRPr lang="fr-FR"/>
+        </a:p>
+      </c:txPr>
+    </c:title>
+    <c:autoTitleDeleted val="0"/>
+    <c:plotArea>
+      <c:layout/>
+      <c:pieChart>
+        <c:varyColors val="1"/>
+        <c:ser>
+          <c:idx val="0"/>
+          <c:order val="0"/>
+          <c:tx>
+            <c:strRef>
+              <c:f>Sheet1!$B$1</c:f>
+              <c:strCache>
+                <c:ptCount val="1"/>
+                <c:pt idx="0">
+                  <c:v>VCS</c:v>
+                </c:pt>
+              </c:strCache>
+            </c:strRef>
+          </c:tx>
+          <c:dPt>
+            <c:idx val="0"/>
+            <c:bubble3D val="0"/>
+            <c:spPr>
+              <a:gradFill rotWithShape="1">
+                <a:gsLst>
+                  <a:gs pos="0">
+                    <a:schemeClr val="accent1">
+                      <a:tint val="96000"/>
+                      <a:lumMod val="102000"/>
+                    </a:schemeClr>
+                  </a:gs>
+                  <a:gs pos="100000">
+                    <a:schemeClr val="accent1">
+                      <a:shade val="88000"/>
+                      <a:lumMod val="94000"/>
+                    </a:schemeClr>
+                  </a:gs>
+                </a:gsLst>
+                <a:path path="circle">
+                  <a:fillToRect l="50000" t="100000" r="100000" b="50000"/>
+                </a:path>
+              </a:gradFill>
+              <a:ln>
+                <a:noFill/>
+              </a:ln>
+              <a:effectLst>
+                <a:outerShdw blurRad="38100" dist="25400" dir="5400000" rotWithShape="0">
+                  <a:srgbClr val="000000">
+                    <a:alpha val="64000"/>
+                  </a:srgbClr>
+                </a:outerShdw>
+              </a:effectLst>
+              <a:scene3d>
+                <a:camera prst="orthographicFront">
+                  <a:rot lat="0" lon="0" rev="0"/>
+                </a:camera>
+                <a:lightRig rig="threePt" dir="tl">
+                  <a:rot lat="0" lon="0" rev="1200000"/>
+                </a:lightRig>
+              </a:scene3d>
+              <a:sp3d>
+                <a:bevelT w="25400" h="12700"/>
+              </a:sp3d>
+            </c:spPr>
+            <c:extLst>
+              <c:ext xmlns:c16="http://schemas.microsoft.com/office/drawing/2014/chart" uri="{C3380CC4-5D6E-409C-BE32-E72D297353CC}">
+                <c16:uniqueId val="{00000001-1BEC-4DD0-B596-2DBA211016BA}"/>
+              </c:ext>
+            </c:extLst>
+          </c:dPt>
+          <c:dPt>
+            <c:idx val="1"/>
+            <c:bubble3D val="0"/>
+            <c:spPr>
+              <a:gradFill rotWithShape="1">
+                <a:gsLst>
+                  <a:gs pos="0">
+                    <a:schemeClr val="accent2">
+                      <a:tint val="96000"/>
+                      <a:lumMod val="102000"/>
+                    </a:schemeClr>
+                  </a:gs>
+                  <a:gs pos="100000">
+                    <a:schemeClr val="accent2">
+                      <a:shade val="88000"/>
+                      <a:lumMod val="94000"/>
+                    </a:schemeClr>
+                  </a:gs>
+                </a:gsLst>
+                <a:path path="circle">
+                  <a:fillToRect l="50000" t="100000" r="100000" b="50000"/>
+                </a:path>
+              </a:gradFill>
+              <a:ln>
+                <a:noFill/>
+              </a:ln>
+              <a:effectLst>
+                <a:outerShdw blurRad="38100" dist="25400" dir="5400000" rotWithShape="0">
+                  <a:srgbClr val="000000">
+                    <a:alpha val="64000"/>
+                  </a:srgbClr>
+                </a:outerShdw>
+              </a:effectLst>
+              <a:scene3d>
+                <a:camera prst="orthographicFront">
+                  <a:rot lat="0" lon="0" rev="0"/>
+                </a:camera>
+                <a:lightRig rig="threePt" dir="tl">
+                  <a:rot lat="0" lon="0" rev="1200000"/>
+                </a:lightRig>
+              </a:scene3d>
+              <a:sp3d>
+                <a:bevelT w="25400" h="12700"/>
+              </a:sp3d>
+            </c:spPr>
+            <c:extLst>
+              <c:ext xmlns:c16="http://schemas.microsoft.com/office/drawing/2014/chart" uri="{C3380CC4-5D6E-409C-BE32-E72D297353CC}">
+                <c16:uniqueId val="{00000003-1BEC-4DD0-B596-2DBA211016BA}"/>
+              </c:ext>
+            </c:extLst>
+          </c:dPt>
+          <c:dPt>
+            <c:idx val="2"/>
+            <c:bubble3D val="0"/>
+            <c:spPr>
+              <a:gradFill rotWithShape="1">
+                <a:gsLst>
+                  <a:gs pos="0">
+                    <a:schemeClr val="accent3">
+                      <a:tint val="96000"/>
+                      <a:lumMod val="102000"/>
+                    </a:schemeClr>
+                  </a:gs>
+                  <a:gs pos="100000">
+                    <a:schemeClr val="accent3">
+                      <a:shade val="88000"/>
+                      <a:lumMod val="94000"/>
+                    </a:schemeClr>
+                  </a:gs>
+                </a:gsLst>
+                <a:path path="circle">
+                  <a:fillToRect l="50000" t="100000" r="100000" b="50000"/>
+                </a:path>
+              </a:gradFill>
+              <a:ln>
+                <a:noFill/>
+              </a:ln>
+              <a:effectLst>
+                <a:outerShdw blurRad="38100" dist="25400" dir="5400000" rotWithShape="0">
+                  <a:srgbClr val="000000">
+                    <a:alpha val="64000"/>
+                  </a:srgbClr>
+                </a:outerShdw>
+              </a:effectLst>
+              <a:scene3d>
+                <a:camera prst="orthographicFront">
+                  <a:rot lat="0" lon="0" rev="0"/>
+                </a:camera>
+                <a:lightRig rig="threePt" dir="tl">
+                  <a:rot lat="0" lon="0" rev="1200000"/>
+                </a:lightRig>
+              </a:scene3d>
+              <a:sp3d>
+                <a:bevelT w="25400" h="12700"/>
+              </a:sp3d>
+            </c:spPr>
+            <c:extLst>
+              <c:ext xmlns:c16="http://schemas.microsoft.com/office/drawing/2014/chart" uri="{C3380CC4-5D6E-409C-BE32-E72D297353CC}">
+                <c16:uniqueId val="{00000005-1BEC-4DD0-B596-2DBA211016BA}"/>
+              </c:ext>
+            </c:extLst>
+          </c:dPt>
+          <c:dPt>
+            <c:idx val="3"/>
+            <c:bubble3D val="0"/>
+            <c:spPr>
+              <a:gradFill rotWithShape="1">
+                <a:gsLst>
+                  <a:gs pos="0">
+                    <a:schemeClr val="accent4">
+                      <a:tint val="96000"/>
+                      <a:lumMod val="102000"/>
+                    </a:schemeClr>
+                  </a:gs>
+                  <a:gs pos="100000">
+                    <a:schemeClr val="accent4">
+                      <a:shade val="88000"/>
+                      <a:lumMod val="94000"/>
+                    </a:schemeClr>
+                  </a:gs>
+                </a:gsLst>
+                <a:path path="circle">
+                  <a:fillToRect l="50000" t="100000" r="100000" b="50000"/>
+                </a:path>
+              </a:gradFill>
+              <a:ln>
+                <a:noFill/>
+              </a:ln>
+              <a:effectLst>
+                <a:outerShdw blurRad="38100" dist="25400" dir="5400000" rotWithShape="0">
+                  <a:srgbClr val="000000">
+                    <a:alpha val="64000"/>
+                  </a:srgbClr>
+                </a:outerShdw>
+              </a:effectLst>
+              <a:scene3d>
+                <a:camera prst="orthographicFront">
+                  <a:rot lat="0" lon="0" rev="0"/>
+                </a:camera>
+                <a:lightRig rig="threePt" dir="tl">
+                  <a:rot lat="0" lon="0" rev="1200000"/>
+                </a:lightRig>
+              </a:scene3d>
+              <a:sp3d>
+                <a:bevelT w="25400" h="12700"/>
+              </a:sp3d>
+            </c:spPr>
+            <c:extLst>
+              <c:ext xmlns:c16="http://schemas.microsoft.com/office/drawing/2014/chart" uri="{C3380CC4-5D6E-409C-BE32-E72D297353CC}">
+                <c16:uniqueId val="{00000007-1BEC-4DD0-B596-2DBA211016BA}"/>
+              </c:ext>
+            </c:extLst>
+          </c:dPt>
+          <c:dPt>
+            <c:idx val="4"/>
+            <c:bubble3D val="0"/>
+            <c:spPr>
+              <a:gradFill rotWithShape="1">
+                <a:gsLst>
+                  <a:gs pos="0">
+                    <a:schemeClr val="accent5">
+                      <a:tint val="96000"/>
+                      <a:lumMod val="102000"/>
+                    </a:schemeClr>
+                  </a:gs>
+                  <a:gs pos="100000">
+                    <a:schemeClr val="accent5">
+                      <a:shade val="88000"/>
+                      <a:lumMod val="94000"/>
+                    </a:schemeClr>
+                  </a:gs>
+                </a:gsLst>
+                <a:path path="circle">
+                  <a:fillToRect l="50000" t="100000" r="100000" b="50000"/>
+                </a:path>
+              </a:gradFill>
+              <a:ln>
+                <a:noFill/>
+              </a:ln>
+              <a:effectLst>
+                <a:outerShdw blurRad="38100" dist="25400" dir="5400000" rotWithShape="0">
+                  <a:srgbClr val="000000">
+                    <a:alpha val="64000"/>
+                  </a:srgbClr>
+                </a:outerShdw>
+              </a:effectLst>
+              <a:scene3d>
+                <a:camera prst="orthographicFront">
+                  <a:rot lat="0" lon="0" rev="0"/>
+                </a:camera>
+                <a:lightRig rig="threePt" dir="tl">
+                  <a:rot lat="0" lon="0" rev="1200000"/>
+                </a:lightRig>
+              </a:scene3d>
+              <a:sp3d>
+                <a:bevelT w="25400" h="12700"/>
+              </a:sp3d>
+            </c:spPr>
+            <c:extLst>
+              <c:ext xmlns:c16="http://schemas.microsoft.com/office/drawing/2014/chart" uri="{C3380CC4-5D6E-409C-BE32-E72D297353CC}">
+                <c16:uniqueId val="{00000009-1BEC-4DD0-B596-2DBA211016BA}"/>
+              </c:ext>
+            </c:extLst>
+          </c:dPt>
+          <c:dPt>
+            <c:idx val="5"/>
+            <c:bubble3D val="0"/>
+            <c:spPr>
+              <a:gradFill rotWithShape="1">
+                <a:gsLst>
+                  <a:gs pos="0">
+                    <a:schemeClr val="accent6">
+                      <a:tint val="96000"/>
+                      <a:lumMod val="102000"/>
+                    </a:schemeClr>
+                  </a:gs>
+                  <a:gs pos="100000">
+                    <a:schemeClr val="accent6">
+                      <a:shade val="88000"/>
+                      <a:lumMod val="94000"/>
+                    </a:schemeClr>
+                  </a:gs>
+                </a:gsLst>
+                <a:path path="circle">
+                  <a:fillToRect l="50000" t="100000" r="100000" b="50000"/>
+                </a:path>
+              </a:gradFill>
+              <a:ln>
+                <a:noFill/>
+              </a:ln>
+              <a:effectLst>
+                <a:outerShdw blurRad="38100" dist="25400" dir="5400000" rotWithShape="0">
+                  <a:srgbClr val="000000">
+                    <a:alpha val="64000"/>
+                  </a:srgbClr>
+                </a:outerShdw>
+              </a:effectLst>
+              <a:scene3d>
+                <a:camera prst="orthographicFront">
+                  <a:rot lat="0" lon="0" rev="0"/>
+                </a:camera>
+                <a:lightRig rig="threePt" dir="tl">
+                  <a:rot lat="0" lon="0" rev="1200000"/>
+                </a:lightRig>
+              </a:scene3d>
+              <a:sp3d>
+                <a:bevelT w="25400" h="12700"/>
+              </a:sp3d>
+            </c:spPr>
+            <c:extLst>
+              <c:ext xmlns:c16="http://schemas.microsoft.com/office/drawing/2014/chart" uri="{C3380CC4-5D6E-409C-BE32-E72D297353CC}">
+                <c16:uniqueId val="{0000000B-1BEC-4DD0-B596-2DBA211016BA}"/>
+              </c:ext>
+            </c:extLst>
+          </c:dPt>
+          <c:cat>
+            <c:strRef>
+              <c:f>Sheet1!$A$2:$A$7</c:f>
+              <c:strCache>
+                <c:ptCount val="5"/>
+                <c:pt idx="0">
+                  <c:v>Git</c:v>
+                </c:pt>
+                <c:pt idx="1">
+                  <c:v>Mercurial</c:v>
+                </c:pt>
+                <c:pt idx="2">
+                  <c:v>SVN</c:v>
+                </c:pt>
+                <c:pt idx="3">
+                  <c:v>Perforce</c:v>
+                </c:pt>
+                <c:pt idx="4">
+                  <c:v>CVS</c:v>
+                </c:pt>
+              </c:strCache>
+            </c:strRef>
+          </c:cat>
+          <c:val>
+            <c:numRef>
+              <c:f>Sheet1!$B$2:$B$7</c:f>
+              <c:numCache>
+                <c:formatCode>General</c:formatCode>
+                <c:ptCount val="6"/>
+                <c:pt idx="0">
+                  <c:v>70.7</c:v>
+                </c:pt>
+                <c:pt idx="1">
+                  <c:v>13.5</c:v>
+                </c:pt>
+                <c:pt idx="2">
+                  <c:v>13.5</c:v>
+                </c:pt>
+                <c:pt idx="3">
+                  <c:v>1.5</c:v>
+                </c:pt>
+                <c:pt idx="4">
+                  <c:v>0.8</c:v>
+                </c:pt>
+              </c:numCache>
+            </c:numRef>
+          </c:val>
+          <c:extLst>
+            <c:ext xmlns:c16="http://schemas.microsoft.com/office/drawing/2014/chart" uri="{C3380CC4-5D6E-409C-BE32-E72D297353CC}">
+              <c16:uniqueId val="{0000000C-1BEC-4DD0-B596-2DBA211016BA}"/>
+            </c:ext>
+          </c:extLst>
+        </c:ser>
+        <c:dLbls>
+          <c:showLegendKey val="0"/>
+          <c:showVal val="0"/>
+          <c:showCatName val="0"/>
+          <c:showSerName val="0"/>
+          <c:showPercent val="0"/>
+          <c:showBubbleSize val="0"/>
+          <c:showLeaderLines val="1"/>
+        </c:dLbls>
+        <c:firstSliceAng val="0"/>
+      </c:pieChart>
+      <c:spPr>
+        <a:noFill/>
+        <a:ln>
+          <a:noFill/>
+        </a:ln>
+        <a:effectLst/>
+      </c:spPr>
+    </c:plotArea>
+    <c:legend>
+      <c:legendPos val="b"/>
+      <c:overlay val="0"/>
+      <c:spPr>
+        <a:noFill/>
+        <a:ln>
+          <a:noFill/>
+        </a:ln>
+        <a:effectLst/>
+      </c:spPr>
+      <c:txPr>
+        <a:bodyPr rot="0" spcFirstLastPara="1" vertOverflow="ellipsis" vert="horz" wrap="square" anchor="ctr" anchorCtr="1"/>
+        <a:lstStyle/>
+        <a:p>
+          <a:pPr>
+            <a:defRPr sz="1197" b="0" i="0" u="none" strike="noStrike" kern="1200" baseline="0">
+              <a:solidFill>
+                <a:schemeClr val="tx1">
+                  <a:lumMod val="65000"/>
+                  <a:lumOff val="35000"/>
+                </a:schemeClr>
+              </a:solidFill>
+              <a:latin typeface="+mn-lt"/>
+              <a:ea typeface="+mn-ea"/>
+              <a:cs typeface="+mn-cs"/>
+            </a:defRPr>
+          </a:pPr>
+          <a:endParaRPr lang="fr-FR"/>
+        </a:p>
+      </c:txPr>
+    </c:legend>
+    <c:plotVisOnly val="1"/>
+    <c:dispBlanksAs val="gap"/>
+    <c:showDLblsOverMax val="0"/>
+  </c:chart>
+  <c:spPr>
+    <a:noFill/>
+    <a:ln>
+      <a:noFill/>
+    </a:ln>
+    <a:effectLst/>
+  </c:spPr>
+  <c:txPr>
+    <a:bodyPr/>
+    <a:lstStyle/>
+    <a:p>
+      <a:pPr>
+        <a:defRPr/>
+      </a:pPr>
+      <a:endParaRPr lang="fr-FR"/>
+    </a:p>
+  </c:txPr>
+  <c:externalData r:id="rId3">
+    <c:autoUpdate val="0"/>
+  </c:externalData>
+</c:chartSpace>
+</file>
+
+<file path=ppt/charts/colors1.xml><?xml version="1.0" encoding="utf-8"?>
+<cs:colorStyle xmlns:cs="http://schemas.microsoft.com/office/drawing/2012/chartStyle" xmlns:a="http://schemas.openxmlformats.org/drawingml/2006/main" meth="cycle" id="10">
+  <a:schemeClr val="accent1"/>
+  <a:schemeClr val="accent2"/>
+  <a:schemeClr val="accent3"/>
+  <a:schemeClr val="accent4"/>
+  <a:schemeClr val="accent5"/>
+  <a:schemeClr val="accent6"/>
+  <cs:variation/>
+  <cs:variation>
+    <a:lumMod val="60000"/>
+  </cs:variation>
+  <cs:variation>
+    <a:lumMod val="80000"/>
+    <a:lumOff val="20000"/>
+  </cs:variation>
+  <cs:variation>
+    <a:lumMod val="80000"/>
+  </cs:variation>
+  <cs:variation>
+    <a:lumMod val="60000"/>
+    <a:lumOff val="40000"/>
+  </cs:variation>
+  <cs:variation>
+    <a:lumMod val="50000"/>
+  </cs:variation>
+  <cs:variation>
+    <a:lumMod val="70000"/>
+    <a:lumOff val="30000"/>
+  </cs:variation>
+  <cs:variation>
+    <a:lumMod val="70000"/>
+  </cs:variation>
+  <cs:variation>
+    <a:lumMod val="50000"/>
+    <a:lumOff val="50000"/>
+  </cs:variation>
+</cs:colorStyle>
+</file>
+
+<file path=ppt/charts/style1.xml><?xml version="1.0" encoding="utf-8"?>
+<cs:chartStyle xmlns:cs="http://schemas.microsoft.com/office/drawing/2012/chartStyle" xmlns:a="http://schemas.openxmlformats.org/drawingml/2006/main" id="344">
+  <cs:axisTitle>
+    <cs:lnRef idx="0"/>
+    <cs:fillRef idx="0"/>
+    <cs:effectRef idx="0"/>
+    <cs:fontRef idx="minor">
+      <a:schemeClr val="tx1">
+        <a:lumMod val="65000"/>
+        <a:lumOff val="35000"/>
+      </a:schemeClr>
+    </cs:fontRef>
+    <cs:defRPr sz="1197" kern="1200"/>
+  </cs:axisTitle>
+  <cs:categoryAxis>
+    <cs:lnRef idx="0"/>
+    <cs:fillRef idx="0"/>
+    <cs:effectRef idx="0"/>
+    <cs:fontRef idx="minor">
+      <a:schemeClr val="tx1">
+        <a:lumMod val="65000"/>
+        <a:lumOff val="35000"/>
+      </a:schemeClr>
+    </cs:fontRef>
+    <cs:spPr>
+      <a:ln w="12700" cap="flat" cmpd="sng" algn="ctr">
+        <a:solidFill>
+          <a:schemeClr val="tx1">
+            <a:lumMod val="15000"/>
+            <a:lumOff val="85000"/>
+          </a:schemeClr>
+        </a:solidFill>
+        <a:round/>
+      </a:ln>
+    </cs:spPr>
+    <cs:defRPr sz="1197" kern="1200"/>
+  </cs:categoryAxis>
+  <cs:chartArea mods="allowNoFillOverride allowNoLineOverride">
+    <cs:lnRef idx="0"/>
+    <cs:fillRef idx="0"/>
+    <cs:effectRef idx="0"/>
+    <cs:fontRef idx="minor">
+      <a:schemeClr val="tx2"/>
+    </cs:fontRef>
+    <cs:spPr>
+      <a:solidFill>
+        <a:schemeClr val="bg1"/>
+      </a:solidFill>
+      <a:ln w="9525" cap="flat" cmpd="sng" algn="ctr">
+        <a:solidFill>
+          <a:schemeClr val="tx1">
+            <a:lumMod val="15000"/>
+            <a:lumOff val="85000"/>
+          </a:schemeClr>
+        </a:solidFill>
+        <a:round/>
+      </a:ln>
+    </cs:spPr>
+    <cs:defRPr sz="1197" kern="1200"/>
+  </cs:chartArea>
+  <cs:dataLabel>
+    <cs:lnRef idx="0"/>
+    <cs:fillRef idx="0"/>
+    <cs:effectRef idx="0"/>
+    <cs:fontRef idx="minor">
+      <a:schemeClr val="tx1">
+        <a:lumMod val="75000"/>
+        <a:lumOff val="25000"/>
+      </a:schemeClr>
+    </cs:fontRef>
+    <cs:defRPr sz="1197" kern="1200"/>
+  </cs:dataLabel>
+  <cs:dataLabelCallout>
+    <cs:lnRef idx="0"/>
+    <cs:fillRef idx="0"/>
+    <cs:effectRef idx="0"/>
+    <cs:fontRef idx="minor">
+      <a:schemeClr val="dk1">
+        <a:lumMod val="65000"/>
+        <a:lumOff val="35000"/>
+      </a:schemeClr>
+    </cs:fontRef>
+    <cs:spPr>
+      <a:solidFill>
+        <a:schemeClr val="lt1"/>
+      </a:solidFill>
+      <a:ln>
+        <a:solidFill>
+          <a:schemeClr val="dk1">
+            <a:lumMod val="25000"/>
+            <a:lumOff val="75000"/>
+          </a:schemeClr>
+        </a:solidFill>
+      </a:ln>
+    </cs:spPr>
+    <cs:defRPr sz="1197" kern="1200"/>
+    <cs:bodyPr rot="0" spcFirstLastPara="1" vertOverflow="clip" horzOverflow="clip" vert="horz" wrap="square" lIns="36576" tIns="18288" rIns="36576" bIns="18288" anchor="ctr" anchorCtr="1">
+      <a:spAutoFit/>
+    </cs:bodyPr>
+  </cs:dataLabelCallout>
+  <cs:dataPoint>
+    <cs:lnRef idx="0"/>
+    <cs:fillRef idx="3">
+      <cs:styleClr val="auto"/>
+    </cs:fillRef>
+    <cs:effectRef idx="3"/>
+    <cs:fontRef idx="minor">
+      <a:schemeClr val="tx1"/>
+    </cs:fontRef>
+  </cs:dataPoint>
+  <cs:dataPoint3D>
+    <cs:lnRef idx="0"/>
+    <cs:fillRef idx="3">
+      <cs:styleClr val="auto"/>
+    </cs:fillRef>
+    <cs:effectRef idx="3"/>
+    <cs:fontRef idx="minor">
+      <a:schemeClr val="tx1"/>
+    </cs:fontRef>
+  </cs:dataPoint3D>
+  <cs:dataPointLine>
+    <cs:lnRef idx="0">
+      <cs:styleClr val="auto"/>
+    </cs:lnRef>
+    <cs:fillRef idx="3"/>
+    <cs:effectRef idx="3"/>
+    <cs:fontRef idx="minor">
+      <a:schemeClr val="tx1"/>
+    </cs:fontRef>
+    <cs:spPr>
+      <a:ln w="34925" cap="rnd">
+        <a:solidFill>
+          <a:schemeClr val="phClr"/>
+        </a:solidFill>
+        <a:round/>
+      </a:ln>
+    </cs:spPr>
+  </cs:dataPointLine>
+  <cs:dataPointMarker>
+    <cs:lnRef idx="0">
+      <cs:styleClr val="auto"/>
+    </cs:lnRef>
+    <cs:fillRef idx="3">
+      <cs:styleClr val="auto"/>
+    </cs:fillRef>
+    <cs:effectRef idx="3"/>
+    <cs:fontRef idx="minor">
+      <a:schemeClr val="tx1"/>
+    </cs:fontRef>
+    <cs:spPr>
+      <a:ln w="9525">
+        <a:solidFill>
+          <a:schemeClr val="phClr"/>
+        </a:solidFill>
+        <a:round/>
+      </a:ln>
+    </cs:spPr>
+  </cs:dataPointMarker>
+  <cs:dataPointMarkerLayout symbol="circle" size="6"/>
+  <cs:dataPointWireframe>
+    <cs:lnRef idx="0">
+      <cs:styleClr val="auto"/>
+    </cs:lnRef>
+    <cs:fillRef idx="3"/>
+    <cs:effectRef idx="3"/>
+    <cs:fontRef idx="minor">
+      <a:schemeClr val="tx1"/>
+    </cs:fontRef>
+    <cs:spPr>
+      <a:ln w="9525" cap="rnd">
+        <a:solidFill>
+          <a:schemeClr val="phClr"/>
+        </a:solidFill>
+        <a:round/>
+      </a:ln>
+    </cs:spPr>
+  </cs:dataPointWireframe>
+  <cs:dataTable>
+    <cs:lnRef idx="0"/>
+    <cs:fillRef idx="0"/>
+    <cs:effectRef idx="0"/>
+    <cs:fontRef idx="minor">
+      <a:schemeClr val="tx1">
+        <a:lumMod val="65000"/>
+        <a:lumOff val="35000"/>
+      </a:schemeClr>
+    </cs:fontRef>
+    <cs:spPr>
+      <a:noFill/>
+      <a:ln w="9525" cap="flat" cmpd="sng" algn="ctr">
+        <a:solidFill>
+          <a:schemeClr val="tx1">
+            <a:lumMod val="15000"/>
+            <a:lumOff val="85000"/>
+          </a:schemeClr>
+        </a:solidFill>
+        <a:round/>
+      </a:ln>
+    </cs:spPr>
+    <cs:defRPr sz="1197" kern="1200"/>
+  </cs:dataTable>
+  <cs:downBar>
+    <cs:lnRef idx="0"/>
+    <cs:fillRef idx="0"/>
+    <cs:effectRef idx="0"/>
+    <cs:fontRef idx="minor">
+      <a:schemeClr val="dk1"/>
+    </cs:fontRef>
+    <cs:spPr>
+      <a:solidFill>
+        <a:schemeClr val="dk1">
+          <a:lumMod val="65000"/>
+          <a:lumOff val="35000"/>
+        </a:schemeClr>
+      </a:solidFill>
+      <a:ln w="9525">
+        <a:solidFill>
+          <a:schemeClr val="tx1">
+            <a:lumMod val="65000"/>
+            <a:lumOff val="35000"/>
+          </a:schemeClr>
+        </a:solidFill>
+      </a:ln>
+    </cs:spPr>
+  </cs:downBar>
+  <cs:dropLine>
+    <cs:lnRef idx="0"/>
+    <cs:fillRef idx="0"/>
+    <cs:effectRef idx="0"/>
+    <cs:fontRef idx="minor">
+      <a:schemeClr val="tx1"/>
+    </cs:fontRef>
+    <cs:spPr>
+      <a:ln w="9525" cap="flat" cmpd="sng" algn="ctr">
+        <a:solidFill>
+          <a:schemeClr val="tx1">
+            <a:lumMod val="35000"/>
+            <a:lumOff val="65000"/>
+          </a:schemeClr>
+        </a:solidFill>
+        <a:round/>
+      </a:ln>
+    </cs:spPr>
+  </cs:dropLine>
+  <cs:errorBar>
+    <cs:lnRef idx="0"/>
+    <cs:fillRef idx="0"/>
+    <cs:effectRef idx="0"/>
+    <cs:fontRef idx="minor">
+      <a:schemeClr val="tx1"/>
+    </cs:fontRef>
+    <cs:spPr>
+      <a:ln w="9525" cap="flat" cmpd="sng" algn="ctr">
+        <a:solidFill>
+          <a:schemeClr val="tx1">
+            <a:lumMod val="65000"/>
+            <a:lumOff val="35000"/>
+          </a:schemeClr>
+        </a:solidFill>
+        <a:round/>
+      </a:ln>
+    </cs:spPr>
+  </cs:errorBar>
+  <cs:floor>
+    <cs:lnRef idx="0"/>
+    <cs:fillRef idx="0"/>
+    <cs:effectRef idx="0"/>
+    <cs:fontRef idx="minor">
+      <a:schemeClr val="lt1"/>
+    </cs:fontRef>
+  </cs:floor>
+  <cs:gridlineMajor>
+    <cs:lnRef idx="0"/>
+    <cs:fillRef idx="0"/>
+    <cs:effectRef idx="0"/>
+    <cs:fontRef idx="minor">
+      <a:schemeClr val="tx1"/>
+    </cs:fontRef>
+    <cs:spPr>
+      <a:ln w="9525" cap="flat" cmpd="sng" algn="ctr">
+        <a:solidFill>
+          <a:schemeClr val="tx1">
+            <a:lumMod val="15000"/>
+            <a:lumOff val="85000"/>
+          </a:schemeClr>
+        </a:solidFill>
+        <a:round/>
+      </a:ln>
+    </cs:spPr>
+  </cs:gridlineMajor>
+  <cs:gridlineMinor>
+    <cs:lnRef idx="0"/>
+    <cs:fillRef idx="0"/>
+    <cs:effectRef idx="0"/>
+    <cs:fontRef idx="minor">
+      <a:schemeClr val="tx1"/>
+    </cs:fontRef>
+    <cs:spPr>
+      <a:ln w="9525" cap="flat" cmpd="sng" algn="ctr">
+        <a:solidFill>
+          <a:schemeClr val="tx1">
+            <a:lumMod val="5000"/>
+            <a:lumOff val="95000"/>
+          </a:schemeClr>
+        </a:solidFill>
+        <a:round/>
+      </a:ln>
+    </cs:spPr>
+  </cs:gridlineMinor>
+  <cs:hiLoLine>
+    <cs:lnRef idx="0"/>
+    <cs:fillRef idx="0"/>
+    <cs:effectRef idx="0"/>
+    <cs:fontRef idx="minor">
+      <a:schemeClr val="tx1"/>
+    </cs:fontRef>
+    <cs:spPr>
+      <a:ln w="9525" cap="flat" cmpd="sng" algn="ctr">
+        <a:solidFill>
+          <a:schemeClr val="tx1">
+            <a:lumMod val="75000"/>
+            <a:lumOff val="25000"/>
+          </a:schemeClr>
+        </a:solidFill>
+        <a:round/>
+      </a:ln>
+    </cs:spPr>
+  </cs:hiLoLine>
+  <cs:leaderLine>
+    <cs:lnRef idx="0"/>
+    <cs:fillRef idx="0"/>
+    <cs:effectRef idx="0"/>
+    <cs:fontRef idx="minor">
+      <a:schemeClr val="tx1"/>
+    </cs:fontRef>
+    <cs:spPr>
+      <a:ln w="9525" cap="flat" cmpd="sng" algn="ctr">
+        <a:solidFill>
+          <a:schemeClr val="tx1">
+            <a:lumMod val="35000"/>
+            <a:lumOff val="65000"/>
+          </a:schemeClr>
+        </a:solidFill>
+        <a:round/>
+      </a:ln>
+    </cs:spPr>
+  </cs:leaderLine>
+  <cs:legend>
+    <cs:lnRef idx="0"/>
+    <cs:fillRef idx="0"/>
+    <cs:effectRef idx="0"/>
+    <cs:fontRef idx="minor">
+      <a:schemeClr val="tx1">
+        <a:lumMod val="65000"/>
+        <a:lumOff val="35000"/>
+      </a:schemeClr>
+    </cs:fontRef>
+    <cs:defRPr sz="1197" kern="1200"/>
+  </cs:legend>
+  <cs:plotArea>
+    <cs:lnRef idx="0"/>
+    <cs:fillRef idx="0"/>
+    <cs:effectRef idx="0"/>
+    <cs:fontRef idx="minor">
+      <a:schemeClr val="lt1"/>
+    </cs:fontRef>
+  </cs:plotArea>
+  <cs:plotArea3D>
+    <cs:lnRef idx="0"/>
+    <cs:fillRef idx="0"/>
+    <cs:effectRef idx="0"/>
+    <cs:fontRef idx="minor">
+      <a:schemeClr val="lt1"/>
+    </cs:fontRef>
+  </cs:plotArea3D>
+  <cs:seriesAxis>
+    <cs:lnRef idx="0"/>
+    <cs:fillRef idx="0"/>
+    <cs:effectRef idx="0"/>
+    <cs:fontRef idx="minor">
+      <a:schemeClr val="tx1">
+        <a:lumMod val="65000"/>
+        <a:lumOff val="35000"/>
+      </a:schemeClr>
+    </cs:fontRef>
+    <cs:spPr>
+      <a:ln w="12700" cap="flat" cmpd="sng" algn="ctr">
+        <a:solidFill>
+          <a:schemeClr val="tx1">
+            <a:lumMod val="15000"/>
+            <a:lumOff val="85000"/>
+          </a:schemeClr>
+        </a:solidFill>
+        <a:round/>
+      </a:ln>
+    </cs:spPr>
+    <cs:defRPr sz="1197" kern="1200"/>
+  </cs:seriesAxis>
+  <cs:seriesLine>
+    <cs:lnRef idx="0"/>
+    <cs:fillRef idx="0"/>
+    <cs:effectRef idx="0"/>
+    <cs:fontRef idx="minor">
+      <a:schemeClr val="tx1"/>
+    </cs:fontRef>
+    <cs:spPr>
+      <a:ln w="9525" cap="flat" cmpd="sng" algn="ctr">
+        <a:solidFill>
+          <a:schemeClr val="tx1">
+            <a:lumMod val="35000"/>
+            <a:lumOff val="65000"/>
+          </a:schemeClr>
+        </a:solidFill>
+        <a:round/>
+      </a:ln>
+    </cs:spPr>
+  </cs:seriesLine>
+  <cs:title>
+    <cs:lnRef idx="0"/>
+    <cs:fillRef idx="0"/>
+    <cs:effectRef idx="0"/>
+    <cs:fontRef idx="minor">
+      <a:schemeClr val="tx1">
+        <a:lumMod val="65000"/>
+        <a:lumOff val="35000"/>
+      </a:schemeClr>
+    </cs:fontRef>
+    <cs:defRPr sz="2128" b="1" kern="1200" baseline="0"/>
+  </cs:title>
+  <cs:trendline>
+    <cs:lnRef idx="0">
+      <cs:styleClr val="auto"/>
+    </cs:lnRef>
+    <cs:fillRef idx="0"/>
+    <cs:effectRef idx="0"/>
+    <cs:fontRef idx="minor">
+      <a:schemeClr val="lt1"/>
+    </cs:fontRef>
+    <cs:spPr>
+      <a:ln w="19050" cap="rnd">
+        <a:solidFill>
+          <a:schemeClr val="phClr"/>
+        </a:solidFill>
+      </a:ln>
+    </cs:spPr>
+  </cs:trendline>
+  <cs:trendlineLabel>
+    <cs:lnRef idx="0"/>
+    <cs:fillRef idx="0"/>
+    <cs:effectRef idx="0"/>
+    <cs:fontRef idx="minor">
+      <a:schemeClr val="tx1">
+        <a:lumMod val="65000"/>
+        <a:lumOff val="35000"/>
+      </a:schemeClr>
+    </cs:fontRef>
+    <cs:defRPr sz="1197" kern="1200"/>
+  </cs:trendlineLabel>
+  <cs:upBar>
+    <cs:lnRef idx="0"/>
+    <cs:fillRef idx="0"/>
+    <cs:effectRef idx="0"/>
+    <cs:fontRef idx="minor">
+      <a:schemeClr val="dk1"/>
+    </cs:fontRef>
+    <cs:spPr>
+      <a:solidFill>
+        <a:schemeClr val="lt1"/>
+      </a:solidFill>
+      <a:ln w="9525">
+        <a:solidFill>
+          <a:schemeClr val="tx1">
+            <a:lumMod val="15000"/>
+            <a:lumOff val="85000"/>
+          </a:schemeClr>
+        </a:solidFill>
+      </a:ln>
+    </cs:spPr>
+  </cs:upBar>
+  <cs:valueAxis>
+    <cs:lnRef idx="0"/>
+    <cs:fillRef idx="0"/>
+    <cs:effectRef idx="0"/>
+    <cs:fontRef idx="minor">
+      <a:schemeClr val="tx1">
+        <a:lumMod val="65000"/>
+        <a:lumOff val="35000"/>
+      </a:schemeClr>
+    </cs:fontRef>
+    <cs:defRPr sz="1197" kern="1200"/>
+  </cs:valueAxis>
+  <cs:wall>
+    <cs:lnRef idx="0"/>
+    <cs:fillRef idx="0"/>
+    <cs:effectRef idx="0"/>
+    <cs:fontRef idx="minor">
+      <a:schemeClr val="lt1"/>
+    </cs:fontRef>
+  </cs:wall>
+</cs:chartStyle>
+</file>
+
 <file path=ppt/notesMasters/notesMaster1.xml><?xml version="1.0" encoding="utf-8"?>
 <p:notesMaster xmlns:a="http://schemas.openxmlformats.org/drawingml/2006/main" xmlns:r="http://schemas.openxmlformats.org/officeDocument/2006/relationships" xmlns:p="http://schemas.openxmlformats.org/presentationml/2006/main">
   <p:cSld>
@@ -201,7 +1257,7 @@
           <a:p>
             <a:fld id="{94BE676F-555C-AE4D-B3E0-F8BCFFB2C399}" type="datetimeFigureOut">
               <a:rPr lang="en-US" smtClean="0"/>
-              <a:t>10/16/2017</a:t>
+              <a:t>10/22/2017</a:t>
             </a:fld>
             <a:endParaRPr lang="en-US"/>
           </a:p>
@@ -970,7 +2026,7 @@
           <a:p>
             <a:fld id="{8AEB1F6E-BE39-9349-BC16-46503606C6CE}" type="datetimeFigureOut">
               <a:rPr lang="en-US" smtClean="0"/>
-              <a:t>10/16/2017</a:t>
+              <a:t>10/22/2017</a:t>
             </a:fld>
             <a:endParaRPr lang="en-US"/>
           </a:p>
@@ -1261,7 +2317,7 @@
           <a:p>
             <a:fld id="{8AEB1F6E-BE39-9349-BC16-46503606C6CE}" type="datetimeFigureOut">
               <a:rPr lang="en-US" smtClean="0"/>
-              <a:t>10/16/2017</a:t>
+              <a:t>10/22/2017</a:t>
             </a:fld>
             <a:endParaRPr lang="en-US"/>
           </a:p>
@@ -1504,7 +2560,7 @@
           <a:p>
             <a:fld id="{8AEB1F6E-BE39-9349-BC16-46503606C6CE}" type="datetimeFigureOut">
               <a:rPr lang="en-US" smtClean="0"/>
-              <a:t>10/16/2017</a:t>
+              <a:t>10/22/2017</a:t>
             </a:fld>
             <a:endParaRPr lang="en-US"/>
           </a:p>
@@ -2039,7 +3095,7 @@
           <a:p>
             <a:fld id="{8AEB1F6E-BE39-9349-BC16-46503606C6CE}" type="datetimeFigureOut">
               <a:rPr lang="en-US" smtClean="0"/>
-              <a:t>10/16/2017</a:t>
+              <a:t>10/22/2017</a:t>
             </a:fld>
             <a:endParaRPr lang="en-US"/>
           </a:p>
@@ -2282,7 +3338,7 @@
           <a:p>
             <a:fld id="{8AEB1F6E-BE39-9349-BC16-46503606C6CE}" type="datetimeFigureOut">
               <a:rPr lang="en-US" smtClean="0"/>
-              <a:t>10/16/2017</a:t>
+              <a:t>10/22/2017</a:t>
             </a:fld>
             <a:endParaRPr lang="en-US"/>
           </a:p>
@@ -2809,7 +3865,7 @@
           <a:p>
             <a:fld id="{8AEB1F6E-BE39-9349-BC16-46503606C6CE}" type="datetimeFigureOut">
               <a:rPr lang="en-US" smtClean="0"/>
-              <a:t>10/16/2017</a:t>
+              <a:t>10/22/2017</a:t>
             </a:fld>
             <a:endParaRPr lang="en-US"/>
           </a:p>
@@ -3101,7 +4157,7 @@
           <a:p>
             <a:fld id="{8AEB1F6E-BE39-9349-BC16-46503606C6CE}" type="datetimeFigureOut">
               <a:rPr lang="en-US" smtClean="0"/>
-              <a:t>10/16/2017</a:t>
+              <a:t>10/22/2017</a:t>
             </a:fld>
             <a:endParaRPr lang="en-US"/>
           </a:p>
@@ -3270,7 +4326,7 @@
           <a:p>
             <a:fld id="{8AEB1F6E-BE39-9349-BC16-46503606C6CE}" type="datetimeFigureOut">
               <a:rPr lang="en-US" smtClean="0"/>
-              <a:t>10/16/2017</a:t>
+              <a:t>10/22/2017</a:t>
             </a:fld>
             <a:endParaRPr lang="en-US"/>
           </a:p>
@@ -3445,7 +4501,7 @@
           <a:p>
             <a:fld id="{8AEB1F6E-BE39-9349-BC16-46503606C6CE}" type="datetimeFigureOut">
               <a:rPr lang="en-US" smtClean="0"/>
-              <a:t>10/16/2017</a:t>
+              <a:t>10/22/2017</a:t>
             </a:fld>
             <a:endParaRPr lang="en-US"/>
           </a:p>
@@ -3651,7 +4707,7 @@
           <a:p>
             <a:fld id="{8AEB1F6E-BE39-9349-BC16-46503606C6CE}" type="datetimeFigureOut">
               <a:rPr lang="en-US" smtClean="0"/>
-              <a:t>10/16/2017</a:t>
+              <a:t>10/22/2017</a:t>
             </a:fld>
             <a:endParaRPr lang="en-US"/>
           </a:p>
@@ -3897,7 +4953,7 @@
           <a:p>
             <a:fld id="{8AEB1F6E-BE39-9349-BC16-46503606C6CE}" type="datetimeFigureOut">
               <a:rPr lang="en-US" smtClean="0"/>
-              <a:t>10/16/2017</a:t>
+              <a:t>10/22/2017</a:t>
             </a:fld>
             <a:endParaRPr lang="en-US"/>
           </a:p>
@@ -4239,7 +5295,7 @@
           <a:p>
             <a:fld id="{8AEB1F6E-BE39-9349-BC16-46503606C6CE}" type="datetimeFigureOut">
               <a:rPr lang="en-US" smtClean="0"/>
-              <a:t>10/16/2017</a:t>
+              <a:t>10/22/2017</a:t>
             </a:fld>
             <a:endParaRPr lang="en-US"/>
           </a:p>
@@ -4726,7 +5782,7 @@
           <a:p>
             <a:fld id="{8AEB1F6E-BE39-9349-BC16-46503606C6CE}" type="datetimeFigureOut">
               <a:rPr lang="en-US" smtClean="0"/>
-              <a:t>10/16/2017</a:t>
+              <a:t>10/22/2017</a:t>
             </a:fld>
             <a:endParaRPr lang="en-US"/>
           </a:p>
@@ -4839,7 +5895,7 @@
           <a:p>
             <a:fld id="{8AEB1F6E-BE39-9349-BC16-46503606C6CE}" type="datetimeFigureOut">
               <a:rPr lang="en-US" smtClean="0"/>
-              <a:t>10/16/2017</a:t>
+              <a:t>10/22/2017</a:t>
             </a:fld>
             <a:endParaRPr lang="en-US"/>
           </a:p>
@@ -4929,7 +5985,7 @@
           <a:p>
             <a:fld id="{8AEB1F6E-BE39-9349-BC16-46503606C6CE}" type="datetimeFigureOut">
               <a:rPr lang="en-US" smtClean="0"/>
-              <a:t>10/16/2017</a:t>
+              <a:t>10/22/2017</a:t>
             </a:fld>
             <a:endParaRPr lang="en-US"/>
           </a:p>
@@ -5207,7 +6263,7 @@
           <a:p>
             <a:fld id="{8AEB1F6E-BE39-9349-BC16-46503606C6CE}" type="datetimeFigureOut">
               <a:rPr lang="en-US" smtClean="0"/>
-              <a:t>10/16/2017</a:t>
+              <a:t>10/22/2017</a:t>
             </a:fld>
             <a:endParaRPr lang="en-US"/>
           </a:p>
@@ -5493,7 +6549,7 @@
           <a:p>
             <a:fld id="{8AEB1F6E-BE39-9349-BC16-46503606C6CE}" type="datetimeFigureOut">
               <a:rPr lang="en-US" smtClean="0"/>
-              <a:t>10/16/2017</a:t>
+              <a:t>10/22/2017</a:t>
             </a:fld>
             <a:endParaRPr lang="en-US"/>
           </a:p>
@@ -6018,7 +7074,7 @@
           <a:p>
             <a:fld id="{8AEB1F6E-BE39-9349-BC16-46503606C6CE}" type="datetimeFigureOut">
               <a:rPr lang="en-US" smtClean="0"/>
-              <a:t>10/16/2017</a:t>
+              <a:t>10/22/2017</a:t>
             </a:fld>
             <a:endParaRPr lang="en-US"/>
           </a:p>
@@ -6581,12 +7637,6 @@
               <a:t>Mathieu Renaud</a:t>
             </a:r>
           </a:p>
-          <a:p>
-            <a:r>
-              <a:rPr lang="en-US" dirty="0"/>
-              <a:t>test</a:t>
-            </a:r>
-          </a:p>
         </p:txBody>
       </p:sp>
       <p:pic>
@@ -6683,6 +7733,3267 @@
     <p:extLst>
       <p:ext uri="{BB962C8B-B14F-4D97-AF65-F5344CB8AC3E}">
         <p14:creationId xmlns:p14="http://schemas.microsoft.com/office/powerpoint/2010/main" val="305000610"/>
+      </p:ext>
+    </p:extLst>
+  </p:cSld>
+  <p:clrMapOvr>
+    <a:masterClrMapping/>
+  </p:clrMapOvr>
+</p:sld>
+</file>
+
+<file path=ppt/slides/slide10.xml><?xml version="1.0" encoding="utf-8"?>
+<p:sld xmlns:a="http://schemas.openxmlformats.org/drawingml/2006/main" xmlns:r="http://schemas.openxmlformats.org/officeDocument/2006/relationships" xmlns:p="http://schemas.openxmlformats.org/presentationml/2006/main">
+  <p:cSld>
+    <p:spTree>
+      <p:nvGrpSpPr>
+        <p:cNvPr id="1" name=""/>
+        <p:cNvGrpSpPr/>
+        <p:nvPr/>
+      </p:nvGrpSpPr>
+      <p:grpSpPr>
+        <a:xfrm>
+          <a:off x="0" y="0"/>
+          <a:ext cx="0" cy="0"/>
+          <a:chOff x="0" y="0"/>
+          <a:chExt cx="0" cy="0"/>
+        </a:xfrm>
+      </p:grpSpPr>
+      <p:sp>
+        <p:nvSpPr>
+          <p:cNvPr id="2" name="Title 1"/>
+          <p:cNvSpPr>
+            <a:spLocks noGrp="1"/>
+          </p:cNvSpPr>
+          <p:nvPr>
+            <p:ph type="title"/>
+          </p:nvPr>
+        </p:nvSpPr>
+        <p:spPr/>
+        <p:txBody>
+          <a:bodyPr/>
+          <a:lstStyle/>
+          <a:p>
+            <a:r>
+              <a:rPr lang="en-US" dirty="0" err="1"/>
+              <a:t>Sauvegarder</a:t>
+            </a:r>
+            <a:r>
+              <a:rPr lang="en-US" dirty="0"/>
+              <a:t> </a:t>
+            </a:r>
+            <a:r>
+              <a:rPr lang="en-US" dirty="0" err="1"/>
+              <a:t>une</a:t>
+            </a:r>
+            <a:r>
+              <a:rPr lang="en-US" dirty="0"/>
+              <a:t> version</a:t>
+            </a:r>
+          </a:p>
+        </p:txBody>
+      </p:sp>
+      <p:sp>
+        <p:nvSpPr>
+          <p:cNvPr id="3" name="Content Placeholder 2"/>
+          <p:cNvSpPr>
+            <a:spLocks noGrp="1"/>
+          </p:cNvSpPr>
+          <p:nvPr>
+            <p:ph idx="1"/>
+          </p:nvPr>
+        </p:nvSpPr>
+        <p:spPr>
+          <a:xfrm>
+            <a:off x="1484310" y="1043682"/>
+            <a:ext cx="10018713" cy="3124201"/>
+          </a:xfrm>
+        </p:spPr>
+        <p:txBody>
+          <a:bodyPr/>
+          <a:lstStyle/>
+          <a:p>
+            <a:r>
+              <a:rPr lang="en-US" dirty="0"/>
+              <a:t>Les </a:t>
+            </a:r>
+            <a:r>
+              <a:rPr lang="en-US" dirty="0" err="1"/>
+              <a:t>commandes</a:t>
+            </a:r>
+            <a:r>
+              <a:rPr lang="en-US" dirty="0"/>
+              <a:t> ”</a:t>
+            </a:r>
+            <a:r>
+              <a:rPr lang="en-US" dirty="0" err="1"/>
+              <a:t>git</a:t>
+            </a:r>
+            <a:r>
+              <a:rPr lang="en-US" dirty="0"/>
+              <a:t> add .” et ”</a:t>
+            </a:r>
+            <a:r>
+              <a:rPr lang="en-US" dirty="0" err="1"/>
+              <a:t>git</a:t>
+            </a:r>
+            <a:r>
+              <a:rPr lang="en-US" dirty="0"/>
+              <a:t> commit”</a:t>
+            </a:r>
+          </a:p>
+        </p:txBody>
+      </p:sp>
+      <p:pic>
+        <p:nvPicPr>
+          <p:cNvPr id="4" name="Picture 3"/>
+          <p:cNvPicPr>
+            <a:picLocks noChangeAspect="1"/>
+          </p:cNvPicPr>
+          <p:nvPr/>
+        </p:nvPicPr>
+        <p:blipFill>
+          <a:blip r:embed="rId2">
+            <a:extLst>
+              <a:ext uri="{28A0092B-C50C-407E-A947-70E740481C1C}">
+                <a14:useLocalDpi xmlns:a14="http://schemas.microsoft.com/office/drawing/2010/main" val="0"/>
+              </a:ext>
+            </a:extLst>
+          </a:blip>
+          <a:stretch>
+            <a:fillRect/>
+          </a:stretch>
+        </p:blipFill>
+        <p:spPr>
+          <a:xfrm>
+            <a:off x="2353781" y="3395469"/>
+            <a:ext cx="1981200" cy="215900"/>
+          </a:xfrm>
+          <a:prstGeom prst="rect">
+            <a:avLst/>
+          </a:prstGeom>
+          <a:ln>
+            <a:noFill/>
+          </a:ln>
+          <a:effectLst>
+            <a:outerShdw blurRad="292100" dist="139700" dir="2700000" algn="tl" rotWithShape="0">
+              <a:srgbClr val="333333">
+                <a:alpha val="65000"/>
+              </a:srgbClr>
+            </a:outerShdw>
+          </a:effectLst>
+        </p:spPr>
+      </p:pic>
+      <p:pic>
+        <p:nvPicPr>
+          <p:cNvPr id="5" name="Picture 4"/>
+          <p:cNvPicPr>
+            <a:picLocks noChangeAspect="1"/>
+          </p:cNvPicPr>
+          <p:nvPr/>
+        </p:nvPicPr>
+        <p:blipFill>
+          <a:blip r:embed="rId3">
+            <a:extLst>
+              <a:ext uri="{28A0092B-C50C-407E-A947-70E740481C1C}">
+                <a14:useLocalDpi xmlns:a14="http://schemas.microsoft.com/office/drawing/2010/main" val="0"/>
+              </a:ext>
+            </a:extLst>
+          </a:blip>
+          <a:stretch>
+            <a:fillRect/>
+          </a:stretch>
+        </p:blipFill>
+        <p:spPr>
+          <a:xfrm>
+            <a:off x="2353781" y="3719604"/>
+            <a:ext cx="3683000" cy="876300"/>
+          </a:xfrm>
+          <a:prstGeom prst="rect">
+            <a:avLst/>
+          </a:prstGeom>
+          <a:ln>
+            <a:noFill/>
+          </a:ln>
+          <a:effectLst>
+            <a:outerShdw blurRad="292100" dist="139700" dir="2700000" algn="tl" rotWithShape="0">
+              <a:srgbClr val="333333">
+                <a:alpha val="65000"/>
+              </a:srgbClr>
+            </a:outerShdw>
+          </a:effectLst>
+        </p:spPr>
+      </p:pic>
+      <p:pic>
+        <p:nvPicPr>
+          <p:cNvPr id="6" name="Picture 5"/>
+          <p:cNvPicPr/>
+          <p:nvPr/>
+        </p:nvPicPr>
+        <p:blipFill>
+          <a:blip r:embed="rId4">
+            <a:extLst>
+              <a:ext uri="{28A0092B-C50C-407E-A947-70E740481C1C}">
+                <a14:useLocalDpi xmlns:a14="http://schemas.microsoft.com/office/drawing/2010/main" val="0"/>
+              </a:ext>
+            </a:extLst>
+          </a:blip>
+          <a:stretch>
+            <a:fillRect/>
+          </a:stretch>
+        </p:blipFill>
+        <p:spPr>
+          <a:xfrm>
+            <a:off x="6906252" y="3006141"/>
+            <a:ext cx="4177548" cy="2303225"/>
+          </a:xfrm>
+          <a:prstGeom prst="rect">
+            <a:avLst/>
+          </a:prstGeom>
+        </p:spPr>
+      </p:pic>
+    </p:spTree>
+    <p:extLst>
+      <p:ext uri="{BB962C8B-B14F-4D97-AF65-F5344CB8AC3E}">
+        <p14:creationId xmlns:p14="http://schemas.microsoft.com/office/powerpoint/2010/main" val="632227306"/>
+      </p:ext>
+    </p:extLst>
+  </p:cSld>
+  <p:clrMapOvr>
+    <a:masterClrMapping/>
+  </p:clrMapOvr>
+</p:sld>
+</file>
+
+<file path=ppt/slides/slide11.xml><?xml version="1.0" encoding="utf-8"?>
+<p:sld xmlns:a="http://schemas.openxmlformats.org/drawingml/2006/main" xmlns:r="http://schemas.openxmlformats.org/officeDocument/2006/relationships" xmlns:p="http://schemas.openxmlformats.org/presentationml/2006/main">
+  <p:cSld>
+    <p:spTree>
+      <p:nvGrpSpPr>
+        <p:cNvPr id="1" name=""/>
+        <p:cNvGrpSpPr/>
+        <p:nvPr/>
+      </p:nvGrpSpPr>
+      <p:grpSpPr>
+        <a:xfrm>
+          <a:off x="0" y="0"/>
+          <a:ext cx="0" cy="0"/>
+          <a:chOff x="0" y="0"/>
+          <a:chExt cx="0" cy="0"/>
+        </a:xfrm>
+      </p:grpSpPr>
+      <p:sp>
+        <p:nvSpPr>
+          <p:cNvPr id="2" name="Title 1"/>
+          <p:cNvSpPr>
+            <a:spLocks noGrp="1"/>
+          </p:cNvSpPr>
+          <p:nvPr>
+            <p:ph type="title"/>
+          </p:nvPr>
+        </p:nvSpPr>
+        <p:spPr/>
+        <p:txBody>
+          <a:bodyPr/>
+          <a:lstStyle/>
+          <a:p>
+            <a:r>
+              <a:rPr lang="en-US" dirty="0"/>
+              <a:t>Le </a:t>
+            </a:r>
+            <a:r>
+              <a:rPr lang="en-US" dirty="0" err="1"/>
+              <a:t>génie</a:t>
+            </a:r>
+            <a:r>
+              <a:rPr lang="en-US" dirty="0"/>
+              <a:t> de </a:t>
+            </a:r>
+            <a:r>
+              <a:rPr lang="en-US" dirty="0" err="1"/>
+              <a:t>Git</a:t>
+            </a:r>
+            <a:endParaRPr lang="en-US" dirty="0"/>
+          </a:p>
+        </p:txBody>
+      </p:sp>
+      <p:sp>
+        <p:nvSpPr>
+          <p:cNvPr id="3" name="Content Placeholder 2"/>
+          <p:cNvSpPr>
+            <a:spLocks noGrp="1"/>
+          </p:cNvSpPr>
+          <p:nvPr>
+            <p:ph idx="1"/>
+          </p:nvPr>
+        </p:nvSpPr>
+        <p:spPr>
+          <a:xfrm>
+            <a:off x="1484311" y="876298"/>
+            <a:ext cx="10018713" cy="3124201"/>
+          </a:xfrm>
+        </p:spPr>
+        <p:txBody>
+          <a:bodyPr/>
+          <a:lstStyle/>
+          <a:p>
+            <a:r>
+              <a:rPr lang="en-US" dirty="0"/>
+              <a:t>Je </a:t>
+            </a:r>
+            <a:r>
+              <a:rPr lang="en-US" dirty="0" err="1"/>
+              <a:t>retourne</a:t>
+            </a:r>
+            <a:r>
+              <a:rPr lang="en-US" dirty="0"/>
+              <a:t> sur la </a:t>
+            </a:r>
+            <a:r>
+              <a:rPr lang="en-US" dirty="0" err="1"/>
+              <a:t>branche</a:t>
+            </a:r>
+            <a:r>
+              <a:rPr lang="en-US" dirty="0"/>
+              <a:t> master</a:t>
+            </a:r>
+          </a:p>
+        </p:txBody>
+      </p:sp>
+      <p:pic>
+        <p:nvPicPr>
+          <p:cNvPr id="4" name="Picture 3"/>
+          <p:cNvPicPr>
+            <a:picLocks noChangeAspect="1"/>
+          </p:cNvPicPr>
+          <p:nvPr/>
+        </p:nvPicPr>
+        <p:blipFill>
+          <a:blip r:embed="rId2">
+            <a:extLst>
+              <a:ext uri="{28A0092B-C50C-407E-A947-70E740481C1C}">
+                <a14:useLocalDpi xmlns:a14="http://schemas.microsoft.com/office/drawing/2010/main" val="0"/>
+              </a:ext>
+            </a:extLst>
+          </a:blip>
+          <a:stretch>
+            <a:fillRect/>
+          </a:stretch>
+        </p:blipFill>
+        <p:spPr>
+          <a:xfrm>
+            <a:off x="1484311" y="3124199"/>
+            <a:ext cx="5533669" cy="1752599"/>
+          </a:xfrm>
+          <a:prstGeom prst="rect">
+            <a:avLst/>
+          </a:prstGeom>
+        </p:spPr>
+      </p:pic>
+      <p:pic>
+        <p:nvPicPr>
+          <p:cNvPr id="5" name="Picture 4"/>
+          <p:cNvPicPr>
+            <a:picLocks noChangeAspect="1"/>
+          </p:cNvPicPr>
+          <p:nvPr/>
+        </p:nvPicPr>
+        <p:blipFill>
+          <a:blip r:embed="rId3">
+            <a:extLst>
+              <a:ext uri="{28A0092B-C50C-407E-A947-70E740481C1C}">
+                <a14:useLocalDpi xmlns:a14="http://schemas.microsoft.com/office/drawing/2010/main" val="0"/>
+              </a:ext>
+            </a:extLst>
+          </a:blip>
+          <a:stretch>
+            <a:fillRect/>
+          </a:stretch>
+        </p:blipFill>
+        <p:spPr>
+          <a:xfrm>
+            <a:off x="7238360" y="2438398"/>
+            <a:ext cx="4264664" cy="2952459"/>
+          </a:xfrm>
+          <a:prstGeom prst="rect">
+            <a:avLst/>
+          </a:prstGeom>
+          <a:ln>
+            <a:noFill/>
+          </a:ln>
+          <a:effectLst>
+            <a:outerShdw blurRad="292100" dist="139700" dir="2700000" algn="tl" rotWithShape="0">
+              <a:srgbClr val="333333">
+                <a:alpha val="65000"/>
+              </a:srgbClr>
+            </a:outerShdw>
+          </a:effectLst>
+        </p:spPr>
+      </p:pic>
+    </p:spTree>
+    <p:extLst>
+      <p:ext uri="{BB962C8B-B14F-4D97-AF65-F5344CB8AC3E}">
+        <p14:creationId xmlns:p14="http://schemas.microsoft.com/office/powerpoint/2010/main" val="1259623558"/>
+      </p:ext>
+    </p:extLst>
+  </p:cSld>
+  <p:clrMapOvr>
+    <a:masterClrMapping/>
+  </p:clrMapOvr>
+</p:sld>
+</file>
+
+<file path=ppt/slides/slide12.xml><?xml version="1.0" encoding="utf-8"?>
+<p:sld xmlns:a="http://schemas.openxmlformats.org/drawingml/2006/main" xmlns:r="http://schemas.openxmlformats.org/officeDocument/2006/relationships" xmlns:p="http://schemas.openxmlformats.org/presentationml/2006/main">
+  <p:cSld>
+    <p:spTree>
+      <p:nvGrpSpPr>
+        <p:cNvPr id="1" name=""/>
+        <p:cNvGrpSpPr/>
+        <p:nvPr/>
+      </p:nvGrpSpPr>
+      <p:grpSpPr>
+        <a:xfrm>
+          <a:off x="0" y="0"/>
+          <a:ext cx="0" cy="0"/>
+          <a:chOff x="0" y="0"/>
+          <a:chExt cx="0" cy="0"/>
+        </a:xfrm>
+      </p:grpSpPr>
+      <p:sp>
+        <p:nvSpPr>
+          <p:cNvPr id="2" name="Title 1"/>
+          <p:cNvSpPr>
+            <a:spLocks noGrp="1"/>
+          </p:cNvSpPr>
+          <p:nvPr>
+            <p:ph type="title"/>
+          </p:nvPr>
+        </p:nvSpPr>
+        <p:spPr/>
+        <p:txBody>
+          <a:bodyPr/>
+          <a:lstStyle/>
+          <a:p>
+            <a:r>
+              <a:rPr lang="en-US" dirty="0" err="1"/>
+              <a:t>Fusionner</a:t>
+            </a:r>
+            <a:r>
+              <a:rPr lang="en-US" dirty="0"/>
+              <a:t> les branches</a:t>
+            </a:r>
+          </a:p>
+        </p:txBody>
+      </p:sp>
+      <p:sp>
+        <p:nvSpPr>
+          <p:cNvPr id="3" name="Content Placeholder 2"/>
+          <p:cNvSpPr>
+            <a:spLocks noGrp="1"/>
+          </p:cNvSpPr>
+          <p:nvPr>
+            <p:ph idx="1"/>
+          </p:nvPr>
+        </p:nvSpPr>
+        <p:spPr>
+          <a:xfrm>
+            <a:off x="1484311" y="1228617"/>
+            <a:ext cx="10018713" cy="3124201"/>
+          </a:xfrm>
+        </p:spPr>
+        <p:txBody>
+          <a:bodyPr/>
+          <a:lstStyle/>
+          <a:p>
+            <a:r>
+              <a:rPr lang="en-US" dirty="0" err="1"/>
+              <a:t>Lorsque</a:t>
+            </a:r>
+            <a:r>
+              <a:rPr lang="en-US" dirty="0"/>
+              <a:t> la version de la </a:t>
+            </a:r>
+            <a:r>
+              <a:rPr lang="en-US" dirty="0" err="1"/>
+              <a:t>branche</a:t>
+            </a:r>
+            <a:r>
+              <a:rPr lang="en-US" dirty="0"/>
+              <a:t> </a:t>
+            </a:r>
+            <a:r>
+              <a:rPr lang="en-US" dirty="0" err="1"/>
+              <a:t>est</a:t>
+            </a:r>
+            <a:r>
+              <a:rPr lang="en-US" dirty="0"/>
+              <a:t> stable</a:t>
+            </a:r>
+          </a:p>
+          <a:p>
+            <a:r>
+              <a:rPr lang="en-US" dirty="0"/>
+              <a:t>On </a:t>
+            </a:r>
+            <a:r>
+              <a:rPr lang="en-US" dirty="0" err="1"/>
+              <a:t>veut</a:t>
+            </a:r>
+            <a:r>
+              <a:rPr lang="en-US" dirty="0"/>
+              <a:t> que </a:t>
+            </a:r>
+            <a:r>
+              <a:rPr lang="en-US" dirty="0" err="1"/>
+              <a:t>notre</a:t>
+            </a:r>
+            <a:r>
+              <a:rPr lang="en-US" dirty="0"/>
+              <a:t> travail </a:t>
+            </a:r>
+            <a:r>
+              <a:rPr lang="en-US" dirty="0" err="1"/>
+              <a:t>soit</a:t>
+            </a:r>
+            <a:r>
+              <a:rPr lang="en-US" dirty="0"/>
+              <a:t> sur le </a:t>
+            </a:r>
+            <a:r>
+              <a:rPr lang="en-US" dirty="0" err="1"/>
+              <a:t>produit</a:t>
+            </a:r>
+            <a:r>
+              <a:rPr lang="en-US" dirty="0"/>
+              <a:t> final</a:t>
+            </a:r>
+          </a:p>
+        </p:txBody>
+      </p:sp>
+      <p:pic>
+        <p:nvPicPr>
+          <p:cNvPr id="4" name="Picture 3"/>
+          <p:cNvPicPr>
+            <a:picLocks noChangeAspect="1"/>
+          </p:cNvPicPr>
+          <p:nvPr/>
+        </p:nvPicPr>
+        <p:blipFill>
+          <a:blip r:embed="rId2">
+            <a:extLst>
+              <a:ext uri="{28A0092B-C50C-407E-A947-70E740481C1C}">
+                <a14:useLocalDpi xmlns:a14="http://schemas.microsoft.com/office/drawing/2010/main" val="0"/>
+              </a:ext>
+            </a:extLst>
+          </a:blip>
+          <a:stretch>
+            <a:fillRect/>
+          </a:stretch>
+        </p:blipFill>
+        <p:spPr>
+          <a:xfrm>
+            <a:off x="1864454" y="3546012"/>
+            <a:ext cx="4341483" cy="2053404"/>
+          </a:xfrm>
+          <a:prstGeom prst="rect">
+            <a:avLst/>
+          </a:prstGeom>
+          <a:ln>
+            <a:noFill/>
+          </a:ln>
+          <a:effectLst>
+            <a:outerShdw blurRad="292100" dist="139700" dir="2700000" algn="tl" rotWithShape="0">
+              <a:srgbClr val="333333">
+                <a:alpha val="65000"/>
+              </a:srgbClr>
+            </a:outerShdw>
+          </a:effectLst>
+        </p:spPr>
+      </p:pic>
+      <p:pic>
+        <p:nvPicPr>
+          <p:cNvPr id="5" name="Picture 4"/>
+          <p:cNvPicPr>
+            <a:picLocks noChangeAspect="1"/>
+          </p:cNvPicPr>
+          <p:nvPr/>
+        </p:nvPicPr>
+        <p:blipFill>
+          <a:blip r:embed="rId3">
+            <a:extLst>
+              <a:ext uri="{28A0092B-C50C-407E-A947-70E740481C1C}">
+                <a14:useLocalDpi xmlns:a14="http://schemas.microsoft.com/office/drawing/2010/main" val="0"/>
+              </a:ext>
+            </a:extLst>
+          </a:blip>
+          <a:stretch>
+            <a:fillRect/>
+          </a:stretch>
+        </p:blipFill>
+        <p:spPr>
+          <a:xfrm>
+            <a:off x="6852841" y="3546012"/>
+            <a:ext cx="4142623" cy="2053404"/>
+          </a:xfrm>
+          <a:prstGeom prst="rect">
+            <a:avLst/>
+          </a:prstGeom>
+          <a:ln>
+            <a:noFill/>
+          </a:ln>
+          <a:effectLst>
+            <a:outerShdw blurRad="292100" dist="139700" dir="2700000" algn="tl" rotWithShape="0">
+              <a:srgbClr val="333333">
+                <a:alpha val="65000"/>
+              </a:srgbClr>
+            </a:outerShdw>
+          </a:effectLst>
+        </p:spPr>
+      </p:pic>
+    </p:spTree>
+    <p:extLst>
+      <p:ext uri="{BB962C8B-B14F-4D97-AF65-F5344CB8AC3E}">
+        <p14:creationId xmlns:p14="http://schemas.microsoft.com/office/powerpoint/2010/main" val="290860016"/>
+      </p:ext>
+    </p:extLst>
+  </p:cSld>
+  <p:clrMapOvr>
+    <a:masterClrMapping/>
+  </p:clrMapOvr>
+</p:sld>
+</file>
+
+<file path=ppt/slides/slide13.xml><?xml version="1.0" encoding="utf-8"?>
+<p:sld xmlns:a="http://schemas.openxmlformats.org/drawingml/2006/main" xmlns:r="http://schemas.openxmlformats.org/officeDocument/2006/relationships" xmlns:p="http://schemas.openxmlformats.org/presentationml/2006/main">
+  <p:cSld>
+    <p:spTree>
+      <p:nvGrpSpPr>
+        <p:cNvPr id="1" name=""/>
+        <p:cNvGrpSpPr/>
+        <p:nvPr/>
+      </p:nvGrpSpPr>
+      <p:grpSpPr>
+        <a:xfrm>
+          <a:off x="0" y="0"/>
+          <a:ext cx="0" cy="0"/>
+          <a:chOff x="0" y="0"/>
+          <a:chExt cx="0" cy="0"/>
+        </a:xfrm>
+      </p:grpSpPr>
+      <p:sp>
+        <p:nvSpPr>
+          <p:cNvPr id="2" name="Title 1"/>
+          <p:cNvSpPr>
+            <a:spLocks noGrp="1"/>
+          </p:cNvSpPr>
+          <p:nvPr>
+            <p:ph type="title"/>
+          </p:nvPr>
+        </p:nvSpPr>
+        <p:spPr/>
+        <p:txBody>
+          <a:bodyPr/>
+          <a:lstStyle/>
+          <a:p>
+            <a:r>
+              <a:rPr lang="en-US" dirty="0" err="1"/>
+              <a:t>Recevoir</a:t>
+            </a:r>
+            <a:r>
+              <a:rPr lang="en-US" dirty="0"/>
+              <a:t>/</a:t>
+            </a:r>
+            <a:r>
+              <a:rPr lang="en-US" dirty="0" err="1"/>
+              <a:t>Envoyer</a:t>
+            </a:r>
+            <a:r>
+              <a:rPr lang="en-US" dirty="0"/>
+              <a:t> </a:t>
+            </a:r>
+            <a:r>
+              <a:rPr lang="en-US" dirty="0" err="1"/>
+              <a:t>notre</a:t>
+            </a:r>
+            <a:r>
+              <a:rPr lang="en-US" dirty="0"/>
+              <a:t> version </a:t>
+            </a:r>
+            <a:r>
+              <a:rPr lang="en-US" dirty="0" err="1"/>
+              <a:t>vers</a:t>
+            </a:r>
+            <a:r>
+              <a:rPr lang="en-US" dirty="0"/>
+              <a:t> GitHub</a:t>
+            </a:r>
+          </a:p>
+        </p:txBody>
+      </p:sp>
+      <p:sp>
+        <p:nvSpPr>
+          <p:cNvPr id="3" name="Content Placeholder 2"/>
+          <p:cNvSpPr>
+            <a:spLocks noGrp="1"/>
+          </p:cNvSpPr>
+          <p:nvPr>
+            <p:ph idx="1"/>
+          </p:nvPr>
+        </p:nvSpPr>
+        <p:spPr>
+          <a:xfrm>
+            <a:off x="1484311" y="1331359"/>
+            <a:ext cx="10018713" cy="3124201"/>
+          </a:xfrm>
+        </p:spPr>
+        <p:txBody>
+          <a:bodyPr/>
+          <a:lstStyle/>
+          <a:p>
+            <a:r>
+              <a:rPr lang="en-US" dirty="0"/>
+              <a:t>Pour que </a:t>
+            </a:r>
+            <a:r>
+              <a:rPr lang="en-US" dirty="0" err="1"/>
+              <a:t>l’équipe</a:t>
+            </a:r>
+            <a:r>
+              <a:rPr lang="en-US" dirty="0"/>
+              <a:t> </a:t>
+            </a:r>
+            <a:r>
+              <a:rPr lang="en-US" dirty="0" err="1"/>
+              <a:t>soit</a:t>
+            </a:r>
+            <a:r>
+              <a:rPr lang="en-US" dirty="0"/>
+              <a:t> </a:t>
+            </a:r>
+            <a:r>
+              <a:rPr lang="en-US" dirty="0" err="1"/>
+              <a:t>en</a:t>
+            </a:r>
+            <a:r>
+              <a:rPr lang="en-US" dirty="0"/>
+              <a:t> </a:t>
+            </a:r>
+            <a:r>
+              <a:rPr lang="en-US" dirty="0" err="1"/>
+              <a:t>mesure</a:t>
+            </a:r>
+            <a:r>
+              <a:rPr lang="en-US" dirty="0"/>
+              <a:t> de </a:t>
+            </a:r>
+            <a:r>
+              <a:rPr lang="en-US" dirty="0" err="1"/>
+              <a:t>voir</a:t>
+            </a:r>
+            <a:r>
+              <a:rPr lang="en-US" dirty="0"/>
+              <a:t> le travail </a:t>
+            </a:r>
+            <a:r>
+              <a:rPr lang="en-US" dirty="0" err="1"/>
+              <a:t>avancé</a:t>
+            </a:r>
+            <a:endParaRPr lang="en-US" dirty="0"/>
+          </a:p>
+          <a:p>
+            <a:r>
+              <a:rPr lang="en-US" dirty="0" err="1"/>
+              <a:t>Afin</a:t>
+            </a:r>
+            <a:r>
+              <a:rPr lang="en-US" dirty="0"/>
+              <a:t> que </a:t>
+            </a:r>
+            <a:r>
+              <a:rPr lang="en-US" dirty="0" err="1"/>
+              <a:t>vos</a:t>
+            </a:r>
+            <a:r>
+              <a:rPr lang="en-US" dirty="0"/>
+              <a:t> </a:t>
+            </a:r>
+            <a:r>
+              <a:rPr lang="en-US" dirty="0" err="1"/>
+              <a:t>collègues</a:t>
+            </a:r>
+            <a:r>
+              <a:rPr lang="en-US" dirty="0"/>
+              <a:t> </a:t>
+            </a:r>
+            <a:r>
+              <a:rPr lang="en-US" dirty="0" err="1"/>
+              <a:t>puissent</a:t>
+            </a:r>
+            <a:r>
+              <a:rPr lang="en-US" dirty="0"/>
+              <a:t> </a:t>
+            </a:r>
+            <a:r>
+              <a:rPr lang="en-US" dirty="0" err="1"/>
+              <a:t>prendre</a:t>
+            </a:r>
+            <a:r>
+              <a:rPr lang="en-US" dirty="0"/>
+              <a:t> </a:t>
+            </a:r>
+            <a:r>
+              <a:rPr lang="en-US" dirty="0" err="1"/>
+              <a:t>une</a:t>
+            </a:r>
+            <a:r>
+              <a:rPr lang="en-US" dirty="0"/>
+              <a:t> </a:t>
+            </a:r>
+            <a:r>
+              <a:rPr lang="en-US" dirty="0" err="1"/>
+              <a:t>copie</a:t>
+            </a:r>
+            <a:r>
+              <a:rPr lang="en-US" dirty="0"/>
+              <a:t> de </a:t>
+            </a:r>
+            <a:r>
+              <a:rPr lang="en-US" dirty="0" err="1"/>
+              <a:t>votre</a:t>
+            </a:r>
+            <a:r>
+              <a:rPr lang="en-US" dirty="0"/>
+              <a:t> travail et continuer à </a:t>
+            </a:r>
+            <a:r>
+              <a:rPr lang="en-US" dirty="0" err="1"/>
+              <a:t>avancer</a:t>
+            </a:r>
+            <a:r>
+              <a:rPr lang="en-US" dirty="0"/>
+              <a:t> de </a:t>
+            </a:r>
+            <a:r>
+              <a:rPr lang="en-US" dirty="0" err="1"/>
+              <a:t>leur</a:t>
+            </a:r>
+            <a:r>
+              <a:rPr lang="en-US" dirty="0"/>
+              <a:t> </a:t>
+            </a:r>
+            <a:r>
+              <a:rPr lang="en-US" dirty="0" err="1"/>
+              <a:t>côté</a:t>
+            </a:r>
+            <a:r>
+              <a:rPr lang="en-US" dirty="0"/>
+              <a:t>.</a:t>
+            </a:r>
+          </a:p>
+        </p:txBody>
+      </p:sp>
+      <p:pic>
+        <p:nvPicPr>
+          <p:cNvPr id="4" name="Picture 3"/>
+          <p:cNvPicPr>
+            <a:picLocks noChangeAspect="1"/>
+          </p:cNvPicPr>
+          <p:nvPr/>
+        </p:nvPicPr>
+        <p:blipFill>
+          <a:blip r:embed="rId2">
+            <a:extLst>
+              <a:ext uri="{28A0092B-C50C-407E-A947-70E740481C1C}">
+                <a14:useLocalDpi xmlns:a14="http://schemas.microsoft.com/office/drawing/2010/main" val="0"/>
+              </a:ext>
+            </a:extLst>
+          </a:blip>
+          <a:stretch>
+            <a:fillRect/>
+          </a:stretch>
+        </p:blipFill>
+        <p:spPr>
+          <a:xfrm>
+            <a:off x="3432967" y="3788510"/>
+            <a:ext cx="6121400" cy="2184400"/>
+          </a:xfrm>
+          <a:prstGeom prst="rect">
+            <a:avLst/>
+          </a:prstGeom>
+          <a:ln>
+            <a:noFill/>
+          </a:ln>
+          <a:effectLst>
+            <a:outerShdw blurRad="292100" dist="139700" dir="2700000" algn="tl" rotWithShape="0">
+              <a:srgbClr val="333333">
+                <a:alpha val="65000"/>
+              </a:srgbClr>
+            </a:outerShdw>
+          </a:effectLst>
+        </p:spPr>
+      </p:pic>
+      <p:sp>
+        <p:nvSpPr>
+          <p:cNvPr id="6" name="TextBox 5"/>
+          <p:cNvSpPr txBox="1"/>
+          <p:nvPr/>
+        </p:nvSpPr>
+        <p:spPr>
+          <a:xfrm>
+            <a:off x="3443241" y="5558320"/>
+            <a:ext cx="5865145" cy="369332"/>
+          </a:xfrm>
+          <a:prstGeom prst="rect">
+            <a:avLst/>
+          </a:prstGeom>
+          <a:noFill/>
+        </p:spPr>
+        <p:style>
+          <a:lnRef idx="2">
+            <a:schemeClr val="accent2"/>
+          </a:lnRef>
+          <a:fillRef idx="1">
+            <a:schemeClr val="lt1"/>
+          </a:fillRef>
+          <a:effectRef idx="0">
+            <a:schemeClr val="accent2"/>
+          </a:effectRef>
+          <a:fontRef idx="minor">
+            <a:schemeClr val="dk1"/>
+          </a:fontRef>
+        </p:style>
+        <p:txBody>
+          <a:bodyPr wrap="square" rtlCol="0">
+            <a:spAutoFit/>
+          </a:bodyPr>
+          <a:lstStyle/>
+          <a:p>
+            <a:endParaRPr lang="en-US"/>
+          </a:p>
+        </p:txBody>
+      </p:sp>
+    </p:spTree>
+    <p:extLst>
+      <p:ext uri="{BB962C8B-B14F-4D97-AF65-F5344CB8AC3E}">
+        <p14:creationId xmlns:p14="http://schemas.microsoft.com/office/powerpoint/2010/main" val="774876149"/>
+      </p:ext>
+    </p:extLst>
+  </p:cSld>
+  <p:clrMapOvr>
+    <a:masterClrMapping/>
+  </p:clrMapOvr>
+</p:sld>
+</file>
+
+<file path=ppt/slides/slide14.xml><?xml version="1.0" encoding="utf-8"?>
+<p:sld xmlns:a="http://schemas.openxmlformats.org/drawingml/2006/main" xmlns:r="http://schemas.openxmlformats.org/officeDocument/2006/relationships" xmlns:p="http://schemas.openxmlformats.org/presentationml/2006/main">
+  <p:cSld>
+    <p:spTree>
+      <p:nvGrpSpPr>
+        <p:cNvPr id="1" name=""/>
+        <p:cNvGrpSpPr/>
+        <p:nvPr/>
+      </p:nvGrpSpPr>
+      <p:grpSpPr>
+        <a:xfrm>
+          <a:off x="0" y="0"/>
+          <a:ext cx="0" cy="0"/>
+          <a:chOff x="0" y="0"/>
+          <a:chExt cx="0" cy="0"/>
+        </a:xfrm>
+      </p:grpSpPr>
+      <p:sp>
+        <p:nvSpPr>
+          <p:cNvPr id="2" name="Title 1"/>
+          <p:cNvSpPr>
+            <a:spLocks noGrp="1"/>
+          </p:cNvSpPr>
+          <p:nvPr>
+            <p:ph type="title"/>
+          </p:nvPr>
+        </p:nvSpPr>
+        <p:spPr/>
+        <p:txBody>
+          <a:bodyPr/>
+          <a:lstStyle/>
+          <a:p>
+            <a:r>
+              <a:rPr lang="en-US" dirty="0" err="1"/>
+              <a:t>Gérer</a:t>
+            </a:r>
+            <a:r>
+              <a:rPr lang="en-US" dirty="0"/>
+              <a:t> les </a:t>
+            </a:r>
+            <a:r>
+              <a:rPr lang="en-US" dirty="0" err="1"/>
+              <a:t>conflits</a:t>
+            </a:r>
+            <a:r>
+              <a:rPr lang="en-US" dirty="0"/>
+              <a:t> de code</a:t>
+            </a:r>
+          </a:p>
+        </p:txBody>
+      </p:sp>
+      <p:sp>
+        <p:nvSpPr>
+          <p:cNvPr id="3" name="Content Placeholder 2"/>
+          <p:cNvSpPr>
+            <a:spLocks noGrp="1"/>
+          </p:cNvSpPr>
+          <p:nvPr>
+            <p:ph idx="1"/>
+          </p:nvPr>
+        </p:nvSpPr>
+        <p:spPr>
+          <a:xfrm>
+            <a:off x="1484310" y="1423825"/>
+            <a:ext cx="10018713" cy="3124201"/>
+          </a:xfrm>
+        </p:spPr>
+        <p:txBody>
+          <a:bodyPr/>
+          <a:lstStyle/>
+          <a:p>
+            <a:r>
+              <a:rPr lang="en-US" dirty="0"/>
+              <a:t>On </a:t>
+            </a:r>
+            <a:r>
+              <a:rPr lang="en-US" dirty="0" err="1"/>
+              <a:t>comprend</a:t>
+            </a:r>
+            <a:r>
+              <a:rPr lang="en-US" dirty="0"/>
+              <a:t> que </a:t>
+            </a:r>
+            <a:r>
+              <a:rPr lang="en-US" dirty="0" err="1"/>
+              <a:t>quelqu’un</a:t>
+            </a:r>
+            <a:r>
+              <a:rPr lang="en-US" dirty="0"/>
+              <a:t> </a:t>
+            </a:r>
+            <a:r>
+              <a:rPr lang="en-US" dirty="0" err="1"/>
+              <a:t>avait</a:t>
+            </a:r>
+            <a:r>
+              <a:rPr lang="en-US" dirty="0"/>
+              <a:t> déjà fait un “</a:t>
+            </a:r>
+            <a:r>
+              <a:rPr lang="en-US" dirty="0" err="1"/>
+              <a:t>machineacafe.js</a:t>
+            </a:r>
+            <a:r>
+              <a:rPr lang="en-US" dirty="0"/>
+              <a:t>”</a:t>
+            </a:r>
+          </a:p>
+          <a:p>
+            <a:r>
+              <a:rPr lang="en-US" dirty="0" err="1"/>
+              <a:t>Certaines</a:t>
+            </a:r>
+            <a:r>
+              <a:rPr lang="en-US" dirty="0"/>
+              <a:t> </a:t>
+            </a:r>
+            <a:r>
+              <a:rPr lang="en-US" dirty="0" err="1"/>
+              <a:t>lignes</a:t>
+            </a:r>
+            <a:r>
+              <a:rPr lang="en-US" dirty="0"/>
+              <a:t> de code </a:t>
+            </a:r>
+            <a:r>
+              <a:rPr lang="en-US" dirty="0" err="1"/>
+              <a:t>sont</a:t>
+            </a:r>
+            <a:r>
+              <a:rPr lang="en-US" dirty="0"/>
+              <a:t> </a:t>
+            </a:r>
+            <a:r>
+              <a:rPr lang="en-US" dirty="0" err="1"/>
+              <a:t>en</a:t>
+            </a:r>
+            <a:r>
+              <a:rPr lang="en-US" dirty="0"/>
+              <a:t> </a:t>
+            </a:r>
+            <a:r>
+              <a:rPr lang="en-US" dirty="0" err="1"/>
+              <a:t>conflits</a:t>
+            </a:r>
+            <a:endParaRPr lang="en-US" dirty="0"/>
+          </a:p>
+          <a:p>
+            <a:r>
+              <a:rPr lang="en-US" dirty="0" err="1"/>
+              <a:t>Git</a:t>
+            </a:r>
+            <a:r>
+              <a:rPr lang="en-US" dirty="0"/>
+              <a:t> par </a:t>
+            </a:r>
+            <a:r>
+              <a:rPr lang="en-US" dirty="0" err="1"/>
+              <a:t>contre</a:t>
+            </a:r>
+            <a:r>
+              <a:rPr lang="en-US" dirty="0"/>
+              <a:t>, </a:t>
+            </a:r>
+            <a:r>
+              <a:rPr lang="en-US" dirty="0" err="1"/>
+              <a:t>en</a:t>
+            </a:r>
+            <a:r>
+              <a:rPr lang="en-US" dirty="0"/>
+              <a:t> fait la </a:t>
+            </a:r>
+            <a:r>
+              <a:rPr lang="en-US" dirty="0" err="1"/>
+              <a:t>gestion</a:t>
+            </a:r>
+            <a:endParaRPr lang="en-US" dirty="0"/>
+          </a:p>
+        </p:txBody>
+      </p:sp>
+      <p:pic>
+        <p:nvPicPr>
+          <p:cNvPr id="4" name="Picture 3"/>
+          <p:cNvPicPr>
+            <a:picLocks noChangeAspect="1"/>
+          </p:cNvPicPr>
+          <p:nvPr/>
+        </p:nvPicPr>
+        <p:blipFill>
+          <a:blip r:embed="rId2">
+            <a:extLst>
+              <a:ext uri="{28A0092B-C50C-407E-A947-70E740481C1C}">
+                <a14:useLocalDpi xmlns:a14="http://schemas.microsoft.com/office/drawing/2010/main" val="0"/>
+              </a:ext>
+            </a:extLst>
+          </a:blip>
+          <a:stretch>
+            <a:fillRect/>
+          </a:stretch>
+        </p:blipFill>
+        <p:spPr>
+          <a:xfrm>
+            <a:off x="2686229" y="3752044"/>
+            <a:ext cx="7635793" cy="2797037"/>
+          </a:xfrm>
+          <a:prstGeom prst="rect">
+            <a:avLst/>
+          </a:prstGeom>
+          <a:ln>
+            <a:noFill/>
+          </a:ln>
+          <a:effectLst>
+            <a:outerShdw blurRad="292100" dist="139700" dir="2700000" algn="tl" rotWithShape="0">
+              <a:srgbClr val="333333">
+                <a:alpha val="65000"/>
+              </a:srgbClr>
+            </a:outerShdw>
+          </a:effectLst>
+        </p:spPr>
+      </p:pic>
+    </p:spTree>
+    <p:extLst>
+      <p:ext uri="{BB962C8B-B14F-4D97-AF65-F5344CB8AC3E}">
+        <p14:creationId xmlns:p14="http://schemas.microsoft.com/office/powerpoint/2010/main" val="180163672"/>
+      </p:ext>
+    </p:extLst>
+  </p:cSld>
+  <p:clrMapOvr>
+    <a:masterClrMapping/>
+  </p:clrMapOvr>
+</p:sld>
+</file>
+
+<file path=ppt/slides/slide15.xml><?xml version="1.0" encoding="utf-8"?>
+<p:sld xmlns:a="http://schemas.openxmlformats.org/drawingml/2006/main" xmlns:r="http://schemas.openxmlformats.org/officeDocument/2006/relationships" xmlns:p="http://schemas.openxmlformats.org/presentationml/2006/main">
+  <p:cSld>
+    <p:spTree>
+      <p:nvGrpSpPr>
+        <p:cNvPr id="1" name=""/>
+        <p:cNvGrpSpPr/>
+        <p:nvPr/>
+      </p:nvGrpSpPr>
+      <p:grpSpPr>
+        <a:xfrm>
+          <a:off x="0" y="0"/>
+          <a:ext cx="0" cy="0"/>
+          <a:chOff x="0" y="0"/>
+          <a:chExt cx="0" cy="0"/>
+        </a:xfrm>
+      </p:grpSpPr>
+      <p:sp>
+        <p:nvSpPr>
+          <p:cNvPr id="2" name="Title 1"/>
+          <p:cNvSpPr>
+            <a:spLocks noGrp="1"/>
+          </p:cNvSpPr>
+          <p:nvPr>
+            <p:ph type="title"/>
+          </p:nvPr>
+        </p:nvSpPr>
+        <p:spPr/>
+        <p:txBody>
+          <a:bodyPr/>
+          <a:lstStyle/>
+          <a:p>
+            <a:r>
+              <a:rPr lang="en-US" dirty="0" err="1"/>
+              <a:t>Envoyer</a:t>
+            </a:r>
+            <a:r>
+              <a:rPr lang="en-US" dirty="0"/>
+              <a:t> la bonne version</a:t>
+            </a:r>
+          </a:p>
+        </p:txBody>
+      </p:sp>
+      <p:pic>
+        <p:nvPicPr>
+          <p:cNvPr id="4" name="Picture 3"/>
+          <p:cNvPicPr>
+            <a:picLocks noChangeAspect="1"/>
+          </p:cNvPicPr>
+          <p:nvPr/>
+        </p:nvPicPr>
+        <p:blipFill>
+          <a:blip r:embed="rId2">
+            <a:extLst>
+              <a:ext uri="{28A0092B-C50C-407E-A947-70E740481C1C}">
+                <a14:useLocalDpi xmlns:a14="http://schemas.microsoft.com/office/drawing/2010/main" val="0"/>
+              </a:ext>
+            </a:extLst>
+          </a:blip>
+          <a:stretch>
+            <a:fillRect/>
+          </a:stretch>
+        </p:blipFill>
+        <p:spPr>
+          <a:xfrm>
+            <a:off x="2332338" y="2438399"/>
+            <a:ext cx="8759108" cy="3511035"/>
+          </a:xfrm>
+          <a:prstGeom prst="rect">
+            <a:avLst/>
+          </a:prstGeom>
+          <a:ln>
+            <a:noFill/>
+          </a:ln>
+          <a:effectLst>
+            <a:outerShdw blurRad="292100" dist="139700" dir="2700000" algn="tl" rotWithShape="0">
+              <a:srgbClr val="333333">
+                <a:alpha val="65000"/>
+              </a:srgbClr>
+            </a:outerShdw>
+          </a:effectLst>
+        </p:spPr>
+      </p:pic>
+    </p:spTree>
+    <p:extLst>
+      <p:ext uri="{BB962C8B-B14F-4D97-AF65-F5344CB8AC3E}">
+        <p14:creationId xmlns:p14="http://schemas.microsoft.com/office/powerpoint/2010/main" val="1953495484"/>
+      </p:ext>
+    </p:extLst>
+  </p:cSld>
+  <p:clrMapOvr>
+    <a:masterClrMapping/>
+  </p:clrMapOvr>
+</p:sld>
+</file>
+
+<file path=ppt/slides/slide16.xml><?xml version="1.0" encoding="utf-8"?>
+<p:sld xmlns:a="http://schemas.openxmlformats.org/drawingml/2006/main" xmlns:r="http://schemas.openxmlformats.org/officeDocument/2006/relationships" xmlns:p="http://schemas.openxmlformats.org/presentationml/2006/main">
+  <p:cSld>
+    <p:spTree>
+      <p:nvGrpSpPr>
+        <p:cNvPr id="1" name=""/>
+        <p:cNvGrpSpPr/>
+        <p:nvPr/>
+      </p:nvGrpSpPr>
+      <p:grpSpPr>
+        <a:xfrm>
+          <a:off x="0" y="0"/>
+          <a:ext cx="0" cy="0"/>
+          <a:chOff x="0" y="0"/>
+          <a:chExt cx="0" cy="0"/>
+        </a:xfrm>
+      </p:grpSpPr>
+      <p:sp>
+        <p:nvSpPr>
+          <p:cNvPr id="2" name="Title 1"/>
+          <p:cNvSpPr>
+            <a:spLocks noGrp="1"/>
+          </p:cNvSpPr>
+          <p:nvPr>
+            <p:ph type="title"/>
+          </p:nvPr>
+        </p:nvSpPr>
+        <p:spPr/>
+        <p:txBody>
+          <a:bodyPr/>
+          <a:lstStyle/>
+          <a:p>
+            <a:r>
+              <a:rPr lang="en-US" dirty="0" err="1"/>
+              <a:t>C’est</a:t>
+            </a:r>
+            <a:r>
+              <a:rPr lang="en-US" dirty="0"/>
+              <a:t> tout !</a:t>
+            </a:r>
+          </a:p>
+        </p:txBody>
+      </p:sp>
+      <p:pic>
+        <p:nvPicPr>
+          <p:cNvPr id="4" name="Picture 3"/>
+          <p:cNvPicPr>
+            <a:picLocks noChangeAspect="1"/>
+          </p:cNvPicPr>
+          <p:nvPr/>
+        </p:nvPicPr>
+        <p:blipFill>
+          <a:blip r:embed="rId2">
+            <a:extLst>
+              <a:ext uri="{28A0092B-C50C-407E-A947-70E740481C1C}">
+                <a14:useLocalDpi xmlns:a14="http://schemas.microsoft.com/office/drawing/2010/main" val="0"/>
+              </a:ext>
+            </a:extLst>
+          </a:blip>
+          <a:stretch>
+            <a:fillRect/>
+          </a:stretch>
+        </p:blipFill>
+        <p:spPr>
+          <a:xfrm>
+            <a:off x="4481787" y="2178907"/>
+            <a:ext cx="4023760" cy="4023760"/>
+          </a:xfrm>
+          <a:prstGeom prst="rect">
+            <a:avLst/>
+          </a:prstGeom>
+          <a:ln>
+            <a:noFill/>
+          </a:ln>
+          <a:effectLst>
+            <a:outerShdw blurRad="292100" dist="139700" dir="2700000" algn="tl" rotWithShape="0">
+              <a:srgbClr val="333333">
+                <a:alpha val="65000"/>
+              </a:srgbClr>
+            </a:outerShdw>
+          </a:effectLst>
+        </p:spPr>
+      </p:pic>
+    </p:spTree>
+    <p:extLst>
+      <p:ext uri="{BB962C8B-B14F-4D97-AF65-F5344CB8AC3E}">
+        <p14:creationId xmlns:p14="http://schemas.microsoft.com/office/powerpoint/2010/main" val="2051483936"/>
+      </p:ext>
+    </p:extLst>
+  </p:cSld>
+  <p:clrMapOvr>
+    <a:masterClrMapping/>
+  </p:clrMapOvr>
+</p:sld>
+</file>
+
+<file path=ppt/slides/slide2.xml><?xml version="1.0" encoding="utf-8"?>
+<p:sld xmlns:a="http://schemas.openxmlformats.org/drawingml/2006/main" xmlns:r="http://schemas.openxmlformats.org/officeDocument/2006/relationships" xmlns:p="http://schemas.openxmlformats.org/presentationml/2006/main">
+  <p:cSld>
+    <p:bg>
+      <p:bgPr>
+        <a:blipFill rotWithShape="1">
+          <a:blip r:embed="rId2">
+            <a:duotone>
+              <a:schemeClr val="bg2">
+                <a:shade val="76000"/>
+                <a:satMod val="180000"/>
+              </a:schemeClr>
+              <a:schemeClr val="bg2">
+                <a:tint val="80000"/>
+                <a:satMod val="120000"/>
+                <a:lumMod val="180000"/>
+              </a:schemeClr>
+            </a:duotone>
+          </a:blip>
+          <a:stretch/>
+        </a:blipFill>
+        <a:effectLst/>
+      </p:bgPr>
+    </p:bg>
+    <p:spTree>
+      <p:nvGrpSpPr>
+        <p:cNvPr id="1" name=""/>
+        <p:cNvGrpSpPr/>
+        <p:nvPr/>
+      </p:nvGrpSpPr>
+      <p:grpSpPr>
+        <a:xfrm>
+          <a:off x="0" y="0"/>
+          <a:ext cx="0" cy="0"/>
+          <a:chOff x="0" y="0"/>
+          <a:chExt cx="0" cy="0"/>
+        </a:xfrm>
+      </p:grpSpPr>
+      <p:pic>
+        <p:nvPicPr>
+          <p:cNvPr id="4" name="Picture 3"/>
+          <p:cNvPicPr>
+            <a:picLocks noChangeAspect="1"/>
+          </p:cNvPicPr>
+          <p:nvPr/>
+        </p:nvPicPr>
+        <p:blipFill rotWithShape="1">
+          <a:blip r:embed="rId3">
+            <a:duotone>
+              <a:schemeClr val="bg2">
+                <a:shade val="45000"/>
+                <a:satMod val="135000"/>
+              </a:schemeClr>
+              <a:prstClr val="white"/>
+            </a:duotone>
+            <a:alphaModFix amt="21000"/>
+            <a:extLst>
+              <a:ext uri="{28A0092B-C50C-407E-A947-70E740481C1C}">
+                <a14:useLocalDpi xmlns:a14="http://schemas.microsoft.com/office/drawing/2010/main" val="0"/>
+              </a:ext>
+            </a:extLst>
+          </a:blip>
+          <a:srcRect l="942" r="24819" b="-2"/>
+          <a:stretch/>
+        </p:blipFill>
+        <p:spPr>
+          <a:xfrm>
+            <a:off x="5322034" y="10"/>
+            <a:ext cx="12191980" cy="6857990"/>
+          </a:xfrm>
+          <a:prstGeom prst="rect">
+            <a:avLst/>
+          </a:prstGeom>
+        </p:spPr>
+      </p:pic>
+      <p:grpSp>
+        <p:nvGrpSpPr>
+          <p:cNvPr id="9" name="Group 8">
+            <a:extLst>
+              <a:ext uri="{FF2B5EF4-FFF2-40B4-BE49-F238E27FC236}">
+                <a16:creationId xmlns:a16="http://schemas.microsoft.com/office/drawing/2014/main" id="{2DAE90E3-8F91-4218-8153-F632799FB076}"/>
+              </a:ext>
+            </a:extLst>
+          </p:cNvPr>
+          <p:cNvGrpSpPr>
+            <a:grpSpLocks noGrp="1" noUngrp="1" noRot="1" noChangeAspect="1" noMove="1" noResize="1"/>
+          </p:cNvGrpSpPr>
+          <p:nvPr>
+            <p:extLst>
+              <p:ext uri="{386F3935-93C4-4BCD-93E2-E3B085C9AB24}">
+                <p16:designElem xmlns:p16="http://schemas.microsoft.com/office/powerpoint/2015/main" val="1"/>
+              </p:ext>
+            </p:extLst>
+          </p:nvPr>
+        </p:nvGrpSpPr>
+        <p:grpSpPr>
+          <a:xfrm>
+            <a:off x="150812" y="0"/>
+            <a:ext cx="2436813" cy="6858001"/>
+            <a:chOff x="1320800" y="0"/>
+            <a:chExt cx="2436813" cy="6858001"/>
+          </a:xfrm>
+        </p:grpSpPr>
+        <p:sp>
+          <p:nvSpPr>
+            <p:cNvPr id="10" name="Freeform 6">
+              <a:extLst>
+                <a:ext uri="{FF2B5EF4-FFF2-40B4-BE49-F238E27FC236}">
+                  <a16:creationId xmlns:a16="http://schemas.microsoft.com/office/drawing/2014/main" id="{C1DC6993-96FE-4235-985E-52489B4237A3}"/>
+                </a:ext>
+              </a:extLst>
+            </p:cNvPr>
+            <p:cNvSpPr/>
+            <p:nvPr>
+              <p:extLst>
+                <p:ext uri="{386F3935-93C4-4BCD-93E2-E3B085C9AB24}">
+                  <p16:designElem xmlns:p16="http://schemas.microsoft.com/office/powerpoint/2015/main" val="1"/>
+                </p:ext>
+              </p:extLst>
+            </p:nvPr>
+          </p:nvSpPr>
+          <p:spPr bwMode="auto">
+            <a:xfrm>
+              <a:off x="1627188" y="0"/>
+              <a:ext cx="1122363" cy="5329238"/>
+            </a:xfrm>
+            <a:custGeom>
+              <a:avLst/>
+              <a:gdLst/>
+              <a:ahLst/>
+              <a:cxnLst/>
+              <a:rect l="0" t="0" r="r" b="b"/>
+              <a:pathLst>
+                <a:path w="707" h="3357">
+                  <a:moveTo>
+                    <a:pt x="0" y="3330"/>
+                  </a:moveTo>
+                  <a:lnTo>
+                    <a:pt x="156" y="3357"/>
+                  </a:lnTo>
+                  <a:lnTo>
+                    <a:pt x="707" y="0"/>
+                  </a:lnTo>
+                  <a:lnTo>
+                    <a:pt x="547" y="0"/>
+                  </a:lnTo>
+                  <a:lnTo>
+                    <a:pt x="0" y="3330"/>
+                  </a:lnTo>
+                  <a:close/>
+                </a:path>
+              </a:pathLst>
+            </a:custGeom>
+            <a:solidFill>
+              <a:schemeClr val="accent1"/>
+            </a:solidFill>
+            <a:ln>
+              <a:noFill/>
+            </a:ln>
+          </p:spPr>
+        </p:sp>
+        <p:sp>
+          <p:nvSpPr>
+            <p:cNvPr id="11" name="Freeform 7">
+              <a:extLst>
+                <a:ext uri="{FF2B5EF4-FFF2-40B4-BE49-F238E27FC236}">
+                  <a16:creationId xmlns:a16="http://schemas.microsoft.com/office/drawing/2014/main" id="{76D3DE8D-3DEC-4FF8-B4FC-1DAB2036441A}"/>
+                </a:ext>
+              </a:extLst>
+            </p:cNvPr>
+            <p:cNvSpPr/>
+            <p:nvPr>
+              <p:extLst>
+                <p:ext uri="{386F3935-93C4-4BCD-93E2-E3B085C9AB24}">
+                  <p16:designElem xmlns:p16="http://schemas.microsoft.com/office/powerpoint/2015/main" val="1"/>
+                </p:ext>
+              </p:extLst>
+            </p:nvPr>
+          </p:nvSpPr>
+          <p:spPr bwMode="auto">
+            <a:xfrm>
+              <a:off x="1320800" y="0"/>
+              <a:ext cx="1117600" cy="5276850"/>
+            </a:xfrm>
+            <a:custGeom>
+              <a:avLst/>
+              <a:gdLst/>
+              <a:ahLst/>
+              <a:cxnLst/>
+              <a:rect l="0" t="0" r="r" b="b"/>
+              <a:pathLst>
+                <a:path w="704" h="3324">
+                  <a:moveTo>
+                    <a:pt x="704" y="0"/>
+                  </a:moveTo>
+                  <a:lnTo>
+                    <a:pt x="545" y="0"/>
+                  </a:lnTo>
+                  <a:lnTo>
+                    <a:pt x="0" y="3300"/>
+                  </a:lnTo>
+                  <a:lnTo>
+                    <a:pt x="157" y="3324"/>
+                  </a:lnTo>
+                  <a:lnTo>
+                    <a:pt x="704" y="0"/>
+                  </a:lnTo>
+                  <a:close/>
+                </a:path>
+              </a:pathLst>
+            </a:custGeom>
+            <a:solidFill>
+              <a:schemeClr val="tx1">
+                <a:lumMod val="65000"/>
+                <a:lumOff val="35000"/>
+              </a:schemeClr>
+            </a:solidFill>
+            <a:ln>
+              <a:noFill/>
+            </a:ln>
+          </p:spPr>
+        </p:sp>
+        <p:sp>
+          <p:nvSpPr>
+            <p:cNvPr id="12" name="Freeform 8">
+              <a:extLst>
+                <a:ext uri="{FF2B5EF4-FFF2-40B4-BE49-F238E27FC236}">
+                  <a16:creationId xmlns:a16="http://schemas.microsoft.com/office/drawing/2014/main" id="{679297AF-1418-41DB-A81A-D77E0CAF4956}"/>
+                </a:ext>
+              </a:extLst>
+            </p:cNvPr>
+            <p:cNvSpPr/>
+            <p:nvPr>
+              <p:extLst>
+                <p:ext uri="{386F3935-93C4-4BCD-93E2-E3B085C9AB24}">
+                  <p16:designElem xmlns:p16="http://schemas.microsoft.com/office/powerpoint/2015/main" val="1"/>
+                </p:ext>
+              </p:extLst>
+            </p:nvPr>
+          </p:nvSpPr>
+          <p:spPr bwMode="auto">
+            <a:xfrm>
+              <a:off x="1320800" y="5238750"/>
+              <a:ext cx="1228725" cy="1619250"/>
+            </a:xfrm>
+            <a:custGeom>
+              <a:avLst/>
+              <a:gdLst/>
+              <a:ahLst/>
+              <a:cxnLst/>
+              <a:rect l="0" t="0" r="r" b="b"/>
+              <a:pathLst>
+                <a:path w="774" h="1020">
+                  <a:moveTo>
+                    <a:pt x="0" y="0"/>
+                  </a:moveTo>
+                  <a:lnTo>
+                    <a:pt x="740" y="1020"/>
+                  </a:lnTo>
+                  <a:lnTo>
+                    <a:pt x="774" y="1020"/>
+                  </a:lnTo>
+                  <a:lnTo>
+                    <a:pt x="0" y="0"/>
+                  </a:lnTo>
+                  <a:close/>
+                </a:path>
+              </a:pathLst>
+            </a:custGeom>
+            <a:solidFill>
+              <a:schemeClr val="tx1">
+                <a:lumMod val="85000"/>
+                <a:lumOff val="15000"/>
+              </a:schemeClr>
+            </a:solidFill>
+            <a:ln>
+              <a:noFill/>
+            </a:ln>
+          </p:spPr>
+        </p:sp>
+        <p:sp>
+          <p:nvSpPr>
+            <p:cNvPr id="13" name="Freeform 9">
+              <a:extLst>
+                <a:ext uri="{FF2B5EF4-FFF2-40B4-BE49-F238E27FC236}">
+                  <a16:creationId xmlns:a16="http://schemas.microsoft.com/office/drawing/2014/main" id="{F6AD388B-2E71-431B-90AB-B2F71F9F9DDC}"/>
+                </a:ext>
+              </a:extLst>
+            </p:cNvPr>
+            <p:cNvSpPr/>
+            <p:nvPr>
+              <p:extLst>
+                <p:ext uri="{386F3935-93C4-4BCD-93E2-E3B085C9AB24}">
+                  <p16:designElem xmlns:p16="http://schemas.microsoft.com/office/powerpoint/2015/main" val="1"/>
+                </p:ext>
+              </p:extLst>
+            </p:nvPr>
+          </p:nvSpPr>
+          <p:spPr bwMode="auto">
+            <a:xfrm>
+              <a:off x="1627188" y="5291138"/>
+              <a:ext cx="1495425" cy="1566863"/>
+            </a:xfrm>
+            <a:custGeom>
+              <a:avLst/>
+              <a:gdLst/>
+              <a:ahLst/>
+              <a:cxnLst/>
+              <a:rect l="0" t="0" r="r" b="b"/>
+              <a:pathLst>
+                <a:path w="942" h="987">
+                  <a:moveTo>
+                    <a:pt x="0" y="0"/>
+                  </a:moveTo>
+                  <a:lnTo>
+                    <a:pt x="909" y="987"/>
+                  </a:lnTo>
+                  <a:lnTo>
+                    <a:pt x="942" y="987"/>
+                  </a:lnTo>
+                  <a:lnTo>
+                    <a:pt x="0" y="0"/>
+                  </a:lnTo>
+                  <a:close/>
+                </a:path>
+              </a:pathLst>
+            </a:custGeom>
+            <a:solidFill>
+              <a:schemeClr val="accent1">
+                <a:lumMod val="50000"/>
+              </a:schemeClr>
+            </a:solidFill>
+            <a:ln>
+              <a:noFill/>
+            </a:ln>
+          </p:spPr>
+        </p:sp>
+        <p:sp>
+          <p:nvSpPr>
+            <p:cNvPr id="14" name="Freeform 10">
+              <a:extLst>
+                <a:ext uri="{FF2B5EF4-FFF2-40B4-BE49-F238E27FC236}">
+                  <a16:creationId xmlns:a16="http://schemas.microsoft.com/office/drawing/2014/main" id="{FA9972D4-1E8B-4A06-BD7C-B5140A3895FC}"/>
+                </a:ext>
+              </a:extLst>
+            </p:cNvPr>
+            <p:cNvSpPr/>
+            <p:nvPr>
+              <p:extLst>
+                <p:ext uri="{386F3935-93C4-4BCD-93E2-E3B085C9AB24}">
+                  <p16:designElem xmlns:p16="http://schemas.microsoft.com/office/powerpoint/2015/main" val="1"/>
+                </p:ext>
+              </p:extLst>
+            </p:nvPr>
+          </p:nvSpPr>
+          <p:spPr bwMode="auto">
+            <a:xfrm>
+              <a:off x="1627188" y="5286375"/>
+              <a:ext cx="2130425" cy="1571625"/>
+            </a:xfrm>
+            <a:custGeom>
+              <a:avLst/>
+              <a:gdLst/>
+              <a:ahLst/>
+              <a:cxnLst/>
+              <a:rect l="0" t="0" r="r" b="b"/>
+              <a:pathLst>
+                <a:path w="1342" h="990">
+                  <a:moveTo>
+                    <a:pt x="0" y="3"/>
+                  </a:moveTo>
+                  <a:lnTo>
+                    <a:pt x="942" y="990"/>
+                  </a:lnTo>
+                  <a:lnTo>
+                    <a:pt x="1342" y="990"/>
+                  </a:lnTo>
+                  <a:lnTo>
+                    <a:pt x="156" y="27"/>
+                  </a:lnTo>
+                  <a:lnTo>
+                    <a:pt x="0" y="0"/>
+                  </a:lnTo>
+                  <a:lnTo>
+                    <a:pt x="0" y="3"/>
+                  </a:lnTo>
+                  <a:close/>
+                </a:path>
+              </a:pathLst>
+            </a:custGeom>
+            <a:solidFill>
+              <a:schemeClr val="accent1">
+                <a:lumMod val="75000"/>
+              </a:schemeClr>
+            </a:solidFill>
+            <a:ln>
+              <a:noFill/>
+            </a:ln>
+          </p:spPr>
+        </p:sp>
+        <p:sp>
+          <p:nvSpPr>
+            <p:cNvPr id="15" name="Freeform 11">
+              <a:extLst>
+                <a:ext uri="{FF2B5EF4-FFF2-40B4-BE49-F238E27FC236}">
+                  <a16:creationId xmlns:a16="http://schemas.microsoft.com/office/drawing/2014/main" id="{528281FC-5068-4A18-832D-B47A0F1AC6E6}"/>
+                </a:ext>
+              </a:extLst>
+            </p:cNvPr>
+            <p:cNvSpPr/>
+            <p:nvPr>
+              <p:extLst>
+                <p:ext uri="{386F3935-93C4-4BCD-93E2-E3B085C9AB24}">
+                  <p16:designElem xmlns:p16="http://schemas.microsoft.com/office/powerpoint/2015/main" val="1"/>
+                </p:ext>
+              </p:extLst>
+            </p:nvPr>
+          </p:nvSpPr>
+          <p:spPr bwMode="auto">
+            <a:xfrm>
+              <a:off x="1320800" y="5238750"/>
+              <a:ext cx="1695450" cy="1619250"/>
+            </a:xfrm>
+            <a:custGeom>
+              <a:avLst/>
+              <a:gdLst/>
+              <a:ahLst/>
+              <a:cxnLst/>
+              <a:rect l="0" t="0" r="r" b="b"/>
+              <a:pathLst>
+                <a:path w="1068" h="1020">
+                  <a:moveTo>
+                    <a:pt x="1068" y="1020"/>
+                  </a:moveTo>
+                  <a:lnTo>
+                    <a:pt x="184" y="60"/>
+                  </a:lnTo>
+                  <a:lnTo>
+                    <a:pt x="154" y="27"/>
+                  </a:lnTo>
+                  <a:lnTo>
+                    <a:pt x="157" y="27"/>
+                  </a:lnTo>
+                  <a:lnTo>
+                    <a:pt x="157" y="24"/>
+                  </a:lnTo>
+                  <a:lnTo>
+                    <a:pt x="154" y="24"/>
+                  </a:lnTo>
+                  <a:lnTo>
+                    <a:pt x="0" y="0"/>
+                  </a:lnTo>
+                  <a:lnTo>
+                    <a:pt x="0" y="0"/>
+                  </a:lnTo>
+                  <a:lnTo>
+                    <a:pt x="774" y="1020"/>
+                  </a:lnTo>
+                  <a:lnTo>
+                    <a:pt x="1068" y="1020"/>
+                  </a:lnTo>
+                  <a:close/>
+                </a:path>
+              </a:pathLst>
+            </a:custGeom>
+            <a:solidFill>
+              <a:schemeClr val="tx1">
+                <a:lumMod val="75000"/>
+                <a:lumOff val="25000"/>
+              </a:schemeClr>
+            </a:solidFill>
+            <a:ln>
+              <a:noFill/>
+            </a:ln>
+          </p:spPr>
+        </p:sp>
+      </p:grpSp>
+      <p:sp>
+        <p:nvSpPr>
+          <p:cNvPr id="2" name="Title 1"/>
+          <p:cNvSpPr>
+            <a:spLocks noGrp="1"/>
+          </p:cNvSpPr>
+          <p:nvPr>
+            <p:ph type="title"/>
+          </p:nvPr>
+        </p:nvSpPr>
+        <p:spPr>
+          <a:xfrm>
+            <a:off x="1484311" y="685800"/>
+            <a:ext cx="10018713" cy="1185333"/>
+          </a:xfrm>
+        </p:spPr>
+        <p:txBody>
+          <a:bodyPr>
+            <a:normAutofit/>
+          </a:bodyPr>
+          <a:lstStyle/>
+          <a:p>
+            <a:r>
+              <a:rPr lang="en-US" dirty="0" err="1"/>
+              <a:t>Partie</a:t>
+            </a:r>
+            <a:r>
+              <a:rPr lang="en-US" dirty="0"/>
+              <a:t> 1 - </a:t>
+            </a:r>
+            <a:r>
+              <a:rPr lang="en-US" dirty="0" err="1"/>
+              <a:t>Git</a:t>
+            </a:r>
+            <a:endParaRPr lang="en-US" dirty="0"/>
+          </a:p>
+        </p:txBody>
+      </p:sp>
+      <p:sp>
+        <p:nvSpPr>
+          <p:cNvPr id="3" name="Content Placeholder 2"/>
+          <p:cNvSpPr>
+            <a:spLocks noGrp="1"/>
+          </p:cNvSpPr>
+          <p:nvPr>
+            <p:ph idx="1"/>
+          </p:nvPr>
+        </p:nvSpPr>
+        <p:spPr>
+          <a:xfrm>
+            <a:off x="1484310" y="1998133"/>
+            <a:ext cx="10018713" cy="3793067"/>
+          </a:xfrm>
+        </p:spPr>
+        <p:txBody>
+          <a:bodyPr>
+            <a:normAutofit/>
+          </a:bodyPr>
+          <a:lstStyle/>
+          <a:p>
+            <a:r>
+              <a:rPr lang="fr-CA" dirty="0"/>
+              <a:t>Fondé en 2005 par Linus </a:t>
+            </a:r>
+            <a:r>
+              <a:rPr lang="fr-CA" dirty="0" err="1"/>
+              <a:t>Torvalds</a:t>
+            </a:r>
+            <a:r>
+              <a:rPr lang="fr-CA" dirty="0"/>
+              <a:t> (Fondateur de Linux)</a:t>
+            </a:r>
+          </a:p>
+          <a:p>
+            <a:r>
+              <a:rPr lang="fr-CA" dirty="0"/>
+              <a:t>Version Control System (VCS)</a:t>
+            </a:r>
+          </a:p>
+          <a:p>
+            <a:r>
+              <a:rPr lang="fr-CA" dirty="0"/>
+              <a:t>Les fonctionnalités</a:t>
+            </a:r>
+          </a:p>
+          <a:p>
+            <a:r>
+              <a:rPr lang="fr-CA" dirty="0"/>
+              <a:t>Commencer ou s’ajouter à un projet</a:t>
+            </a:r>
+          </a:p>
+          <a:p>
+            <a:r>
+              <a:rPr lang="fr-CA" dirty="0"/>
+              <a:t>Les commandes de bases</a:t>
+            </a:r>
+          </a:p>
+          <a:p>
+            <a:endParaRPr lang="en-US" dirty="0"/>
+          </a:p>
+          <a:p>
+            <a:endParaRPr lang="en-US" dirty="0"/>
+          </a:p>
+        </p:txBody>
+      </p:sp>
+    </p:spTree>
+    <p:extLst>
+      <p:ext uri="{BB962C8B-B14F-4D97-AF65-F5344CB8AC3E}">
+        <p14:creationId xmlns:p14="http://schemas.microsoft.com/office/powerpoint/2010/main" val="3414453629"/>
+      </p:ext>
+    </p:extLst>
+  </p:cSld>
+  <p:clrMapOvr>
+    <a:masterClrMapping/>
+  </p:clrMapOvr>
+</p:sld>
+</file>
+
+<file path=ppt/slides/slide3.xml><?xml version="1.0" encoding="utf-8"?>
+<p:sld xmlns:a="http://schemas.openxmlformats.org/drawingml/2006/main" xmlns:r="http://schemas.openxmlformats.org/officeDocument/2006/relationships" xmlns:p="http://schemas.openxmlformats.org/presentationml/2006/main">
+  <p:cSld>
+    <p:spTree>
+      <p:nvGrpSpPr>
+        <p:cNvPr id="1" name=""/>
+        <p:cNvGrpSpPr/>
+        <p:nvPr/>
+      </p:nvGrpSpPr>
+      <p:grpSpPr>
+        <a:xfrm>
+          <a:off x="0" y="0"/>
+          <a:ext cx="0" cy="0"/>
+          <a:chOff x="0" y="0"/>
+          <a:chExt cx="0" cy="0"/>
+        </a:xfrm>
+      </p:grpSpPr>
+      <p:sp>
+        <p:nvSpPr>
+          <p:cNvPr id="2" name="Title 1"/>
+          <p:cNvSpPr>
+            <a:spLocks noGrp="1"/>
+          </p:cNvSpPr>
+          <p:nvPr>
+            <p:ph type="title"/>
+          </p:nvPr>
+        </p:nvSpPr>
+        <p:spPr/>
+        <p:txBody>
+          <a:bodyPr/>
+          <a:lstStyle/>
+          <a:p>
+            <a:r>
+              <a:rPr lang="en-US" dirty="0" err="1"/>
+              <a:t>Pourquoi</a:t>
+            </a:r>
+            <a:r>
+              <a:rPr lang="en-US" dirty="0"/>
+              <a:t> </a:t>
+            </a:r>
+            <a:r>
+              <a:rPr lang="en-US" dirty="0" err="1"/>
+              <a:t>utiliser</a:t>
+            </a:r>
+            <a:r>
+              <a:rPr lang="en-US" dirty="0"/>
+              <a:t> </a:t>
+            </a:r>
+            <a:r>
+              <a:rPr lang="en-US" dirty="0" err="1"/>
+              <a:t>Git</a:t>
+            </a:r>
+            <a:r>
+              <a:rPr lang="en-US" dirty="0"/>
+              <a:t> ?</a:t>
+            </a:r>
+          </a:p>
+        </p:txBody>
+      </p:sp>
+      <p:sp>
+        <p:nvSpPr>
+          <p:cNvPr id="3" name="Content Placeholder 2"/>
+          <p:cNvSpPr>
+            <a:spLocks noGrp="1"/>
+          </p:cNvSpPr>
+          <p:nvPr>
+            <p:ph idx="1"/>
+          </p:nvPr>
+        </p:nvSpPr>
+        <p:spPr/>
+        <p:txBody>
+          <a:bodyPr/>
+          <a:lstStyle/>
+          <a:p>
+            <a:r>
+              <a:rPr lang="en-US" b="1" dirty="0"/>
+              <a:t>70%</a:t>
+            </a:r>
+            <a:r>
+              <a:rPr lang="en-US" dirty="0"/>
+              <a:t> des </a:t>
+            </a:r>
+            <a:r>
+              <a:rPr lang="en-US" dirty="0" err="1"/>
+              <a:t>utilisateurs</a:t>
+            </a:r>
+            <a:r>
+              <a:rPr lang="en-US" dirty="0"/>
+              <a:t> de VCS </a:t>
+            </a:r>
+            <a:r>
+              <a:rPr lang="en-US" dirty="0" err="1"/>
+              <a:t>fonctionnent</a:t>
+            </a:r>
+            <a:r>
+              <a:rPr lang="en-US" dirty="0"/>
+              <a:t> avec </a:t>
+            </a:r>
+            <a:r>
+              <a:rPr lang="en-US" dirty="0" err="1"/>
+              <a:t>Git</a:t>
+            </a:r>
+            <a:endParaRPr lang="en-US" dirty="0"/>
+          </a:p>
+          <a:p>
+            <a:r>
+              <a:rPr lang="fr-CA" dirty="0"/>
+              <a:t>Une gestion de versions </a:t>
+            </a:r>
+            <a:r>
+              <a:rPr lang="fr-CA" b="1" dirty="0"/>
+              <a:t>décentralisée</a:t>
+            </a:r>
+            <a:r>
+              <a:rPr lang="fr-CA" dirty="0"/>
+              <a:t>.</a:t>
+            </a:r>
+          </a:p>
+          <a:p>
+            <a:r>
+              <a:rPr lang="fr-CA" dirty="0"/>
+              <a:t>La gestion des branches se fait d’une façon très facile et rapide.</a:t>
+            </a:r>
+            <a:r>
+              <a:rPr lang="en-US" dirty="0"/>
+              <a:t> </a:t>
+            </a:r>
+          </a:p>
+          <a:p>
+            <a:pPr lvl="0"/>
+            <a:r>
+              <a:rPr lang="fr-CA" dirty="0"/>
+              <a:t>Beaucoup de services associés comme </a:t>
+            </a:r>
+            <a:r>
+              <a:rPr lang="fr-CA" dirty="0" err="1"/>
+              <a:t>Github</a:t>
+            </a:r>
+            <a:r>
+              <a:rPr lang="fr-CA" dirty="0"/>
+              <a:t> ou </a:t>
+            </a:r>
+            <a:r>
+              <a:rPr lang="fr-CA" dirty="0" err="1"/>
+              <a:t>BitBucket</a:t>
+            </a:r>
+            <a:r>
+              <a:rPr lang="fr-CA" dirty="0"/>
+              <a:t>.</a:t>
+            </a:r>
+          </a:p>
+          <a:p>
+            <a:pPr lvl="0"/>
+            <a:r>
+              <a:rPr lang="fr-CA" dirty="0"/>
+              <a:t>Et</a:t>
+            </a:r>
+            <a:r>
+              <a:rPr lang="mr-IN" dirty="0"/>
+              <a:t>…</a:t>
+            </a:r>
+            <a:r>
+              <a:rPr lang="fr-CA" dirty="0"/>
+              <a:t> parce que ça va compter dans vos entrevues.</a:t>
+            </a:r>
+            <a:endParaRPr lang="en-US" dirty="0"/>
+          </a:p>
+        </p:txBody>
+      </p:sp>
+    </p:spTree>
+    <p:extLst>
+      <p:ext uri="{BB962C8B-B14F-4D97-AF65-F5344CB8AC3E}">
+        <p14:creationId xmlns:p14="http://schemas.microsoft.com/office/powerpoint/2010/main" val="994882287"/>
+      </p:ext>
+    </p:extLst>
+  </p:cSld>
+  <p:clrMapOvr>
+    <a:masterClrMapping/>
+  </p:clrMapOvr>
+</p:sld>
+</file>
+
+<file path=ppt/slides/slide4.xml><?xml version="1.0" encoding="utf-8"?>
+<p:sld xmlns:a="http://schemas.openxmlformats.org/drawingml/2006/main" xmlns:r="http://schemas.openxmlformats.org/officeDocument/2006/relationships" xmlns:p="http://schemas.openxmlformats.org/presentationml/2006/main">
+  <p:cSld>
+    <p:spTree>
+      <p:nvGrpSpPr>
+        <p:cNvPr id="1" name=""/>
+        <p:cNvGrpSpPr/>
+        <p:nvPr/>
+      </p:nvGrpSpPr>
+      <p:grpSpPr>
+        <a:xfrm>
+          <a:off x="0" y="0"/>
+          <a:ext cx="0" cy="0"/>
+          <a:chOff x="0" y="0"/>
+          <a:chExt cx="0" cy="0"/>
+        </a:xfrm>
+      </p:grpSpPr>
+      <p:sp>
+        <p:nvSpPr>
+          <p:cNvPr id="2" name="Title 1"/>
+          <p:cNvSpPr>
+            <a:spLocks noGrp="1"/>
+          </p:cNvSpPr>
+          <p:nvPr>
+            <p:ph type="title"/>
+          </p:nvPr>
+        </p:nvSpPr>
+        <p:spPr/>
+        <p:txBody>
+          <a:bodyPr/>
+          <a:lstStyle/>
+          <a:p>
+            <a:r>
+              <a:rPr lang="en-US" dirty="0"/>
+              <a:t>VCS (Version Control System)</a:t>
+            </a:r>
+          </a:p>
+        </p:txBody>
+      </p:sp>
+      <p:graphicFrame>
+        <p:nvGraphicFramePr>
+          <p:cNvPr id="4" name="Content Placeholder 3"/>
+          <p:cNvGraphicFramePr>
+            <a:graphicFrameLocks noGrp="1"/>
+          </p:cNvGraphicFramePr>
+          <p:nvPr>
+            <p:ph idx="1"/>
+            <p:extLst>
+              <p:ext uri="{D42A27DB-BD31-4B8C-83A1-F6EECF244321}">
+                <p14:modId xmlns:p14="http://schemas.microsoft.com/office/powerpoint/2010/main" val="1973821030"/>
+              </p:ext>
+            </p:extLst>
+          </p:nvPr>
+        </p:nvGraphicFramePr>
+        <p:xfrm>
+          <a:off x="4189496" y="2212848"/>
+          <a:ext cx="9895523" cy="3733800"/>
+        </p:xfrm>
+        <a:graphic>
+          <a:graphicData uri="http://schemas.openxmlformats.org/drawingml/2006/chart">
+            <c:chart xmlns:c="http://schemas.openxmlformats.org/drawingml/2006/chart" xmlns:r="http://schemas.openxmlformats.org/officeDocument/2006/relationships" r:id="rId2"/>
+          </a:graphicData>
+        </a:graphic>
+      </p:graphicFrame>
+      <p:pic>
+        <p:nvPicPr>
+          <p:cNvPr id="3" name="Picture 2"/>
+          <p:cNvPicPr>
+            <a:picLocks noChangeAspect="1"/>
+          </p:cNvPicPr>
+          <p:nvPr/>
+        </p:nvPicPr>
+        <p:blipFill>
+          <a:blip r:embed="rId3">
+            <a:extLst>
+              <a:ext uri="{28A0092B-C50C-407E-A947-70E740481C1C}">
+                <a14:useLocalDpi xmlns:a14="http://schemas.microsoft.com/office/drawing/2010/main" val="0"/>
+              </a:ext>
+            </a:extLst>
+          </a:blip>
+          <a:stretch>
+            <a:fillRect/>
+          </a:stretch>
+        </p:blipFill>
+        <p:spPr>
+          <a:xfrm>
+            <a:off x="2794409" y="2437337"/>
+            <a:ext cx="2931162" cy="3510373"/>
+          </a:xfrm>
+          <a:prstGeom prst="rect">
+            <a:avLst/>
+          </a:prstGeom>
+        </p:spPr>
+      </p:pic>
+    </p:spTree>
+    <p:extLst>
+      <p:ext uri="{BB962C8B-B14F-4D97-AF65-F5344CB8AC3E}">
+        <p14:creationId xmlns:p14="http://schemas.microsoft.com/office/powerpoint/2010/main" val="421802706"/>
+      </p:ext>
+    </p:extLst>
+  </p:cSld>
+  <p:clrMapOvr>
+    <a:masterClrMapping/>
+  </p:clrMapOvr>
+</p:sld>
+</file>
+
+<file path=ppt/slides/slide5.xml><?xml version="1.0" encoding="utf-8"?>
+<p:sld xmlns:a="http://schemas.openxmlformats.org/drawingml/2006/main" xmlns:r="http://schemas.openxmlformats.org/officeDocument/2006/relationships" xmlns:p="http://schemas.openxmlformats.org/presentationml/2006/main">
+  <p:cSld>
+    <p:spTree>
+      <p:nvGrpSpPr>
+        <p:cNvPr id="1" name=""/>
+        <p:cNvGrpSpPr/>
+        <p:nvPr/>
+      </p:nvGrpSpPr>
+      <p:grpSpPr>
+        <a:xfrm>
+          <a:off x="0" y="0"/>
+          <a:ext cx="0" cy="0"/>
+          <a:chOff x="0" y="0"/>
+          <a:chExt cx="0" cy="0"/>
+        </a:xfrm>
+      </p:grpSpPr>
+      <p:sp>
+        <p:nvSpPr>
+          <p:cNvPr id="2" name="Title 1"/>
+          <p:cNvSpPr>
+            <a:spLocks noGrp="1"/>
+          </p:cNvSpPr>
+          <p:nvPr>
+            <p:ph type="title"/>
+          </p:nvPr>
+        </p:nvSpPr>
+        <p:spPr/>
+        <p:txBody>
+          <a:bodyPr/>
+          <a:lstStyle/>
+          <a:p>
+            <a:r>
+              <a:rPr lang="en-US" dirty="0"/>
+              <a:t>Comment </a:t>
+            </a:r>
+            <a:r>
+              <a:rPr lang="en-US" dirty="0" err="1"/>
+              <a:t>ça</a:t>
+            </a:r>
+            <a:r>
+              <a:rPr lang="en-US" dirty="0"/>
+              <a:t> </a:t>
+            </a:r>
+            <a:r>
+              <a:rPr lang="en-US" dirty="0" err="1"/>
+              <a:t>fonctionne</a:t>
+            </a:r>
+            <a:r>
+              <a:rPr lang="en-US" dirty="0"/>
+              <a:t> ?</a:t>
+            </a:r>
+          </a:p>
+        </p:txBody>
+      </p:sp>
+      <p:pic>
+        <p:nvPicPr>
+          <p:cNvPr id="4" name="Picture 3"/>
+          <p:cNvPicPr/>
+          <p:nvPr/>
+        </p:nvPicPr>
+        <p:blipFill>
+          <a:blip r:embed="rId2">
+            <a:extLst>
+              <a:ext uri="{28A0092B-C50C-407E-A947-70E740481C1C}">
+                <a14:useLocalDpi xmlns:a14="http://schemas.microsoft.com/office/drawing/2010/main" val="0"/>
+              </a:ext>
+            </a:extLst>
+          </a:blip>
+          <a:stretch>
+            <a:fillRect/>
+          </a:stretch>
+        </p:blipFill>
+        <p:spPr>
+          <a:xfrm>
+            <a:off x="1234393" y="2438399"/>
+            <a:ext cx="5435969" cy="2832976"/>
+          </a:xfrm>
+          <a:prstGeom prst="rect">
+            <a:avLst/>
+          </a:prstGeom>
+        </p:spPr>
+      </p:pic>
+      <p:pic>
+        <p:nvPicPr>
+          <p:cNvPr id="5" name="Picture 4"/>
+          <p:cNvPicPr/>
+          <p:nvPr/>
+        </p:nvPicPr>
+        <p:blipFill>
+          <a:blip r:embed="rId3">
+            <a:extLst>
+              <a:ext uri="{28A0092B-C50C-407E-A947-70E740481C1C}">
+                <a14:useLocalDpi xmlns:a14="http://schemas.microsoft.com/office/drawing/2010/main" val="0"/>
+              </a:ext>
+            </a:extLst>
+          </a:blip>
+          <a:stretch>
+            <a:fillRect/>
+          </a:stretch>
+        </p:blipFill>
+        <p:spPr>
+          <a:xfrm>
+            <a:off x="6657066" y="2438399"/>
+            <a:ext cx="5164455" cy="2847340"/>
+          </a:xfrm>
+          <a:prstGeom prst="rect">
+            <a:avLst/>
+          </a:prstGeom>
+        </p:spPr>
+      </p:pic>
+    </p:spTree>
+    <p:extLst>
+      <p:ext uri="{BB962C8B-B14F-4D97-AF65-F5344CB8AC3E}">
+        <p14:creationId xmlns:p14="http://schemas.microsoft.com/office/powerpoint/2010/main" val="1326853798"/>
+      </p:ext>
+    </p:extLst>
+  </p:cSld>
+  <p:clrMapOvr>
+    <a:masterClrMapping/>
+  </p:clrMapOvr>
+</p:sld>
+</file>
+
+<file path=ppt/slides/slide6.xml><?xml version="1.0" encoding="utf-8"?>
+<p:sld xmlns:a="http://schemas.openxmlformats.org/drawingml/2006/main" xmlns:r="http://schemas.openxmlformats.org/officeDocument/2006/relationships" xmlns:p="http://schemas.openxmlformats.org/presentationml/2006/main">
+  <p:cSld>
+    <p:spTree>
+      <p:nvGrpSpPr>
+        <p:cNvPr id="1" name=""/>
+        <p:cNvGrpSpPr/>
+        <p:nvPr/>
+      </p:nvGrpSpPr>
+      <p:grpSpPr>
+        <a:xfrm>
+          <a:off x="0" y="0"/>
+          <a:ext cx="0" cy="0"/>
+          <a:chOff x="0" y="0"/>
+          <a:chExt cx="0" cy="0"/>
+        </a:xfrm>
+      </p:grpSpPr>
+      <p:sp>
+        <p:nvSpPr>
+          <p:cNvPr id="2" name="Title 1"/>
+          <p:cNvSpPr>
+            <a:spLocks noGrp="1"/>
+          </p:cNvSpPr>
+          <p:nvPr>
+            <p:ph type="title"/>
+          </p:nvPr>
+        </p:nvSpPr>
+        <p:spPr/>
+        <p:txBody>
+          <a:bodyPr/>
+          <a:lstStyle/>
+          <a:p>
+            <a:r>
+              <a:rPr lang="en-US" dirty="0"/>
+              <a:t>1. </a:t>
+            </a:r>
+            <a:r>
+              <a:rPr lang="en-US" dirty="0" err="1"/>
+              <a:t>Préparer</a:t>
+            </a:r>
+            <a:r>
+              <a:rPr lang="en-US" dirty="0"/>
+              <a:t> le </a:t>
+            </a:r>
+            <a:r>
+              <a:rPr lang="en-US" dirty="0" err="1"/>
+              <a:t>répertoire</a:t>
+            </a:r>
+            <a:r>
+              <a:rPr lang="en-US" dirty="0"/>
+              <a:t> </a:t>
+            </a:r>
+            <a:r>
+              <a:rPr lang="en-US" dirty="0" err="1"/>
+              <a:t>Git</a:t>
+            </a:r>
+            <a:endParaRPr lang="en-US" dirty="0"/>
+          </a:p>
+        </p:txBody>
+      </p:sp>
+      <p:sp>
+        <p:nvSpPr>
+          <p:cNvPr id="3" name="Content Placeholder 2"/>
+          <p:cNvSpPr>
+            <a:spLocks noGrp="1"/>
+          </p:cNvSpPr>
+          <p:nvPr>
+            <p:ph idx="1"/>
+          </p:nvPr>
+        </p:nvSpPr>
+        <p:spPr>
+          <a:xfrm>
+            <a:off x="2491179" y="1891157"/>
+            <a:ext cx="10018713" cy="3124201"/>
+          </a:xfrm>
+        </p:spPr>
+        <p:txBody>
+          <a:bodyPr/>
+          <a:lstStyle/>
+          <a:p>
+            <a:r>
+              <a:rPr lang="en-US" dirty="0"/>
+              <a:t>Installer </a:t>
+            </a:r>
+            <a:r>
+              <a:rPr lang="en-US" dirty="0" err="1"/>
+              <a:t>Git</a:t>
+            </a:r>
+            <a:br>
+              <a:rPr lang="en-US" dirty="0"/>
+            </a:br>
+            <a:br>
+              <a:rPr lang="en-US" dirty="0"/>
+            </a:br>
+            <a:br>
+              <a:rPr lang="en-US" dirty="0"/>
+            </a:br>
+            <a:endParaRPr lang="en-US" dirty="0"/>
+          </a:p>
+          <a:p>
+            <a:r>
+              <a:rPr lang="en-US" dirty="0"/>
+              <a:t>Cloner le </a:t>
+            </a:r>
+            <a:r>
+              <a:rPr lang="en-US" dirty="0" err="1"/>
+              <a:t>répertoire</a:t>
+            </a:r>
+            <a:r>
+              <a:rPr lang="en-US" dirty="0"/>
+              <a:t> principal </a:t>
+            </a:r>
+          </a:p>
+        </p:txBody>
+      </p:sp>
+      <p:pic>
+        <p:nvPicPr>
+          <p:cNvPr id="5" name="Picture 4"/>
+          <p:cNvPicPr>
+            <a:picLocks noChangeAspect="1"/>
+          </p:cNvPicPr>
+          <p:nvPr/>
+        </p:nvPicPr>
+        <p:blipFill>
+          <a:blip r:embed="rId2">
+            <a:extLst>
+              <a:ext uri="{28A0092B-C50C-407E-A947-70E740481C1C}">
+                <a14:useLocalDpi xmlns:a14="http://schemas.microsoft.com/office/drawing/2010/main" val="0"/>
+              </a:ext>
+            </a:extLst>
+          </a:blip>
+          <a:stretch>
+            <a:fillRect/>
+          </a:stretch>
+        </p:blipFill>
+        <p:spPr>
+          <a:xfrm>
+            <a:off x="2491179" y="2825180"/>
+            <a:ext cx="3162300" cy="673100"/>
+          </a:xfrm>
+          <a:prstGeom prst="rect">
+            <a:avLst/>
+          </a:prstGeom>
+          <a:ln>
+            <a:noFill/>
+          </a:ln>
+          <a:effectLst>
+            <a:outerShdw blurRad="292100" dist="139700" dir="2700000" algn="tl" rotWithShape="0">
+              <a:srgbClr val="333333">
+                <a:alpha val="65000"/>
+              </a:srgbClr>
+            </a:outerShdw>
+          </a:effectLst>
+        </p:spPr>
+      </p:pic>
+      <p:pic>
+        <p:nvPicPr>
+          <p:cNvPr id="7" name="Picture 6"/>
+          <p:cNvPicPr>
+            <a:picLocks noChangeAspect="1"/>
+          </p:cNvPicPr>
+          <p:nvPr/>
+        </p:nvPicPr>
+        <p:blipFill>
+          <a:blip r:embed="rId3">
+            <a:extLst>
+              <a:ext uri="{28A0092B-C50C-407E-A947-70E740481C1C}">
+                <a14:useLocalDpi xmlns:a14="http://schemas.microsoft.com/office/drawing/2010/main" val="0"/>
+              </a:ext>
+            </a:extLst>
+          </a:blip>
+          <a:stretch>
+            <a:fillRect/>
+          </a:stretch>
+        </p:blipFill>
+        <p:spPr>
+          <a:xfrm>
+            <a:off x="2491179" y="4500439"/>
+            <a:ext cx="5537200" cy="901700"/>
+          </a:xfrm>
+          <a:prstGeom prst="rect">
+            <a:avLst/>
+          </a:prstGeom>
+          <a:ln>
+            <a:noFill/>
+          </a:ln>
+          <a:effectLst>
+            <a:outerShdw blurRad="292100" dist="139700" dir="2700000" algn="tl" rotWithShape="0">
+              <a:srgbClr val="333333">
+                <a:alpha val="65000"/>
+              </a:srgbClr>
+            </a:outerShdw>
+          </a:effectLst>
+        </p:spPr>
+      </p:pic>
+    </p:spTree>
+    <p:extLst>
+      <p:ext uri="{BB962C8B-B14F-4D97-AF65-F5344CB8AC3E}">
+        <p14:creationId xmlns:p14="http://schemas.microsoft.com/office/powerpoint/2010/main" val="1283557247"/>
+      </p:ext>
+    </p:extLst>
+  </p:cSld>
+  <p:clrMapOvr>
+    <a:masterClrMapping/>
+  </p:clrMapOvr>
+</p:sld>
+</file>
+
+<file path=ppt/slides/slide7.xml><?xml version="1.0" encoding="utf-8"?>
+<p:sld xmlns:a="http://schemas.openxmlformats.org/drawingml/2006/main" xmlns:r="http://schemas.openxmlformats.org/officeDocument/2006/relationships" xmlns:p="http://schemas.openxmlformats.org/presentationml/2006/main">
+  <p:cSld>
+    <p:spTree>
+      <p:nvGrpSpPr>
+        <p:cNvPr id="1" name=""/>
+        <p:cNvGrpSpPr/>
+        <p:nvPr/>
+      </p:nvGrpSpPr>
+      <p:grpSpPr>
+        <a:xfrm>
+          <a:off x="0" y="0"/>
+          <a:ext cx="0" cy="0"/>
+          <a:chOff x="0" y="0"/>
+          <a:chExt cx="0" cy="0"/>
+        </a:xfrm>
+      </p:grpSpPr>
+      <p:sp>
+        <p:nvSpPr>
+          <p:cNvPr id="2" name="Title 1"/>
+          <p:cNvSpPr>
+            <a:spLocks noGrp="1"/>
+          </p:cNvSpPr>
+          <p:nvPr>
+            <p:ph type="title"/>
+          </p:nvPr>
+        </p:nvSpPr>
+        <p:spPr/>
+        <p:txBody>
+          <a:bodyPr/>
+          <a:lstStyle/>
+          <a:p>
+            <a:r>
+              <a:rPr lang="en-US" dirty="0"/>
+              <a:t>Il se </a:t>
+            </a:r>
+            <a:r>
+              <a:rPr lang="en-US" dirty="0" err="1"/>
+              <a:t>passe</a:t>
+            </a:r>
+            <a:r>
+              <a:rPr lang="en-US" dirty="0"/>
+              <a:t> pas grand chose</a:t>
+            </a:r>
+          </a:p>
+        </p:txBody>
+      </p:sp>
+      <p:pic>
+        <p:nvPicPr>
+          <p:cNvPr id="6" name="Picture 5"/>
+          <p:cNvPicPr>
+            <a:picLocks noChangeAspect="1"/>
+          </p:cNvPicPr>
+          <p:nvPr/>
+        </p:nvPicPr>
+        <p:blipFill>
+          <a:blip r:embed="rId2">
+            <a:extLst>
+              <a:ext uri="{28A0092B-C50C-407E-A947-70E740481C1C}">
+                <a14:useLocalDpi xmlns:a14="http://schemas.microsoft.com/office/drawing/2010/main" val="0"/>
+              </a:ext>
+            </a:extLst>
+          </a:blip>
+          <a:stretch>
+            <a:fillRect/>
+          </a:stretch>
+        </p:blipFill>
+        <p:spPr>
+          <a:xfrm>
+            <a:off x="1587312" y="2475430"/>
+            <a:ext cx="4264664" cy="2952459"/>
+          </a:xfrm>
+          <a:prstGeom prst="rect">
+            <a:avLst/>
+          </a:prstGeom>
+          <a:ln>
+            <a:noFill/>
+          </a:ln>
+          <a:effectLst>
+            <a:outerShdw blurRad="292100" dist="139700" dir="2700000" algn="tl" rotWithShape="0">
+              <a:srgbClr val="333333">
+                <a:alpha val="65000"/>
+              </a:srgbClr>
+            </a:outerShdw>
+          </a:effectLst>
+        </p:spPr>
+      </p:pic>
+      <p:pic>
+        <p:nvPicPr>
+          <p:cNvPr id="7" name="Picture 6"/>
+          <p:cNvPicPr>
+            <a:picLocks noChangeAspect="1"/>
+          </p:cNvPicPr>
+          <p:nvPr/>
+        </p:nvPicPr>
+        <p:blipFill>
+          <a:blip r:embed="rId3">
+            <a:extLst>
+              <a:ext uri="{28A0092B-C50C-407E-A947-70E740481C1C}">
+                <a14:useLocalDpi xmlns:a14="http://schemas.microsoft.com/office/drawing/2010/main" val="0"/>
+              </a:ext>
+            </a:extLst>
+          </a:blip>
+          <a:stretch>
+            <a:fillRect/>
+          </a:stretch>
+        </p:blipFill>
+        <p:spPr>
+          <a:xfrm>
+            <a:off x="5990262" y="2894357"/>
+            <a:ext cx="5867400" cy="642620"/>
+          </a:xfrm>
+          <a:prstGeom prst="rect">
+            <a:avLst/>
+          </a:prstGeom>
+          <a:ln>
+            <a:noFill/>
+          </a:ln>
+          <a:effectLst>
+            <a:outerShdw blurRad="292100" dist="139700" dir="2700000" algn="tl" rotWithShape="0">
+              <a:srgbClr val="333333">
+                <a:alpha val="65000"/>
+              </a:srgbClr>
+            </a:outerShdw>
+          </a:effectLst>
+        </p:spPr>
+      </p:pic>
+      <p:sp>
+        <p:nvSpPr>
+          <p:cNvPr id="8" name="Frame 7"/>
+          <p:cNvSpPr/>
+          <p:nvPr/>
+        </p:nvSpPr>
+        <p:spPr>
+          <a:xfrm>
+            <a:off x="8920365" y="2970715"/>
+            <a:ext cx="870221" cy="439285"/>
+          </a:xfrm>
+          <a:prstGeom prst="frame">
+            <a:avLst/>
+          </a:prstGeom>
+          <a:ln w="12700"/>
+        </p:spPr>
+        <p:style>
+          <a:lnRef idx="2">
+            <a:schemeClr val="accent2">
+              <a:shade val="50000"/>
+            </a:schemeClr>
+          </a:lnRef>
+          <a:fillRef idx="1">
+            <a:schemeClr val="accent2"/>
+          </a:fillRef>
+          <a:effectRef idx="0">
+            <a:schemeClr val="accent2"/>
+          </a:effectRef>
+          <a:fontRef idx="minor">
+            <a:schemeClr val="lt1"/>
+          </a:fontRef>
+        </p:style>
+        <p:txBody>
+          <a:bodyPr rtlCol="0" anchor="ctr"/>
+          <a:lstStyle/>
+          <a:p>
+            <a:pPr algn="ctr"/>
+            <a:endParaRPr lang="en-US">
+              <a:solidFill>
+                <a:schemeClr val="tx1"/>
+              </a:solidFill>
+            </a:endParaRPr>
+          </a:p>
+        </p:txBody>
+      </p:sp>
+      <p:pic>
+        <p:nvPicPr>
+          <p:cNvPr id="9" name="Picture 8"/>
+          <p:cNvPicPr>
+            <a:picLocks noChangeAspect="1"/>
+          </p:cNvPicPr>
+          <p:nvPr/>
+        </p:nvPicPr>
+        <p:blipFill>
+          <a:blip r:embed="rId4">
+            <a:extLst>
+              <a:ext uri="{28A0092B-C50C-407E-A947-70E740481C1C}">
+                <a14:useLocalDpi xmlns:a14="http://schemas.microsoft.com/office/drawing/2010/main" val="0"/>
+              </a:ext>
+            </a:extLst>
+          </a:blip>
+          <a:stretch>
+            <a:fillRect/>
+          </a:stretch>
+        </p:blipFill>
+        <p:spPr>
+          <a:xfrm>
+            <a:off x="5998790" y="3812433"/>
+            <a:ext cx="5679784" cy="1282532"/>
+          </a:xfrm>
+          <a:prstGeom prst="rect">
+            <a:avLst/>
+          </a:prstGeom>
+          <a:ln>
+            <a:noFill/>
+          </a:ln>
+          <a:effectLst>
+            <a:outerShdw blurRad="292100" dist="139700" dir="2700000" algn="tl" rotWithShape="0">
+              <a:srgbClr val="333333">
+                <a:alpha val="65000"/>
+              </a:srgbClr>
+            </a:outerShdw>
+          </a:effectLst>
+        </p:spPr>
+      </p:pic>
+    </p:spTree>
+    <p:extLst>
+      <p:ext uri="{BB962C8B-B14F-4D97-AF65-F5344CB8AC3E}">
+        <p14:creationId xmlns:p14="http://schemas.microsoft.com/office/powerpoint/2010/main" val="401450953"/>
+      </p:ext>
+    </p:extLst>
+  </p:cSld>
+  <p:clrMapOvr>
+    <a:masterClrMapping/>
+  </p:clrMapOvr>
+</p:sld>
+</file>
+
+<file path=ppt/slides/slide8.xml><?xml version="1.0" encoding="utf-8"?>
+<p:sld xmlns:a="http://schemas.openxmlformats.org/drawingml/2006/main" xmlns:r="http://schemas.openxmlformats.org/officeDocument/2006/relationships" xmlns:p="http://schemas.openxmlformats.org/presentationml/2006/main">
+  <p:cSld>
+    <p:spTree>
+      <p:nvGrpSpPr>
+        <p:cNvPr id="1" name=""/>
+        <p:cNvGrpSpPr/>
+        <p:nvPr/>
+      </p:nvGrpSpPr>
+      <p:grpSpPr>
+        <a:xfrm>
+          <a:off x="0" y="0"/>
+          <a:ext cx="0" cy="0"/>
+          <a:chOff x="0" y="0"/>
+          <a:chExt cx="0" cy="0"/>
+        </a:xfrm>
+      </p:grpSpPr>
+      <p:sp>
+        <p:nvSpPr>
+          <p:cNvPr id="2" name="Title 1"/>
+          <p:cNvSpPr>
+            <a:spLocks noGrp="1"/>
+          </p:cNvSpPr>
+          <p:nvPr>
+            <p:ph type="title"/>
+          </p:nvPr>
+        </p:nvSpPr>
+        <p:spPr/>
+        <p:txBody>
+          <a:bodyPr/>
+          <a:lstStyle/>
+          <a:p>
+            <a:r>
+              <a:rPr lang="en-US" dirty="0"/>
+              <a:t>2. La </a:t>
+            </a:r>
+            <a:r>
+              <a:rPr lang="en-US" dirty="0" err="1"/>
+              <a:t>gestion</a:t>
+            </a:r>
+            <a:r>
+              <a:rPr lang="en-US" dirty="0"/>
+              <a:t> des branches</a:t>
+            </a:r>
+          </a:p>
+        </p:txBody>
+      </p:sp>
+      <p:sp>
+        <p:nvSpPr>
+          <p:cNvPr id="3" name="Content Placeholder 2"/>
+          <p:cNvSpPr>
+            <a:spLocks noGrp="1"/>
+          </p:cNvSpPr>
+          <p:nvPr>
+            <p:ph idx="1"/>
+          </p:nvPr>
+        </p:nvSpPr>
+        <p:spPr>
+          <a:xfrm>
+            <a:off x="1484311" y="1562099"/>
+            <a:ext cx="10018713" cy="3124201"/>
+          </a:xfrm>
+        </p:spPr>
+        <p:txBody>
+          <a:bodyPr/>
+          <a:lstStyle/>
+          <a:p>
+            <a:r>
+              <a:rPr lang="en-US" dirty="0"/>
+              <a:t>Les </a:t>
+            </a:r>
+            <a:r>
+              <a:rPr lang="en-US" dirty="0" err="1"/>
+              <a:t>avantages</a:t>
+            </a:r>
+            <a:r>
+              <a:rPr lang="en-US" dirty="0"/>
+              <a:t> de changer de branches.</a:t>
+            </a:r>
+          </a:p>
+          <a:p>
+            <a:pPr lvl="1"/>
+            <a:r>
+              <a:rPr lang="en-US" dirty="0" err="1"/>
+              <a:t>Moins</a:t>
+            </a:r>
+            <a:r>
+              <a:rPr lang="en-US" dirty="0"/>
+              <a:t> de versions </a:t>
+            </a:r>
+            <a:r>
+              <a:rPr lang="en-US" dirty="0" err="1"/>
+              <a:t>à</a:t>
+            </a:r>
+            <a:r>
+              <a:rPr lang="en-US" dirty="0"/>
+              <a:t> </a:t>
+            </a:r>
+            <a:r>
+              <a:rPr lang="en-US" dirty="0" err="1"/>
+              <a:t>gérer</a:t>
+            </a:r>
+            <a:endParaRPr lang="en-US" dirty="0"/>
+          </a:p>
+          <a:p>
+            <a:pPr lvl="1"/>
+            <a:r>
+              <a:rPr lang="en-US" dirty="0"/>
+              <a:t>Plus </a:t>
+            </a:r>
+            <a:r>
+              <a:rPr lang="en-US" dirty="0" err="1"/>
+              <a:t>sécuritaire</a:t>
+            </a:r>
+            <a:endParaRPr lang="en-US" dirty="0"/>
+          </a:p>
+          <a:p>
+            <a:pPr lvl="1"/>
+            <a:r>
+              <a:rPr lang="en-US" dirty="0" err="1"/>
+              <a:t>Meilleure</a:t>
+            </a:r>
+            <a:r>
+              <a:rPr lang="en-US" dirty="0"/>
+              <a:t> structure du </a:t>
+            </a:r>
+            <a:r>
+              <a:rPr lang="en-US" dirty="0" err="1"/>
+              <a:t>projet</a:t>
+            </a:r>
+            <a:endParaRPr lang="en-US" dirty="0"/>
+          </a:p>
+          <a:p>
+            <a:pPr lvl="1"/>
+            <a:endParaRPr lang="en-US" dirty="0"/>
+          </a:p>
+        </p:txBody>
+      </p:sp>
+      <p:pic>
+        <p:nvPicPr>
+          <p:cNvPr id="4" name="Picture 3"/>
+          <p:cNvPicPr>
+            <a:picLocks noChangeAspect="1"/>
+          </p:cNvPicPr>
+          <p:nvPr/>
+        </p:nvPicPr>
+        <p:blipFill>
+          <a:blip r:embed="rId2">
+            <a:extLst>
+              <a:ext uri="{28A0092B-C50C-407E-A947-70E740481C1C}">
+                <a14:useLocalDpi xmlns:a14="http://schemas.microsoft.com/office/drawing/2010/main" val="0"/>
+              </a:ext>
+            </a:extLst>
+          </a:blip>
+          <a:stretch>
+            <a:fillRect/>
+          </a:stretch>
+        </p:blipFill>
+        <p:spPr>
+          <a:xfrm>
+            <a:off x="6039397" y="2722948"/>
+            <a:ext cx="5463627" cy="3471474"/>
+          </a:xfrm>
+          <a:prstGeom prst="rect">
+            <a:avLst/>
+          </a:prstGeom>
+          <a:ln>
+            <a:noFill/>
+          </a:ln>
+          <a:effectLst>
+            <a:outerShdw blurRad="292100" dist="139700" dir="2700000" algn="tl" rotWithShape="0">
+              <a:srgbClr val="333333">
+                <a:alpha val="65000"/>
+              </a:srgbClr>
+            </a:outerShdw>
+          </a:effectLst>
+        </p:spPr>
+      </p:pic>
+      <p:pic>
+        <p:nvPicPr>
+          <p:cNvPr id="5" name="Picture 4"/>
+          <p:cNvPicPr/>
+          <p:nvPr/>
+        </p:nvPicPr>
+        <p:blipFill>
+          <a:blip r:embed="rId3">
+            <a:extLst>
+              <a:ext uri="{28A0092B-C50C-407E-A947-70E740481C1C}">
+                <a14:useLocalDpi xmlns:a14="http://schemas.microsoft.com/office/drawing/2010/main" val="0"/>
+              </a:ext>
+            </a:extLst>
+          </a:blip>
+          <a:stretch>
+            <a:fillRect/>
+          </a:stretch>
+        </p:blipFill>
+        <p:spPr>
+          <a:xfrm>
+            <a:off x="1841522" y="3986489"/>
+            <a:ext cx="3840665" cy="2001577"/>
+          </a:xfrm>
+          <a:prstGeom prst="rect">
+            <a:avLst/>
+          </a:prstGeom>
+        </p:spPr>
+      </p:pic>
+      <p:sp>
+        <p:nvSpPr>
+          <p:cNvPr id="7" name="TextBox 6"/>
+          <p:cNvSpPr txBox="1"/>
+          <p:nvPr/>
+        </p:nvSpPr>
+        <p:spPr>
+          <a:xfrm>
+            <a:off x="2794571" y="4966729"/>
+            <a:ext cx="380143" cy="369332"/>
+          </a:xfrm>
+          <a:prstGeom prst="rect">
+            <a:avLst/>
+          </a:prstGeom>
+          <a:noFill/>
+        </p:spPr>
+        <p:style>
+          <a:lnRef idx="2">
+            <a:schemeClr val="accent2"/>
+          </a:lnRef>
+          <a:fillRef idx="1">
+            <a:schemeClr val="lt1"/>
+          </a:fillRef>
+          <a:effectRef idx="0">
+            <a:schemeClr val="accent2"/>
+          </a:effectRef>
+          <a:fontRef idx="minor">
+            <a:schemeClr val="dk1"/>
+          </a:fontRef>
+        </p:style>
+        <p:txBody>
+          <a:bodyPr wrap="square" rtlCol="0">
+            <a:spAutoFit/>
+          </a:bodyPr>
+          <a:lstStyle/>
+          <a:p>
+            <a:endParaRPr lang="en-US" dirty="0"/>
+          </a:p>
+        </p:txBody>
+      </p:sp>
+    </p:spTree>
+    <p:extLst>
+      <p:ext uri="{BB962C8B-B14F-4D97-AF65-F5344CB8AC3E}">
+        <p14:creationId xmlns:p14="http://schemas.microsoft.com/office/powerpoint/2010/main" val="1600369068"/>
+      </p:ext>
+    </p:extLst>
+  </p:cSld>
+  <p:clrMapOvr>
+    <a:masterClrMapping/>
+  </p:clrMapOvr>
+</p:sld>
+</file>
+
+<file path=ppt/slides/slide9.xml><?xml version="1.0" encoding="utf-8"?>
+<p:sld xmlns:a="http://schemas.openxmlformats.org/drawingml/2006/main" xmlns:r="http://schemas.openxmlformats.org/officeDocument/2006/relationships" xmlns:p="http://schemas.openxmlformats.org/presentationml/2006/main">
+  <p:cSld>
+    <p:spTree>
+      <p:nvGrpSpPr>
+        <p:cNvPr id="1" name=""/>
+        <p:cNvGrpSpPr/>
+        <p:nvPr/>
+      </p:nvGrpSpPr>
+      <p:grpSpPr>
+        <a:xfrm>
+          <a:off x="0" y="0"/>
+          <a:ext cx="0" cy="0"/>
+          <a:chOff x="0" y="0"/>
+          <a:chExt cx="0" cy="0"/>
+        </a:xfrm>
+      </p:grpSpPr>
+      <p:sp>
+        <p:nvSpPr>
+          <p:cNvPr id="2" name="Title 1"/>
+          <p:cNvSpPr>
+            <a:spLocks noGrp="1"/>
+          </p:cNvSpPr>
+          <p:nvPr>
+            <p:ph type="title"/>
+          </p:nvPr>
+        </p:nvSpPr>
+        <p:spPr/>
+        <p:txBody>
+          <a:bodyPr/>
+          <a:lstStyle/>
+          <a:p>
+            <a:r>
+              <a:rPr lang="en-US" dirty="0"/>
+              <a:t>Faire </a:t>
+            </a:r>
+            <a:r>
+              <a:rPr lang="en-US" dirty="0" err="1"/>
+              <a:t>ses</a:t>
+            </a:r>
+            <a:r>
+              <a:rPr lang="en-US" dirty="0"/>
+              <a:t> </a:t>
+            </a:r>
+            <a:r>
+              <a:rPr lang="en-US" dirty="0" err="1"/>
+              <a:t>changements</a:t>
+            </a:r>
+            <a:endParaRPr lang="en-US" dirty="0"/>
+          </a:p>
+        </p:txBody>
+      </p:sp>
+      <p:sp>
+        <p:nvSpPr>
+          <p:cNvPr id="3" name="Content Placeholder 2"/>
+          <p:cNvSpPr>
+            <a:spLocks noGrp="1"/>
+          </p:cNvSpPr>
+          <p:nvPr>
+            <p:ph idx="1"/>
+          </p:nvPr>
+        </p:nvSpPr>
+        <p:spPr>
+          <a:xfrm>
+            <a:off x="1484310" y="876298"/>
+            <a:ext cx="10018713" cy="3124201"/>
+          </a:xfrm>
+        </p:spPr>
+        <p:txBody>
+          <a:bodyPr/>
+          <a:lstStyle/>
+          <a:p>
+            <a:r>
+              <a:rPr lang="en-US" dirty="0" err="1"/>
+              <a:t>Je</a:t>
+            </a:r>
+            <a:r>
+              <a:rPr lang="en-US" dirty="0"/>
+              <a:t> </a:t>
+            </a:r>
+            <a:r>
+              <a:rPr lang="en-US" dirty="0" err="1"/>
+              <a:t>crée</a:t>
+            </a:r>
+            <a:r>
+              <a:rPr lang="en-US" dirty="0"/>
+              <a:t> un </a:t>
+            </a:r>
+            <a:r>
+              <a:rPr lang="en-US" dirty="0" err="1"/>
+              <a:t>fichier</a:t>
+            </a:r>
+            <a:r>
+              <a:rPr lang="en-US" dirty="0"/>
+              <a:t> : machineacafe.js</a:t>
+            </a:r>
+          </a:p>
+        </p:txBody>
+      </p:sp>
+      <p:pic>
+        <p:nvPicPr>
+          <p:cNvPr id="4" name="Picture 3"/>
+          <p:cNvPicPr>
+            <a:picLocks noChangeAspect="1"/>
+          </p:cNvPicPr>
+          <p:nvPr/>
+        </p:nvPicPr>
+        <p:blipFill>
+          <a:blip r:embed="rId2">
+            <a:extLst>
+              <a:ext uri="{28A0092B-C50C-407E-A947-70E740481C1C}">
+                <a14:useLocalDpi xmlns:a14="http://schemas.microsoft.com/office/drawing/2010/main" val="0"/>
+              </a:ext>
+            </a:extLst>
+          </a:blip>
+          <a:stretch>
+            <a:fillRect/>
+          </a:stretch>
+        </p:blipFill>
+        <p:spPr>
+          <a:xfrm>
+            <a:off x="1484309" y="2809103"/>
+            <a:ext cx="6908800" cy="1054100"/>
+          </a:xfrm>
+          <a:prstGeom prst="rect">
+            <a:avLst/>
+          </a:prstGeom>
+          <a:ln>
+            <a:noFill/>
+          </a:ln>
+          <a:effectLst>
+            <a:outerShdw blurRad="292100" dist="139700" dir="2700000" algn="tl" rotWithShape="0">
+              <a:srgbClr val="333333">
+                <a:alpha val="65000"/>
+              </a:srgbClr>
+            </a:outerShdw>
+          </a:effectLst>
+        </p:spPr>
+      </p:pic>
+      <p:pic>
+        <p:nvPicPr>
+          <p:cNvPr id="5" name="Picture 4"/>
+          <p:cNvPicPr>
+            <a:picLocks noChangeAspect="1"/>
+          </p:cNvPicPr>
+          <p:nvPr/>
+        </p:nvPicPr>
+        <p:blipFill>
+          <a:blip r:embed="rId3">
+            <a:extLst>
+              <a:ext uri="{28A0092B-C50C-407E-A947-70E740481C1C}">
+                <a14:useLocalDpi xmlns:a14="http://schemas.microsoft.com/office/drawing/2010/main" val="0"/>
+              </a:ext>
+            </a:extLst>
+          </a:blip>
+          <a:stretch>
+            <a:fillRect/>
+          </a:stretch>
+        </p:blipFill>
+        <p:spPr>
+          <a:xfrm>
+            <a:off x="3013523" y="4233907"/>
+            <a:ext cx="4406900" cy="2184400"/>
+          </a:xfrm>
+          <a:prstGeom prst="rect">
+            <a:avLst/>
+          </a:prstGeom>
+          <a:ln>
+            <a:noFill/>
+          </a:ln>
+          <a:effectLst>
+            <a:outerShdw blurRad="292100" dist="139700" dir="2700000" algn="tl" rotWithShape="0">
+              <a:srgbClr val="333333">
+                <a:alpha val="65000"/>
+              </a:srgbClr>
+            </a:outerShdw>
+          </a:effectLst>
+        </p:spPr>
+      </p:pic>
+    </p:spTree>
+    <p:extLst>
+      <p:ext uri="{BB962C8B-B14F-4D97-AF65-F5344CB8AC3E}">
+        <p14:creationId xmlns:p14="http://schemas.microsoft.com/office/powerpoint/2010/main" val="859708424"/>
       </p:ext>
     </p:extLst>
   </p:cSld>

--- a/GitPresentation.pptx
+++ b/GitPresentation.pptx
@@ -5,12 +5,25 @@
     <p:sldMasterId id="2147483876" r:id="rId1"/>
   </p:sldMasterIdLst>
   <p:notesMasterIdLst>
-    <p:notesMasterId r:id="rId5"/>
+    <p:notesMasterId r:id="rId18"/>
   </p:notesMasterIdLst>
   <p:sldIdLst>
     <p:sldId id="256" r:id="rId2"/>
     <p:sldId id="257" r:id="rId3"/>
-    <p:sldId id="258" r:id="rId4"/>
+    <p:sldId id="259" r:id="rId4"/>
+    <p:sldId id="258" r:id="rId5"/>
+    <p:sldId id="260" r:id="rId6"/>
+    <p:sldId id="261" r:id="rId7"/>
+    <p:sldId id="262" r:id="rId8"/>
+    <p:sldId id="263" r:id="rId9"/>
+    <p:sldId id="264" r:id="rId10"/>
+    <p:sldId id="266" r:id="rId11"/>
+    <p:sldId id="265" r:id="rId12"/>
+    <p:sldId id="267" r:id="rId13"/>
+    <p:sldId id="268" r:id="rId14"/>
+    <p:sldId id="269" r:id="rId15"/>
+    <p:sldId id="270" r:id="rId16"/>
+    <p:sldId id="271" r:id="rId17"/>
   </p:sldIdLst>
   <p:sldSz cx="12192000" cy="6858000"/>
   <p:notesSz cx="6858000" cy="9144000"/>
@@ -122,9 +135,9 @@
 </file>
 
 <file path=ppt/charts/chart1.xml><?xml version="1.0" encoding="utf-8"?>
-<c:chartSpace xmlns:c="http://schemas.openxmlformats.org/drawingml/2006/chart" xmlns:a="http://schemas.openxmlformats.org/drawingml/2006/main" xmlns:r="http://schemas.openxmlformats.org/officeDocument/2006/relationships">
+<c:chartSpace xmlns:c="http://schemas.openxmlformats.org/drawingml/2006/chart" xmlns:a="http://schemas.openxmlformats.org/drawingml/2006/main" xmlns:r="http://schemas.openxmlformats.org/officeDocument/2006/relationships" xmlns:c16r2="http://schemas.microsoft.com/office/drawing/2015/06/chart">
   <c:date1904 val="0"/>
-  <c:lang val="en-US"/>
+  <c:lang val="fr-FR"/>
   <c:roundedCorners val="0"/>
   <mc:AlternateContent xmlns:mc="http://schemas.openxmlformats.org/markup-compatibility/2006">
     <mc:Choice xmlns:c14="http://schemas.microsoft.com/office/drawing/2007/8/2/chart" Requires="c14">
@@ -136,7 +149,6 @@
   </mc:AlternateContent>
   <c:chart>
     <c:title>
-      <c:layout/>
       <c:overlay val="0"/>
       <c:spPr>
         <a:noFill/>
@@ -162,7 +174,7 @@
               <a:cs typeface="+mn-cs"/>
             </a:defRPr>
           </a:pPr>
-          <a:endParaRPr lang="en-US"/>
+          <a:endParaRPr lang="fr-FR"/>
         </a:p>
       </c:txPr>
     </c:title>
@@ -230,6 +242,11 @@
                 <a:bevelT w="25400" h="12700"/>
               </a:sp3d>
             </c:spPr>
+            <c:extLst>
+              <c:ext xmlns:c16="http://schemas.microsoft.com/office/drawing/2014/chart" uri="{C3380CC4-5D6E-409C-BE32-E72D297353CC}">
+                <c16:uniqueId val="{00000001-1BEC-4DD0-B596-2DBA211016BA}"/>
+              </c:ext>
+            </c:extLst>
           </c:dPt>
           <c:dPt>
             <c:idx val="1"/>
@@ -276,6 +293,11 @@
                 <a:bevelT w="25400" h="12700"/>
               </a:sp3d>
             </c:spPr>
+            <c:extLst>
+              <c:ext xmlns:c16="http://schemas.microsoft.com/office/drawing/2014/chart" uri="{C3380CC4-5D6E-409C-BE32-E72D297353CC}">
+                <c16:uniqueId val="{00000003-1BEC-4DD0-B596-2DBA211016BA}"/>
+              </c:ext>
+            </c:extLst>
           </c:dPt>
           <c:dPt>
             <c:idx val="2"/>
@@ -322,6 +344,11 @@
                 <a:bevelT w="25400" h="12700"/>
               </a:sp3d>
             </c:spPr>
+            <c:extLst>
+              <c:ext xmlns:c16="http://schemas.microsoft.com/office/drawing/2014/chart" uri="{C3380CC4-5D6E-409C-BE32-E72D297353CC}">
+                <c16:uniqueId val="{00000005-1BEC-4DD0-B596-2DBA211016BA}"/>
+              </c:ext>
+            </c:extLst>
           </c:dPt>
           <c:dPt>
             <c:idx val="3"/>
@@ -368,6 +395,11 @@
                 <a:bevelT w="25400" h="12700"/>
               </a:sp3d>
             </c:spPr>
+            <c:extLst>
+              <c:ext xmlns:c16="http://schemas.microsoft.com/office/drawing/2014/chart" uri="{C3380CC4-5D6E-409C-BE32-E72D297353CC}">
+                <c16:uniqueId val="{00000007-1BEC-4DD0-B596-2DBA211016BA}"/>
+              </c:ext>
+            </c:extLst>
           </c:dPt>
           <c:dPt>
             <c:idx val="4"/>
@@ -414,6 +446,11 @@
                 <a:bevelT w="25400" h="12700"/>
               </a:sp3d>
             </c:spPr>
+            <c:extLst>
+              <c:ext xmlns:c16="http://schemas.microsoft.com/office/drawing/2014/chart" uri="{C3380CC4-5D6E-409C-BE32-E72D297353CC}">
+                <c16:uniqueId val="{00000009-1BEC-4DD0-B596-2DBA211016BA}"/>
+              </c:ext>
+            </c:extLst>
           </c:dPt>
           <c:dPt>
             <c:idx val="5"/>
@@ -460,6 +497,11 @@
                 <a:bevelT w="25400" h="12700"/>
               </a:sp3d>
             </c:spPr>
+            <c:extLst>
+              <c:ext xmlns:c16="http://schemas.microsoft.com/office/drawing/2014/chart" uri="{C3380CC4-5D6E-409C-BE32-E72D297353CC}">
+                <c16:uniqueId val="{0000000B-1BEC-4DD0-B596-2DBA211016BA}"/>
+              </c:ext>
+            </c:extLst>
           </c:dPt>
           <c:cat>
             <c:strRef>
@@ -508,6 +550,11 @@
               </c:numCache>
             </c:numRef>
           </c:val>
+          <c:extLst>
+            <c:ext xmlns:c16="http://schemas.microsoft.com/office/drawing/2014/chart" uri="{C3380CC4-5D6E-409C-BE32-E72D297353CC}">
+              <c16:uniqueId val="{0000000C-1BEC-4DD0-B596-2DBA211016BA}"/>
+            </c:ext>
+          </c:extLst>
         </c:ser>
         <c:dLbls>
           <c:showLegendKey val="0"/>
@@ -530,7 +577,6 @@
     </c:plotArea>
     <c:legend>
       <c:legendPos val="b"/>
-      <c:layout/>
       <c:overlay val="0"/>
       <c:spPr>
         <a:noFill/>
@@ -556,7 +602,7 @@
               <a:cs typeface="+mn-cs"/>
             </a:defRPr>
           </a:pPr>
-          <a:endParaRPr lang="en-US"/>
+          <a:endParaRPr lang="fr-FR"/>
         </a:p>
       </c:txPr>
     </c:legend>
@@ -578,7 +624,7 @@
       <a:pPr>
         <a:defRPr/>
       </a:pPr>
-      <a:endParaRPr lang="en-US"/>
+      <a:endParaRPr lang="fr-FR"/>
     </a:p>
   </c:txPr>
   <c:externalData r:id="rId3">
@@ -1211,7 +1257,7 @@
           <a:p>
             <a:fld id="{94BE676F-555C-AE4D-B3E0-F8BCFFB2C399}" type="datetimeFigureOut">
               <a:rPr lang="en-US" smtClean="0"/>
-              <a:t>10/16/17</a:t>
+              <a:t>10/22/2017</a:t>
             </a:fld>
             <a:endParaRPr lang="en-US"/>
           </a:p>
@@ -1369,7 +1415,7 @@
           <a:p>
             <a:fld id="{62DC9C40-1CE6-A340-B000-CBE4CF18F9C7}" type="slidenum">
               <a:rPr lang="en-US" smtClean="0"/>
-              <a:t>‹#›</a:t>
+              <a:t>‹N°›</a:t>
             </a:fld>
             <a:endParaRPr lang="en-US"/>
           </a:p>
@@ -1980,7 +2026,7 @@
           <a:p>
             <a:fld id="{8AEB1F6E-BE39-9349-BC16-46503606C6CE}" type="datetimeFigureOut">
               <a:rPr lang="en-US" smtClean="0"/>
-              <a:t>10/16/17</a:t>
+              <a:t>10/22/2017</a:t>
             </a:fld>
             <a:endParaRPr lang="en-US"/>
           </a:p>
@@ -2027,7 +2073,7 @@
           <a:p>
             <a:fld id="{8F1441E5-2681-D342-A4D7-CDD8BDD1E122}" type="slidenum">
               <a:rPr lang="en-US" smtClean="0"/>
-              <a:t>‹#›</a:t>
+              <a:t>‹N°›</a:t>
             </a:fld>
             <a:endParaRPr lang="en-US"/>
           </a:p>
@@ -2271,7 +2317,7 @@
           <a:p>
             <a:fld id="{8AEB1F6E-BE39-9349-BC16-46503606C6CE}" type="datetimeFigureOut">
               <a:rPr lang="en-US" smtClean="0"/>
-              <a:t>10/16/17</a:t>
+              <a:t>10/22/2017</a:t>
             </a:fld>
             <a:endParaRPr lang="en-US"/>
           </a:p>
@@ -2313,7 +2359,7 @@
           <a:p>
             <a:fld id="{8F1441E5-2681-D342-A4D7-CDD8BDD1E122}" type="slidenum">
               <a:rPr lang="en-US" smtClean="0"/>
-              <a:t>‹#›</a:t>
+              <a:t>‹N°›</a:t>
             </a:fld>
             <a:endParaRPr lang="en-US"/>
           </a:p>
@@ -2514,7 +2560,7 @@
           <a:p>
             <a:fld id="{8AEB1F6E-BE39-9349-BC16-46503606C6CE}" type="datetimeFigureOut">
               <a:rPr lang="en-US" smtClean="0"/>
-              <a:t>10/16/17</a:t>
+              <a:t>10/22/2017</a:t>
             </a:fld>
             <a:endParaRPr lang="en-US"/>
           </a:p>
@@ -2556,7 +2602,7 @@
           <a:p>
             <a:fld id="{8F1441E5-2681-D342-A4D7-CDD8BDD1E122}" type="slidenum">
               <a:rPr lang="en-US" smtClean="0"/>
-              <a:t>‹#›</a:t>
+              <a:t>‹N°›</a:t>
             </a:fld>
             <a:endParaRPr lang="en-US"/>
           </a:p>
@@ -3049,7 +3095,7 @@
           <a:p>
             <a:fld id="{8AEB1F6E-BE39-9349-BC16-46503606C6CE}" type="datetimeFigureOut">
               <a:rPr lang="en-US" smtClean="0"/>
-              <a:t>10/16/17</a:t>
+              <a:t>10/22/2017</a:t>
             </a:fld>
             <a:endParaRPr lang="en-US"/>
           </a:p>
@@ -3091,7 +3137,7 @@
           <a:p>
             <a:fld id="{8F1441E5-2681-D342-A4D7-CDD8BDD1E122}" type="slidenum">
               <a:rPr lang="en-US" smtClean="0"/>
-              <a:t>‹#›</a:t>
+              <a:t>‹N°›</a:t>
             </a:fld>
             <a:endParaRPr lang="en-US"/>
           </a:p>
@@ -3292,7 +3338,7 @@
           <a:p>
             <a:fld id="{8AEB1F6E-BE39-9349-BC16-46503606C6CE}" type="datetimeFigureOut">
               <a:rPr lang="en-US" smtClean="0"/>
-              <a:t>10/16/17</a:t>
+              <a:t>10/22/2017</a:t>
             </a:fld>
             <a:endParaRPr lang="en-US"/>
           </a:p>
@@ -3334,7 +3380,7 @@
           <a:p>
             <a:fld id="{8F1441E5-2681-D342-A4D7-CDD8BDD1E122}" type="slidenum">
               <a:rPr lang="en-US" smtClean="0"/>
-              <a:t>‹#›</a:t>
+              <a:t>‹N°›</a:t>
             </a:fld>
             <a:endParaRPr lang="en-US"/>
           </a:p>
@@ -3819,7 +3865,7 @@
           <a:p>
             <a:fld id="{8AEB1F6E-BE39-9349-BC16-46503606C6CE}" type="datetimeFigureOut">
               <a:rPr lang="en-US" smtClean="0"/>
-              <a:t>10/16/17</a:t>
+              <a:t>10/22/2017</a:t>
             </a:fld>
             <a:endParaRPr lang="en-US"/>
           </a:p>
@@ -3861,7 +3907,7 @@
           <a:p>
             <a:fld id="{8F1441E5-2681-D342-A4D7-CDD8BDD1E122}" type="slidenum">
               <a:rPr lang="en-US" smtClean="0"/>
-              <a:t>‹#›</a:t>
+              <a:t>‹N°›</a:t>
             </a:fld>
             <a:endParaRPr lang="en-US"/>
           </a:p>
@@ -4111,7 +4157,7 @@
           <a:p>
             <a:fld id="{8AEB1F6E-BE39-9349-BC16-46503606C6CE}" type="datetimeFigureOut">
               <a:rPr lang="en-US" smtClean="0"/>
-              <a:t>10/16/17</a:t>
+              <a:t>10/22/2017</a:t>
             </a:fld>
             <a:endParaRPr lang="en-US"/>
           </a:p>
@@ -4153,7 +4199,7 @@
           <a:p>
             <a:fld id="{8F1441E5-2681-D342-A4D7-CDD8BDD1E122}" type="slidenum">
               <a:rPr lang="en-US" smtClean="0"/>
-              <a:t>‹#›</a:t>
+              <a:t>‹N°›</a:t>
             </a:fld>
             <a:endParaRPr lang="en-US"/>
           </a:p>
@@ -4280,7 +4326,7 @@
           <a:p>
             <a:fld id="{8AEB1F6E-BE39-9349-BC16-46503606C6CE}" type="datetimeFigureOut">
               <a:rPr lang="en-US" smtClean="0"/>
-              <a:t>10/16/17</a:t>
+              <a:t>10/22/2017</a:t>
             </a:fld>
             <a:endParaRPr lang="en-US"/>
           </a:p>
@@ -4322,7 +4368,7 @@
           <a:p>
             <a:fld id="{8F1441E5-2681-D342-A4D7-CDD8BDD1E122}" type="slidenum">
               <a:rPr lang="en-US" smtClean="0"/>
-              <a:t>‹#›</a:t>
+              <a:t>‹N°›</a:t>
             </a:fld>
             <a:endParaRPr lang="en-US"/>
           </a:p>
@@ -4455,7 +4501,7 @@
           <a:p>
             <a:fld id="{8AEB1F6E-BE39-9349-BC16-46503606C6CE}" type="datetimeFigureOut">
               <a:rPr lang="en-US" smtClean="0"/>
-              <a:t>10/16/17</a:t>
+              <a:t>10/22/2017</a:t>
             </a:fld>
             <a:endParaRPr lang="en-US"/>
           </a:p>
@@ -4497,7 +4543,7 @@
           <a:p>
             <a:fld id="{8F1441E5-2681-D342-A4D7-CDD8BDD1E122}" type="slidenum">
               <a:rPr lang="en-US" smtClean="0"/>
-              <a:t>‹#›</a:t>
+              <a:t>‹N°›</a:t>
             </a:fld>
             <a:endParaRPr lang="en-US"/>
           </a:p>
@@ -4661,7 +4707,7 @@
           <a:p>
             <a:fld id="{8AEB1F6E-BE39-9349-BC16-46503606C6CE}" type="datetimeFigureOut">
               <a:rPr lang="en-US" smtClean="0"/>
-              <a:t>10/16/17</a:t>
+              <a:t>10/22/2017</a:t>
             </a:fld>
             <a:endParaRPr lang="en-US"/>
           </a:p>
@@ -4708,7 +4754,7 @@
           <a:p>
             <a:fld id="{8F1441E5-2681-D342-A4D7-CDD8BDD1E122}" type="slidenum">
               <a:rPr lang="en-US" smtClean="0"/>
-              <a:t>‹#›</a:t>
+              <a:t>‹N°›</a:t>
             </a:fld>
             <a:endParaRPr lang="en-US"/>
           </a:p>
@@ -4907,7 +4953,7 @@
           <a:p>
             <a:fld id="{8AEB1F6E-BE39-9349-BC16-46503606C6CE}" type="datetimeFigureOut">
               <a:rPr lang="en-US" smtClean="0"/>
-              <a:t>10/16/17</a:t>
+              <a:t>10/22/2017</a:t>
             </a:fld>
             <a:endParaRPr lang="en-US"/>
           </a:p>
@@ -4949,7 +4995,7 @@
           <a:p>
             <a:fld id="{8F1441E5-2681-D342-A4D7-CDD8BDD1E122}" type="slidenum">
               <a:rPr lang="en-US" smtClean="0"/>
-              <a:t>‹#›</a:t>
+              <a:t>‹N°›</a:t>
             </a:fld>
             <a:endParaRPr lang="en-US"/>
           </a:p>
@@ -5249,7 +5295,7 @@
           <a:p>
             <a:fld id="{8AEB1F6E-BE39-9349-BC16-46503606C6CE}" type="datetimeFigureOut">
               <a:rPr lang="en-US" smtClean="0"/>
-              <a:t>10/16/17</a:t>
+              <a:t>10/22/2017</a:t>
             </a:fld>
             <a:endParaRPr lang="en-US"/>
           </a:p>
@@ -5291,7 +5337,7 @@
           <a:p>
             <a:fld id="{8F1441E5-2681-D342-A4D7-CDD8BDD1E122}" type="slidenum">
               <a:rPr lang="en-US" smtClean="0"/>
-              <a:t>‹#›</a:t>
+              <a:t>‹N°›</a:t>
             </a:fld>
             <a:endParaRPr lang="en-US"/>
           </a:p>
@@ -5736,7 +5782,7 @@
           <a:p>
             <a:fld id="{8AEB1F6E-BE39-9349-BC16-46503606C6CE}" type="datetimeFigureOut">
               <a:rPr lang="en-US" smtClean="0"/>
-              <a:t>10/16/17</a:t>
+              <a:t>10/22/2017</a:t>
             </a:fld>
             <a:endParaRPr lang="en-US"/>
           </a:p>
@@ -5778,7 +5824,7 @@
           <a:p>
             <a:fld id="{8F1441E5-2681-D342-A4D7-CDD8BDD1E122}" type="slidenum">
               <a:rPr lang="en-US" smtClean="0"/>
-              <a:t>‹#›</a:t>
+              <a:t>‹N°›</a:t>
             </a:fld>
             <a:endParaRPr lang="en-US"/>
           </a:p>
@@ -5849,7 +5895,7 @@
           <a:p>
             <a:fld id="{8AEB1F6E-BE39-9349-BC16-46503606C6CE}" type="datetimeFigureOut">
               <a:rPr lang="en-US" smtClean="0"/>
-              <a:t>10/16/17</a:t>
+              <a:t>10/22/2017</a:t>
             </a:fld>
             <a:endParaRPr lang="en-US"/>
           </a:p>
@@ -5891,7 +5937,7 @@
           <a:p>
             <a:fld id="{8F1441E5-2681-D342-A4D7-CDD8BDD1E122}" type="slidenum">
               <a:rPr lang="en-US" smtClean="0"/>
-              <a:t>‹#›</a:t>
+              <a:t>‹N°›</a:t>
             </a:fld>
             <a:endParaRPr lang="en-US"/>
           </a:p>
@@ -5939,7 +5985,7 @@
           <a:p>
             <a:fld id="{8AEB1F6E-BE39-9349-BC16-46503606C6CE}" type="datetimeFigureOut">
               <a:rPr lang="en-US" smtClean="0"/>
-              <a:t>10/16/17</a:t>
+              <a:t>10/22/2017</a:t>
             </a:fld>
             <a:endParaRPr lang="en-US"/>
           </a:p>
@@ -5981,7 +6027,7 @@
           <a:p>
             <a:fld id="{8F1441E5-2681-D342-A4D7-CDD8BDD1E122}" type="slidenum">
               <a:rPr lang="en-US" smtClean="0"/>
-              <a:t>‹#›</a:t>
+              <a:t>‹N°›</a:t>
             </a:fld>
             <a:endParaRPr lang="en-US"/>
           </a:p>
@@ -6217,7 +6263,7 @@
           <a:p>
             <a:fld id="{8AEB1F6E-BE39-9349-BC16-46503606C6CE}" type="datetimeFigureOut">
               <a:rPr lang="en-US" smtClean="0"/>
-              <a:t>10/16/17</a:t>
+              <a:t>10/22/2017</a:t>
             </a:fld>
             <a:endParaRPr lang="en-US"/>
           </a:p>
@@ -6259,7 +6305,7 @@
           <a:p>
             <a:fld id="{8F1441E5-2681-D342-A4D7-CDD8BDD1E122}" type="slidenum">
               <a:rPr lang="en-US" smtClean="0"/>
-              <a:t>‹#›</a:t>
+              <a:t>‹N°›</a:t>
             </a:fld>
             <a:endParaRPr lang="en-US"/>
           </a:p>
@@ -6503,7 +6549,7 @@
           <a:p>
             <a:fld id="{8AEB1F6E-BE39-9349-BC16-46503606C6CE}" type="datetimeFigureOut">
               <a:rPr lang="en-US" smtClean="0"/>
-              <a:t>10/16/17</a:t>
+              <a:t>10/22/2017</a:t>
             </a:fld>
             <a:endParaRPr lang="en-US"/>
           </a:p>
@@ -6545,7 +6591,7 @@
           <a:p>
             <a:fld id="{8F1441E5-2681-D342-A4D7-CDD8BDD1E122}" type="slidenum">
               <a:rPr lang="en-US" smtClean="0"/>
-              <a:t>‹#›</a:t>
+              <a:t>‹N°›</a:t>
             </a:fld>
             <a:endParaRPr lang="en-US"/>
           </a:p>
@@ -7028,7 +7074,7 @@
           <a:p>
             <a:fld id="{8AEB1F6E-BE39-9349-BC16-46503606C6CE}" type="datetimeFigureOut">
               <a:rPr lang="en-US" smtClean="0"/>
-              <a:t>10/16/17</a:t>
+              <a:t>10/22/2017</a:t>
             </a:fld>
             <a:endParaRPr lang="en-US"/>
           </a:p>
@@ -7106,7 +7152,7 @@
           <a:p>
             <a:fld id="{8F1441E5-2681-D342-A4D7-CDD8BDD1E122}" type="slidenum">
               <a:rPr lang="en-US" smtClean="0"/>
-              <a:t>‹#›</a:t>
+              <a:t>‹N°›</a:t>
             </a:fld>
             <a:endParaRPr lang="en-US"/>
           </a:p>
@@ -7591,12 +7637,6 @@
               <a:t>Mathieu Renaud</a:t>
             </a:r>
           </a:p>
-          <a:p>
-            <a:r>
-              <a:rPr lang="en-US" dirty="0"/>
-              <a:t>test</a:t>
-            </a:r>
-          </a:p>
         </p:txBody>
       </p:sp>
       <p:pic>
@@ -7702,7 +7742,7 @@
 </p:sld>
 </file>
 
-<file path=ppt/slides/slide2.xml><?xml version="1.0" encoding="utf-8"?>
+<file path=ppt/slides/slide10.xml><?xml version="1.0" encoding="utf-8"?>
 <p:sld xmlns:a="http://schemas.openxmlformats.org/drawingml/2006/main" xmlns:r="http://schemas.openxmlformats.org/officeDocument/2006/relationships" xmlns:p="http://schemas.openxmlformats.org/presentationml/2006/main">
   <p:cSld>
     <p:spTree>
@@ -7735,22 +7775,21 @@
           <a:lstStyle/>
           <a:p>
             <a:r>
-              <a:rPr lang="en-US" dirty="0" err="1" smtClean="0"/>
-              <a:t>C’est</a:t>
-            </a:r>
-            <a:r>
-              <a:rPr lang="en-US" dirty="0" smtClean="0"/>
-              <a:t> quoi </a:t>
-            </a:r>
-            <a:r>
-              <a:rPr lang="en-US" dirty="0" err="1" smtClean="0"/>
-              <a:t>Git</a:t>
-            </a:r>
-            <a:r>
-              <a:rPr lang="en-US" dirty="0" smtClean="0"/>
-              <a:t> ?</a:t>
-            </a:r>
-            <a:endParaRPr lang="en-US" dirty="0"/>
+              <a:rPr lang="en-US" dirty="0" err="1"/>
+              <a:t>Sauvegarder</a:t>
+            </a:r>
+            <a:r>
+              <a:rPr lang="en-US" dirty="0"/>
+              <a:t> </a:t>
+            </a:r>
+            <a:r>
+              <a:rPr lang="en-US" dirty="0" err="1"/>
+              <a:t>une</a:t>
+            </a:r>
+            <a:r>
+              <a:rPr lang="en-US" dirty="0"/>
+              <a:t> version</a:t>
+            </a:r>
           </a:p>
         </p:txBody>
       </p:sp>
@@ -7766,7 +7805,7 @@
         </p:nvSpPr>
         <p:spPr>
           <a:xfrm>
-            <a:off x="1484310" y="2996183"/>
+            <a:off x="1484310" y="1043682"/>
             <a:ext cx="10018713" cy="3124201"/>
           </a:xfrm>
         </p:spPr>
@@ -7775,54 +7814,1889 @@
           <a:lstStyle/>
           <a:p>
             <a:r>
-              <a:rPr lang="fr-CA" dirty="0" smtClean="0"/>
-              <a:t>Fondé en 2005 par Linus </a:t>
-            </a:r>
-            <a:r>
-              <a:rPr lang="fr-CA" dirty="0" err="1" smtClean="0"/>
-              <a:t>Torvalds</a:t>
-            </a:r>
-            <a:r>
-              <a:rPr lang="fr-CA" dirty="0" smtClean="0"/>
-              <a:t> (Fondateur de Linux)</a:t>
-            </a:r>
-          </a:p>
-          <a:p>
-            <a:r>
-              <a:rPr lang="fr-CA" dirty="0" smtClean="0"/>
-              <a:t>VCS (Version Control System)</a:t>
-            </a:r>
-          </a:p>
-          <a:p>
-            <a:r>
-              <a:rPr lang="fr-CA" dirty="0" smtClean="0"/>
-              <a:t>Les fonctionnalités</a:t>
-            </a:r>
-          </a:p>
-          <a:p>
-            <a:r>
-              <a:rPr lang="fr-CA" dirty="0" smtClean="0"/>
-              <a:t>Commencer ou s’ajouter à un projet</a:t>
-            </a:r>
-          </a:p>
-          <a:p>
-            <a:r>
-              <a:rPr lang="fr-CA" dirty="0" smtClean="0"/>
-              <a:t>Les commandes de bases</a:t>
-            </a:r>
-          </a:p>
-          <a:p>
-            <a:endParaRPr lang="en-US" dirty="0" smtClean="0"/>
-          </a:p>
-          <a:p>
-            <a:endParaRPr lang="en-US" dirty="0" smtClean="0"/>
-          </a:p>
-        </p:txBody>
-      </p:sp>
+              <a:rPr lang="en-US" dirty="0"/>
+              <a:t>Les </a:t>
+            </a:r>
+            <a:r>
+              <a:rPr lang="en-US" dirty="0" err="1"/>
+              <a:t>commandes</a:t>
+            </a:r>
+            <a:r>
+              <a:rPr lang="en-US" dirty="0"/>
+              <a:t> ”</a:t>
+            </a:r>
+            <a:r>
+              <a:rPr lang="en-US" dirty="0" err="1"/>
+              <a:t>git</a:t>
+            </a:r>
+            <a:r>
+              <a:rPr lang="en-US" dirty="0"/>
+              <a:t> add .” et ”</a:t>
+            </a:r>
+            <a:r>
+              <a:rPr lang="en-US" dirty="0" err="1"/>
+              <a:t>git</a:t>
+            </a:r>
+            <a:r>
+              <a:rPr lang="en-US" dirty="0"/>
+              <a:t> commit”</a:t>
+            </a:r>
+          </a:p>
+        </p:txBody>
+      </p:sp>
+      <p:pic>
+        <p:nvPicPr>
+          <p:cNvPr id="4" name="Picture 3"/>
+          <p:cNvPicPr>
+            <a:picLocks noChangeAspect="1"/>
+          </p:cNvPicPr>
+          <p:nvPr/>
+        </p:nvPicPr>
+        <p:blipFill>
+          <a:blip r:embed="rId2">
+            <a:extLst>
+              <a:ext uri="{28A0092B-C50C-407E-A947-70E740481C1C}">
+                <a14:useLocalDpi xmlns:a14="http://schemas.microsoft.com/office/drawing/2010/main" val="0"/>
+              </a:ext>
+            </a:extLst>
+          </a:blip>
+          <a:stretch>
+            <a:fillRect/>
+          </a:stretch>
+        </p:blipFill>
+        <p:spPr>
+          <a:xfrm>
+            <a:off x="2353781" y="3395469"/>
+            <a:ext cx="1981200" cy="215900"/>
+          </a:xfrm>
+          <a:prstGeom prst="rect">
+            <a:avLst/>
+          </a:prstGeom>
+          <a:ln>
+            <a:noFill/>
+          </a:ln>
+          <a:effectLst>
+            <a:outerShdw blurRad="292100" dist="139700" dir="2700000" algn="tl" rotWithShape="0">
+              <a:srgbClr val="333333">
+                <a:alpha val="65000"/>
+              </a:srgbClr>
+            </a:outerShdw>
+          </a:effectLst>
+        </p:spPr>
+      </p:pic>
+      <p:pic>
+        <p:nvPicPr>
+          <p:cNvPr id="5" name="Picture 4"/>
+          <p:cNvPicPr>
+            <a:picLocks noChangeAspect="1"/>
+          </p:cNvPicPr>
+          <p:nvPr/>
+        </p:nvPicPr>
+        <p:blipFill>
+          <a:blip r:embed="rId3">
+            <a:extLst>
+              <a:ext uri="{28A0092B-C50C-407E-A947-70E740481C1C}">
+                <a14:useLocalDpi xmlns:a14="http://schemas.microsoft.com/office/drawing/2010/main" val="0"/>
+              </a:ext>
+            </a:extLst>
+          </a:blip>
+          <a:stretch>
+            <a:fillRect/>
+          </a:stretch>
+        </p:blipFill>
+        <p:spPr>
+          <a:xfrm>
+            <a:off x="2353781" y="3719604"/>
+            <a:ext cx="3683000" cy="876300"/>
+          </a:xfrm>
+          <a:prstGeom prst="rect">
+            <a:avLst/>
+          </a:prstGeom>
+          <a:ln>
+            <a:noFill/>
+          </a:ln>
+          <a:effectLst>
+            <a:outerShdw blurRad="292100" dist="139700" dir="2700000" algn="tl" rotWithShape="0">
+              <a:srgbClr val="333333">
+                <a:alpha val="65000"/>
+              </a:srgbClr>
+            </a:outerShdw>
+          </a:effectLst>
+        </p:spPr>
+      </p:pic>
+      <p:pic>
+        <p:nvPicPr>
+          <p:cNvPr id="6" name="Picture 5"/>
+          <p:cNvPicPr/>
+          <p:nvPr/>
+        </p:nvPicPr>
+        <p:blipFill>
+          <a:blip r:embed="rId4">
+            <a:extLst>
+              <a:ext uri="{28A0092B-C50C-407E-A947-70E740481C1C}">
+                <a14:useLocalDpi xmlns:a14="http://schemas.microsoft.com/office/drawing/2010/main" val="0"/>
+              </a:ext>
+            </a:extLst>
+          </a:blip>
+          <a:stretch>
+            <a:fillRect/>
+          </a:stretch>
+        </p:blipFill>
+        <p:spPr>
+          <a:xfrm>
+            <a:off x="6906252" y="3006141"/>
+            <a:ext cx="4177548" cy="2303225"/>
+          </a:xfrm>
+          <a:prstGeom prst="rect">
+            <a:avLst/>
+          </a:prstGeom>
+        </p:spPr>
+      </p:pic>
     </p:spTree>
     <p:extLst>
       <p:ext uri="{BB962C8B-B14F-4D97-AF65-F5344CB8AC3E}">
-        <p14:creationId xmlns:p14="http://schemas.microsoft.com/office/powerpoint/2010/main" val="1757987412"/>
+        <p14:creationId xmlns:p14="http://schemas.microsoft.com/office/powerpoint/2010/main" val="632227306"/>
+      </p:ext>
+    </p:extLst>
+  </p:cSld>
+  <p:clrMapOvr>
+    <a:masterClrMapping/>
+  </p:clrMapOvr>
+</p:sld>
+</file>
+
+<file path=ppt/slides/slide11.xml><?xml version="1.0" encoding="utf-8"?>
+<p:sld xmlns:a="http://schemas.openxmlformats.org/drawingml/2006/main" xmlns:r="http://schemas.openxmlformats.org/officeDocument/2006/relationships" xmlns:p="http://schemas.openxmlformats.org/presentationml/2006/main">
+  <p:cSld>
+    <p:spTree>
+      <p:nvGrpSpPr>
+        <p:cNvPr id="1" name=""/>
+        <p:cNvGrpSpPr/>
+        <p:nvPr/>
+      </p:nvGrpSpPr>
+      <p:grpSpPr>
+        <a:xfrm>
+          <a:off x="0" y="0"/>
+          <a:ext cx="0" cy="0"/>
+          <a:chOff x="0" y="0"/>
+          <a:chExt cx="0" cy="0"/>
+        </a:xfrm>
+      </p:grpSpPr>
+      <p:sp>
+        <p:nvSpPr>
+          <p:cNvPr id="2" name="Title 1"/>
+          <p:cNvSpPr>
+            <a:spLocks noGrp="1"/>
+          </p:cNvSpPr>
+          <p:nvPr>
+            <p:ph type="title"/>
+          </p:nvPr>
+        </p:nvSpPr>
+        <p:spPr/>
+        <p:txBody>
+          <a:bodyPr/>
+          <a:lstStyle/>
+          <a:p>
+            <a:r>
+              <a:rPr lang="en-US" dirty="0"/>
+              <a:t>Le </a:t>
+            </a:r>
+            <a:r>
+              <a:rPr lang="en-US" dirty="0" err="1"/>
+              <a:t>génie</a:t>
+            </a:r>
+            <a:r>
+              <a:rPr lang="en-US" dirty="0"/>
+              <a:t> de </a:t>
+            </a:r>
+            <a:r>
+              <a:rPr lang="en-US" dirty="0" err="1"/>
+              <a:t>Git</a:t>
+            </a:r>
+            <a:endParaRPr lang="en-US" dirty="0"/>
+          </a:p>
+        </p:txBody>
+      </p:sp>
+      <p:sp>
+        <p:nvSpPr>
+          <p:cNvPr id="3" name="Content Placeholder 2"/>
+          <p:cNvSpPr>
+            <a:spLocks noGrp="1"/>
+          </p:cNvSpPr>
+          <p:nvPr>
+            <p:ph idx="1"/>
+          </p:nvPr>
+        </p:nvSpPr>
+        <p:spPr>
+          <a:xfrm>
+            <a:off x="1484311" y="876298"/>
+            <a:ext cx="10018713" cy="3124201"/>
+          </a:xfrm>
+        </p:spPr>
+        <p:txBody>
+          <a:bodyPr/>
+          <a:lstStyle/>
+          <a:p>
+            <a:r>
+              <a:rPr lang="en-US" dirty="0"/>
+              <a:t>Je </a:t>
+            </a:r>
+            <a:r>
+              <a:rPr lang="en-US" dirty="0" err="1"/>
+              <a:t>retourne</a:t>
+            </a:r>
+            <a:r>
+              <a:rPr lang="en-US" dirty="0"/>
+              <a:t> sur la </a:t>
+            </a:r>
+            <a:r>
+              <a:rPr lang="en-US" dirty="0" err="1"/>
+              <a:t>branche</a:t>
+            </a:r>
+            <a:r>
+              <a:rPr lang="en-US" dirty="0"/>
+              <a:t> master</a:t>
+            </a:r>
+          </a:p>
+        </p:txBody>
+      </p:sp>
+      <p:pic>
+        <p:nvPicPr>
+          <p:cNvPr id="4" name="Picture 3"/>
+          <p:cNvPicPr>
+            <a:picLocks noChangeAspect="1"/>
+          </p:cNvPicPr>
+          <p:nvPr/>
+        </p:nvPicPr>
+        <p:blipFill>
+          <a:blip r:embed="rId2">
+            <a:extLst>
+              <a:ext uri="{28A0092B-C50C-407E-A947-70E740481C1C}">
+                <a14:useLocalDpi xmlns:a14="http://schemas.microsoft.com/office/drawing/2010/main" val="0"/>
+              </a:ext>
+            </a:extLst>
+          </a:blip>
+          <a:stretch>
+            <a:fillRect/>
+          </a:stretch>
+        </p:blipFill>
+        <p:spPr>
+          <a:xfrm>
+            <a:off x="1484311" y="3124199"/>
+            <a:ext cx="5533669" cy="1752599"/>
+          </a:xfrm>
+          <a:prstGeom prst="rect">
+            <a:avLst/>
+          </a:prstGeom>
+        </p:spPr>
+      </p:pic>
+      <p:pic>
+        <p:nvPicPr>
+          <p:cNvPr id="5" name="Picture 4"/>
+          <p:cNvPicPr>
+            <a:picLocks noChangeAspect="1"/>
+          </p:cNvPicPr>
+          <p:nvPr/>
+        </p:nvPicPr>
+        <p:blipFill>
+          <a:blip r:embed="rId3">
+            <a:extLst>
+              <a:ext uri="{28A0092B-C50C-407E-A947-70E740481C1C}">
+                <a14:useLocalDpi xmlns:a14="http://schemas.microsoft.com/office/drawing/2010/main" val="0"/>
+              </a:ext>
+            </a:extLst>
+          </a:blip>
+          <a:stretch>
+            <a:fillRect/>
+          </a:stretch>
+        </p:blipFill>
+        <p:spPr>
+          <a:xfrm>
+            <a:off x="7238360" y="2438398"/>
+            <a:ext cx="4264664" cy="2952459"/>
+          </a:xfrm>
+          <a:prstGeom prst="rect">
+            <a:avLst/>
+          </a:prstGeom>
+          <a:ln>
+            <a:noFill/>
+          </a:ln>
+          <a:effectLst>
+            <a:outerShdw blurRad="292100" dist="139700" dir="2700000" algn="tl" rotWithShape="0">
+              <a:srgbClr val="333333">
+                <a:alpha val="65000"/>
+              </a:srgbClr>
+            </a:outerShdw>
+          </a:effectLst>
+        </p:spPr>
+      </p:pic>
+    </p:spTree>
+    <p:extLst>
+      <p:ext uri="{BB962C8B-B14F-4D97-AF65-F5344CB8AC3E}">
+        <p14:creationId xmlns:p14="http://schemas.microsoft.com/office/powerpoint/2010/main" val="1259623558"/>
+      </p:ext>
+    </p:extLst>
+  </p:cSld>
+  <p:clrMapOvr>
+    <a:masterClrMapping/>
+  </p:clrMapOvr>
+</p:sld>
+</file>
+
+<file path=ppt/slides/slide12.xml><?xml version="1.0" encoding="utf-8"?>
+<p:sld xmlns:a="http://schemas.openxmlformats.org/drawingml/2006/main" xmlns:r="http://schemas.openxmlformats.org/officeDocument/2006/relationships" xmlns:p="http://schemas.openxmlformats.org/presentationml/2006/main">
+  <p:cSld>
+    <p:spTree>
+      <p:nvGrpSpPr>
+        <p:cNvPr id="1" name=""/>
+        <p:cNvGrpSpPr/>
+        <p:nvPr/>
+      </p:nvGrpSpPr>
+      <p:grpSpPr>
+        <a:xfrm>
+          <a:off x="0" y="0"/>
+          <a:ext cx="0" cy="0"/>
+          <a:chOff x="0" y="0"/>
+          <a:chExt cx="0" cy="0"/>
+        </a:xfrm>
+      </p:grpSpPr>
+      <p:sp>
+        <p:nvSpPr>
+          <p:cNvPr id="2" name="Title 1"/>
+          <p:cNvSpPr>
+            <a:spLocks noGrp="1"/>
+          </p:cNvSpPr>
+          <p:nvPr>
+            <p:ph type="title"/>
+          </p:nvPr>
+        </p:nvSpPr>
+        <p:spPr/>
+        <p:txBody>
+          <a:bodyPr/>
+          <a:lstStyle/>
+          <a:p>
+            <a:r>
+              <a:rPr lang="en-US" dirty="0" err="1"/>
+              <a:t>Fusionner</a:t>
+            </a:r>
+            <a:r>
+              <a:rPr lang="en-US" dirty="0"/>
+              <a:t> les branches</a:t>
+            </a:r>
+          </a:p>
+        </p:txBody>
+      </p:sp>
+      <p:sp>
+        <p:nvSpPr>
+          <p:cNvPr id="3" name="Content Placeholder 2"/>
+          <p:cNvSpPr>
+            <a:spLocks noGrp="1"/>
+          </p:cNvSpPr>
+          <p:nvPr>
+            <p:ph idx="1"/>
+          </p:nvPr>
+        </p:nvSpPr>
+        <p:spPr>
+          <a:xfrm>
+            <a:off x="1484311" y="1228617"/>
+            <a:ext cx="10018713" cy="3124201"/>
+          </a:xfrm>
+        </p:spPr>
+        <p:txBody>
+          <a:bodyPr/>
+          <a:lstStyle/>
+          <a:p>
+            <a:r>
+              <a:rPr lang="en-US" dirty="0" err="1"/>
+              <a:t>Lorsque</a:t>
+            </a:r>
+            <a:r>
+              <a:rPr lang="en-US" dirty="0"/>
+              <a:t> la version de la </a:t>
+            </a:r>
+            <a:r>
+              <a:rPr lang="en-US" dirty="0" err="1"/>
+              <a:t>branche</a:t>
+            </a:r>
+            <a:r>
+              <a:rPr lang="en-US" dirty="0"/>
+              <a:t> </a:t>
+            </a:r>
+            <a:r>
+              <a:rPr lang="en-US" dirty="0" err="1"/>
+              <a:t>est</a:t>
+            </a:r>
+            <a:r>
+              <a:rPr lang="en-US" dirty="0"/>
+              <a:t> stable</a:t>
+            </a:r>
+          </a:p>
+          <a:p>
+            <a:r>
+              <a:rPr lang="en-US" dirty="0"/>
+              <a:t>On </a:t>
+            </a:r>
+            <a:r>
+              <a:rPr lang="en-US" dirty="0" err="1"/>
+              <a:t>veut</a:t>
+            </a:r>
+            <a:r>
+              <a:rPr lang="en-US" dirty="0"/>
+              <a:t> que </a:t>
+            </a:r>
+            <a:r>
+              <a:rPr lang="en-US" dirty="0" err="1"/>
+              <a:t>notre</a:t>
+            </a:r>
+            <a:r>
+              <a:rPr lang="en-US" dirty="0"/>
+              <a:t> travail </a:t>
+            </a:r>
+            <a:r>
+              <a:rPr lang="en-US" dirty="0" err="1"/>
+              <a:t>soit</a:t>
+            </a:r>
+            <a:r>
+              <a:rPr lang="en-US" dirty="0"/>
+              <a:t> sur le </a:t>
+            </a:r>
+            <a:r>
+              <a:rPr lang="en-US" dirty="0" err="1"/>
+              <a:t>produit</a:t>
+            </a:r>
+            <a:r>
+              <a:rPr lang="en-US" dirty="0"/>
+              <a:t> final</a:t>
+            </a:r>
+          </a:p>
+        </p:txBody>
+      </p:sp>
+      <p:pic>
+        <p:nvPicPr>
+          <p:cNvPr id="4" name="Picture 3"/>
+          <p:cNvPicPr>
+            <a:picLocks noChangeAspect="1"/>
+          </p:cNvPicPr>
+          <p:nvPr/>
+        </p:nvPicPr>
+        <p:blipFill>
+          <a:blip r:embed="rId2">
+            <a:extLst>
+              <a:ext uri="{28A0092B-C50C-407E-A947-70E740481C1C}">
+                <a14:useLocalDpi xmlns:a14="http://schemas.microsoft.com/office/drawing/2010/main" val="0"/>
+              </a:ext>
+            </a:extLst>
+          </a:blip>
+          <a:stretch>
+            <a:fillRect/>
+          </a:stretch>
+        </p:blipFill>
+        <p:spPr>
+          <a:xfrm>
+            <a:off x="1864454" y="3546012"/>
+            <a:ext cx="4341483" cy="2053404"/>
+          </a:xfrm>
+          <a:prstGeom prst="rect">
+            <a:avLst/>
+          </a:prstGeom>
+          <a:ln>
+            <a:noFill/>
+          </a:ln>
+          <a:effectLst>
+            <a:outerShdw blurRad="292100" dist="139700" dir="2700000" algn="tl" rotWithShape="0">
+              <a:srgbClr val="333333">
+                <a:alpha val="65000"/>
+              </a:srgbClr>
+            </a:outerShdw>
+          </a:effectLst>
+        </p:spPr>
+      </p:pic>
+      <p:pic>
+        <p:nvPicPr>
+          <p:cNvPr id="5" name="Picture 4"/>
+          <p:cNvPicPr>
+            <a:picLocks noChangeAspect="1"/>
+          </p:cNvPicPr>
+          <p:nvPr/>
+        </p:nvPicPr>
+        <p:blipFill>
+          <a:blip r:embed="rId3">
+            <a:extLst>
+              <a:ext uri="{28A0092B-C50C-407E-A947-70E740481C1C}">
+                <a14:useLocalDpi xmlns:a14="http://schemas.microsoft.com/office/drawing/2010/main" val="0"/>
+              </a:ext>
+            </a:extLst>
+          </a:blip>
+          <a:stretch>
+            <a:fillRect/>
+          </a:stretch>
+        </p:blipFill>
+        <p:spPr>
+          <a:xfrm>
+            <a:off x="6852841" y="3546012"/>
+            <a:ext cx="4142623" cy="2053404"/>
+          </a:xfrm>
+          <a:prstGeom prst="rect">
+            <a:avLst/>
+          </a:prstGeom>
+          <a:ln>
+            <a:noFill/>
+          </a:ln>
+          <a:effectLst>
+            <a:outerShdw blurRad="292100" dist="139700" dir="2700000" algn="tl" rotWithShape="0">
+              <a:srgbClr val="333333">
+                <a:alpha val="65000"/>
+              </a:srgbClr>
+            </a:outerShdw>
+          </a:effectLst>
+        </p:spPr>
+      </p:pic>
+    </p:spTree>
+    <p:extLst>
+      <p:ext uri="{BB962C8B-B14F-4D97-AF65-F5344CB8AC3E}">
+        <p14:creationId xmlns:p14="http://schemas.microsoft.com/office/powerpoint/2010/main" val="290860016"/>
+      </p:ext>
+    </p:extLst>
+  </p:cSld>
+  <p:clrMapOvr>
+    <a:masterClrMapping/>
+  </p:clrMapOvr>
+</p:sld>
+</file>
+
+<file path=ppt/slides/slide13.xml><?xml version="1.0" encoding="utf-8"?>
+<p:sld xmlns:a="http://schemas.openxmlformats.org/drawingml/2006/main" xmlns:r="http://schemas.openxmlformats.org/officeDocument/2006/relationships" xmlns:p="http://schemas.openxmlformats.org/presentationml/2006/main">
+  <p:cSld>
+    <p:spTree>
+      <p:nvGrpSpPr>
+        <p:cNvPr id="1" name=""/>
+        <p:cNvGrpSpPr/>
+        <p:nvPr/>
+      </p:nvGrpSpPr>
+      <p:grpSpPr>
+        <a:xfrm>
+          <a:off x="0" y="0"/>
+          <a:ext cx="0" cy="0"/>
+          <a:chOff x="0" y="0"/>
+          <a:chExt cx="0" cy="0"/>
+        </a:xfrm>
+      </p:grpSpPr>
+      <p:sp>
+        <p:nvSpPr>
+          <p:cNvPr id="2" name="Title 1"/>
+          <p:cNvSpPr>
+            <a:spLocks noGrp="1"/>
+          </p:cNvSpPr>
+          <p:nvPr>
+            <p:ph type="title"/>
+          </p:nvPr>
+        </p:nvSpPr>
+        <p:spPr/>
+        <p:txBody>
+          <a:bodyPr/>
+          <a:lstStyle/>
+          <a:p>
+            <a:r>
+              <a:rPr lang="en-US" dirty="0" err="1"/>
+              <a:t>Recevoir</a:t>
+            </a:r>
+            <a:r>
+              <a:rPr lang="en-US" dirty="0"/>
+              <a:t>/</a:t>
+            </a:r>
+            <a:r>
+              <a:rPr lang="en-US" dirty="0" err="1"/>
+              <a:t>Envoyer</a:t>
+            </a:r>
+            <a:r>
+              <a:rPr lang="en-US" dirty="0"/>
+              <a:t> </a:t>
+            </a:r>
+            <a:r>
+              <a:rPr lang="en-US" dirty="0" err="1"/>
+              <a:t>notre</a:t>
+            </a:r>
+            <a:r>
+              <a:rPr lang="en-US" dirty="0"/>
+              <a:t> version </a:t>
+            </a:r>
+            <a:r>
+              <a:rPr lang="en-US" dirty="0" err="1"/>
+              <a:t>vers</a:t>
+            </a:r>
+            <a:r>
+              <a:rPr lang="en-US" dirty="0"/>
+              <a:t> GitHub</a:t>
+            </a:r>
+          </a:p>
+        </p:txBody>
+      </p:sp>
+      <p:sp>
+        <p:nvSpPr>
+          <p:cNvPr id="3" name="Content Placeholder 2"/>
+          <p:cNvSpPr>
+            <a:spLocks noGrp="1"/>
+          </p:cNvSpPr>
+          <p:nvPr>
+            <p:ph idx="1"/>
+          </p:nvPr>
+        </p:nvSpPr>
+        <p:spPr>
+          <a:xfrm>
+            <a:off x="1484311" y="1331359"/>
+            <a:ext cx="10018713" cy="3124201"/>
+          </a:xfrm>
+        </p:spPr>
+        <p:txBody>
+          <a:bodyPr/>
+          <a:lstStyle/>
+          <a:p>
+            <a:r>
+              <a:rPr lang="en-US" dirty="0"/>
+              <a:t>Pour que </a:t>
+            </a:r>
+            <a:r>
+              <a:rPr lang="en-US" dirty="0" err="1"/>
+              <a:t>l’équipe</a:t>
+            </a:r>
+            <a:r>
+              <a:rPr lang="en-US" dirty="0"/>
+              <a:t> </a:t>
+            </a:r>
+            <a:r>
+              <a:rPr lang="en-US" dirty="0" err="1"/>
+              <a:t>soit</a:t>
+            </a:r>
+            <a:r>
+              <a:rPr lang="en-US" dirty="0"/>
+              <a:t> </a:t>
+            </a:r>
+            <a:r>
+              <a:rPr lang="en-US" dirty="0" err="1"/>
+              <a:t>en</a:t>
+            </a:r>
+            <a:r>
+              <a:rPr lang="en-US" dirty="0"/>
+              <a:t> </a:t>
+            </a:r>
+            <a:r>
+              <a:rPr lang="en-US" dirty="0" err="1"/>
+              <a:t>mesure</a:t>
+            </a:r>
+            <a:r>
+              <a:rPr lang="en-US" dirty="0"/>
+              <a:t> de </a:t>
+            </a:r>
+            <a:r>
+              <a:rPr lang="en-US" dirty="0" err="1"/>
+              <a:t>voir</a:t>
+            </a:r>
+            <a:r>
+              <a:rPr lang="en-US" dirty="0"/>
+              <a:t> le travail </a:t>
+            </a:r>
+            <a:r>
+              <a:rPr lang="en-US" dirty="0" err="1"/>
+              <a:t>avancé</a:t>
+            </a:r>
+            <a:endParaRPr lang="en-US" dirty="0"/>
+          </a:p>
+          <a:p>
+            <a:r>
+              <a:rPr lang="en-US" dirty="0" err="1"/>
+              <a:t>Afin</a:t>
+            </a:r>
+            <a:r>
+              <a:rPr lang="en-US" dirty="0"/>
+              <a:t> que </a:t>
+            </a:r>
+            <a:r>
+              <a:rPr lang="en-US" dirty="0" err="1"/>
+              <a:t>vos</a:t>
+            </a:r>
+            <a:r>
+              <a:rPr lang="en-US" dirty="0"/>
+              <a:t> </a:t>
+            </a:r>
+            <a:r>
+              <a:rPr lang="en-US" dirty="0" err="1"/>
+              <a:t>collègues</a:t>
+            </a:r>
+            <a:r>
+              <a:rPr lang="en-US" dirty="0"/>
+              <a:t> </a:t>
+            </a:r>
+            <a:r>
+              <a:rPr lang="en-US" dirty="0" err="1"/>
+              <a:t>puissent</a:t>
+            </a:r>
+            <a:r>
+              <a:rPr lang="en-US" dirty="0"/>
+              <a:t> </a:t>
+            </a:r>
+            <a:r>
+              <a:rPr lang="en-US" dirty="0" err="1"/>
+              <a:t>prendre</a:t>
+            </a:r>
+            <a:r>
+              <a:rPr lang="en-US" dirty="0"/>
+              <a:t> </a:t>
+            </a:r>
+            <a:r>
+              <a:rPr lang="en-US" dirty="0" err="1"/>
+              <a:t>une</a:t>
+            </a:r>
+            <a:r>
+              <a:rPr lang="en-US" dirty="0"/>
+              <a:t> </a:t>
+            </a:r>
+            <a:r>
+              <a:rPr lang="en-US" dirty="0" err="1"/>
+              <a:t>copie</a:t>
+            </a:r>
+            <a:r>
+              <a:rPr lang="en-US" dirty="0"/>
+              <a:t> de </a:t>
+            </a:r>
+            <a:r>
+              <a:rPr lang="en-US" dirty="0" err="1"/>
+              <a:t>votre</a:t>
+            </a:r>
+            <a:r>
+              <a:rPr lang="en-US" dirty="0"/>
+              <a:t> travail et continuer à </a:t>
+            </a:r>
+            <a:r>
+              <a:rPr lang="en-US" dirty="0" err="1"/>
+              <a:t>avancer</a:t>
+            </a:r>
+            <a:r>
+              <a:rPr lang="en-US" dirty="0"/>
+              <a:t> de </a:t>
+            </a:r>
+            <a:r>
+              <a:rPr lang="en-US" dirty="0" err="1"/>
+              <a:t>leur</a:t>
+            </a:r>
+            <a:r>
+              <a:rPr lang="en-US" dirty="0"/>
+              <a:t> </a:t>
+            </a:r>
+            <a:r>
+              <a:rPr lang="en-US" dirty="0" err="1"/>
+              <a:t>côté</a:t>
+            </a:r>
+            <a:r>
+              <a:rPr lang="en-US" dirty="0"/>
+              <a:t>.</a:t>
+            </a:r>
+          </a:p>
+        </p:txBody>
+      </p:sp>
+      <p:pic>
+        <p:nvPicPr>
+          <p:cNvPr id="4" name="Picture 3"/>
+          <p:cNvPicPr>
+            <a:picLocks noChangeAspect="1"/>
+          </p:cNvPicPr>
+          <p:nvPr/>
+        </p:nvPicPr>
+        <p:blipFill>
+          <a:blip r:embed="rId2">
+            <a:extLst>
+              <a:ext uri="{28A0092B-C50C-407E-A947-70E740481C1C}">
+                <a14:useLocalDpi xmlns:a14="http://schemas.microsoft.com/office/drawing/2010/main" val="0"/>
+              </a:ext>
+            </a:extLst>
+          </a:blip>
+          <a:stretch>
+            <a:fillRect/>
+          </a:stretch>
+        </p:blipFill>
+        <p:spPr>
+          <a:xfrm>
+            <a:off x="3432967" y="3788510"/>
+            <a:ext cx="6121400" cy="2184400"/>
+          </a:xfrm>
+          <a:prstGeom prst="rect">
+            <a:avLst/>
+          </a:prstGeom>
+          <a:ln>
+            <a:noFill/>
+          </a:ln>
+          <a:effectLst>
+            <a:outerShdw blurRad="292100" dist="139700" dir="2700000" algn="tl" rotWithShape="0">
+              <a:srgbClr val="333333">
+                <a:alpha val="65000"/>
+              </a:srgbClr>
+            </a:outerShdw>
+          </a:effectLst>
+        </p:spPr>
+      </p:pic>
+      <p:sp>
+        <p:nvSpPr>
+          <p:cNvPr id="6" name="TextBox 5"/>
+          <p:cNvSpPr txBox="1"/>
+          <p:nvPr/>
+        </p:nvSpPr>
+        <p:spPr>
+          <a:xfrm>
+            <a:off x="3443241" y="5558320"/>
+            <a:ext cx="5865145" cy="369332"/>
+          </a:xfrm>
+          <a:prstGeom prst="rect">
+            <a:avLst/>
+          </a:prstGeom>
+          <a:noFill/>
+        </p:spPr>
+        <p:style>
+          <a:lnRef idx="2">
+            <a:schemeClr val="accent2"/>
+          </a:lnRef>
+          <a:fillRef idx="1">
+            <a:schemeClr val="lt1"/>
+          </a:fillRef>
+          <a:effectRef idx="0">
+            <a:schemeClr val="accent2"/>
+          </a:effectRef>
+          <a:fontRef idx="minor">
+            <a:schemeClr val="dk1"/>
+          </a:fontRef>
+        </p:style>
+        <p:txBody>
+          <a:bodyPr wrap="square" rtlCol="0">
+            <a:spAutoFit/>
+          </a:bodyPr>
+          <a:lstStyle/>
+          <a:p>
+            <a:endParaRPr lang="en-US"/>
+          </a:p>
+        </p:txBody>
+      </p:sp>
+    </p:spTree>
+    <p:extLst>
+      <p:ext uri="{BB962C8B-B14F-4D97-AF65-F5344CB8AC3E}">
+        <p14:creationId xmlns:p14="http://schemas.microsoft.com/office/powerpoint/2010/main" val="774876149"/>
+      </p:ext>
+    </p:extLst>
+  </p:cSld>
+  <p:clrMapOvr>
+    <a:masterClrMapping/>
+  </p:clrMapOvr>
+</p:sld>
+</file>
+
+<file path=ppt/slides/slide14.xml><?xml version="1.0" encoding="utf-8"?>
+<p:sld xmlns:a="http://schemas.openxmlformats.org/drawingml/2006/main" xmlns:r="http://schemas.openxmlformats.org/officeDocument/2006/relationships" xmlns:p="http://schemas.openxmlformats.org/presentationml/2006/main">
+  <p:cSld>
+    <p:spTree>
+      <p:nvGrpSpPr>
+        <p:cNvPr id="1" name=""/>
+        <p:cNvGrpSpPr/>
+        <p:nvPr/>
+      </p:nvGrpSpPr>
+      <p:grpSpPr>
+        <a:xfrm>
+          <a:off x="0" y="0"/>
+          <a:ext cx="0" cy="0"/>
+          <a:chOff x="0" y="0"/>
+          <a:chExt cx="0" cy="0"/>
+        </a:xfrm>
+      </p:grpSpPr>
+      <p:sp>
+        <p:nvSpPr>
+          <p:cNvPr id="2" name="Title 1"/>
+          <p:cNvSpPr>
+            <a:spLocks noGrp="1"/>
+          </p:cNvSpPr>
+          <p:nvPr>
+            <p:ph type="title"/>
+          </p:nvPr>
+        </p:nvSpPr>
+        <p:spPr/>
+        <p:txBody>
+          <a:bodyPr/>
+          <a:lstStyle/>
+          <a:p>
+            <a:r>
+              <a:rPr lang="en-US" dirty="0" err="1"/>
+              <a:t>Gérer</a:t>
+            </a:r>
+            <a:r>
+              <a:rPr lang="en-US" dirty="0"/>
+              <a:t> les </a:t>
+            </a:r>
+            <a:r>
+              <a:rPr lang="en-US" dirty="0" err="1"/>
+              <a:t>conflits</a:t>
+            </a:r>
+            <a:r>
+              <a:rPr lang="en-US" dirty="0"/>
+              <a:t> de code</a:t>
+            </a:r>
+          </a:p>
+        </p:txBody>
+      </p:sp>
+      <p:sp>
+        <p:nvSpPr>
+          <p:cNvPr id="3" name="Content Placeholder 2"/>
+          <p:cNvSpPr>
+            <a:spLocks noGrp="1"/>
+          </p:cNvSpPr>
+          <p:nvPr>
+            <p:ph idx="1"/>
+          </p:nvPr>
+        </p:nvSpPr>
+        <p:spPr>
+          <a:xfrm>
+            <a:off x="1484310" y="1423825"/>
+            <a:ext cx="10018713" cy="3124201"/>
+          </a:xfrm>
+        </p:spPr>
+        <p:txBody>
+          <a:bodyPr/>
+          <a:lstStyle/>
+          <a:p>
+            <a:r>
+              <a:rPr lang="en-US" dirty="0"/>
+              <a:t>On </a:t>
+            </a:r>
+            <a:r>
+              <a:rPr lang="en-US" dirty="0" err="1"/>
+              <a:t>comprend</a:t>
+            </a:r>
+            <a:r>
+              <a:rPr lang="en-US" dirty="0"/>
+              <a:t> que </a:t>
+            </a:r>
+            <a:r>
+              <a:rPr lang="en-US" dirty="0" err="1"/>
+              <a:t>quelqu’un</a:t>
+            </a:r>
+            <a:r>
+              <a:rPr lang="en-US" dirty="0"/>
+              <a:t> </a:t>
+            </a:r>
+            <a:r>
+              <a:rPr lang="en-US" dirty="0" err="1"/>
+              <a:t>avait</a:t>
+            </a:r>
+            <a:r>
+              <a:rPr lang="en-US" dirty="0"/>
+              <a:t> déjà fait un “</a:t>
+            </a:r>
+            <a:r>
+              <a:rPr lang="en-US" dirty="0" err="1"/>
+              <a:t>machineacafe.js</a:t>
+            </a:r>
+            <a:r>
+              <a:rPr lang="en-US" dirty="0"/>
+              <a:t>”</a:t>
+            </a:r>
+          </a:p>
+          <a:p>
+            <a:r>
+              <a:rPr lang="en-US" dirty="0" err="1"/>
+              <a:t>Certaines</a:t>
+            </a:r>
+            <a:r>
+              <a:rPr lang="en-US" dirty="0"/>
+              <a:t> </a:t>
+            </a:r>
+            <a:r>
+              <a:rPr lang="en-US" dirty="0" err="1"/>
+              <a:t>lignes</a:t>
+            </a:r>
+            <a:r>
+              <a:rPr lang="en-US" dirty="0"/>
+              <a:t> de code </a:t>
+            </a:r>
+            <a:r>
+              <a:rPr lang="en-US" dirty="0" err="1"/>
+              <a:t>sont</a:t>
+            </a:r>
+            <a:r>
+              <a:rPr lang="en-US" dirty="0"/>
+              <a:t> </a:t>
+            </a:r>
+            <a:r>
+              <a:rPr lang="en-US" dirty="0" err="1"/>
+              <a:t>en</a:t>
+            </a:r>
+            <a:r>
+              <a:rPr lang="en-US" dirty="0"/>
+              <a:t> </a:t>
+            </a:r>
+            <a:r>
+              <a:rPr lang="en-US" dirty="0" err="1"/>
+              <a:t>conflits</a:t>
+            </a:r>
+            <a:endParaRPr lang="en-US" dirty="0"/>
+          </a:p>
+          <a:p>
+            <a:r>
+              <a:rPr lang="en-US" dirty="0" err="1"/>
+              <a:t>Git</a:t>
+            </a:r>
+            <a:r>
+              <a:rPr lang="en-US" dirty="0"/>
+              <a:t> par </a:t>
+            </a:r>
+            <a:r>
+              <a:rPr lang="en-US" dirty="0" err="1"/>
+              <a:t>contre</a:t>
+            </a:r>
+            <a:r>
+              <a:rPr lang="en-US" dirty="0"/>
+              <a:t>, </a:t>
+            </a:r>
+            <a:r>
+              <a:rPr lang="en-US" dirty="0" err="1"/>
+              <a:t>en</a:t>
+            </a:r>
+            <a:r>
+              <a:rPr lang="en-US" dirty="0"/>
+              <a:t> fait la </a:t>
+            </a:r>
+            <a:r>
+              <a:rPr lang="en-US" dirty="0" err="1"/>
+              <a:t>gestion</a:t>
+            </a:r>
+            <a:endParaRPr lang="en-US" dirty="0"/>
+          </a:p>
+        </p:txBody>
+      </p:sp>
+      <p:pic>
+        <p:nvPicPr>
+          <p:cNvPr id="4" name="Picture 3"/>
+          <p:cNvPicPr>
+            <a:picLocks noChangeAspect="1"/>
+          </p:cNvPicPr>
+          <p:nvPr/>
+        </p:nvPicPr>
+        <p:blipFill>
+          <a:blip r:embed="rId2">
+            <a:extLst>
+              <a:ext uri="{28A0092B-C50C-407E-A947-70E740481C1C}">
+                <a14:useLocalDpi xmlns:a14="http://schemas.microsoft.com/office/drawing/2010/main" val="0"/>
+              </a:ext>
+            </a:extLst>
+          </a:blip>
+          <a:stretch>
+            <a:fillRect/>
+          </a:stretch>
+        </p:blipFill>
+        <p:spPr>
+          <a:xfrm>
+            <a:off x="2686229" y="3752044"/>
+            <a:ext cx="7635793" cy="2797037"/>
+          </a:xfrm>
+          <a:prstGeom prst="rect">
+            <a:avLst/>
+          </a:prstGeom>
+          <a:ln>
+            <a:noFill/>
+          </a:ln>
+          <a:effectLst>
+            <a:outerShdw blurRad="292100" dist="139700" dir="2700000" algn="tl" rotWithShape="0">
+              <a:srgbClr val="333333">
+                <a:alpha val="65000"/>
+              </a:srgbClr>
+            </a:outerShdw>
+          </a:effectLst>
+        </p:spPr>
+      </p:pic>
+    </p:spTree>
+    <p:extLst>
+      <p:ext uri="{BB962C8B-B14F-4D97-AF65-F5344CB8AC3E}">
+        <p14:creationId xmlns:p14="http://schemas.microsoft.com/office/powerpoint/2010/main" val="180163672"/>
+      </p:ext>
+    </p:extLst>
+  </p:cSld>
+  <p:clrMapOvr>
+    <a:masterClrMapping/>
+  </p:clrMapOvr>
+</p:sld>
+</file>
+
+<file path=ppt/slides/slide15.xml><?xml version="1.0" encoding="utf-8"?>
+<p:sld xmlns:a="http://schemas.openxmlformats.org/drawingml/2006/main" xmlns:r="http://schemas.openxmlformats.org/officeDocument/2006/relationships" xmlns:p="http://schemas.openxmlformats.org/presentationml/2006/main">
+  <p:cSld>
+    <p:spTree>
+      <p:nvGrpSpPr>
+        <p:cNvPr id="1" name=""/>
+        <p:cNvGrpSpPr/>
+        <p:nvPr/>
+      </p:nvGrpSpPr>
+      <p:grpSpPr>
+        <a:xfrm>
+          <a:off x="0" y="0"/>
+          <a:ext cx="0" cy="0"/>
+          <a:chOff x="0" y="0"/>
+          <a:chExt cx="0" cy="0"/>
+        </a:xfrm>
+      </p:grpSpPr>
+      <p:sp>
+        <p:nvSpPr>
+          <p:cNvPr id="2" name="Title 1"/>
+          <p:cNvSpPr>
+            <a:spLocks noGrp="1"/>
+          </p:cNvSpPr>
+          <p:nvPr>
+            <p:ph type="title"/>
+          </p:nvPr>
+        </p:nvSpPr>
+        <p:spPr/>
+        <p:txBody>
+          <a:bodyPr/>
+          <a:lstStyle/>
+          <a:p>
+            <a:r>
+              <a:rPr lang="en-US" dirty="0" err="1"/>
+              <a:t>Envoyer</a:t>
+            </a:r>
+            <a:r>
+              <a:rPr lang="en-US" dirty="0"/>
+              <a:t> la bonne version</a:t>
+            </a:r>
+          </a:p>
+        </p:txBody>
+      </p:sp>
+      <p:pic>
+        <p:nvPicPr>
+          <p:cNvPr id="4" name="Picture 3"/>
+          <p:cNvPicPr>
+            <a:picLocks noChangeAspect="1"/>
+          </p:cNvPicPr>
+          <p:nvPr/>
+        </p:nvPicPr>
+        <p:blipFill>
+          <a:blip r:embed="rId2">
+            <a:extLst>
+              <a:ext uri="{28A0092B-C50C-407E-A947-70E740481C1C}">
+                <a14:useLocalDpi xmlns:a14="http://schemas.microsoft.com/office/drawing/2010/main" val="0"/>
+              </a:ext>
+            </a:extLst>
+          </a:blip>
+          <a:stretch>
+            <a:fillRect/>
+          </a:stretch>
+        </p:blipFill>
+        <p:spPr>
+          <a:xfrm>
+            <a:off x="2332338" y="2438399"/>
+            <a:ext cx="8759108" cy="3511035"/>
+          </a:xfrm>
+          <a:prstGeom prst="rect">
+            <a:avLst/>
+          </a:prstGeom>
+          <a:ln>
+            <a:noFill/>
+          </a:ln>
+          <a:effectLst>
+            <a:outerShdw blurRad="292100" dist="139700" dir="2700000" algn="tl" rotWithShape="0">
+              <a:srgbClr val="333333">
+                <a:alpha val="65000"/>
+              </a:srgbClr>
+            </a:outerShdw>
+          </a:effectLst>
+        </p:spPr>
+      </p:pic>
+    </p:spTree>
+    <p:extLst>
+      <p:ext uri="{BB962C8B-B14F-4D97-AF65-F5344CB8AC3E}">
+        <p14:creationId xmlns:p14="http://schemas.microsoft.com/office/powerpoint/2010/main" val="1953495484"/>
+      </p:ext>
+    </p:extLst>
+  </p:cSld>
+  <p:clrMapOvr>
+    <a:masterClrMapping/>
+  </p:clrMapOvr>
+</p:sld>
+</file>
+
+<file path=ppt/slides/slide16.xml><?xml version="1.0" encoding="utf-8"?>
+<p:sld xmlns:a="http://schemas.openxmlformats.org/drawingml/2006/main" xmlns:r="http://schemas.openxmlformats.org/officeDocument/2006/relationships" xmlns:p="http://schemas.openxmlformats.org/presentationml/2006/main">
+  <p:cSld>
+    <p:spTree>
+      <p:nvGrpSpPr>
+        <p:cNvPr id="1" name=""/>
+        <p:cNvGrpSpPr/>
+        <p:nvPr/>
+      </p:nvGrpSpPr>
+      <p:grpSpPr>
+        <a:xfrm>
+          <a:off x="0" y="0"/>
+          <a:ext cx="0" cy="0"/>
+          <a:chOff x="0" y="0"/>
+          <a:chExt cx="0" cy="0"/>
+        </a:xfrm>
+      </p:grpSpPr>
+      <p:sp>
+        <p:nvSpPr>
+          <p:cNvPr id="2" name="Title 1"/>
+          <p:cNvSpPr>
+            <a:spLocks noGrp="1"/>
+          </p:cNvSpPr>
+          <p:nvPr>
+            <p:ph type="title"/>
+          </p:nvPr>
+        </p:nvSpPr>
+        <p:spPr/>
+        <p:txBody>
+          <a:bodyPr/>
+          <a:lstStyle/>
+          <a:p>
+            <a:r>
+              <a:rPr lang="en-US" dirty="0" err="1"/>
+              <a:t>C’est</a:t>
+            </a:r>
+            <a:r>
+              <a:rPr lang="en-US" dirty="0"/>
+              <a:t> tout !</a:t>
+            </a:r>
+          </a:p>
+        </p:txBody>
+      </p:sp>
+      <p:pic>
+        <p:nvPicPr>
+          <p:cNvPr id="4" name="Picture 3"/>
+          <p:cNvPicPr>
+            <a:picLocks noChangeAspect="1"/>
+          </p:cNvPicPr>
+          <p:nvPr/>
+        </p:nvPicPr>
+        <p:blipFill>
+          <a:blip r:embed="rId2">
+            <a:extLst>
+              <a:ext uri="{28A0092B-C50C-407E-A947-70E740481C1C}">
+                <a14:useLocalDpi xmlns:a14="http://schemas.microsoft.com/office/drawing/2010/main" val="0"/>
+              </a:ext>
+            </a:extLst>
+          </a:blip>
+          <a:stretch>
+            <a:fillRect/>
+          </a:stretch>
+        </p:blipFill>
+        <p:spPr>
+          <a:xfrm>
+            <a:off x="4481787" y="2178907"/>
+            <a:ext cx="4023760" cy="4023760"/>
+          </a:xfrm>
+          <a:prstGeom prst="rect">
+            <a:avLst/>
+          </a:prstGeom>
+          <a:ln>
+            <a:noFill/>
+          </a:ln>
+          <a:effectLst>
+            <a:outerShdw blurRad="292100" dist="139700" dir="2700000" algn="tl" rotWithShape="0">
+              <a:srgbClr val="333333">
+                <a:alpha val="65000"/>
+              </a:srgbClr>
+            </a:outerShdw>
+          </a:effectLst>
+        </p:spPr>
+      </p:pic>
+    </p:spTree>
+    <p:extLst>
+      <p:ext uri="{BB962C8B-B14F-4D97-AF65-F5344CB8AC3E}">
+        <p14:creationId xmlns:p14="http://schemas.microsoft.com/office/powerpoint/2010/main" val="2051483936"/>
+      </p:ext>
+    </p:extLst>
+  </p:cSld>
+  <p:clrMapOvr>
+    <a:masterClrMapping/>
+  </p:clrMapOvr>
+</p:sld>
+</file>
+
+<file path=ppt/slides/slide2.xml><?xml version="1.0" encoding="utf-8"?>
+<p:sld xmlns:a="http://schemas.openxmlformats.org/drawingml/2006/main" xmlns:r="http://schemas.openxmlformats.org/officeDocument/2006/relationships" xmlns:p="http://schemas.openxmlformats.org/presentationml/2006/main">
+  <p:cSld>
+    <p:bg>
+      <p:bgPr>
+        <a:blipFill rotWithShape="1">
+          <a:blip r:embed="rId2">
+            <a:duotone>
+              <a:schemeClr val="bg2">
+                <a:shade val="76000"/>
+                <a:satMod val="180000"/>
+              </a:schemeClr>
+              <a:schemeClr val="bg2">
+                <a:tint val="80000"/>
+                <a:satMod val="120000"/>
+                <a:lumMod val="180000"/>
+              </a:schemeClr>
+            </a:duotone>
+          </a:blip>
+          <a:stretch/>
+        </a:blipFill>
+        <a:effectLst/>
+      </p:bgPr>
+    </p:bg>
+    <p:spTree>
+      <p:nvGrpSpPr>
+        <p:cNvPr id="1" name=""/>
+        <p:cNvGrpSpPr/>
+        <p:nvPr/>
+      </p:nvGrpSpPr>
+      <p:grpSpPr>
+        <a:xfrm>
+          <a:off x="0" y="0"/>
+          <a:ext cx="0" cy="0"/>
+          <a:chOff x="0" y="0"/>
+          <a:chExt cx="0" cy="0"/>
+        </a:xfrm>
+      </p:grpSpPr>
+      <p:pic>
+        <p:nvPicPr>
+          <p:cNvPr id="4" name="Picture 3"/>
+          <p:cNvPicPr>
+            <a:picLocks noChangeAspect="1"/>
+          </p:cNvPicPr>
+          <p:nvPr/>
+        </p:nvPicPr>
+        <p:blipFill rotWithShape="1">
+          <a:blip r:embed="rId3">
+            <a:duotone>
+              <a:schemeClr val="bg2">
+                <a:shade val="45000"/>
+                <a:satMod val="135000"/>
+              </a:schemeClr>
+              <a:prstClr val="white"/>
+            </a:duotone>
+            <a:alphaModFix amt="21000"/>
+            <a:extLst>
+              <a:ext uri="{28A0092B-C50C-407E-A947-70E740481C1C}">
+                <a14:useLocalDpi xmlns:a14="http://schemas.microsoft.com/office/drawing/2010/main" val="0"/>
+              </a:ext>
+            </a:extLst>
+          </a:blip>
+          <a:srcRect l="942" r="24819" b="-2"/>
+          <a:stretch/>
+        </p:blipFill>
+        <p:spPr>
+          <a:xfrm>
+            <a:off x="5322034" y="10"/>
+            <a:ext cx="12191980" cy="6857990"/>
+          </a:xfrm>
+          <a:prstGeom prst="rect">
+            <a:avLst/>
+          </a:prstGeom>
+        </p:spPr>
+      </p:pic>
+      <p:grpSp>
+        <p:nvGrpSpPr>
+          <p:cNvPr id="9" name="Group 8">
+            <a:extLst>
+              <a:ext uri="{FF2B5EF4-FFF2-40B4-BE49-F238E27FC236}">
+                <a16:creationId xmlns:a16="http://schemas.microsoft.com/office/drawing/2014/main" id="{2DAE90E3-8F91-4218-8153-F632799FB076}"/>
+              </a:ext>
+            </a:extLst>
+          </p:cNvPr>
+          <p:cNvGrpSpPr>
+            <a:grpSpLocks noGrp="1" noUngrp="1" noRot="1" noChangeAspect="1" noMove="1" noResize="1"/>
+          </p:cNvGrpSpPr>
+          <p:nvPr>
+            <p:extLst>
+              <p:ext uri="{386F3935-93C4-4BCD-93E2-E3B085C9AB24}">
+                <p16:designElem xmlns:p16="http://schemas.microsoft.com/office/powerpoint/2015/main" val="1"/>
+              </p:ext>
+            </p:extLst>
+          </p:nvPr>
+        </p:nvGrpSpPr>
+        <p:grpSpPr>
+          <a:xfrm>
+            <a:off x="150812" y="0"/>
+            <a:ext cx="2436813" cy="6858001"/>
+            <a:chOff x="1320800" y="0"/>
+            <a:chExt cx="2436813" cy="6858001"/>
+          </a:xfrm>
+        </p:grpSpPr>
+        <p:sp>
+          <p:nvSpPr>
+            <p:cNvPr id="10" name="Freeform 6">
+              <a:extLst>
+                <a:ext uri="{FF2B5EF4-FFF2-40B4-BE49-F238E27FC236}">
+                  <a16:creationId xmlns:a16="http://schemas.microsoft.com/office/drawing/2014/main" id="{C1DC6993-96FE-4235-985E-52489B4237A3}"/>
+                </a:ext>
+              </a:extLst>
+            </p:cNvPr>
+            <p:cNvSpPr/>
+            <p:nvPr>
+              <p:extLst>
+                <p:ext uri="{386F3935-93C4-4BCD-93E2-E3B085C9AB24}">
+                  <p16:designElem xmlns:p16="http://schemas.microsoft.com/office/powerpoint/2015/main" val="1"/>
+                </p:ext>
+              </p:extLst>
+            </p:nvPr>
+          </p:nvSpPr>
+          <p:spPr bwMode="auto">
+            <a:xfrm>
+              <a:off x="1627188" y="0"/>
+              <a:ext cx="1122363" cy="5329238"/>
+            </a:xfrm>
+            <a:custGeom>
+              <a:avLst/>
+              <a:gdLst/>
+              <a:ahLst/>
+              <a:cxnLst/>
+              <a:rect l="0" t="0" r="r" b="b"/>
+              <a:pathLst>
+                <a:path w="707" h="3357">
+                  <a:moveTo>
+                    <a:pt x="0" y="3330"/>
+                  </a:moveTo>
+                  <a:lnTo>
+                    <a:pt x="156" y="3357"/>
+                  </a:lnTo>
+                  <a:lnTo>
+                    <a:pt x="707" y="0"/>
+                  </a:lnTo>
+                  <a:lnTo>
+                    <a:pt x="547" y="0"/>
+                  </a:lnTo>
+                  <a:lnTo>
+                    <a:pt x="0" y="3330"/>
+                  </a:lnTo>
+                  <a:close/>
+                </a:path>
+              </a:pathLst>
+            </a:custGeom>
+            <a:solidFill>
+              <a:schemeClr val="accent1"/>
+            </a:solidFill>
+            <a:ln>
+              <a:noFill/>
+            </a:ln>
+          </p:spPr>
+        </p:sp>
+        <p:sp>
+          <p:nvSpPr>
+            <p:cNvPr id="11" name="Freeform 7">
+              <a:extLst>
+                <a:ext uri="{FF2B5EF4-FFF2-40B4-BE49-F238E27FC236}">
+                  <a16:creationId xmlns:a16="http://schemas.microsoft.com/office/drawing/2014/main" id="{76D3DE8D-3DEC-4FF8-B4FC-1DAB2036441A}"/>
+                </a:ext>
+              </a:extLst>
+            </p:cNvPr>
+            <p:cNvSpPr/>
+            <p:nvPr>
+              <p:extLst>
+                <p:ext uri="{386F3935-93C4-4BCD-93E2-E3B085C9AB24}">
+                  <p16:designElem xmlns:p16="http://schemas.microsoft.com/office/powerpoint/2015/main" val="1"/>
+                </p:ext>
+              </p:extLst>
+            </p:nvPr>
+          </p:nvSpPr>
+          <p:spPr bwMode="auto">
+            <a:xfrm>
+              <a:off x="1320800" y="0"/>
+              <a:ext cx="1117600" cy="5276850"/>
+            </a:xfrm>
+            <a:custGeom>
+              <a:avLst/>
+              <a:gdLst/>
+              <a:ahLst/>
+              <a:cxnLst/>
+              <a:rect l="0" t="0" r="r" b="b"/>
+              <a:pathLst>
+                <a:path w="704" h="3324">
+                  <a:moveTo>
+                    <a:pt x="704" y="0"/>
+                  </a:moveTo>
+                  <a:lnTo>
+                    <a:pt x="545" y="0"/>
+                  </a:lnTo>
+                  <a:lnTo>
+                    <a:pt x="0" y="3300"/>
+                  </a:lnTo>
+                  <a:lnTo>
+                    <a:pt x="157" y="3324"/>
+                  </a:lnTo>
+                  <a:lnTo>
+                    <a:pt x="704" y="0"/>
+                  </a:lnTo>
+                  <a:close/>
+                </a:path>
+              </a:pathLst>
+            </a:custGeom>
+            <a:solidFill>
+              <a:schemeClr val="tx1">
+                <a:lumMod val="65000"/>
+                <a:lumOff val="35000"/>
+              </a:schemeClr>
+            </a:solidFill>
+            <a:ln>
+              <a:noFill/>
+            </a:ln>
+          </p:spPr>
+        </p:sp>
+        <p:sp>
+          <p:nvSpPr>
+            <p:cNvPr id="12" name="Freeform 8">
+              <a:extLst>
+                <a:ext uri="{FF2B5EF4-FFF2-40B4-BE49-F238E27FC236}">
+                  <a16:creationId xmlns:a16="http://schemas.microsoft.com/office/drawing/2014/main" id="{679297AF-1418-41DB-A81A-D77E0CAF4956}"/>
+                </a:ext>
+              </a:extLst>
+            </p:cNvPr>
+            <p:cNvSpPr/>
+            <p:nvPr>
+              <p:extLst>
+                <p:ext uri="{386F3935-93C4-4BCD-93E2-E3B085C9AB24}">
+                  <p16:designElem xmlns:p16="http://schemas.microsoft.com/office/powerpoint/2015/main" val="1"/>
+                </p:ext>
+              </p:extLst>
+            </p:nvPr>
+          </p:nvSpPr>
+          <p:spPr bwMode="auto">
+            <a:xfrm>
+              <a:off x="1320800" y="5238750"/>
+              <a:ext cx="1228725" cy="1619250"/>
+            </a:xfrm>
+            <a:custGeom>
+              <a:avLst/>
+              <a:gdLst/>
+              <a:ahLst/>
+              <a:cxnLst/>
+              <a:rect l="0" t="0" r="r" b="b"/>
+              <a:pathLst>
+                <a:path w="774" h="1020">
+                  <a:moveTo>
+                    <a:pt x="0" y="0"/>
+                  </a:moveTo>
+                  <a:lnTo>
+                    <a:pt x="740" y="1020"/>
+                  </a:lnTo>
+                  <a:lnTo>
+                    <a:pt x="774" y="1020"/>
+                  </a:lnTo>
+                  <a:lnTo>
+                    <a:pt x="0" y="0"/>
+                  </a:lnTo>
+                  <a:close/>
+                </a:path>
+              </a:pathLst>
+            </a:custGeom>
+            <a:solidFill>
+              <a:schemeClr val="tx1">
+                <a:lumMod val="85000"/>
+                <a:lumOff val="15000"/>
+              </a:schemeClr>
+            </a:solidFill>
+            <a:ln>
+              <a:noFill/>
+            </a:ln>
+          </p:spPr>
+        </p:sp>
+        <p:sp>
+          <p:nvSpPr>
+            <p:cNvPr id="13" name="Freeform 9">
+              <a:extLst>
+                <a:ext uri="{FF2B5EF4-FFF2-40B4-BE49-F238E27FC236}">
+                  <a16:creationId xmlns:a16="http://schemas.microsoft.com/office/drawing/2014/main" id="{F6AD388B-2E71-431B-90AB-B2F71F9F9DDC}"/>
+                </a:ext>
+              </a:extLst>
+            </p:cNvPr>
+            <p:cNvSpPr/>
+            <p:nvPr>
+              <p:extLst>
+                <p:ext uri="{386F3935-93C4-4BCD-93E2-E3B085C9AB24}">
+                  <p16:designElem xmlns:p16="http://schemas.microsoft.com/office/powerpoint/2015/main" val="1"/>
+                </p:ext>
+              </p:extLst>
+            </p:nvPr>
+          </p:nvSpPr>
+          <p:spPr bwMode="auto">
+            <a:xfrm>
+              <a:off x="1627188" y="5291138"/>
+              <a:ext cx="1495425" cy="1566863"/>
+            </a:xfrm>
+            <a:custGeom>
+              <a:avLst/>
+              <a:gdLst/>
+              <a:ahLst/>
+              <a:cxnLst/>
+              <a:rect l="0" t="0" r="r" b="b"/>
+              <a:pathLst>
+                <a:path w="942" h="987">
+                  <a:moveTo>
+                    <a:pt x="0" y="0"/>
+                  </a:moveTo>
+                  <a:lnTo>
+                    <a:pt x="909" y="987"/>
+                  </a:lnTo>
+                  <a:lnTo>
+                    <a:pt x="942" y="987"/>
+                  </a:lnTo>
+                  <a:lnTo>
+                    <a:pt x="0" y="0"/>
+                  </a:lnTo>
+                  <a:close/>
+                </a:path>
+              </a:pathLst>
+            </a:custGeom>
+            <a:solidFill>
+              <a:schemeClr val="accent1">
+                <a:lumMod val="50000"/>
+              </a:schemeClr>
+            </a:solidFill>
+            <a:ln>
+              <a:noFill/>
+            </a:ln>
+          </p:spPr>
+        </p:sp>
+        <p:sp>
+          <p:nvSpPr>
+            <p:cNvPr id="14" name="Freeform 10">
+              <a:extLst>
+                <a:ext uri="{FF2B5EF4-FFF2-40B4-BE49-F238E27FC236}">
+                  <a16:creationId xmlns:a16="http://schemas.microsoft.com/office/drawing/2014/main" id="{FA9972D4-1E8B-4A06-BD7C-B5140A3895FC}"/>
+                </a:ext>
+              </a:extLst>
+            </p:cNvPr>
+            <p:cNvSpPr/>
+            <p:nvPr>
+              <p:extLst>
+                <p:ext uri="{386F3935-93C4-4BCD-93E2-E3B085C9AB24}">
+                  <p16:designElem xmlns:p16="http://schemas.microsoft.com/office/powerpoint/2015/main" val="1"/>
+                </p:ext>
+              </p:extLst>
+            </p:nvPr>
+          </p:nvSpPr>
+          <p:spPr bwMode="auto">
+            <a:xfrm>
+              <a:off x="1627188" y="5286375"/>
+              <a:ext cx="2130425" cy="1571625"/>
+            </a:xfrm>
+            <a:custGeom>
+              <a:avLst/>
+              <a:gdLst/>
+              <a:ahLst/>
+              <a:cxnLst/>
+              <a:rect l="0" t="0" r="r" b="b"/>
+              <a:pathLst>
+                <a:path w="1342" h="990">
+                  <a:moveTo>
+                    <a:pt x="0" y="3"/>
+                  </a:moveTo>
+                  <a:lnTo>
+                    <a:pt x="942" y="990"/>
+                  </a:lnTo>
+                  <a:lnTo>
+                    <a:pt x="1342" y="990"/>
+                  </a:lnTo>
+                  <a:lnTo>
+                    <a:pt x="156" y="27"/>
+                  </a:lnTo>
+                  <a:lnTo>
+                    <a:pt x="0" y="0"/>
+                  </a:lnTo>
+                  <a:lnTo>
+                    <a:pt x="0" y="3"/>
+                  </a:lnTo>
+                  <a:close/>
+                </a:path>
+              </a:pathLst>
+            </a:custGeom>
+            <a:solidFill>
+              <a:schemeClr val="accent1">
+                <a:lumMod val="75000"/>
+              </a:schemeClr>
+            </a:solidFill>
+            <a:ln>
+              <a:noFill/>
+            </a:ln>
+          </p:spPr>
+        </p:sp>
+        <p:sp>
+          <p:nvSpPr>
+            <p:cNvPr id="15" name="Freeform 11">
+              <a:extLst>
+                <a:ext uri="{FF2B5EF4-FFF2-40B4-BE49-F238E27FC236}">
+                  <a16:creationId xmlns:a16="http://schemas.microsoft.com/office/drawing/2014/main" id="{528281FC-5068-4A18-832D-B47A0F1AC6E6}"/>
+                </a:ext>
+              </a:extLst>
+            </p:cNvPr>
+            <p:cNvSpPr/>
+            <p:nvPr>
+              <p:extLst>
+                <p:ext uri="{386F3935-93C4-4BCD-93E2-E3B085C9AB24}">
+                  <p16:designElem xmlns:p16="http://schemas.microsoft.com/office/powerpoint/2015/main" val="1"/>
+                </p:ext>
+              </p:extLst>
+            </p:nvPr>
+          </p:nvSpPr>
+          <p:spPr bwMode="auto">
+            <a:xfrm>
+              <a:off x="1320800" y="5238750"/>
+              <a:ext cx="1695450" cy="1619250"/>
+            </a:xfrm>
+            <a:custGeom>
+              <a:avLst/>
+              <a:gdLst/>
+              <a:ahLst/>
+              <a:cxnLst/>
+              <a:rect l="0" t="0" r="r" b="b"/>
+              <a:pathLst>
+                <a:path w="1068" h="1020">
+                  <a:moveTo>
+                    <a:pt x="1068" y="1020"/>
+                  </a:moveTo>
+                  <a:lnTo>
+                    <a:pt x="184" y="60"/>
+                  </a:lnTo>
+                  <a:lnTo>
+                    <a:pt x="154" y="27"/>
+                  </a:lnTo>
+                  <a:lnTo>
+                    <a:pt x="157" y="27"/>
+                  </a:lnTo>
+                  <a:lnTo>
+                    <a:pt x="157" y="24"/>
+                  </a:lnTo>
+                  <a:lnTo>
+                    <a:pt x="154" y="24"/>
+                  </a:lnTo>
+                  <a:lnTo>
+                    <a:pt x="0" y="0"/>
+                  </a:lnTo>
+                  <a:lnTo>
+                    <a:pt x="0" y="0"/>
+                  </a:lnTo>
+                  <a:lnTo>
+                    <a:pt x="774" y="1020"/>
+                  </a:lnTo>
+                  <a:lnTo>
+                    <a:pt x="1068" y="1020"/>
+                  </a:lnTo>
+                  <a:close/>
+                </a:path>
+              </a:pathLst>
+            </a:custGeom>
+            <a:solidFill>
+              <a:schemeClr val="tx1">
+                <a:lumMod val="75000"/>
+                <a:lumOff val="25000"/>
+              </a:schemeClr>
+            </a:solidFill>
+            <a:ln>
+              <a:noFill/>
+            </a:ln>
+          </p:spPr>
+        </p:sp>
+      </p:grpSp>
+      <p:sp>
+        <p:nvSpPr>
+          <p:cNvPr id="2" name="Title 1"/>
+          <p:cNvSpPr>
+            <a:spLocks noGrp="1"/>
+          </p:cNvSpPr>
+          <p:nvPr>
+            <p:ph type="title"/>
+          </p:nvPr>
+        </p:nvSpPr>
+        <p:spPr>
+          <a:xfrm>
+            <a:off x="1484311" y="685800"/>
+            <a:ext cx="10018713" cy="1185333"/>
+          </a:xfrm>
+        </p:spPr>
+        <p:txBody>
+          <a:bodyPr>
+            <a:normAutofit/>
+          </a:bodyPr>
+          <a:lstStyle/>
+          <a:p>
+            <a:r>
+              <a:rPr lang="en-US" dirty="0" err="1"/>
+              <a:t>Partie</a:t>
+            </a:r>
+            <a:r>
+              <a:rPr lang="en-US" dirty="0"/>
+              <a:t> 1 - </a:t>
+            </a:r>
+            <a:r>
+              <a:rPr lang="en-US" dirty="0" err="1"/>
+              <a:t>Git</a:t>
+            </a:r>
+            <a:endParaRPr lang="en-US" dirty="0"/>
+          </a:p>
+        </p:txBody>
+      </p:sp>
+      <p:sp>
+        <p:nvSpPr>
+          <p:cNvPr id="3" name="Content Placeholder 2"/>
+          <p:cNvSpPr>
+            <a:spLocks noGrp="1"/>
+          </p:cNvSpPr>
+          <p:nvPr>
+            <p:ph idx="1"/>
+          </p:nvPr>
+        </p:nvSpPr>
+        <p:spPr>
+          <a:xfrm>
+            <a:off x="1484310" y="1998133"/>
+            <a:ext cx="10018713" cy="3793067"/>
+          </a:xfrm>
+        </p:spPr>
+        <p:txBody>
+          <a:bodyPr>
+            <a:normAutofit/>
+          </a:bodyPr>
+          <a:lstStyle/>
+          <a:p>
+            <a:r>
+              <a:rPr lang="fr-CA" dirty="0"/>
+              <a:t>Fondé en 2005 par Linus </a:t>
+            </a:r>
+            <a:r>
+              <a:rPr lang="fr-CA" dirty="0" err="1"/>
+              <a:t>Torvalds</a:t>
+            </a:r>
+            <a:r>
+              <a:rPr lang="fr-CA" dirty="0"/>
+              <a:t> (Fondateur de Linux)</a:t>
+            </a:r>
+          </a:p>
+          <a:p>
+            <a:r>
+              <a:rPr lang="fr-CA" dirty="0"/>
+              <a:t>Version Control System (VCS)</a:t>
+            </a:r>
+          </a:p>
+          <a:p>
+            <a:r>
+              <a:rPr lang="fr-CA" dirty="0"/>
+              <a:t>Les fonctionnalités</a:t>
+            </a:r>
+          </a:p>
+          <a:p>
+            <a:r>
+              <a:rPr lang="fr-CA" dirty="0"/>
+              <a:t>Commencer ou s’ajouter à un projet</a:t>
+            </a:r>
+          </a:p>
+          <a:p>
+            <a:r>
+              <a:rPr lang="fr-CA" dirty="0"/>
+              <a:t>Les commandes de bases</a:t>
+            </a:r>
+          </a:p>
+          <a:p>
+            <a:endParaRPr lang="en-US" dirty="0"/>
+          </a:p>
+          <a:p>
+            <a:endParaRPr lang="en-US" dirty="0"/>
+          </a:p>
+        </p:txBody>
+      </p:sp>
+    </p:spTree>
+    <p:extLst>
+      <p:ext uri="{BB962C8B-B14F-4D97-AF65-F5344CB8AC3E}">
+        <p14:creationId xmlns:p14="http://schemas.microsoft.com/office/powerpoint/2010/main" val="3414453629"/>
       </p:ext>
     </p:extLst>
   </p:cSld>
@@ -7865,10 +9739,191 @@
           <a:lstStyle/>
           <a:p>
             <a:r>
-              <a:rPr lang="en-US" dirty="0" smtClean="0"/>
+              <a:rPr lang="en-US" dirty="0" err="1"/>
+              <a:t>Pourquoi</a:t>
+            </a:r>
+            <a:r>
+              <a:rPr lang="en-US" dirty="0"/>
+              <a:t> </a:t>
+            </a:r>
+            <a:r>
+              <a:rPr lang="en-US" dirty="0" err="1"/>
+              <a:t>utiliser</a:t>
+            </a:r>
+            <a:r>
+              <a:rPr lang="en-US" dirty="0"/>
+              <a:t> </a:t>
+            </a:r>
+            <a:r>
+              <a:rPr lang="en-US" dirty="0" err="1"/>
+              <a:t>Git</a:t>
+            </a:r>
+            <a:r>
+              <a:rPr lang="en-US" dirty="0"/>
+              <a:t> ?</a:t>
+            </a:r>
+          </a:p>
+        </p:txBody>
+      </p:sp>
+      <p:sp>
+        <p:nvSpPr>
+          <p:cNvPr id="3" name="Content Placeholder 2"/>
+          <p:cNvSpPr>
+            <a:spLocks noGrp="1"/>
+          </p:cNvSpPr>
+          <p:nvPr>
+            <p:ph idx="1"/>
+          </p:nvPr>
+        </p:nvSpPr>
+        <p:spPr/>
+        <p:txBody>
+          <a:bodyPr/>
+          <a:lstStyle/>
+          <a:p>
+            <a:r>
+              <a:rPr lang="en-US" b="1" dirty="0"/>
+              <a:t>70%</a:t>
+            </a:r>
+            <a:r>
+              <a:rPr lang="en-US" dirty="0"/>
+              <a:t> des </a:t>
+            </a:r>
+            <a:r>
+              <a:rPr lang="en-US" dirty="0" err="1"/>
+              <a:t>utilisateurs</a:t>
+            </a:r>
+            <a:r>
+              <a:rPr lang="en-US" dirty="0"/>
+              <a:t> de VCS </a:t>
+            </a:r>
+            <a:r>
+              <a:rPr lang="en-US" dirty="0" err="1"/>
+              <a:t>fonctionnent</a:t>
+            </a:r>
+            <a:r>
+              <a:rPr lang="en-US" dirty="0"/>
+              <a:t> avec </a:t>
+            </a:r>
+            <a:r>
+              <a:rPr lang="en-US" dirty="0" err="1"/>
+              <a:t>Git</a:t>
+            </a:r>
+            <a:endParaRPr lang="en-US" dirty="0"/>
+          </a:p>
+          <a:p>
+            <a:r>
+              <a:rPr lang="fr-CA" dirty="0"/>
+              <a:t>Une gestion de versions </a:t>
+            </a:r>
+            <a:r>
+              <a:rPr lang="fr-CA" b="1" dirty="0"/>
+              <a:t>décentralisée</a:t>
+            </a:r>
+            <a:r>
+              <a:rPr lang="fr-CA" dirty="0"/>
+              <a:t>.</a:t>
+            </a:r>
+          </a:p>
+          <a:p>
+            <a:r>
+              <a:rPr lang="fr-CA" dirty="0"/>
+              <a:t>La gestion des branches se fait d’une façon très facile et rapide.</a:t>
+            </a:r>
+            <a:r>
+              <a:rPr lang="en-US" dirty="0"/>
+              <a:t> </a:t>
+            </a:r>
+          </a:p>
+          <a:p>
+            <a:pPr lvl="0"/>
+            <a:r>
+              <a:rPr lang="fr-CA" dirty="0"/>
+              <a:t>Beaucoup de services associés comme </a:t>
+            </a:r>
+            <a:r>
+              <a:rPr lang="fr-CA" dirty="0" err="1"/>
+              <a:t>Github</a:t>
+            </a:r>
+            <a:r>
+              <a:rPr lang="fr-CA" dirty="0"/>
+              <a:t> ou </a:t>
+            </a:r>
+            <a:r>
+              <a:rPr lang="fr-CA" dirty="0" err="1"/>
+              <a:t>BitBucket</a:t>
+            </a:r>
+            <a:r>
+              <a:rPr lang="fr-CA" dirty="0"/>
+              <a:t>.</a:t>
+            </a:r>
+          </a:p>
+          <a:p>
+            <a:pPr lvl="0"/>
+            <a:r>
+              <a:rPr lang="fr-CA" dirty="0"/>
+              <a:t>Et</a:t>
+            </a:r>
+            <a:r>
+              <a:rPr lang="mr-IN" dirty="0"/>
+              <a:t>…</a:t>
+            </a:r>
+            <a:r>
+              <a:rPr lang="fr-CA" dirty="0"/>
+              <a:t> parce que ça va compter dans vos entrevues.</a:t>
+            </a:r>
+            <a:endParaRPr lang="en-US" dirty="0"/>
+          </a:p>
+        </p:txBody>
+      </p:sp>
+    </p:spTree>
+    <p:extLst>
+      <p:ext uri="{BB962C8B-B14F-4D97-AF65-F5344CB8AC3E}">
+        <p14:creationId xmlns:p14="http://schemas.microsoft.com/office/powerpoint/2010/main" val="994882287"/>
+      </p:ext>
+    </p:extLst>
+  </p:cSld>
+  <p:clrMapOvr>
+    <a:masterClrMapping/>
+  </p:clrMapOvr>
+</p:sld>
+</file>
+
+<file path=ppt/slides/slide4.xml><?xml version="1.0" encoding="utf-8"?>
+<p:sld xmlns:a="http://schemas.openxmlformats.org/drawingml/2006/main" xmlns:r="http://schemas.openxmlformats.org/officeDocument/2006/relationships" xmlns:p="http://schemas.openxmlformats.org/presentationml/2006/main">
+  <p:cSld>
+    <p:spTree>
+      <p:nvGrpSpPr>
+        <p:cNvPr id="1" name=""/>
+        <p:cNvGrpSpPr/>
+        <p:nvPr/>
+      </p:nvGrpSpPr>
+      <p:grpSpPr>
+        <a:xfrm>
+          <a:off x="0" y="0"/>
+          <a:ext cx="0" cy="0"/>
+          <a:chOff x="0" y="0"/>
+          <a:chExt cx="0" cy="0"/>
+        </a:xfrm>
+      </p:grpSpPr>
+      <p:sp>
+        <p:nvSpPr>
+          <p:cNvPr id="2" name="Title 1"/>
+          <p:cNvSpPr>
+            <a:spLocks noGrp="1"/>
+          </p:cNvSpPr>
+          <p:nvPr>
+            <p:ph type="title"/>
+          </p:nvPr>
+        </p:nvSpPr>
+        <p:spPr/>
+        <p:txBody>
+          <a:bodyPr/>
+          <a:lstStyle/>
+          <a:p>
+            <a:r>
+              <a:rPr lang="en-US" dirty="0"/>
               <a:t>VCS (Version Control System)</a:t>
             </a:r>
-            <a:endParaRPr lang="en-US" dirty="0"/>
           </a:p>
         </p:txBody>
       </p:sp>
@@ -7931,6 +9986,1014 @@
     <p:extLst>
       <p:ext uri="{BB962C8B-B14F-4D97-AF65-F5344CB8AC3E}">
         <p14:creationId xmlns:p14="http://schemas.microsoft.com/office/powerpoint/2010/main" val="421802706"/>
+      </p:ext>
+    </p:extLst>
+  </p:cSld>
+  <p:clrMapOvr>
+    <a:masterClrMapping/>
+  </p:clrMapOvr>
+</p:sld>
+</file>
+
+<file path=ppt/slides/slide5.xml><?xml version="1.0" encoding="utf-8"?>
+<p:sld xmlns:a="http://schemas.openxmlformats.org/drawingml/2006/main" xmlns:r="http://schemas.openxmlformats.org/officeDocument/2006/relationships" xmlns:p="http://schemas.openxmlformats.org/presentationml/2006/main">
+  <p:cSld>
+    <p:spTree>
+      <p:nvGrpSpPr>
+        <p:cNvPr id="1" name=""/>
+        <p:cNvGrpSpPr/>
+        <p:nvPr/>
+      </p:nvGrpSpPr>
+      <p:grpSpPr>
+        <a:xfrm>
+          <a:off x="0" y="0"/>
+          <a:ext cx="0" cy="0"/>
+          <a:chOff x="0" y="0"/>
+          <a:chExt cx="0" cy="0"/>
+        </a:xfrm>
+      </p:grpSpPr>
+      <p:sp>
+        <p:nvSpPr>
+          <p:cNvPr id="2" name="Title 1"/>
+          <p:cNvSpPr>
+            <a:spLocks noGrp="1"/>
+          </p:cNvSpPr>
+          <p:nvPr>
+            <p:ph type="title"/>
+          </p:nvPr>
+        </p:nvSpPr>
+        <p:spPr/>
+        <p:txBody>
+          <a:bodyPr/>
+          <a:lstStyle/>
+          <a:p>
+            <a:r>
+              <a:rPr lang="en-US" dirty="0"/>
+              <a:t>Comment </a:t>
+            </a:r>
+            <a:r>
+              <a:rPr lang="en-US" dirty="0" err="1"/>
+              <a:t>ça</a:t>
+            </a:r>
+            <a:r>
+              <a:rPr lang="en-US" dirty="0"/>
+              <a:t> </a:t>
+            </a:r>
+            <a:r>
+              <a:rPr lang="en-US" dirty="0" err="1"/>
+              <a:t>fonctionne</a:t>
+            </a:r>
+            <a:r>
+              <a:rPr lang="en-US" dirty="0"/>
+              <a:t> ?</a:t>
+            </a:r>
+          </a:p>
+        </p:txBody>
+      </p:sp>
+      <p:pic>
+        <p:nvPicPr>
+          <p:cNvPr id="4" name="Picture 3"/>
+          <p:cNvPicPr/>
+          <p:nvPr/>
+        </p:nvPicPr>
+        <p:blipFill>
+          <a:blip r:embed="rId2">
+            <a:extLst>
+              <a:ext uri="{28A0092B-C50C-407E-A947-70E740481C1C}">
+                <a14:useLocalDpi xmlns:a14="http://schemas.microsoft.com/office/drawing/2010/main" val="0"/>
+              </a:ext>
+            </a:extLst>
+          </a:blip>
+          <a:stretch>
+            <a:fillRect/>
+          </a:stretch>
+        </p:blipFill>
+        <p:spPr>
+          <a:xfrm>
+            <a:off x="1234393" y="2438399"/>
+            <a:ext cx="5435969" cy="2832976"/>
+          </a:xfrm>
+          <a:prstGeom prst="rect">
+            <a:avLst/>
+          </a:prstGeom>
+        </p:spPr>
+      </p:pic>
+      <p:pic>
+        <p:nvPicPr>
+          <p:cNvPr id="5" name="Picture 4"/>
+          <p:cNvPicPr/>
+          <p:nvPr/>
+        </p:nvPicPr>
+        <p:blipFill>
+          <a:blip r:embed="rId3">
+            <a:extLst>
+              <a:ext uri="{28A0092B-C50C-407E-A947-70E740481C1C}">
+                <a14:useLocalDpi xmlns:a14="http://schemas.microsoft.com/office/drawing/2010/main" val="0"/>
+              </a:ext>
+            </a:extLst>
+          </a:blip>
+          <a:stretch>
+            <a:fillRect/>
+          </a:stretch>
+        </p:blipFill>
+        <p:spPr>
+          <a:xfrm>
+            <a:off x="6657066" y="2438399"/>
+            <a:ext cx="5164455" cy="2847340"/>
+          </a:xfrm>
+          <a:prstGeom prst="rect">
+            <a:avLst/>
+          </a:prstGeom>
+        </p:spPr>
+      </p:pic>
+    </p:spTree>
+    <p:extLst>
+      <p:ext uri="{BB962C8B-B14F-4D97-AF65-F5344CB8AC3E}">
+        <p14:creationId xmlns:p14="http://schemas.microsoft.com/office/powerpoint/2010/main" val="1326853798"/>
+      </p:ext>
+    </p:extLst>
+  </p:cSld>
+  <p:clrMapOvr>
+    <a:masterClrMapping/>
+  </p:clrMapOvr>
+</p:sld>
+</file>
+
+<file path=ppt/slides/slide6.xml><?xml version="1.0" encoding="utf-8"?>
+<p:sld xmlns:a="http://schemas.openxmlformats.org/drawingml/2006/main" xmlns:r="http://schemas.openxmlformats.org/officeDocument/2006/relationships" xmlns:p="http://schemas.openxmlformats.org/presentationml/2006/main">
+  <p:cSld>
+    <p:spTree>
+      <p:nvGrpSpPr>
+        <p:cNvPr id="1" name=""/>
+        <p:cNvGrpSpPr/>
+        <p:nvPr/>
+      </p:nvGrpSpPr>
+      <p:grpSpPr>
+        <a:xfrm>
+          <a:off x="0" y="0"/>
+          <a:ext cx="0" cy="0"/>
+          <a:chOff x="0" y="0"/>
+          <a:chExt cx="0" cy="0"/>
+        </a:xfrm>
+      </p:grpSpPr>
+      <p:sp>
+        <p:nvSpPr>
+          <p:cNvPr id="2" name="Title 1"/>
+          <p:cNvSpPr>
+            <a:spLocks noGrp="1"/>
+          </p:cNvSpPr>
+          <p:nvPr>
+            <p:ph type="title"/>
+          </p:nvPr>
+        </p:nvSpPr>
+        <p:spPr/>
+        <p:txBody>
+          <a:bodyPr/>
+          <a:lstStyle/>
+          <a:p>
+            <a:r>
+              <a:rPr lang="en-US" dirty="0"/>
+              <a:t>1. </a:t>
+            </a:r>
+            <a:r>
+              <a:rPr lang="en-US" dirty="0" err="1"/>
+              <a:t>Préparer</a:t>
+            </a:r>
+            <a:r>
+              <a:rPr lang="en-US" dirty="0"/>
+              <a:t> le </a:t>
+            </a:r>
+            <a:r>
+              <a:rPr lang="en-US" dirty="0" err="1"/>
+              <a:t>répertoire</a:t>
+            </a:r>
+            <a:r>
+              <a:rPr lang="en-US" dirty="0"/>
+              <a:t> </a:t>
+            </a:r>
+            <a:r>
+              <a:rPr lang="en-US" dirty="0" err="1"/>
+              <a:t>Git</a:t>
+            </a:r>
+            <a:endParaRPr lang="en-US" dirty="0"/>
+          </a:p>
+        </p:txBody>
+      </p:sp>
+      <p:sp>
+        <p:nvSpPr>
+          <p:cNvPr id="3" name="Content Placeholder 2"/>
+          <p:cNvSpPr>
+            <a:spLocks noGrp="1"/>
+          </p:cNvSpPr>
+          <p:nvPr>
+            <p:ph idx="1"/>
+          </p:nvPr>
+        </p:nvSpPr>
+        <p:spPr>
+          <a:xfrm>
+            <a:off x="2491179" y="1891157"/>
+            <a:ext cx="10018713" cy="3124201"/>
+          </a:xfrm>
+        </p:spPr>
+        <p:txBody>
+          <a:bodyPr/>
+          <a:lstStyle/>
+          <a:p>
+            <a:r>
+              <a:rPr lang="en-US" dirty="0"/>
+              <a:t>Installer </a:t>
+            </a:r>
+            <a:r>
+              <a:rPr lang="en-US" dirty="0" err="1"/>
+              <a:t>Git</a:t>
+            </a:r>
+            <a:br>
+              <a:rPr lang="en-US" dirty="0"/>
+            </a:br>
+            <a:br>
+              <a:rPr lang="en-US" dirty="0"/>
+            </a:br>
+            <a:br>
+              <a:rPr lang="en-US" dirty="0"/>
+            </a:br>
+            <a:endParaRPr lang="en-US" dirty="0"/>
+          </a:p>
+          <a:p>
+            <a:r>
+              <a:rPr lang="en-US" dirty="0"/>
+              <a:t>Cloner le </a:t>
+            </a:r>
+            <a:r>
+              <a:rPr lang="en-US" dirty="0" err="1"/>
+              <a:t>répertoire</a:t>
+            </a:r>
+            <a:r>
+              <a:rPr lang="en-US" dirty="0"/>
+              <a:t> principal </a:t>
+            </a:r>
+          </a:p>
+        </p:txBody>
+      </p:sp>
+      <p:pic>
+        <p:nvPicPr>
+          <p:cNvPr id="5" name="Picture 4"/>
+          <p:cNvPicPr>
+            <a:picLocks noChangeAspect="1"/>
+          </p:cNvPicPr>
+          <p:nvPr/>
+        </p:nvPicPr>
+        <p:blipFill>
+          <a:blip r:embed="rId2">
+            <a:extLst>
+              <a:ext uri="{28A0092B-C50C-407E-A947-70E740481C1C}">
+                <a14:useLocalDpi xmlns:a14="http://schemas.microsoft.com/office/drawing/2010/main" val="0"/>
+              </a:ext>
+            </a:extLst>
+          </a:blip>
+          <a:stretch>
+            <a:fillRect/>
+          </a:stretch>
+        </p:blipFill>
+        <p:spPr>
+          <a:xfrm>
+            <a:off x="2491179" y="2825180"/>
+            <a:ext cx="3162300" cy="673100"/>
+          </a:xfrm>
+          <a:prstGeom prst="rect">
+            <a:avLst/>
+          </a:prstGeom>
+          <a:ln>
+            <a:noFill/>
+          </a:ln>
+          <a:effectLst>
+            <a:outerShdw blurRad="292100" dist="139700" dir="2700000" algn="tl" rotWithShape="0">
+              <a:srgbClr val="333333">
+                <a:alpha val="65000"/>
+              </a:srgbClr>
+            </a:outerShdw>
+          </a:effectLst>
+        </p:spPr>
+      </p:pic>
+      <p:pic>
+        <p:nvPicPr>
+          <p:cNvPr id="7" name="Picture 6"/>
+          <p:cNvPicPr>
+            <a:picLocks noChangeAspect="1"/>
+          </p:cNvPicPr>
+          <p:nvPr/>
+        </p:nvPicPr>
+        <p:blipFill>
+          <a:blip r:embed="rId3">
+            <a:extLst>
+              <a:ext uri="{28A0092B-C50C-407E-A947-70E740481C1C}">
+                <a14:useLocalDpi xmlns:a14="http://schemas.microsoft.com/office/drawing/2010/main" val="0"/>
+              </a:ext>
+            </a:extLst>
+          </a:blip>
+          <a:stretch>
+            <a:fillRect/>
+          </a:stretch>
+        </p:blipFill>
+        <p:spPr>
+          <a:xfrm>
+            <a:off x="2491179" y="4500439"/>
+            <a:ext cx="5537200" cy="901700"/>
+          </a:xfrm>
+          <a:prstGeom prst="rect">
+            <a:avLst/>
+          </a:prstGeom>
+          <a:ln>
+            <a:noFill/>
+          </a:ln>
+          <a:effectLst>
+            <a:outerShdw blurRad="292100" dist="139700" dir="2700000" algn="tl" rotWithShape="0">
+              <a:srgbClr val="333333">
+                <a:alpha val="65000"/>
+              </a:srgbClr>
+            </a:outerShdw>
+          </a:effectLst>
+        </p:spPr>
+      </p:pic>
+    </p:spTree>
+    <p:extLst>
+      <p:ext uri="{BB962C8B-B14F-4D97-AF65-F5344CB8AC3E}">
+        <p14:creationId xmlns:p14="http://schemas.microsoft.com/office/powerpoint/2010/main" val="1283557247"/>
+      </p:ext>
+    </p:extLst>
+  </p:cSld>
+  <p:clrMapOvr>
+    <a:masterClrMapping/>
+  </p:clrMapOvr>
+</p:sld>
+</file>
+
+<file path=ppt/slides/slide7.xml><?xml version="1.0" encoding="utf-8"?>
+<p:sld xmlns:a="http://schemas.openxmlformats.org/drawingml/2006/main" xmlns:r="http://schemas.openxmlformats.org/officeDocument/2006/relationships" xmlns:p="http://schemas.openxmlformats.org/presentationml/2006/main">
+  <p:cSld>
+    <p:spTree>
+      <p:nvGrpSpPr>
+        <p:cNvPr id="1" name=""/>
+        <p:cNvGrpSpPr/>
+        <p:nvPr/>
+      </p:nvGrpSpPr>
+      <p:grpSpPr>
+        <a:xfrm>
+          <a:off x="0" y="0"/>
+          <a:ext cx="0" cy="0"/>
+          <a:chOff x="0" y="0"/>
+          <a:chExt cx="0" cy="0"/>
+        </a:xfrm>
+      </p:grpSpPr>
+      <p:sp>
+        <p:nvSpPr>
+          <p:cNvPr id="2" name="Title 1"/>
+          <p:cNvSpPr>
+            <a:spLocks noGrp="1"/>
+          </p:cNvSpPr>
+          <p:nvPr>
+            <p:ph type="title"/>
+          </p:nvPr>
+        </p:nvSpPr>
+        <p:spPr/>
+        <p:txBody>
+          <a:bodyPr/>
+          <a:lstStyle/>
+          <a:p>
+            <a:r>
+              <a:rPr lang="en-US" dirty="0"/>
+              <a:t>Il se </a:t>
+            </a:r>
+            <a:r>
+              <a:rPr lang="en-US" dirty="0" err="1"/>
+              <a:t>passe</a:t>
+            </a:r>
+            <a:r>
+              <a:rPr lang="en-US" dirty="0"/>
+              <a:t> pas grand chose</a:t>
+            </a:r>
+          </a:p>
+        </p:txBody>
+      </p:sp>
+      <p:pic>
+        <p:nvPicPr>
+          <p:cNvPr id="6" name="Picture 5"/>
+          <p:cNvPicPr>
+            <a:picLocks noChangeAspect="1"/>
+          </p:cNvPicPr>
+          <p:nvPr/>
+        </p:nvPicPr>
+        <p:blipFill>
+          <a:blip r:embed="rId2">
+            <a:extLst>
+              <a:ext uri="{28A0092B-C50C-407E-A947-70E740481C1C}">
+                <a14:useLocalDpi xmlns:a14="http://schemas.microsoft.com/office/drawing/2010/main" val="0"/>
+              </a:ext>
+            </a:extLst>
+          </a:blip>
+          <a:stretch>
+            <a:fillRect/>
+          </a:stretch>
+        </p:blipFill>
+        <p:spPr>
+          <a:xfrm>
+            <a:off x="1587312" y="2475430"/>
+            <a:ext cx="4264664" cy="2952459"/>
+          </a:xfrm>
+          <a:prstGeom prst="rect">
+            <a:avLst/>
+          </a:prstGeom>
+          <a:ln>
+            <a:noFill/>
+          </a:ln>
+          <a:effectLst>
+            <a:outerShdw blurRad="292100" dist="139700" dir="2700000" algn="tl" rotWithShape="0">
+              <a:srgbClr val="333333">
+                <a:alpha val="65000"/>
+              </a:srgbClr>
+            </a:outerShdw>
+          </a:effectLst>
+        </p:spPr>
+      </p:pic>
+      <p:pic>
+        <p:nvPicPr>
+          <p:cNvPr id="7" name="Picture 6"/>
+          <p:cNvPicPr>
+            <a:picLocks noChangeAspect="1"/>
+          </p:cNvPicPr>
+          <p:nvPr/>
+        </p:nvPicPr>
+        <p:blipFill>
+          <a:blip r:embed="rId3">
+            <a:extLst>
+              <a:ext uri="{28A0092B-C50C-407E-A947-70E740481C1C}">
+                <a14:useLocalDpi xmlns:a14="http://schemas.microsoft.com/office/drawing/2010/main" val="0"/>
+              </a:ext>
+            </a:extLst>
+          </a:blip>
+          <a:stretch>
+            <a:fillRect/>
+          </a:stretch>
+        </p:blipFill>
+        <p:spPr>
+          <a:xfrm>
+            <a:off x="5990262" y="2894357"/>
+            <a:ext cx="5867400" cy="642620"/>
+          </a:xfrm>
+          <a:prstGeom prst="rect">
+            <a:avLst/>
+          </a:prstGeom>
+          <a:ln>
+            <a:noFill/>
+          </a:ln>
+          <a:effectLst>
+            <a:outerShdw blurRad="292100" dist="139700" dir="2700000" algn="tl" rotWithShape="0">
+              <a:srgbClr val="333333">
+                <a:alpha val="65000"/>
+              </a:srgbClr>
+            </a:outerShdw>
+          </a:effectLst>
+        </p:spPr>
+      </p:pic>
+      <p:sp>
+        <p:nvSpPr>
+          <p:cNvPr id="8" name="Frame 7"/>
+          <p:cNvSpPr/>
+          <p:nvPr/>
+        </p:nvSpPr>
+        <p:spPr>
+          <a:xfrm>
+            <a:off x="8920365" y="2970715"/>
+            <a:ext cx="870221" cy="439285"/>
+          </a:xfrm>
+          <a:prstGeom prst="frame">
+            <a:avLst/>
+          </a:prstGeom>
+          <a:ln w="12700"/>
+        </p:spPr>
+        <p:style>
+          <a:lnRef idx="2">
+            <a:schemeClr val="accent2">
+              <a:shade val="50000"/>
+            </a:schemeClr>
+          </a:lnRef>
+          <a:fillRef idx="1">
+            <a:schemeClr val="accent2"/>
+          </a:fillRef>
+          <a:effectRef idx="0">
+            <a:schemeClr val="accent2"/>
+          </a:effectRef>
+          <a:fontRef idx="minor">
+            <a:schemeClr val="lt1"/>
+          </a:fontRef>
+        </p:style>
+        <p:txBody>
+          <a:bodyPr rtlCol="0" anchor="ctr"/>
+          <a:lstStyle/>
+          <a:p>
+            <a:pPr algn="ctr"/>
+            <a:endParaRPr lang="en-US">
+              <a:solidFill>
+                <a:schemeClr val="tx1"/>
+              </a:solidFill>
+            </a:endParaRPr>
+          </a:p>
+        </p:txBody>
+      </p:sp>
+      <p:pic>
+        <p:nvPicPr>
+          <p:cNvPr id="9" name="Picture 8"/>
+          <p:cNvPicPr>
+            <a:picLocks noChangeAspect="1"/>
+          </p:cNvPicPr>
+          <p:nvPr/>
+        </p:nvPicPr>
+        <p:blipFill>
+          <a:blip r:embed="rId4">
+            <a:extLst>
+              <a:ext uri="{28A0092B-C50C-407E-A947-70E740481C1C}">
+                <a14:useLocalDpi xmlns:a14="http://schemas.microsoft.com/office/drawing/2010/main" val="0"/>
+              </a:ext>
+            </a:extLst>
+          </a:blip>
+          <a:stretch>
+            <a:fillRect/>
+          </a:stretch>
+        </p:blipFill>
+        <p:spPr>
+          <a:xfrm>
+            <a:off x="5998790" y="3812433"/>
+            <a:ext cx="5679784" cy="1282532"/>
+          </a:xfrm>
+          <a:prstGeom prst="rect">
+            <a:avLst/>
+          </a:prstGeom>
+          <a:ln>
+            <a:noFill/>
+          </a:ln>
+          <a:effectLst>
+            <a:outerShdw blurRad="292100" dist="139700" dir="2700000" algn="tl" rotWithShape="0">
+              <a:srgbClr val="333333">
+                <a:alpha val="65000"/>
+              </a:srgbClr>
+            </a:outerShdw>
+          </a:effectLst>
+        </p:spPr>
+      </p:pic>
+    </p:spTree>
+    <p:extLst>
+      <p:ext uri="{BB962C8B-B14F-4D97-AF65-F5344CB8AC3E}">
+        <p14:creationId xmlns:p14="http://schemas.microsoft.com/office/powerpoint/2010/main" val="401450953"/>
+      </p:ext>
+    </p:extLst>
+  </p:cSld>
+  <p:clrMapOvr>
+    <a:masterClrMapping/>
+  </p:clrMapOvr>
+</p:sld>
+</file>
+
+<file path=ppt/slides/slide8.xml><?xml version="1.0" encoding="utf-8"?>
+<p:sld xmlns:a="http://schemas.openxmlformats.org/drawingml/2006/main" xmlns:r="http://schemas.openxmlformats.org/officeDocument/2006/relationships" xmlns:p="http://schemas.openxmlformats.org/presentationml/2006/main">
+  <p:cSld>
+    <p:spTree>
+      <p:nvGrpSpPr>
+        <p:cNvPr id="1" name=""/>
+        <p:cNvGrpSpPr/>
+        <p:nvPr/>
+      </p:nvGrpSpPr>
+      <p:grpSpPr>
+        <a:xfrm>
+          <a:off x="0" y="0"/>
+          <a:ext cx="0" cy="0"/>
+          <a:chOff x="0" y="0"/>
+          <a:chExt cx="0" cy="0"/>
+        </a:xfrm>
+      </p:grpSpPr>
+      <p:sp>
+        <p:nvSpPr>
+          <p:cNvPr id="2" name="Title 1"/>
+          <p:cNvSpPr>
+            <a:spLocks noGrp="1"/>
+          </p:cNvSpPr>
+          <p:nvPr>
+            <p:ph type="title"/>
+          </p:nvPr>
+        </p:nvSpPr>
+        <p:spPr/>
+        <p:txBody>
+          <a:bodyPr/>
+          <a:lstStyle/>
+          <a:p>
+            <a:r>
+              <a:rPr lang="en-US" dirty="0"/>
+              <a:t>2. La </a:t>
+            </a:r>
+            <a:r>
+              <a:rPr lang="en-US" dirty="0" err="1"/>
+              <a:t>gestion</a:t>
+            </a:r>
+            <a:r>
+              <a:rPr lang="en-US" dirty="0"/>
+              <a:t> des branches</a:t>
+            </a:r>
+          </a:p>
+        </p:txBody>
+      </p:sp>
+      <p:sp>
+        <p:nvSpPr>
+          <p:cNvPr id="3" name="Content Placeholder 2"/>
+          <p:cNvSpPr>
+            <a:spLocks noGrp="1"/>
+          </p:cNvSpPr>
+          <p:nvPr>
+            <p:ph idx="1"/>
+          </p:nvPr>
+        </p:nvSpPr>
+        <p:spPr>
+          <a:xfrm>
+            <a:off x="1484311" y="1562099"/>
+            <a:ext cx="10018713" cy="3124201"/>
+          </a:xfrm>
+        </p:spPr>
+        <p:txBody>
+          <a:bodyPr/>
+          <a:lstStyle/>
+          <a:p>
+            <a:r>
+              <a:rPr lang="en-US" dirty="0"/>
+              <a:t>Les </a:t>
+            </a:r>
+            <a:r>
+              <a:rPr lang="en-US" dirty="0" err="1"/>
+              <a:t>avantages</a:t>
+            </a:r>
+            <a:r>
+              <a:rPr lang="en-US" dirty="0"/>
+              <a:t> de changer de branches.</a:t>
+            </a:r>
+          </a:p>
+          <a:p>
+            <a:pPr lvl="1"/>
+            <a:r>
+              <a:rPr lang="en-US" dirty="0" err="1"/>
+              <a:t>Moins</a:t>
+            </a:r>
+            <a:r>
+              <a:rPr lang="en-US" dirty="0"/>
+              <a:t> de versions </a:t>
+            </a:r>
+            <a:r>
+              <a:rPr lang="en-US" dirty="0" err="1"/>
+              <a:t>à</a:t>
+            </a:r>
+            <a:r>
+              <a:rPr lang="en-US" dirty="0"/>
+              <a:t> </a:t>
+            </a:r>
+            <a:r>
+              <a:rPr lang="en-US" dirty="0" err="1"/>
+              <a:t>gérer</a:t>
+            </a:r>
+            <a:endParaRPr lang="en-US" dirty="0"/>
+          </a:p>
+          <a:p>
+            <a:pPr lvl="1"/>
+            <a:r>
+              <a:rPr lang="en-US" dirty="0"/>
+              <a:t>Plus </a:t>
+            </a:r>
+            <a:r>
+              <a:rPr lang="en-US" dirty="0" err="1"/>
+              <a:t>sécuritaire</a:t>
+            </a:r>
+            <a:endParaRPr lang="en-US" dirty="0"/>
+          </a:p>
+          <a:p>
+            <a:pPr lvl="1"/>
+            <a:r>
+              <a:rPr lang="en-US" dirty="0" err="1"/>
+              <a:t>Meilleure</a:t>
+            </a:r>
+            <a:r>
+              <a:rPr lang="en-US" dirty="0"/>
+              <a:t> structure du </a:t>
+            </a:r>
+            <a:r>
+              <a:rPr lang="en-US" dirty="0" err="1"/>
+              <a:t>projet</a:t>
+            </a:r>
+            <a:endParaRPr lang="en-US" dirty="0"/>
+          </a:p>
+          <a:p>
+            <a:pPr lvl="1"/>
+            <a:endParaRPr lang="en-US" dirty="0"/>
+          </a:p>
+        </p:txBody>
+      </p:sp>
+      <p:pic>
+        <p:nvPicPr>
+          <p:cNvPr id="4" name="Picture 3"/>
+          <p:cNvPicPr>
+            <a:picLocks noChangeAspect="1"/>
+          </p:cNvPicPr>
+          <p:nvPr/>
+        </p:nvPicPr>
+        <p:blipFill>
+          <a:blip r:embed="rId2">
+            <a:extLst>
+              <a:ext uri="{28A0092B-C50C-407E-A947-70E740481C1C}">
+                <a14:useLocalDpi xmlns:a14="http://schemas.microsoft.com/office/drawing/2010/main" val="0"/>
+              </a:ext>
+            </a:extLst>
+          </a:blip>
+          <a:stretch>
+            <a:fillRect/>
+          </a:stretch>
+        </p:blipFill>
+        <p:spPr>
+          <a:xfrm>
+            <a:off x="6039397" y="2722948"/>
+            <a:ext cx="5463627" cy="3471474"/>
+          </a:xfrm>
+          <a:prstGeom prst="rect">
+            <a:avLst/>
+          </a:prstGeom>
+          <a:ln>
+            <a:noFill/>
+          </a:ln>
+          <a:effectLst>
+            <a:outerShdw blurRad="292100" dist="139700" dir="2700000" algn="tl" rotWithShape="0">
+              <a:srgbClr val="333333">
+                <a:alpha val="65000"/>
+              </a:srgbClr>
+            </a:outerShdw>
+          </a:effectLst>
+        </p:spPr>
+      </p:pic>
+      <p:pic>
+        <p:nvPicPr>
+          <p:cNvPr id="5" name="Picture 4"/>
+          <p:cNvPicPr/>
+          <p:nvPr/>
+        </p:nvPicPr>
+        <p:blipFill>
+          <a:blip r:embed="rId3">
+            <a:extLst>
+              <a:ext uri="{28A0092B-C50C-407E-A947-70E740481C1C}">
+                <a14:useLocalDpi xmlns:a14="http://schemas.microsoft.com/office/drawing/2010/main" val="0"/>
+              </a:ext>
+            </a:extLst>
+          </a:blip>
+          <a:stretch>
+            <a:fillRect/>
+          </a:stretch>
+        </p:blipFill>
+        <p:spPr>
+          <a:xfrm>
+            <a:off x="1841522" y="3986489"/>
+            <a:ext cx="3840665" cy="2001577"/>
+          </a:xfrm>
+          <a:prstGeom prst="rect">
+            <a:avLst/>
+          </a:prstGeom>
+        </p:spPr>
+      </p:pic>
+      <p:sp>
+        <p:nvSpPr>
+          <p:cNvPr id="7" name="TextBox 6"/>
+          <p:cNvSpPr txBox="1"/>
+          <p:nvPr/>
+        </p:nvSpPr>
+        <p:spPr>
+          <a:xfrm>
+            <a:off x="2794571" y="4966729"/>
+            <a:ext cx="380143" cy="369332"/>
+          </a:xfrm>
+          <a:prstGeom prst="rect">
+            <a:avLst/>
+          </a:prstGeom>
+          <a:noFill/>
+        </p:spPr>
+        <p:style>
+          <a:lnRef idx="2">
+            <a:schemeClr val="accent2"/>
+          </a:lnRef>
+          <a:fillRef idx="1">
+            <a:schemeClr val="lt1"/>
+          </a:fillRef>
+          <a:effectRef idx="0">
+            <a:schemeClr val="accent2"/>
+          </a:effectRef>
+          <a:fontRef idx="minor">
+            <a:schemeClr val="dk1"/>
+          </a:fontRef>
+        </p:style>
+        <p:txBody>
+          <a:bodyPr wrap="square" rtlCol="0">
+            <a:spAutoFit/>
+          </a:bodyPr>
+          <a:lstStyle/>
+          <a:p>
+            <a:endParaRPr lang="en-US" dirty="0"/>
+          </a:p>
+        </p:txBody>
+      </p:sp>
+    </p:spTree>
+    <p:extLst>
+      <p:ext uri="{BB962C8B-B14F-4D97-AF65-F5344CB8AC3E}">
+        <p14:creationId xmlns:p14="http://schemas.microsoft.com/office/powerpoint/2010/main" val="1600369068"/>
+      </p:ext>
+    </p:extLst>
+  </p:cSld>
+  <p:clrMapOvr>
+    <a:masterClrMapping/>
+  </p:clrMapOvr>
+</p:sld>
+</file>
+
+<file path=ppt/slides/slide9.xml><?xml version="1.0" encoding="utf-8"?>
+<p:sld xmlns:a="http://schemas.openxmlformats.org/drawingml/2006/main" xmlns:r="http://schemas.openxmlformats.org/officeDocument/2006/relationships" xmlns:p="http://schemas.openxmlformats.org/presentationml/2006/main">
+  <p:cSld>
+    <p:spTree>
+      <p:nvGrpSpPr>
+        <p:cNvPr id="1" name=""/>
+        <p:cNvGrpSpPr/>
+        <p:nvPr/>
+      </p:nvGrpSpPr>
+      <p:grpSpPr>
+        <a:xfrm>
+          <a:off x="0" y="0"/>
+          <a:ext cx="0" cy="0"/>
+          <a:chOff x="0" y="0"/>
+          <a:chExt cx="0" cy="0"/>
+        </a:xfrm>
+      </p:grpSpPr>
+      <p:sp>
+        <p:nvSpPr>
+          <p:cNvPr id="2" name="Title 1"/>
+          <p:cNvSpPr>
+            <a:spLocks noGrp="1"/>
+          </p:cNvSpPr>
+          <p:nvPr>
+            <p:ph type="title"/>
+          </p:nvPr>
+        </p:nvSpPr>
+        <p:spPr/>
+        <p:txBody>
+          <a:bodyPr/>
+          <a:lstStyle/>
+          <a:p>
+            <a:r>
+              <a:rPr lang="en-US" dirty="0"/>
+              <a:t>Faire </a:t>
+            </a:r>
+            <a:r>
+              <a:rPr lang="en-US" dirty="0" err="1"/>
+              <a:t>ses</a:t>
+            </a:r>
+            <a:r>
+              <a:rPr lang="en-US" dirty="0"/>
+              <a:t> </a:t>
+            </a:r>
+            <a:r>
+              <a:rPr lang="en-US" dirty="0" err="1"/>
+              <a:t>changements</a:t>
+            </a:r>
+            <a:endParaRPr lang="en-US" dirty="0"/>
+          </a:p>
+        </p:txBody>
+      </p:sp>
+      <p:sp>
+        <p:nvSpPr>
+          <p:cNvPr id="3" name="Content Placeholder 2"/>
+          <p:cNvSpPr>
+            <a:spLocks noGrp="1"/>
+          </p:cNvSpPr>
+          <p:nvPr>
+            <p:ph idx="1"/>
+          </p:nvPr>
+        </p:nvSpPr>
+        <p:spPr>
+          <a:xfrm>
+            <a:off x="1484310" y="876298"/>
+            <a:ext cx="10018713" cy="3124201"/>
+          </a:xfrm>
+        </p:spPr>
+        <p:txBody>
+          <a:bodyPr/>
+          <a:lstStyle/>
+          <a:p>
+            <a:r>
+              <a:rPr lang="en-US" dirty="0" err="1"/>
+              <a:t>Je</a:t>
+            </a:r>
+            <a:r>
+              <a:rPr lang="en-US" dirty="0"/>
+              <a:t> </a:t>
+            </a:r>
+            <a:r>
+              <a:rPr lang="en-US" dirty="0" err="1"/>
+              <a:t>crée</a:t>
+            </a:r>
+            <a:r>
+              <a:rPr lang="en-US" dirty="0"/>
+              <a:t> un </a:t>
+            </a:r>
+            <a:r>
+              <a:rPr lang="en-US" dirty="0" err="1"/>
+              <a:t>fichier</a:t>
+            </a:r>
+            <a:r>
+              <a:rPr lang="en-US" dirty="0"/>
+              <a:t> : machineacafe.js</a:t>
+            </a:r>
+          </a:p>
+        </p:txBody>
+      </p:sp>
+      <p:pic>
+        <p:nvPicPr>
+          <p:cNvPr id="4" name="Picture 3"/>
+          <p:cNvPicPr>
+            <a:picLocks noChangeAspect="1"/>
+          </p:cNvPicPr>
+          <p:nvPr/>
+        </p:nvPicPr>
+        <p:blipFill>
+          <a:blip r:embed="rId2">
+            <a:extLst>
+              <a:ext uri="{28A0092B-C50C-407E-A947-70E740481C1C}">
+                <a14:useLocalDpi xmlns:a14="http://schemas.microsoft.com/office/drawing/2010/main" val="0"/>
+              </a:ext>
+            </a:extLst>
+          </a:blip>
+          <a:stretch>
+            <a:fillRect/>
+          </a:stretch>
+        </p:blipFill>
+        <p:spPr>
+          <a:xfrm>
+            <a:off x="1484309" y="2809103"/>
+            <a:ext cx="6908800" cy="1054100"/>
+          </a:xfrm>
+          <a:prstGeom prst="rect">
+            <a:avLst/>
+          </a:prstGeom>
+          <a:ln>
+            <a:noFill/>
+          </a:ln>
+          <a:effectLst>
+            <a:outerShdw blurRad="292100" dist="139700" dir="2700000" algn="tl" rotWithShape="0">
+              <a:srgbClr val="333333">
+                <a:alpha val="65000"/>
+              </a:srgbClr>
+            </a:outerShdw>
+          </a:effectLst>
+        </p:spPr>
+      </p:pic>
+      <p:pic>
+        <p:nvPicPr>
+          <p:cNvPr id="5" name="Picture 4"/>
+          <p:cNvPicPr>
+            <a:picLocks noChangeAspect="1"/>
+          </p:cNvPicPr>
+          <p:nvPr/>
+        </p:nvPicPr>
+        <p:blipFill>
+          <a:blip r:embed="rId3">
+            <a:extLst>
+              <a:ext uri="{28A0092B-C50C-407E-A947-70E740481C1C}">
+                <a14:useLocalDpi xmlns:a14="http://schemas.microsoft.com/office/drawing/2010/main" val="0"/>
+              </a:ext>
+            </a:extLst>
+          </a:blip>
+          <a:stretch>
+            <a:fillRect/>
+          </a:stretch>
+        </p:blipFill>
+        <p:spPr>
+          <a:xfrm>
+            <a:off x="3013523" y="4233907"/>
+            <a:ext cx="4406900" cy="2184400"/>
+          </a:xfrm>
+          <a:prstGeom prst="rect">
+            <a:avLst/>
+          </a:prstGeom>
+          <a:ln>
+            <a:noFill/>
+          </a:ln>
+          <a:effectLst>
+            <a:outerShdw blurRad="292100" dist="139700" dir="2700000" algn="tl" rotWithShape="0">
+              <a:srgbClr val="333333">
+                <a:alpha val="65000"/>
+              </a:srgbClr>
+            </a:outerShdw>
+          </a:effectLst>
+        </p:spPr>
+      </p:pic>
+    </p:spTree>
+    <p:extLst>
+      <p:ext uri="{BB962C8B-B14F-4D97-AF65-F5344CB8AC3E}">
+        <p14:creationId xmlns:p14="http://schemas.microsoft.com/office/powerpoint/2010/main" val="859708424"/>
       </p:ext>
     </p:extLst>
   </p:cSld>

--- a/GitPresentation.pptx
+++ b/GitPresentation.pptx
@@ -5,7 +5,7 @@
     <p:sldMasterId id="2147483876" r:id="rId1"/>
   </p:sldMasterIdLst>
   <p:notesMasterIdLst>
-    <p:notesMasterId r:id="rId18"/>
+    <p:notesMasterId r:id="rId35"/>
   </p:notesMasterIdLst>
   <p:sldIdLst>
     <p:sldId id="256" r:id="rId2"/>
@@ -24,6 +24,23 @@
     <p:sldId id="269" r:id="rId15"/>
     <p:sldId id="270" r:id="rId16"/>
     <p:sldId id="271" r:id="rId17"/>
+    <p:sldId id="272" r:id="rId18"/>
+    <p:sldId id="273" r:id="rId19"/>
+    <p:sldId id="274" r:id="rId20"/>
+    <p:sldId id="275" r:id="rId21"/>
+    <p:sldId id="276" r:id="rId22"/>
+    <p:sldId id="277" r:id="rId23"/>
+    <p:sldId id="278" r:id="rId24"/>
+    <p:sldId id="279" r:id="rId25"/>
+    <p:sldId id="280" r:id="rId26"/>
+    <p:sldId id="281" r:id="rId27"/>
+    <p:sldId id="282" r:id="rId28"/>
+    <p:sldId id="283" r:id="rId29"/>
+    <p:sldId id="284" r:id="rId30"/>
+    <p:sldId id="285" r:id="rId31"/>
+    <p:sldId id="286" r:id="rId32"/>
+    <p:sldId id="287" r:id="rId33"/>
+    <p:sldId id="288" r:id="rId34"/>
   </p:sldIdLst>
   <p:sldSz cx="12192000" cy="6858000"/>
   <p:notesSz cx="6858000" cy="9144000"/>
@@ -1175,6 +1192,6169 @@
 </cs:chartStyle>
 </file>
 
+<file path=ppt/diagrams/colors1.xml><?xml version="1.0" encoding="utf-8"?>
+<dgm:colorsDef xmlns:dgm="http://schemas.openxmlformats.org/drawingml/2006/diagram" xmlns:a="http://schemas.openxmlformats.org/drawingml/2006/main" uniqueId="urn:microsoft.com/office/officeart/2005/8/colors/ColorSchemeForSuggestions">
+  <dgm:title val="Color Scheme for Suggestions"/>
+  <dgm:desc val="Color Scheme for Suggestions"/>
+  <dgm:catLst>
+    <dgm:cat type="Other" pri="2"/>
+  </dgm:catLst>
+  <dgm:styleLbl name="node0">
+    <dgm:fillClrLst meth="repeat">
+      <a:schemeClr val="accent1"/>
+    </dgm:fillClrLst>
+    <dgm:linClrLst meth="repeat">
+      <a:schemeClr val="lt1"/>
+    </dgm:linClrLst>
+    <dgm:effectClrLst/>
+    <dgm:txLinClrLst/>
+    <dgm:txFillClrLst/>
+    <dgm:txEffectClrLst/>
+  </dgm:styleLbl>
+  <dgm:styleLbl name="alignNode1">
+    <dgm:fillClrLst meth="repeat">
+      <a:schemeClr val="accent1"/>
+    </dgm:fillClrLst>
+    <dgm:linClrLst meth="repeat">
+      <a:schemeClr val="accent1"/>
+    </dgm:linClrLst>
+    <dgm:effectClrLst/>
+    <dgm:txLinClrLst/>
+    <dgm:txFillClrLst/>
+    <dgm:txEffectClrLst/>
+  </dgm:styleLbl>
+  <dgm:styleLbl name="node1">
+    <dgm:fillClrLst meth="repeat">
+      <a:schemeClr val="accent1"/>
+    </dgm:fillClrLst>
+    <dgm:linClrLst meth="repeat">
+      <a:schemeClr val="lt1"/>
+    </dgm:linClrLst>
+    <dgm:effectClrLst/>
+    <dgm:txLinClrLst/>
+    <dgm:txFillClrLst/>
+    <dgm:txEffectClrLst/>
+  </dgm:styleLbl>
+  <dgm:styleLbl name="lnNode1">
+    <dgm:fillClrLst meth="repeat">
+      <a:schemeClr val="accent1"/>
+    </dgm:fillClrLst>
+    <dgm:linClrLst meth="repeat">
+      <a:schemeClr val="lt1"/>
+    </dgm:linClrLst>
+    <dgm:effectClrLst/>
+    <dgm:txLinClrLst/>
+    <dgm:txFillClrLst/>
+    <dgm:txEffectClrLst/>
+  </dgm:styleLbl>
+  <dgm:styleLbl name="vennNode1">
+    <dgm:fillClrLst meth="repeat">
+      <a:schemeClr val="accent1">
+        <a:alpha val="50000"/>
+      </a:schemeClr>
+    </dgm:fillClrLst>
+    <dgm:linClrLst meth="repeat">
+      <a:schemeClr val="lt1"/>
+    </dgm:linClrLst>
+    <dgm:effectClrLst/>
+    <dgm:txLinClrLst/>
+    <dgm:txFillClrLst/>
+    <dgm:txEffectClrLst/>
+  </dgm:styleLbl>
+  <dgm:styleLbl name="node2">
+    <dgm:fillClrLst meth="repeat">
+      <a:schemeClr val="accent1"/>
+    </dgm:fillClrLst>
+    <dgm:linClrLst meth="repeat">
+      <a:schemeClr val="lt1"/>
+    </dgm:linClrLst>
+    <dgm:effectClrLst/>
+    <dgm:txLinClrLst/>
+    <dgm:txFillClrLst/>
+    <dgm:txEffectClrLst/>
+  </dgm:styleLbl>
+  <dgm:styleLbl name="node3">
+    <dgm:fillClrLst meth="repeat">
+      <a:schemeClr val="accent1"/>
+    </dgm:fillClrLst>
+    <dgm:linClrLst meth="repeat">
+      <a:schemeClr val="lt1"/>
+    </dgm:linClrLst>
+    <dgm:effectClrLst/>
+    <dgm:txLinClrLst/>
+    <dgm:txFillClrLst/>
+    <dgm:txEffectClrLst/>
+  </dgm:styleLbl>
+  <dgm:styleLbl name="node4">
+    <dgm:fillClrLst meth="repeat">
+      <a:schemeClr val="accent1"/>
+    </dgm:fillClrLst>
+    <dgm:linClrLst meth="repeat">
+      <a:schemeClr val="lt1"/>
+    </dgm:linClrLst>
+    <dgm:effectClrLst/>
+    <dgm:txLinClrLst/>
+    <dgm:txFillClrLst/>
+    <dgm:txEffectClrLst/>
+  </dgm:styleLbl>
+  <dgm:styleLbl name="fgImgPlace1">
+    <dgm:fillClrLst meth="repeat">
+      <a:schemeClr val="accent1">
+        <a:tint val="50000"/>
+      </a:schemeClr>
+    </dgm:fillClrLst>
+    <dgm:linClrLst meth="repeat">
+      <a:schemeClr val="lt1"/>
+    </dgm:linClrLst>
+    <dgm:effectClrLst/>
+    <dgm:txLinClrLst/>
+    <dgm:txFillClrLst meth="repeat">
+      <a:schemeClr val="lt1"/>
+    </dgm:txFillClrLst>
+    <dgm:txEffectClrLst/>
+  </dgm:styleLbl>
+  <dgm:styleLbl name="alignImgPlace1">
+    <dgm:fillClrLst meth="repeat">
+      <a:schemeClr val="accent1">
+        <a:tint val="50000"/>
+      </a:schemeClr>
+    </dgm:fillClrLst>
+    <dgm:linClrLst meth="repeat">
+      <a:schemeClr val="lt1"/>
+    </dgm:linClrLst>
+    <dgm:effectClrLst/>
+    <dgm:txLinClrLst/>
+    <dgm:txFillClrLst meth="repeat">
+      <a:schemeClr val="lt1"/>
+    </dgm:txFillClrLst>
+    <dgm:txEffectClrLst/>
+  </dgm:styleLbl>
+  <dgm:styleLbl name="bgImgPlace1">
+    <dgm:fillClrLst meth="repeat">
+      <a:schemeClr val="accent1">
+        <a:tint val="50000"/>
+      </a:schemeClr>
+    </dgm:fillClrLst>
+    <dgm:linClrLst meth="repeat">
+      <a:schemeClr val="lt1"/>
+    </dgm:linClrLst>
+    <dgm:effectClrLst/>
+    <dgm:txLinClrLst/>
+    <dgm:txFillClrLst meth="repeat">
+      <a:schemeClr val="lt1"/>
+    </dgm:txFillClrLst>
+    <dgm:txEffectClrLst/>
+  </dgm:styleLbl>
+  <dgm:styleLbl name="sibTrans2D1">
+    <dgm:fillClrLst meth="repeat">
+      <a:schemeClr val="accent1">
+        <a:tint val="60000"/>
+      </a:schemeClr>
+    </dgm:fillClrLst>
+    <dgm:linClrLst meth="repeat">
+      <a:schemeClr val="accent1">
+        <a:tint val="60000"/>
+      </a:schemeClr>
+    </dgm:linClrLst>
+    <dgm:effectClrLst/>
+    <dgm:txLinClrLst/>
+    <dgm:txFillClrLst/>
+    <dgm:txEffectClrLst/>
+  </dgm:styleLbl>
+  <dgm:styleLbl name="fgSibTrans2D1">
+    <dgm:fillClrLst meth="repeat">
+      <a:schemeClr val="accent1">
+        <a:tint val="60000"/>
+      </a:schemeClr>
+    </dgm:fillClrLst>
+    <dgm:linClrLst meth="repeat">
+      <a:schemeClr val="accent1">
+        <a:tint val="60000"/>
+      </a:schemeClr>
+    </dgm:linClrLst>
+    <dgm:effectClrLst/>
+    <dgm:txLinClrLst/>
+    <dgm:txFillClrLst/>
+    <dgm:txEffectClrLst/>
+  </dgm:styleLbl>
+  <dgm:styleLbl name="bgSibTrans2D1">
+    <dgm:fillClrLst meth="repeat">
+      <a:schemeClr val="accent1">
+        <a:tint val="60000"/>
+      </a:schemeClr>
+    </dgm:fillClrLst>
+    <dgm:linClrLst meth="repeat">
+      <a:schemeClr val="accent1">
+        <a:tint val="60000"/>
+      </a:schemeClr>
+    </dgm:linClrLst>
+    <dgm:effectClrLst/>
+    <dgm:txLinClrLst/>
+    <dgm:txFillClrLst/>
+    <dgm:txEffectClrLst/>
+  </dgm:styleLbl>
+  <dgm:styleLbl name="sibTrans1D1">
+    <dgm:fillClrLst meth="repeat">
+      <a:schemeClr val="accent1"/>
+    </dgm:fillClrLst>
+    <dgm:linClrLst meth="repeat">
+      <a:schemeClr val="accent1"/>
+    </dgm:linClrLst>
+    <dgm:effectClrLst/>
+    <dgm:txLinClrLst/>
+    <dgm:txFillClrLst meth="repeat">
+      <a:schemeClr val="tx1"/>
+    </dgm:txFillClrLst>
+    <dgm:txEffectClrLst/>
+  </dgm:styleLbl>
+  <dgm:styleLbl name="callout">
+    <dgm:fillClrLst meth="repeat">
+      <a:schemeClr val="accent1"/>
+    </dgm:fillClrLst>
+    <dgm:linClrLst meth="repeat">
+      <a:schemeClr val="accent1">
+        <a:tint val="50000"/>
+      </a:schemeClr>
+    </dgm:linClrLst>
+    <dgm:effectClrLst/>
+    <dgm:txLinClrLst/>
+    <dgm:txFillClrLst meth="repeat">
+      <a:schemeClr val="tx1"/>
+    </dgm:txFillClrLst>
+    <dgm:txEffectClrLst/>
+  </dgm:styleLbl>
+  <dgm:styleLbl name="asst0">
+    <dgm:fillClrLst meth="repeat">
+      <a:schemeClr val="accent1"/>
+    </dgm:fillClrLst>
+    <dgm:linClrLst meth="repeat">
+      <a:schemeClr val="lt1"/>
+    </dgm:linClrLst>
+    <dgm:effectClrLst/>
+    <dgm:txLinClrLst/>
+    <dgm:txFillClrLst/>
+    <dgm:txEffectClrLst/>
+  </dgm:styleLbl>
+  <dgm:styleLbl name="asst1">
+    <dgm:fillClrLst meth="repeat">
+      <a:schemeClr val="accent1"/>
+    </dgm:fillClrLst>
+    <dgm:linClrLst meth="repeat">
+      <a:schemeClr val="lt1"/>
+    </dgm:linClrLst>
+    <dgm:effectClrLst/>
+    <dgm:txLinClrLst/>
+    <dgm:txFillClrLst/>
+    <dgm:txEffectClrLst/>
+  </dgm:styleLbl>
+  <dgm:styleLbl name="asst2">
+    <dgm:fillClrLst meth="repeat">
+      <a:schemeClr val="accent1"/>
+    </dgm:fillClrLst>
+    <dgm:linClrLst meth="repeat">
+      <a:schemeClr val="lt1"/>
+    </dgm:linClrLst>
+    <dgm:effectClrLst/>
+    <dgm:txLinClrLst/>
+    <dgm:txFillClrLst/>
+    <dgm:txEffectClrLst/>
+  </dgm:styleLbl>
+  <dgm:styleLbl name="asst3">
+    <dgm:fillClrLst meth="repeat">
+      <a:schemeClr val="accent1"/>
+    </dgm:fillClrLst>
+    <dgm:linClrLst meth="repeat">
+      <a:schemeClr val="lt1"/>
+    </dgm:linClrLst>
+    <dgm:effectClrLst/>
+    <dgm:txLinClrLst/>
+    <dgm:txFillClrLst/>
+    <dgm:txEffectClrLst/>
+  </dgm:styleLbl>
+  <dgm:styleLbl name="asst4">
+    <dgm:fillClrLst meth="repeat">
+      <a:schemeClr val="accent1"/>
+    </dgm:fillClrLst>
+    <dgm:linClrLst meth="repeat">
+      <a:schemeClr val="lt1"/>
+    </dgm:linClrLst>
+    <dgm:effectClrLst/>
+    <dgm:txLinClrLst/>
+    <dgm:txFillClrLst/>
+    <dgm:txEffectClrLst/>
+  </dgm:styleLbl>
+  <dgm:styleLbl name="parChTrans2D1">
+    <dgm:fillClrLst meth="repeat">
+      <a:schemeClr val="accent1">
+        <a:tint val="60000"/>
+      </a:schemeClr>
+    </dgm:fillClrLst>
+    <dgm:linClrLst meth="repeat">
+      <a:schemeClr val="accent1">
+        <a:tint val="60000"/>
+      </a:schemeClr>
+    </dgm:linClrLst>
+    <dgm:effectClrLst/>
+    <dgm:txLinClrLst/>
+    <dgm:txFillClrLst meth="repeat">
+      <a:schemeClr val="lt1"/>
+    </dgm:txFillClrLst>
+    <dgm:txEffectClrLst/>
+  </dgm:styleLbl>
+  <dgm:styleLbl name="parChTrans2D2">
+    <dgm:fillClrLst meth="repeat">
+      <a:schemeClr val="accent1"/>
+    </dgm:fillClrLst>
+    <dgm:linClrLst meth="repeat">
+      <a:schemeClr val="accent1"/>
+    </dgm:linClrLst>
+    <dgm:effectClrLst/>
+    <dgm:txLinClrLst/>
+    <dgm:txFillClrLst meth="repeat">
+      <a:schemeClr val="lt1"/>
+    </dgm:txFillClrLst>
+    <dgm:txEffectClrLst/>
+  </dgm:styleLbl>
+  <dgm:styleLbl name="parChTrans2D3">
+    <dgm:fillClrLst meth="repeat">
+      <a:schemeClr val="accent1"/>
+    </dgm:fillClrLst>
+    <dgm:linClrLst meth="repeat">
+      <a:schemeClr val="accent1"/>
+    </dgm:linClrLst>
+    <dgm:effectClrLst/>
+    <dgm:txLinClrLst/>
+    <dgm:txFillClrLst meth="repeat">
+      <a:schemeClr val="lt1"/>
+    </dgm:txFillClrLst>
+    <dgm:txEffectClrLst/>
+  </dgm:styleLbl>
+  <dgm:styleLbl name="parChTrans2D4">
+    <dgm:fillClrLst meth="repeat">
+      <a:schemeClr val="accent1"/>
+    </dgm:fillClrLst>
+    <dgm:linClrLst meth="repeat">
+      <a:schemeClr val="accent1"/>
+    </dgm:linClrLst>
+    <dgm:effectClrLst/>
+    <dgm:txLinClrLst/>
+    <dgm:txFillClrLst meth="repeat">
+      <a:schemeClr val="lt1"/>
+    </dgm:txFillClrLst>
+    <dgm:txEffectClrLst/>
+  </dgm:styleLbl>
+  <dgm:styleLbl name="parChTrans1D1">
+    <dgm:fillClrLst meth="repeat">
+      <a:schemeClr val="accent1"/>
+    </dgm:fillClrLst>
+    <dgm:linClrLst meth="repeat">
+      <a:schemeClr val="accent1">
+        <a:shade val="60000"/>
+      </a:schemeClr>
+    </dgm:linClrLst>
+    <dgm:effectClrLst/>
+    <dgm:txLinClrLst/>
+    <dgm:txFillClrLst meth="repeat">
+      <a:schemeClr val="tx1"/>
+    </dgm:txFillClrLst>
+    <dgm:txEffectClrLst/>
+  </dgm:styleLbl>
+  <dgm:styleLbl name="parChTrans1D2">
+    <dgm:fillClrLst meth="repeat">
+      <a:schemeClr val="accent1"/>
+    </dgm:fillClrLst>
+    <dgm:linClrLst meth="repeat">
+      <a:schemeClr val="accent1">
+        <a:shade val="60000"/>
+      </a:schemeClr>
+    </dgm:linClrLst>
+    <dgm:effectClrLst/>
+    <dgm:txLinClrLst/>
+    <dgm:txFillClrLst meth="repeat">
+      <a:schemeClr val="tx1"/>
+    </dgm:txFillClrLst>
+    <dgm:txEffectClrLst/>
+  </dgm:styleLbl>
+  <dgm:styleLbl name="parChTrans1D3">
+    <dgm:fillClrLst meth="repeat">
+      <a:schemeClr val="accent1"/>
+    </dgm:fillClrLst>
+    <dgm:linClrLst meth="repeat">
+      <a:schemeClr val="accent1">
+        <a:shade val="80000"/>
+      </a:schemeClr>
+    </dgm:linClrLst>
+    <dgm:effectClrLst/>
+    <dgm:txLinClrLst/>
+    <dgm:txFillClrLst meth="repeat">
+      <a:schemeClr val="tx1"/>
+    </dgm:txFillClrLst>
+    <dgm:txEffectClrLst/>
+  </dgm:styleLbl>
+  <dgm:styleLbl name="parChTrans1D4">
+    <dgm:fillClrLst meth="repeat">
+      <a:schemeClr val="accent1"/>
+    </dgm:fillClrLst>
+    <dgm:linClrLst meth="repeat">
+      <a:schemeClr val="accent1">
+        <a:shade val="80000"/>
+      </a:schemeClr>
+    </dgm:linClrLst>
+    <dgm:effectClrLst/>
+    <dgm:txLinClrLst/>
+    <dgm:txFillClrLst meth="repeat">
+      <a:schemeClr val="tx1"/>
+    </dgm:txFillClrLst>
+    <dgm:txEffectClrLst/>
+  </dgm:styleLbl>
+  <dgm:styleLbl name="fgAcc1">
+    <dgm:fillClrLst meth="repeat">
+      <a:schemeClr val="lt1">
+        <a:alpha val="90000"/>
+      </a:schemeClr>
+    </dgm:fillClrLst>
+    <dgm:linClrLst meth="repeat">
+      <a:schemeClr val="accent1"/>
+    </dgm:linClrLst>
+    <dgm:effectClrLst/>
+    <dgm:txLinClrLst/>
+    <dgm:txFillClrLst meth="repeat">
+      <a:schemeClr val="dk1"/>
+    </dgm:txFillClrLst>
+    <dgm:txEffectClrLst/>
+  </dgm:styleLbl>
+  <dgm:styleLbl name="conFgAcc1">
+    <dgm:fillClrLst meth="repeat">
+      <a:schemeClr val="lt1">
+        <a:alpha val="90000"/>
+      </a:schemeClr>
+    </dgm:fillClrLst>
+    <dgm:linClrLst meth="repeat">
+      <a:schemeClr val="accent1"/>
+    </dgm:linClrLst>
+    <dgm:effectClrLst/>
+    <dgm:txLinClrLst/>
+    <dgm:txFillClrLst meth="repeat">
+      <a:schemeClr val="dk1"/>
+    </dgm:txFillClrLst>
+    <dgm:txEffectClrLst/>
+  </dgm:styleLbl>
+  <dgm:styleLbl name="alignAcc1">
+    <dgm:fillClrLst meth="repeat">
+      <a:schemeClr val="lt1">
+        <a:alpha val="90000"/>
+      </a:schemeClr>
+    </dgm:fillClrLst>
+    <dgm:linClrLst meth="repeat">
+      <a:schemeClr val="accent1"/>
+    </dgm:linClrLst>
+    <dgm:effectClrLst/>
+    <dgm:txLinClrLst/>
+    <dgm:txFillClrLst meth="repeat">
+      <a:schemeClr val="dk1"/>
+    </dgm:txFillClrLst>
+    <dgm:txEffectClrLst/>
+  </dgm:styleLbl>
+  <dgm:styleLbl name="trAlignAcc1">
+    <dgm:fillClrLst meth="repeat">
+      <a:schemeClr val="lt1">
+        <a:alpha val="40000"/>
+      </a:schemeClr>
+    </dgm:fillClrLst>
+    <dgm:linClrLst meth="repeat">
+      <a:schemeClr val="accent1"/>
+    </dgm:linClrLst>
+    <dgm:effectClrLst/>
+    <dgm:txLinClrLst/>
+    <dgm:txFillClrLst meth="repeat">
+      <a:schemeClr val="dk1"/>
+    </dgm:txFillClrLst>
+    <dgm:txEffectClrLst/>
+  </dgm:styleLbl>
+  <dgm:styleLbl name="bgAcc1">
+    <dgm:fillClrLst meth="repeat">
+      <a:schemeClr val="lt1">
+        <a:alpha val="90000"/>
+      </a:schemeClr>
+    </dgm:fillClrLst>
+    <dgm:linClrLst meth="repeat">
+      <a:schemeClr val="accent1"/>
+    </dgm:linClrLst>
+    <dgm:effectClrLst/>
+    <dgm:txLinClrLst/>
+    <dgm:txFillClrLst meth="repeat">
+      <a:schemeClr val="dk1"/>
+    </dgm:txFillClrLst>
+    <dgm:txEffectClrLst/>
+  </dgm:styleLbl>
+  <dgm:styleLbl name="solidFgAcc1">
+    <dgm:fillClrLst meth="repeat">
+      <a:schemeClr val="lt1"/>
+    </dgm:fillClrLst>
+    <dgm:linClrLst meth="repeat">
+      <a:schemeClr val="accent1"/>
+    </dgm:linClrLst>
+    <dgm:effectClrLst/>
+    <dgm:txLinClrLst/>
+    <dgm:txFillClrLst meth="repeat">
+      <a:schemeClr val="dk1"/>
+    </dgm:txFillClrLst>
+    <dgm:txEffectClrLst/>
+  </dgm:styleLbl>
+  <dgm:styleLbl name="solidAlignAcc1">
+    <dgm:fillClrLst meth="repeat">
+      <a:schemeClr val="lt1"/>
+    </dgm:fillClrLst>
+    <dgm:linClrLst meth="repeat">
+      <a:schemeClr val="accent1"/>
+    </dgm:linClrLst>
+    <dgm:effectClrLst/>
+    <dgm:txLinClrLst/>
+    <dgm:txFillClrLst meth="repeat">
+      <a:schemeClr val="dk1"/>
+    </dgm:txFillClrLst>
+    <dgm:txEffectClrLst/>
+  </dgm:styleLbl>
+  <dgm:styleLbl name="solidBgAcc1">
+    <dgm:fillClrLst meth="repeat">
+      <a:schemeClr val="lt1"/>
+    </dgm:fillClrLst>
+    <dgm:linClrLst meth="repeat">
+      <a:schemeClr val="accent1"/>
+    </dgm:linClrLst>
+    <dgm:effectClrLst/>
+    <dgm:txLinClrLst/>
+    <dgm:txFillClrLst meth="repeat">
+      <a:schemeClr val="dk1"/>
+    </dgm:txFillClrLst>
+    <dgm:txEffectClrLst/>
+  </dgm:styleLbl>
+  <dgm:styleLbl name="fgAccFollowNode1">
+    <dgm:fillClrLst meth="repeat">
+      <a:schemeClr val="accent1">
+        <a:alpha val="90000"/>
+        <a:tint val="40000"/>
+      </a:schemeClr>
+    </dgm:fillClrLst>
+    <dgm:linClrLst meth="repeat">
+      <a:schemeClr val="accent1">
+        <a:alpha val="90000"/>
+        <a:tint val="40000"/>
+      </a:schemeClr>
+    </dgm:linClrLst>
+    <dgm:effectClrLst/>
+    <dgm:txLinClrLst/>
+    <dgm:txFillClrLst meth="repeat">
+      <a:schemeClr val="dk1"/>
+    </dgm:txFillClrLst>
+    <dgm:txEffectClrLst/>
+  </dgm:styleLbl>
+  <dgm:styleLbl name="alignAccFollowNode1">
+    <dgm:fillClrLst meth="repeat">
+      <a:schemeClr val="accent1">
+        <a:alpha val="90000"/>
+        <a:tint val="40000"/>
+      </a:schemeClr>
+    </dgm:fillClrLst>
+    <dgm:linClrLst meth="repeat">
+      <a:schemeClr val="accent1">
+        <a:alpha val="90000"/>
+        <a:tint val="40000"/>
+      </a:schemeClr>
+    </dgm:linClrLst>
+    <dgm:effectClrLst/>
+    <dgm:txLinClrLst/>
+    <dgm:txFillClrLst meth="repeat">
+      <a:schemeClr val="dk1"/>
+    </dgm:txFillClrLst>
+    <dgm:txEffectClrLst/>
+  </dgm:styleLbl>
+  <dgm:styleLbl name="bgAccFollowNode1">
+    <dgm:fillClrLst meth="repeat">
+      <a:schemeClr val="bg1">
+        <a:lumMod val="95000"/>
+      </a:schemeClr>
+    </dgm:fillClrLst>
+    <dgm:linClrLst>
+      <a:schemeClr val="bg1">
+        <a:lumMod val="95000"/>
+      </a:schemeClr>
+    </dgm:linClrLst>
+    <dgm:effectClrLst/>
+    <dgm:txLinClrLst/>
+    <dgm:txFillClrLst meth="repeat">
+      <a:schemeClr val="tx1">
+        <a:lumMod val="75000"/>
+        <a:lumOff val="25000"/>
+      </a:schemeClr>
+    </dgm:txFillClrLst>
+    <dgm:txEffectClrLst/>
+  </dgm:styleLbl>
+  <dgm:styleLbl name="fgAcc0">
+    <dgm:fillClrLst meth="repeat">
+      <a:schemeClr val="lt1">
+        <a:alpha val="90000"/>
+      </a:schemeClr>
+    </dgm:fillClrLst>
+    <dgm:linClrLst meth="repeat">
+      <a:schemeClr val="accent1"/>
+    </dgm:linClrLst>
+    <dgm:effectClrLst/>
+    <dgm:txLinClrLst/>
+    <dgm:txFillClrLst meth="repeat">
+      <a:schemeClr val="dk1"/>
+    </dgm:txFillClrLst>
+    <dgm:txEffectClrLst/>
+  </dgm:styleLbl>
+  <dgm:styleLbl name="fgAcc2">
+    <dgm:fillClrLst meth="repeat">
+      <a:schemeClr val="lt1">
+        <a:alpha val="90000"/>
+      </a:schemeClr>
+    </dgm:fillClrLst>
+    <dgm:linClrLst meth="repeat">
+      <a:schemeClr val="accent1"/>
+    </dgm:linClrLst>
+    <dgm:effectClrLst/>
+    <dgm:txLinClrLst/>
+    <dgm:txFillClrLst meth="repeat">
+      <a:schemeClr val="dk1"/>
+    </dgm:txFillClrLst>
+    <dgm:txEffectClrLst/>
+  </dgm:styleLbl>
+  <dgm:styleLbl name="fgAcc3">
+    <dgm:fillClrLst meth="repeat">
+      <a:schemeClr val="lt1">
+        <a:alpha val="90000"/>
+      </a:schemeClr>
+    </dgm:fillClrLst>
+    <dgm:linClrLst meth="repeat">
+      <a:schemeClr val="accent1"/>
+    </dgm:linClrLst>
+    <dgm:effectClrLst/>
+    <dgm:txLinClrLst/>
+    <dgm:txFillClrLst meth="repeat">
+      <a:schemeClr val="dk1"/>
+    </dgm:txFillClrLst>
+    <dgm:txEffectClrLst/>
+  </dgm:styleLbl>
+  <dgm:styleLbl name="fgAcc4">
+    <dgm:fillClrLst meth="repeat">
+      <a:schemeClr val="lt1">
+        <a:alpha val="90000"/>
+      </a:schemeClr>
+    </dgm:fillClrLst>
+    <dgm:linClrLst meth="repeat">
+      <a:schemeClr val="accent1"/>
+    </dgm:linClrLst>
+    <dgm:effectClrLst/>
+    <dgm:txLinClrLst/>
+    <dgm:txFillClrLst meth="repeat">
+      <a:schemeClr val="dk1"/>
+    </dgm:txFillClrLst>
+    <dgm:txEffectClrLst/>
+  </dgm:styleLbl>
+  <dgm:styleLbl name="bgShp">
+    <dgm:fillClrLst meth="repeat">
+      <a:schemeClr val="accent1">
+        <a:tint val="40000"/>
+      </a:schemeClr>
+    </dgm:fillClrLst>
+    <dgm:linClrLst meth="repeat">
+      <a:schemeClr val="accent1"/>
+    </dgm:linClrLst>
+    <dgm:effectClrLst/>
+    <dgm:txLinClrLst/>
+    <dgm:txFillClrLst meth="repeat">
+      <a:schemeClr val="dk1"/>
+    </dgm:txFillClrLst>
+    <dgm:txEffectClrLst/>
+  </dgm:styleLbl>
+  <dgm:styleLbl name="dkBgShp">
+    <dgm:fillClrLst meth="repeat">
+      <a:schemeClr val="accent1">
+        <a:shade val="80000"/>
+      </a:schemeClr>
+    </dgm:fillClrLst>
+    <dgm:linClrLst meth="repeat">
+      <a:schemeClr val="accent1"/>
+    </dgm:linClrLst>
+    <dgm:effectClrLst/>
+    <dgm:txLinClrLst/>
+    <dgm:txFillClrLst meth="repeat">
+      <a:schemeClr val="lt1"/>
+    </dgm:txFillClrLst>
+    <dgm:txEffectClrLst/>
+  </dgm:styleLbl>
+  <dgm:styleLbl name="trBgShp">
+    <dgm:fillClrLst meth="repeat">
+      <a:schemeClr val="accent1">
+        <a:tint val="50000"/>
+        <a:alpha val="40000"/>
+      </a:schemeClr>
+    </dgm:fillClrLst>
+    <dgm:linClrLst meth="repeat">
+      <a:schemeClr val="accent1"/>
+    </dgm:linClrLst>
+    <dgm:effectClrLst/>
+    <dgm:txLinClrLst/>
+    <dgm:txFillClrLst meth="repeat">
+      <a:schemeClr val="lt1"/>
+    </dgm:txFillClrLst>
+    <dgm:txEffectClrLst/>
+  </dgm:styleLbl>
+  <dgm:styleLbl name="fgShp">
+    <dgm:fillClrLst meth="repeat">
+      <a:schemeClr val="accent1">
+        <a:tint val="60000"/>
+      </a:schemeClr>
+    </dgm:fillClrLst>
+    <dgm:linClrLst meth="repeat">
+      <a:schemeClr val="lt1"/>
+    </dgm:linClrLst>
+    <dgm:effectClrLst/>
+    <dgm:txLinClrLst/>
+    <dgm:txFillClrLst meth="repeat">
+      <a:schemeClr val="dk1"/>
+    </dgm:txFillClrLst>
+    <dgm:txEffectClrLst/>
+  </dgm:styleLbl>
+  <dgm:styleLbl name="revTx">
+    <dgm:fillClrLst meth="repeat">
+      <a:schemeClr val="lt1">
+        <a:alpha val="0"/>
+      </a:schemeClr>
+    </dgm:fillClrLst>
+    <dgm:linClrLst meth="repeat">
+      <a:schemeClr val="dk1">
+        <a:alpha val="0"/>
+      </a:schemeClr>
+    </dgm:linClrLst>
+    <dgm:effectClrLst/>
+    <dgm:txLinClrLst/>
+    <dgm:txFillClrLst meth="repeat">
+      <a:schemeClr val="tx1"/>
+    </dgm:txFillClrLst>
+    <dgm:txEffectClrLst/>
+  </dgm:styleLbl>
+</dgm:colorsDef>
+</file>
+
+<file path=ppt/diagrams/colors2.xml><?xml version="1.0" encoding="utf-8"?>
+<dgm:colorsDef xmlns:dgm="http://schemas.openxmlformats.org/drawingml/2006/diagram" xmlns:a="http://schemas.openxmlformats.org/drawingml/2006/main" uniqueId="urn:microsoft.com/office/officeart/2005/8/colors/ColorSchemeForSuggestions">
+  <dgm:title val="Color Scheme for Suggestions"/>
+  <dgm:desc val="Color Scheme for Suggestions"/>
+  <dgm:catLst>
+    <dgm:cat type="Other" pri="2"/>
+  </dgm:catLst>
+  <dgm:styleLbl name="node0">
+    <dgm:fillClrLst meth="repeat">
+      <a:schemeClr val="accent1"/>
+    </dgm:fillClrLst>
+    <dgm:linClrLst meth="repeat">
+      <a:schemeClr val="lt1"/>
+    </dgm:linClrLst>
+    <dgm:effectClrLst/>
+    <dgm:txLinClrLst/>
+    <dgm:txFillClrLst/>
+    <dgm:txEffectClrLst/>
+  </dgm:styleLbl>
+  <dgm:styleLbl name="alignNode1">
+    <dgm:fillClrLst meth="repeat">
+      <a:schemeClr val="accent1"/>
+    </dgm:fillClrLst>
+    <dgm:linClrLst meth="repeat">
+      <a:schemeClr val="accent1"/>
+    </dgm:linClrLst>
+    <dgm:effectClrLst/>
+    <dgm:txLinClrLst/>
+    <dgm:txFillClrLst/>
+    <dgm:txEffectClrLst/>
+  </dgm:styleLbl>
+  <dgm:styleLbl name="node1">
+    <dgm:fillClrLst meth="repeat">
+      <a:schemeClr val="accent1"/>
+    </dgm:fillClrLst>
+    <dgm:linClrLst meth="repeat">
+      <a:schemeClr val="lt1"/>
+    </dgm:linClrLst>
+    <dgm:effectClrLst/>
+    <dgm:txLinClrLst/>
+    <dgm:txFillClrLst/>
+    <dgm:txEffectClrLst/>
+  </dgm:styleLbl>
+  <dgm:styleLbl name="lnNode1">
+    <dgm:fillClrLst meth="repeat">
+      <a:schemeClr val="accent1"/>
+    </dgm:fillClrLst>
+    <dgm:linClrLst meth="repeat">
+      <a:schemeClr val="lt1"/>
+    </dgm:linClrLst>
+    <dgm:effectClrLst/>
+    <dgm:txLinClrLst/>
+    <dgm:txFillClrLst/>
+    <dgm:txEffectClrLst/>
+  </dgm:styleLbl>
+  <dgm:styleLbl name="vennNode1">
+    <dgm:fillClrLst meth="repeat">
+      <a:schemeClr val="accent1">
+        <a:alpha val="50000"/>
+      </a:schemeClr>
+    </dgm:fillClrLst>
+    <dgm:linClrLst meth="repeat">
+      <a:schemeClr val="lt1"/>
+    </dgm:linClrLst>
+    <dgm:effectClrLst/>
+    <dgm:txLinClrLst/>
+    <dgm:txFillClrLst/>
+    <dgm:txEffectClrLst/>
+  </dgm:styleLbl>
+  <dgm:styleLbl name="node2">
+    <dgm:fillClrLst meth="repeat">
+      <a:schemeClr val="accent1"/>
+    </dgm:fillClrLst>
+    <dgm:linClrLst meth="repeat">
+      <a:schemeClr val="lt1"/>
+    </dgm:linClrLst>
+    <dgm:effectClrLst/>
+    <dgm:txLinClrLst/>
+    <dgm:txFillClrLst/>
+    <dgm:txEffectClrLst/>
+  </dgm:styleLbl>
+  <dgm:styleLbl name="node3">
+    <dgm:fillClrLst meth="repeat">
+      <a:schemeClr val="accent1"/>
+    </dgm:fillClrLst>
+    <dgm:linClrLst meth="repeat">
+      <a:schemeClr val="lt1"/>
+    </dgm:linClrLst>
+    <dgm:effectClrLst/>
+    <dgm:txLinClrLst/>
+    <dgm:txFillClrLst/>
+    <dgm:txEffectClrLst/>
+  </dgm:styleLbl>
+  <dgm:styleLbl name="node4">
+    <dgm:fillClrLst meth="repeat">
+      <a:schemeClr val="accent1"/>
+    </dgm:fillClrLst>
+    <dgm:linClrLst meth="repeat">
+      <a:schemeClr val="lt1"/>
+    </dgm:linClrLst>
+    <dgm:effectClrLst/>
+    <dgm:txLinClrLst/>
+    <dgm:txFillClrLst/>
+    <dgm:txEffectClrLst/>
+  </dgm:styleLbl>
+  <dgm:styleLbl name="fgImgPlace1">
+    <dgm:fillClrLst meth="repeat">
+      <a:schemeClr val="accent1">
+        <a:tint val="50000"/>
+      </a:schemeClr>
+    </dgm:fillClrLst>
+    <dgm:linClrLst meth="repeat">
+      <a:schemeClr val="lt1"/>
+    </dgm:linClrLst>
+    <dgm:effectClrLst/>
+    <dgm:txLinClrLst/>
+    <dgm:txFillClrLst meth="repeat">
+      <a:schemeClr val="lt1"/>
+    </dgm:txFillClrLst>
+    <dgm:txEffectClrLst/>
+  </dgm:styleLbl>
+  <dgm:styleLbl name="alignImgPlace1">
+    <dgm:fillClrLst meth="repeat">
+      <a:schemeClr val="accent1">
+        <a:tint val="50000"/>
+      </a:schemeClr>
+    </dgm:fillClrLst>
+    <dgm:linClrLst meth="repeat">
+      <a:schemeClr val="lt1"/>
+    </dgm:linClrLst>
+    <dgm:effectClrLst/>
+    <dgm:txLinClrLst/>
+    <dgm:txFillClrLst meth="repeat">
+      <a:schemeClr val="lt1"/>
+    </dgm:txFillClrLst>
+    <dgm:txEffectClrLst/>
+  </dgm:styleLbl>
+  <dgm:styleLbl name="bgImgPlace1">
+    <dgm:fillClrLst meth="repeat">
+      <a:schemeClr val="accent1">
+        <a:tint val="50000"/>
+      </a:schemeClr>
+    </dgm:fillClrLst>
+    <dgm:linClrLst meth="repeat">
+      <a:schemeClr val="lt1"/>
+    </dgm:linClrLst>
+    <dgm:effectClrLst/>
+    <dgm:txLinClrLst/>
+    <dgm:txFillClrLst meth="repeat">
+      <a:schemeClr val="lt1"/>
+    </dgm:txFillClrLst>
+    <dgm:txEffectClrLst/>
+  </dgm:styleLbl>
+  <dgm:styleLbl name="sibTrans2D1">
+    <dgm:fillClrLst meth="repeat">
+      <a:schemeClr val="accent1">
+        <a:tint val="60000"/>
+      </a:schemeClr>
+    </dgm:fillClrLst>
+    <dgm:linClrLst meth="repeat">
+      <a:schemeClr val="accent1">
+        <a:tint val="60000"/>
+      </a:schemeClr>
+    </dgm:linClrLst>
+    <dgm:effectClrLst/>
+    <dgm:txLinClrLst/>
+    <dgm:txFillClrLst/>
+    <dgm:txEffectClrLst/>
+  </dgm:styleLbl>
+  <dgm:styleLbl name="fgSibTrans2D1">
+    <dgm:fillClrLst meth="repeat">
+      <a:schemeClr val="accent1">
+        <a:tint val="60000"/>
+      </a:schemeClr>
+    </dgm:fillClrLst>
+    <dgm:linClrLst meth="repeat">
+      <a:schemeClr val="accent1">
+        <a:tint val="60000"/>
+      </a:schemeClr>
+    </dgm:linClrLst>
+    <dgm:effectClrLst/>
+    <dgm:txLinClrLst/>
+    <dgm:txFillClrLst/>
+    <dgm:txEffectClrLst/>
+  </dgm:styleLbl>
+  <dgm:styleLbl name="bgSibTrans2D1">
+    <dgm:fillClrLst meth="repeat">
+      <a:schemeClr val="accent1">
+        <a:tint val="60000"/>
+      </a:schemeClr>
+    </dgm:fillClrLst>
+    <dgm:linClrLst meth="repeat">
+      <a:schemeClr val="accent1">
+        <a:tint val="60000"/>
+      </a:schemeClr>
+    </dgm:linClrLst>
+    <dgm:effectClrLst/>
+    <dgm:txLinClrLst/>
+    <dgm:txFillClrLst/>
+    <dgm:txEffectClrLst/>
+  </dgm:styleLbl>
+  <dgm:styleLbl name="sibTrans1D1">
+    <dgm:fillClrLst meth="repeat">
+      <a:schemeClr val="accent1"/>
+    </dgm:fillClrLst>
+    <dgm:linClrLst meth="repeat">
+      <a:schemeClr val="accent1"/>
+    </dgm:linClrLst>
+    <dgm:effectClrLst/>
+    <dgm:txLinClrLst/>
+    <dgm:txFillClrLst meth="repeat">
+      <a:schemeClr val="tx1"/>
+    </dgm:txFillClrLst>
+    <dgm:txEffectClrLst/>
+  </dgm:styleLbl>
+  <dgm:styleLbl name="callout">
+    <dgm:fillClrLst meth="repeat">
+      <a:schemeClr val="accent1"/>
+    </dgm:fillClrLst>
+    <dgm:linClrLst meth="repeat">
+      <a:schemeClr val="accent1">
+        <a:tint val="50000"/>
+      </a:schemeClr>
+    </dgm:linClrLst>
+    <dgm:effectClrLst/>
+    <dgm:txLinClrLst/>
+    <dgm:txFillClrLst meth="repeat">
+      <a:schemeClr val="tx1"/>
+    </dgm:txFillClrLst>
+    <dgm:txEffectClrLst/>
+  </dgm:styleLbl>
+  <dgm:styleLbl name="asst0">
+    <dgm:fillClrLst meth="repeat">
+      <a:schemeClr val="accent1"/>
+    </dgm:fillClrLst>
+    <dgm:linClrLst meth="repeat">
+      <a:schemeClr val="lt1"/>
+    </dgm:linClrLst>
+    <dgm:effectClrLst/>
+    <dgm:txLinClrLst/>
+    <dgm:txFillClrLst/>
+    <dgm:txEffectClrLst/>
+  </dgm:styleLbl>
+  <dgm:styleLbl name="asst1">
+    <dgm:fillClrLst meth="repeat">
+      <a:schemeClr val="accent1"/>
+    </dgm:fillClrLst>
+    <dgm:linClrLst meth="repeat">
+      <a:schemeClr val="lt1"/>
+    </dgm:linClrLst>
+    <dgm:effectClrLst/>
+    <dgm:txLinClrLst/>
+    <dgm:txFillClrLst/>
+    <dgm:txEffectClrLst/>
+  </dgm:styleLbl>
+  <dgm:styleLbl name="asst2">
+    <dgm:fillClrLst meth="repeat">
+      <a:schemeClr val="accent1"/>
+    </dgm:fillClrLst>
+    <dgm:linClrLst meth="repeat">
+      <a:schemeClr val="lt1"/>
+    </dgm:linClrLst>
+    <dgm:effectClrLst/>
+    <dgm:txLinClrLst/>
+    <dgm:txFillClrLst/>
+    <dgm:txEffectClrLst/>
+  </dgm:styleLbl>
+  <dgm:styleLbl name="asst3">
+    <dgm:fillClrLst meth="repeat">
+      <a:schemeClr val="accent1"/>
+    </dgm:fillClrLst>
+    <dgm:linClrLst meth="repeat">
+      <a:schemeClr val="lt1"/>
+    </dgm:linClrLst>
+    <dgm:effectClrLst/>
+    <dgm:txLinClrLst/>
+    <dgm:txFillClrLst/>
+    <dgm:txEffectClrLst/>
+  </dgm:styleLbl>
+  <dgm:styleLbl name="asst4">
+    <dgm:fillClrLst meth="repeat">
+      <a:schemeClr val="accent1"/>
+    </dgm:fillClrLst>
+    <dgm:linClrLst meth="repeat">
+      <a:schemeClr val="lt1"/>
+    </dgm:linClrLst>
+    <dgm:effectClrLst/>
+    <dgm:txLinClrLst/>
+    <dgm:txFillClrLst/>
+    <dgm:txEffectClrLst/>
+  </dgm:styleLbl>
+  <dgm:styleLbl name="parChTrans2D1">
+    <dgm:fillClrLst meth="repeat">
+      <a:schemeClr val="accent1">
+        <a:tint val="60000"/>
+      </a:schemeClr>
+    </dgm:fillClrLst>
+    <dgm:linClrLst meth="repeat">
+      <a:schemeClr val="accent1">
+        <a:tint val="60000"/>
+      </a:schemeClr>
+    </dgm:linClrLst>
+    <dgm:effectClrLst/>
+    <dgm:txLinClrLst/>
+    <dgm:txFillClrLst meth="repeat">
+      <a:schemeClr val="lt1"/>
+    </dgm:txFillClrLst>
+    <dgm:txEffectClrLst/>
+  </dgm:styleLbl>
+  <dgm:styleLbl name="parChTrans2D2">
+    <dgm:fillClrLst meth="repeat">
+      <a:schemeClr val="accent1"/>
+    </dgm:fillClrLst>
+    <dgm:linClrLst meth="repeat">
+      <a:schemeClr val="accent1"/>
+    </dgm:linClrLst>
+    <dgm:effectClrLst/>
+    <dgm:txLinClrLst/>
+    <dgm:txFillClrLst meth="repeat">
+      <a:schemeClr val="lt1"/>
+    </dgm:txFillClrLst>
+    <dgm:txEffectClrLst/>
+  </dgm:styleLbl>
+  <dgm:styleLbl name="parChTrans2D3">
+    <dgm:fillClrLst meth="repeat">
+      <a:schemeClr val="accent1"/>
+    </dgm:fillClrLst>
+    <dgm:linClrLst meth="repeat">
+      <a:schemeClr val="accent1"/>
+    </dgm:linClrLst>
+    <dgm:effectClrLst/>
+    <dgm:txLinClrLst/>
+    <dgm:txFillClrLst meth="repeat">
+      <a:schemeClr val="lt1"/>
+    </dgm:txFillClrLst>
+    <dgm:txEffectClrLst/>
+  </dgm:styleLbl>
+  <dgm:styleLbl name="parChTrans2D4">
+    <dgm:fillClrLst meth="repeat">
+      <a:schemeClr val="accent1"/>
+    </dgm:fillClrLst>
+    <dgm:linClrLst meth="repeat">
+      <a:schemeClr val="accent1"/>
+    </dgm:linClrLst>
+    <dgm:effectClrLst/>
+    <dgm:txLinClrLst/>
+    <dgm:txFillClrLst meth="repeat">
+      <a:schemeClr val="lt1"/>
+    </dgm:txFillClrLst>
+    <dgm:txEffectClrLst/>
+  </dgm:styleLbl>
+  <dgm:styleLbl name="parChTrans1D1">
+    <dgm:fillClrLst meth="repeat">
+      <a:schemeClr val="accent1"/>
+    </dgm:fillClrLst>
+    <dgm:linClrLst meth="repeat">
+      <a:schemeClr val="accent1">
+        <a:shade val="60000"/>
+      </a:schemeClr>
+    </dgm:linClrLst>
+    <dgm:effectClrLst/>
+    <dgm:txLinClrLst/>
+    <dgm:txFillClrLst meth="repeat">
+      <a:schemeClr val="tx1"/>
+    </dgm:txFillClrLst>
+    <dgm:txEffectClrLst/>
+  </dgm:styleLbl>
+  <dgm:styleLbl name="parChTrans1D2">
+    <dgm:fillClrLst meth="repeat">
+      <a:schemeClr val="accent1"/>
+    </dgm:fillClrLst>
+    <dgm:linClrLst meth="repeat">
+      <a:schemeClr val="accent1">
+        <a:shade val="60000"/>
+      </a:schemeClr>
+    </dgm:linClrLst>
+    <dgm:effectClrLst/>
+    <dgm:txLinClrLst/>
+    <dgm:txFillClrLst meth="repeat">
+      <a:schemeClr val="tx1"/>
+    </dgm:txFillClrLst>
+    <dgm:txEffectClrLst/>
+  </dgm:styleLbl>
+  <dgm:styleLbl name="parChTrans1D3">
+    <dgm:fillClrLst meth="repeat">
+      <a:schemeClr val="accent1"/>
+    </dgm:fillClrLst>
+    <dgm:linClrLst meth="repeat">
+      <a:schemeClr val="accent1">
+        <a:shade val="80000"/>
+      </a:schemeClr>
+    </dgm:linClrLst>
+    <dgm:effectClrLst/>
+    <dgm:txLinClrLst/>
+    <dgm:txFillClrLst meth="repeat">
+      <a:schemeClr val="tx1"/>
+    </dgm:txFillClrLst>
+    <dgm:txEffectClrLst/>
+  </dgm:styleLbl>
+  <dgm:styleLbl name="parChTrans1D4">
+    <dgm:fillClrLst meth="repeat">
+      <a:schemeClr val="accent1"/>
+    </dgm:fillClrLst>
+    <dgm:linClrLst meth="repeat">
+      <a:schemeClr val="accent1">
+        <a:shade val="80000"/>
+      </a:schemeClr>
+    </dgm:linClrLst>
+    <dgm:effectClrLst/>
+    <dgm:txLinClrLst/>
+    <dgm:txFillClrLst meth="repeat">
+      <a:schemeClr val="tx1"/>
+    </dgm:txFillClrLst>
+    <dgm:txEffectClrLst/>
+  </dgm:styleLbl>
+  <dgm:styleLbl name="fgAcc1">
+    <dgm:fillClrLst meth="repeat">
+      <a:schemeClr val="lt1">
+        <a:alpha val="90000"/>
+      </a:schemeClr>
+    </dgm:fillClrLst>
+    <dgm:linClrLst meth="repeat">
+      <a:schemeClr val="accent1"/>
+    </dgm:linClrLst>
+    <dgm:effectClrLst/>
+    <dgm:txLinClrLst/>
+    <dgm:txFillClrLst meth="repeat">
+      <a:schemeClr val="dk1"/>
+    </dgm:txFillClrLst>
+    <dgm:txEffectClrLst/>
+  </dgm:styleLbl>
+  <dgm:styleLbl name="conFgAcc1">
+    <dgm:fillClrLst meth="repeat">
+      <a:schemeClr val="lt1">
+        <a:alpha val="90000"/>
+      </a:schemeClr>
+    </dgm:fillClrLst>
+    <dgm:linClrLst meth="repeat">
+      <a:schemeClr val="accent1"/>
+    </dgm:linClrLst>
+    <dgm:effectClrLst/>
+    <dgm:txLinClrLst/>
+    <dgm:txFillClrLst meth="repeat">
+      <a:schemeClr val="dk1"/>
+    </dgm:txFillClrLst>
+    <dgm:txEffectClrLst/>
+  </dgm:styleLbl>
+  <dgm:styleLbl name="alignAcc1">
+    <dgm:fillClrLst meth="repeat">
+      <a:schemeClr val="lt1">
+        <a:alpha val="90000"/>
+      </a:schemeClr>
+    </dgm:fillClrLst>
+    <dgm:linClrLst meth="repeat">
+      <a:schemeClr val="accent1"/>
+    </dgm:linClrLst>
+    <dgm:effectClrLst/>
+    <dgm:txLinClrLst/>
+    <dgm:txFillClrLst meth="repeat">
+      <a:schemeClr val="dk1"/>
+    </dgm:txFillClrLst>
+    <dgm:txEffectClrLst/>
+  </dgm:styleLbl>
+  <dgm:styleLbl name="trAlignAcc1">
+    <dgm:fillClrLst meth="repeat">
+      <a:schemeClr val="lt1">
+        <a:alpha val="40000"/>
+      </a:schemeClr>
+    </dgm:fillClrLst>
+    <dgm:linClrLst meth="repeat">
+      <a:schemeClr val="accent1"/>
+    </dgm:linClrLst>
+    <dgm:effectClrLst/>
+    <dgm:txLinClrLst/>
+    <dgm:txFillClrLst meth="repeat">
+      <a:schemeClr val="dk1"/>
+    </dgm:txFillClrLst>
+    <dgm:txEffectClrLst/>
+  </dgm:styleLbl>
+  <dgm:styleLbl name="bgAcc1">
+    <dgm:fillClrLst meth="repeat">
+      <a:schemeClr val="lt1">
+        <a:alpha val="90000"/>
+      </a:schemeClr>
+    </dgm:fillClrLst>
+    <dgm:linClrLst meth="repeat">
+      <a:schemeClr val="accent1"/>
+    </dgm:linClrLst>
+    <dgm:effectClrLst/>
+    <dgm:txLinClrLst/>
+    <dgm:txFillClrLst meth="repeat">
+      <a:schemeClr val="dk1"/>
+    </dgm:txFillClrLst>
+    <dgm:txEffectClrLst/>
+  </dgm:styleLbl>
+  <dgm:styleLbl name="solidFgAcc1">
+    <dgm:fillClrLst meth="repeat">
+      <a:schemeClr val="lt1"/>
+    </dgm:fillClrLst>
+    <dgm:linClrLst meth="repeat">
+      <a:schemeClr val="accent1"/>
+    </dgm:linClrLst>
+    <dgm:effectClrLst/>
+    <dgm:txLinClrLst/>
+    <dgm:txFillClrLst meth="repeat">
+      <a:schemeClr val="dk1"/>
+    </dgm:txFillClrLst>
+    <dgm:txEffectClrLst/>
+  </dgm:styleLbl>
+  <dgm:styleLbl name="solidAlignAcc1">
+    <dgm:fillClrLst meth="repeat">
+      <a:schemeClr val="lt1"/>
+    </dgm:fillClrLst>
+    <dgm:linClrLst meth="repeat">
+      <a:schemeClr val="accent1"/>
+    </dgm:linClrLst>
+    <dgm:effectClrLst/>
+    <dgm:txLinClrLst/>
+    <dgm:txFillClrLst meth="repeat">
+      <a:schemeClr val="dk1"/>
+    </dgm:txFillClrLst>
+    <dgm:txEffectClrLst/>
+  </dgm:styleLbl>
+  <dgm:styleLbl name="solidBgAcc1">
+    <dgm:fillClrLst meth="repeat">
+      <a:schemeClr val="lt1"/>
+    </dgm:fillClrLst>
+    <dgm:linClrLst meth="repeat">
+      <a:schemeClr val="accent1"/>
+    </dgm:linClrLst>
+    <dgm:effectClrLst/>
+    <dgm:txLinClrLst/>
+    <dgm:txFillClrLst meth="repeat">
+      <a:schemeClr val="dk1"/>
+    </dgm:txFillClrLst>
+    <dgm:txEffectClrLst/>
+  </dgm:styleLbl>
+  <dgm:styleLbl name="fgAccFollowNode1">
+    <dgm:fillClrLst meth="repeat">
+      <a:schemeClr val="accent1">
+        <a:alpha val="90000"/>
+        <a:tint val="40000"/>
+      </a:schemeClr>
+    </dgm:fillClrLst>
+    <dgm:linClrLst meth="repeat">
+      <a:schemeClr val="accent1">
+        <a:alpha val="90000"/>
+        <a:tint val="40000"/>
+      </a:schemeClr>
+    </dgm:linClrLst>
+    <dgm:effectClrLst/>
+    <dgm:txLinClrLst/>
+    <dgm:txFillClrLst meth="repeat">
+      <a:schemeClr val="dk1"/>
+    </dgm:txFillClrLst>
+    <dgm:txEffectClrLst/>
+  </dgm:styleLbl>
+  <dgm:styleLbl name="alignAccFollowNode1">
+    <dgm:fillClrLst meth="repeat">
+      <a:schemeClr val="accent1">
+        <a:alpha val="90000"/>
+        <a:tint val="40000"/>
+      </a:schemeClr>
+    </dgm:fillClrLst>
+    <dgm:linClrLst meth="repeat">
+      <a:schemeClr val="accent1">
+        <a:alpha val="90000"/>
+        <a:tint val="40000"/>
+      </a:schemeClr>
+    </dgm:linClrLst>
+    <dgm:effectClrLst/>
+    <dgm:txLinClrLst/>
+    <dgm:txFillClrLst meth="repeat">
+      <a:schemeClr val="dk1"/>
+    </dgm:txFillClrLst>
+    <dgm:txEffectClrLst/>
+  </dgm:styleLbl>
+  <dgm:styleLbl name="bgAccFollowNode1">
+    <dgm:fillClrLst meth="repeat">
+      <a:schemeClr val="bg1">
+        <a:lumMod val="95000"/>
+      </a:schemeClr>
+    </dgm:fillClrLst>
+    <dgm:linClrLst>
+      <a:schemeClr val="bg1">
+        <a:lumMod val="95000"/>
+      </a:schemeClr>
+    </dgm:linClrLst>
+    <dgm:effectClrLst/>
+    <dgm:txLinClrLst/>
+    <dgm:txFillClrLst meth="repeat">
+      <a:schemeClr val="tx1">
+        <a:lumMod val="75000"/>
+        <a:lumOff val="25000"/>
+      </a:schemeClr>
+    </dgm:txFillClrLst>
+    <dgm:txEffectClrLst/>
+  </dgm:styleLbl>
+  <dgm:styleLbl name="fgAcc0">
+    <dgm:fillClrLst meth="repeat">
+      <a:schemeClr val="lt1">
+        <a:alpha val="90000"/>
+      </a:schemeClr>
+    </dgm:fillClrLst>
+    <dgm:linClrLst meth="repeat">
+      <a:schemeClr val="accent1"/>
+    </dgm:linClrLst>
+    <dgm:effectClrLst/>
+    <dgm:txLinClrLst/>
+    <dgm:txFillClrLst meth="repeat">
+      <a:schemeClr val="dk1"/>
+    </dgm:txFillClrLst>
+    <dgm:txEffectClrLst/>
+  </dgm:styleLbl>
+  <dgm:styleLbl name="fgAcc2">
+    <dgm:fillClrLst meth="repeat">
+      <a:schemeClr val="lt1">
+        <a:alpha val="90000"/>
+      </a:schemeClr>
+    </dgm:fillClrLst>
+    <dgm:linClrLst meth="repeat">
+      <a:schemeClr val="accent1"/>
+    </dgm:linClrLst>
+    <dgm:effectClrLst/>
+    <dgm:txLinClrLst/>
+    <dgm:txFillClrLst meth="repeat">
+      <a:schemeClr val="dk1"/>
+    </dgm:txFillClrLst>
+    <dgm:txEffectClrLst/>
+  </dgm:styleLbl>
+  <dgm:styleLbl name="fgAcc3">
+    <dgm:fillClrLst meth="repeat">
+      <a:schemeClr val="lt1">
+        <a:alpha val="90000"/>
+      </a:schemeClr>
+    </dgm:fillClrLst>
+    <dgm:linClrLst meth="repeat">
+      <a:schemeClr val="accent1"/>
+    </dgm:linClrLst>
+    <dgm:effectClrLst/>
+    <dgm:txLinClrLst/>
+    <dgm:txFillClrLst meth="repeat">
+      <a:schemeClr val="dk1"/>
+    </dgm:txFillClrLst>
+    <dgm:txEffectClrLst/>
+  </dgm:styleLbl>
+  <dgm:styleLbl name="fgAcc4">
+    <dgm:fillClrLst meth="repeat">
+      <a:schemeClr val="lt1">
+        <a:alpha val="90000"/>
+      </a:schemeClr>
+    </dgm:fillClrLst>
+    <dgm:linClrLst meth="repeat">
+      <a:schemeClr val="accent1"/>
+    </dgm:linClrLst>
+    <dgm:effectClrLst/>
+    <dgm:txLinClrLst/>
+    <dgm:txFillClrLst meth="repeat">
+      <a:schemeClr val="dk1"/>
+    </dgm:txFillClrLst>
+    <dgm:txEffectClrLst/>
+  </dgm:styleLbl>
+  <dgm:styleLbl name="bgShp">
+    <dgm:fillClrLst meth="repeat">
+      <a:schemeClr val="accent1">
+        <a:tint val="40000"/>
+      </a:schemeClr>
+    </dgm:fillClrLst>
+    <dgm:linClrLst meth="repeat">
+      <a:schemeClr val="accent1"/>
+    </dgm:linClrLst>
+    <dgm:effectClrLst/>
+    <dgm:txLinClrLst/>
+    <dgm:txFillClrLst meth="repeat">
+      <a:schemeClr val="dk1"/>
+    </dgm:txFillClrLst>
+    <dgm:txEffectClrLst/>
+  </dgm:styleLbl>
+  <dgm:styleLbl name="dkBgShp">
+    <dgm:fillClrLst meth="repeat">
+      <a:schemeClr val="accent1">
+        <a:shade val="80000"/>
+      </a:schemeClr>
+    </dgm:fillClrLst>
+    <dgm:linClrLst meth="repeat">
+      <a:schemeClr val="accent1"/>
+    </dgm:linClrLst>
+    <dgm:effectClrLst/>
+    <dgm:txLinClrLst/>
+    <dgm:txFillClrLst meth="repeat">
+      <a:schemeClr val="lt1"/>
+    </dgm:txFillClrLst>
+    <dgm:txEffectClrLst/>
+  </dgm:styleLbl>
+  <dgm:styleLbl name="trBgShp">
+    <dgm:fillClrLst meth="repeat">
+      <a:schemeClr val="accent1">
+        <a:tint val="50000"/>
+        <a:alpha val="40000"/>
+      </a:schemeClr>
+    </dgm:fillClrLst>
+    <dgm:linClrLst meth="repeat">
+      <a:schemeClr val="accent1"/>
+    </dgm:linClrLst>
+    <dgm:effectClrLst/>
+    <dgm:txLinClrLst/>
+    <dgm:txFillClrLst meth="repeat">
+      <a:schemeClr val="lt1"/>
+    </dgm:txFillClrLst>
+    <dgm:txEffectClrLst/>
+  </dgm:styleLbl>
+  <dgm:styleLbl name="fgShp">
+    <dgm:fillClrLst meth="repeat">
+      <a:schemeClr val="accent1">
+        <a:tint val="60000"/>
+      </a:schemeClr>
+    </dgm:fillClrLst>
+    <dgm:linClrLst meth="repeat">
+      <a:schemeClr val="lt1"/>
+    </dgm:linClrLst>
+    <dgm:effectClrLst/>
+    <dgm:txLinClrLst/>
+    <dgm:txFillClrLst meth="repeat">
+      <a:schemeClr val="dk1"/>
+    </dgm:txFillClrLst>
+    <dgm:txEffectClrLst/>
+  </dgm:styleLbl>
+  <dgm:styleLbl name="revTx">
+    <dgm:fillClrLst meth="repeat">
+      <a:schemeClr val="lt1">
+        <a:alpha val="0"/>
+      </a:schemeClr>
+    </dgm:fillClrLst>
+    <dgm:linClrLst meth="repeat">
+      <a:schemeClr val="dk1">
+        <a:alpha val="0"/>
+      </a:schemeClr>
+    </dgm:linClrLst>
+    <dgm:effectClrLst/>
+    <dgm:txLinClrLst/>
+    <dgm:txFillClrLst meth="repeat">
+      <a:schemeClr val="tx1"/>
+    </dgm:txFillClrLst>
+    <dgm:txEffectClrLst/>
+  </dgm:styleLbl>
+</dgm:colorsDef>
+</file>
+
+<file path=ppt/diagrams/data1.xml><?xml version="1.0" encoding="utf-8"?>
+<dgm:dataModel xmlns:dgm="http://schemas.openxmlformats.org/drawingml/2006/diagram" xmlns:a="http://schemas.openxmlformats.org/drawingml/2006/main">
+  <dgm:ptLst>
+    <dgm:pt modelId="{B546F2D9-9207-47C7-A39F-A2A38E8B8956}" type="doc">
+      <dgm:prSet loTypeId="urn:microsoft.com/office/officeart/2005/8/layout/hierarchy1" loCatId="Inbox" qsTypeId="urn:microsoft.com/office/officeart/2005/8/quickstyle/simple1" qsCatId="simple" csTypeId="urn:microsoft.com/office/officeart/2005/8/colors/ColorSchemeForSuggestions" csCatId="other" phldr="1"/>
+      <dgm:spPr/>
+      <dgm:t>
+        <a:bodyPr/>
+        <a:lstStyle/>
+        <a:p>
+          <a:endParaRPr lang="en-US"/>
+        </a:p>
+      </dgm:t>
+    </dgm:pt>
+    <dgm:pt modelId="{BEBA5C44-A6C5-4FA7-B6D3-67FAF654EC33}">
+      <dgm:prSet/>
+      <dgm:spPr/>
+      <dgm:t>
+        <a:bodyPr/>
+        <a:lstStyle/>
+        <a:p>
+          <a:r>
+            <a:rPr lang="fr-CA" dirty="0"/>
+            <a:t>Le site d’hébergement de dépôts git le plus utilisé au monde</a:t>
+          </a:r>
+          <a:endParaRPr lang="en-US" dirty="0"/>
+        </a:p>
+      </dgm:t>
+    </dgm:pt>
+    <dgm:pt modelId="{C51B707D-0EEE-4E14-9A63-F797BA1AEB00}" type="parTrans" cxnId="{4C07A986-2D30-4109-80EE-D34314764601}">
+      <dgm:prSet/>
+      <dgm:spPr/>
+      <dgm:t>
+        <a:bodyPr/>
+        <a:lstStyle/>
+        <a:p>
+          <a:endParaRPr lang="en-US"/>
+        </a:p>
+      </dgm:t>
+    </dgm:pt>
+    <dgm:pt modelId="{D560CB1B-E218-4DF4-B3EB-3746A4C3D8BD}" type="sibTrans" cxnId="{4C07A986-2D30-4109-80EE-D34314764601}">
+      <dgm:prSet/>
+      <dgm:spPr/>
+      <dgm:t>
+        <a:bodyPr/>
+        <a:lstStyle/>
+        <a:p>
+          <a:endParaRPr lang="en-US"/>
+        </a:p>
+      </dgm:t>
+    </dgm:pt>
+    <dgm:pt modelId="{9A7B06AE-14C5-442E-BC7E-3D3EA1503922}">
+      <dgm:prSet/>
+      <dgm:spPr/>
+      <dgm:t>
+        <a:bodyPr/>
+        <a:lstStyle/>
+        <a:p>
+          <a:r>
+            <a:rPr lang="fr-CA"/>
+            <a:t>Fondé en 2007</a:t>
+          </a:r>
+          <a:endParaRPr lang="en-US"/>
+        </a:p>
+      </dgm:t>
+    </dgm:pt>
+    <dgm:pt modelId="{3DA637A0-C77B-4D6F-9120-2A33994FD23A}" type="parTrans" cxnId="{D5FE5767-4915-491A-A0A4-0A1BA989CEB4}">
+      <dgm:prSet/>
+      <dgm:spPr/>
+      <dgm:t>
+        <a:bodyPr/>
+        <a:lstStyle/>
+        <a:p>
+          <a:endParaRPr lang="en-US"/>
+        </a:p>
+      </dgm:t>
+    </dgm:pt>
+    <dgm:pt modelId="{A0B19098-1E10-4DBC-8A50-F6820031F474}" type="sibTrans" cxnId="{D5FE5767-4915-491A-A0A4-0A1BA989CEB4}">
+      <dgm:prSet/>
+      <dgm:spPr/>
+      <dgm:t>
+        <a:bodyPr/>
+        <a:lstStyle/>
+        <a:p>
+          <a:endParaRPr lang="en-US"/>
+        </a:p>
+      </dgm:t>
+    </dgm:pt>
+    <dgm:pt modelId="{A434D1CB-02C9-40A6-97C2-9058C9AC0C9B}">
+      <dgm:prSet/>
+      <dgm:spPr/>
+      <dgm:t>
+        <a:bodyPr/>
+        <a:lstStyle/>
+        <a:p>
+          <a:r>
+            <a:rPr lang="fr-CA"/>
+            <a:t>69 millions de projets hébergés</a:t>
+          </a:r>
+          <a:endParaRPr lang="en-US"/>
+        </a:p>
+      </dgm:t>
+    </dgm:pt>
+    <dgm:pt modelId="{E6D078E0-2399-40A8-91FD-6EED73C317C6}" type="parTrans" cxnId="{EA6AB055-9E4E-4F81-A8E2-AD6E98BD2BAE}">
+      <dgm:prSet/>
+      <dgm:spPr/>
+      <dgm:t>
+        <a:bodyPr/>
+        <a:lstStyle/>
+        <a:p>
+          <a:endParaRPr lang="en-US"/>
+        </a:p>
+      </dgm:t>
+    </dgm:pt>
+    <dgm:pt modelId="{5C19CFFF-6EC6-49CD-A59C-40363364EA9F}" type="sibTrans" cxnId="{EA6AB055-9E4E-4F81-A8E2-AD6E98BD2BAE}">
+      <dgm:prSet/>
+      <dgm:spPr/>
+      <dgm:t>
+        <a:bodyPr/>
+        <a:lstStyle/>
+        <a:p>
+          <a:endParaRPr lang="en-US"/>
+        </a:p>
+      </dgm:t>
+    </dgm:pt>
+    <dgm:pt modelId="{91A9EBBC-998F-406F-A4E4-DA0D53C1FFE5}">
+      <dgm:prSet/>
+      <dgm:spPr/>
+      <dgm:t>
+        <a:bodyPr/>
+        <a:lstStyle/>
+        <a:p>
+          <a:r>
+            <a:rPr lang="fr-CA"/>
+            <a:t>707 employés autour du monde</a:t>
+          </a:r>
+          <a:endParaRPr lang="en-US"/>
+        </a:p>
+      </dgm:t>
+    </dgm:pt>
+    <dgm:pt modelId="{FDD89C69-62C9-4F7E-8ED8-F1D51AB495D4}" type="parTrans" cxnId="{40358B2D-1ABC-4594-A53D-1DED71BCAFE1}">
+      <dgm:prSet/>
+      <dgm:spPr/>
+      <dgm:t>
+        <a:bodyPr/>
+        <a:lstStyle/>
+        <a:p>
+          <a:endParaRPr lang="en-US"/>
+        </a:p>
+      </dgm:t>
+    </dgm:pt>
+    <dgm:pt modelId="{AD6DBC4C-FC18-4EB7-B3F2-92BC34A947FB}" type="sibTrans" cxnId="{40358B2D-1ABC-4594-A53D-1DED71BCAFE1}">
+      <dgm:prSet/>
+      <dgm:spPr/>
+      <dgm:t>
+        <a:bodyPr/>
+        <a:lstStyle/>
+        <a:p>
+          <a:endParaRPr lang="en-US"/>
+        </a:p>
+      </dgm:t>
+    </dgm:pt>
+    <dgm:pt modelId="{C5124175-2A05-458D-8571-B65B13C86D85}" type="pres">
+      <dgm:prSet presAssocID="{B546F2D9-9207-47C7-A39F-A2A38E8B8956}" presName="hierChild1" presStyleCnt="0">
+        <dgm:presLayoutVars>
+          <dgm:chPref val="1"/>
+          <dgm:dir/>
+          <dgm:animOne val="branch"/>
+          <dgm:animLvl val="lvl"/>
+          <dgm:resizeHandles/>
+        </dgm:presLayoutVars>
+      </dgm:prSet>
+      <dgm:spPr/>
+    </dgm:pt>
+    <dgm:pt modelId="{D3FAA7C4-0F3D-4B59-8F09-08D7302F574A}" type="pres">
+      <dgm:prSet presAssocID="{BEBA5C44-A6C5-4FA7-B6D3-67FAF654EC33}" presName="hierRoot1" presStyleCnt="0"/>
+      <dgm:spPr/>
+    </dgm:pt>
+    <dgm:pt modelId="{7E197DFC-A38B-440B-8EF4-6F5BFFA698B8}" type="pres">
+      <dgm:prSet presAssocID="{BEBA5C44-A6C5-4FA7-B6D3-67FAF654EC33}" presName="composite" presStyleCnt="0"/>
+      <dgm:spPr/>
+    </dgm:pt>
+    <dgm:pt modelId="{0915AD29-2CF3-4AD7-ACCB-6A7A37E68F5E}" type="pres">
+      <dgm:prSet presAssocID="{BEBA5C44-A6C5-4FA7-B6D3-67FAF654EC33}" presName="background" presStyleLbl="node0" presStyleIdx="0" presStyleCnt="4"/>
+      <dgm:spPr/>
+    </dgm:pt>
+    <dgm:pt modelId="{967F0819-0004-41DC-A184-257287A479E9}" type="pres">
+      <dgm:prSet presAssocID="{BEBA5C44-A6C5-4FA7-B6D3-67FAF654EC33}" presName="text" presStyleLbl="fgAcc0" presStyleIdx="0" presStyleCnt="4">
+        <dgm:presLayoutVars>
+          <dgm:chPref val="3"/>
+        </dgm:presLayoutVars>
+      </dgm:prSet>
+      <dgm:spPr/>
+    </dgm:pt>
+    <dgm:pt modelId="{3A819128-D462-40FA-A803-6E7F18C5F824}" type="pres">
+      <dgm:prSet presAssocID="{BEBA5C44-A6C5-4FA7-B6D3-67FAF654EC33}" presName="hierChild2" presStyleCnt="0"/>
+      <dgm:spPr/>
+    </dgm:pt>
+    <dgm:pt modelId="{8FFD27F9-719E-4128-A136-C88ED87D23A0}" type="pres">
+      <dgm:prSet presAssocID="{9A7B06AE-14C5-442E-BC7E-3D3EA1503922}" presName="hierRoot1" presStyleCnt="0"/>
+      <dgm:spPr/>
+    </dgm:pt>
+    <dgm:pt modelId="{D1C5FE74-218D-4248-9D13-334705A7189E}" type="pres">
+      <dgm:prSet presAssocID="{9A7B06AE-14C5-442E-BC7E-3D3EA1503922}" presName="composite" presStyleCnt="0"/>
+      <dgm:spPr/>
+    </dgm:pt>
+    <dgm:pt modelId="{BAB2BF1A-7546-43F8-87C5-0D1A2913EA9C}" type="pres">
+      <dgm:prSet presAssocID="{9A7B06AE-14C5-442E-BC7E-3D3EA1503922}" presName="background" presStyleLbl="node0" presStyleIdx="1" presStyleCnt="4"/>
+      <dgm:spPr/>
+    </dgm:pt>
+    <dgm:pt modelId="{CC6BE747-29E7-40C0-B5A0-9C87EEA7F1C0}" type="pres">
+      <dgm:prSet presAssocID="{9A7B06AE-14C5-442E-BC7E-3D3EA1503922}" presName="text" presStyleLbl="fgAcc0" presStyleIdx="1" presStyleCnt="4">
+        <dgm:presLayoutVars>
+          <dgm:chPref val="3"/>
+        </dgm:presLayoutVars>
+      </dgm:prSet>
+      <dgm:spPr/>
+    </dgm:pt>
+    <dgm:pt modelId="{5E26C905-01ED-4A15-8C61-03447320C69A}" type="pres">
+      <dgm:prSet presAssocID="{9A7B06AE-14C5-442E-BC7E-3D3EA1503922}" presName="hierChild2" presStyleCnt="0"/>
+      <dgm:spPr/>
+    </dgm:pt>
+    <dgm:pt modelId="{6CE11EB4-E710-4C3E-B45F-E52E58AEFD2A}" type="pres">
+      <dgm:prSet presAssocID="{A434D1CB-02C9-40A6-97C2-9058C9AC0C9B}" presName="hierRoot1" presStyleCnt="0"/>
+      <dgm:spPr/>
+    </dgm:pt>
+    <dgm:pt modelId="{38109EFA-F71E-49E3-A83F-38E83D06B8B7}" type="pres">
+      <dgm:prSet presAssocID="{A434D1CB-02C9-40A6-97C2-9058C9AC0C9B}" presName="composite" presStyleCnt="0"/>
+      <dgm:spPr/>
+    </dgm:pt>
+    <dgm:pt modelId="{3D848562-D818-402B-939E-4D301263F432}" type="pres">
+      <dgm:prSet presAssocID="{A434D1CB-02C9-40A6-97C2-9058C9AC0C9B}" presName="background" presStyleLbl="node0" presStyleIdx="2" presStyleCnt="4"/>
+      <dgm:spPr/>
+    </dgm:pt>
+    <dgm:pt modelId="{0CA8DEAE-2207-4CB2-ADB2-9C192A3219AD}" type="pres">
+      <dgm:prSet presAssocID="{A434D1CB-02C9-40A6-97C2-9058C9AC0C9B}" presName="text" presStyleLbl="fgAcc0" presStyleIdx="2" presStyleCnt="4">
+        <dgm:presLayoutVars>
+          <dgm:chPref val="3"/>
+        </dgm:presLayoutVars>
+      </dgm:prSet>
+      <dgm:spPr/>
+    </dgm:pt>
+    <dgm:pt modelId="{E205F5F0-6D37-49F7-A36B-895AF6DD2908}" type="pres">
+      <dgm:prSet presAssocID="{A434D1CB-02C9-40A6-97C2-9058C9AC0C9B}" presName="hierChild2" presStyleCnt="0"/>
+      <dgm:spPr/>
+    </dgm:pt>
+    <dgm:pt modelId="{2E7A26DB-7717-4116-BC68-BC2C23F764D1}" type="pres">
+      <dgm:prSet presAssocID="{91A9EBBC-998F-406F-A4E4-DA0D53C1FFE5}" presName="hierRoot1" presStyleCnt="0"/>
+      <dgm:spPr/>
+    </dgm:pt>
+    <dgm:pt modelId="{CB152F4A-B511-42C6-A1F7-790BBB15E623}" type="pres">
+      <dgm:prSet presAssocID="{91A9EBBC-998F-406F-A4E4-DA0D53C1FFE5}" presName="composite" presStyleCnt="0"/>
+      <dgm:spPr/>
+    </dgm:pt>
+    <dgm:pt modelId="{646FA8B2-7C9E-4F44-BD23-C4DF7B937EB5}" type="pres">
+      <dgm:prSet presAssocID="{91A9EBBC-998F-406F-A4E4-DA0D53C1FFE5}" presName="background" presStyleLbl="node0" presStyleIdx="3" presStyleCnt="4"/>
+      <dgm:spPr/>
+    </dgm:pt>
+    <dgm:pt modelId="{D503447B-1095-4F24-8050-2549F9B9C819}" type="pres">
+      <dgm:prSet presAssocID="{91A9EBBC-998F-406F-A4E4-DA0D53C1FFE5}" presName="text" presStyleLbl="fgAcc0" presStyleIdx="3" presStyleCnt="4">
+        <dgm:presLayoutVars>
+          <dgm:chPref val="3"/>
+        </dgm:presLayoutVars>
+      </dgm:prSet>
+      <dgm:spPr/>
+    </dgm:pt>
+    <dgm:pt modelId="{6F15C3CA-4624-4088-8B96-464D3A5B8993}" type="pres">
+      <dgm:prSet presAssocID="{91A9EBBC-998F-406F-A4E4-DA0D53C1FFE5}" presName="hierChild2" presStyleCnt="0"/>
+      <dgm:spPr/>
+    </dgm:pt>
+  </dgm:ptLst>
+  <dgm:cxnLst>
+    <dgm:cxn modelId="{84249406-6D49-4630-8B44-9A9CA54D638D}" type="presOf" srcId="{9A7B06AE-14C5-442E-BC7E-3D3EA1503922}" destId="{CC6BE747-29E7-40C0-B5A0-9C87EEA7F1C0}" srcOrd="0" destOrd="0" presId="urn:microsoft.com/office/officeart/2005/8/layout/hierarchy1"/>
+    <dgm:cxn modelId="{477FDF0C-93D9-4025-96BB-AB8AF0BCE769}" type="presOf" srcId="{91A9EBBC-998F-406F-A4E4-DA0D53C1FFE5}" destId="{D503447B-1095-4F24-8050-2549F9B9C819}" srcOrd="0" destOrd="0" presId="urn:microsoft.com/office/officeart/2005/8/layout/hierarchy1"/>
+    <dgm:cxn modelId="{33803B24-A8BB-425F-A675-E6803DBA6DB2}" type="presOf" srcId="{BEBA5C44-A6C5-4FA7-B6D3-67FAF654EC33}" destId="{967F0819-0004-41DC-A184-257287A479E9}" srcOrd="0" destOrd="0" presId="urn:microsoft.com/office/officeart/2005/8/layout/hierarchy1"/>
+    <dgm:cxn modelId="{40358B2D-1ABC-4594-A53D-1DED71BCAFE1}" srcId="{B546F2D9-9207-47C7-A39F-A2A38E8B8956}" destId="{91A9EBBC-998F-406F-A4E4-DA0D53C1FFE5}" srcOrd="3" destOrd="0" parTransId="{FDD89C69-62C9-4F7E-8ED8-F1D51AB495D4}" sibTransId="{AD6DBC4C-FC18-4EB7-B3F2-92BC34A947FB}"/>
+    <dgm:cxn modelId="{CCB2A45C-211C-4BD6-86D6-3EAC5DF284E7}" type="presOf" srcId="{A434D1CB-02C9-40A6-97C2-9058C9AC0C9B}" destId="{0CA8DEAE-2207-4CB2-ADB2-9C192A3219AD}" srcOrd="0" destOrd="0" presId="urn:microsoft.com/office/officeart/2005/8/layout/hierarchy1"/>
+    <dgm:cxn modelId="{D5FE5767-4915-491A-A0A4-0A1BA989CEB4}" srcId="{B546F2D9-9207-47C7-A39F-A2A38E8B8956}" destId="{9A7B06AE-14C5-442E-BC7E-3D3EA1503922}" srcOrd="1" destOrd="0" parTransId="{3DA637A0-C77B-4D6F-9120-2A33994FD23A}" sibTransId="{A0B19098-1E10-4DBC-8A50-F6820031F474}"/>
+    <dgm:cxn modelId="{EA6AB055-9E4E-4F81-A8E2-AD6E98BD2BAE}" srcId="{B546F2D9-9207-47C7-A39F-A2A38E8B8956}" destId="{A434D1CB-02C9-40A6-97C2-9058C9AC0C9B}" srcOrd="2" destOrd="0" parTransId="{E6D078E0-2399-40A8-91FD-6EED73C317C6}" sibTransId="{5C19CFFF-6EC6-49CD-A59C-40363364EA9F}"/>
+    <dgm:cxn modelId="{4C07A986-2D30-4109-80EE-D34314764601}" srcId="{B546F2D9-9207-47C7-A39F-A2A38E8B8956}" destId="{BEBA5C44-A6C5-4FA7-B6D3-67FAF654EC33}" srcOrd="0" destOrd="0" parTransId="{C51B707D-0EEE-4E14-9A63-F797BA1AEB00}" sibTransId="{D560CB1B-E218-4DF4-B3EB-3746A4C3D8BD}"/>
+    <dgm:cxn modelId="{E374B0D0-8BCD-4FA1-B4A4-4D3E613A9D2D}" type="presOf" srcId="{B546F2D9-9207-47C7-A39F-A2A38E8B8956}" destId="{C5124175-2A05-458D-8571-B65B13C86D85}" srcOrd="0" destOrd="0" presId="urn:microsoft.com/office/officeart/2005/8/layout/hierarchy1"/>
+    <dgm:cxn modelId="{B50EC00D-28C1-4836-802A-24DD3BEF400F}" type="presParOf" srcId="{C5124175-2A05-458D-8571-B65B13C86D85}" destId="{D3FAA7C4-0F3D-4B59-8F09-08D7302F574A}" srcOrd="0" destOrd="0" presId="urn:microsoft.com/office/officeart/2005/8/layout/hierarchy1"/>
+    <dgm:cxn modelId="{5CF204DC-DBD3-43B1-A511-E7D6918306C1}" type="presParOf" srcId="{D3FAA7C4-0F3D-4B59-8F09-08D7302F574A}" destId="{7E197DFC-A38B-440B-8EF4-6F5BFFA698B8}" srcOrd="0" destOrd="0" presId="urn:microsoft.com/office/officeart/2005/8/layout/hierarchy1"/>
+    <dgm:cxn modelId="{A6EED6ED-31E6-4108-BBBD-94E8B9B6B48A}" type="presParOf" srcId="{7E197DFC-A38B-440B-8EF4-6F5BFFA698B8}" destId="{0915AD29-2CF3-4AD7-ACCB-6A7A37E68F5E}" srcOrd="0" destOrd="0" presId="urn:microsoft.com/office/officeart/2005/8/layout/hierarchy1"/>
+    <dgm:cxn modelId="{858F3C59-A8E6-4A31-A705-1271EB875B7F}" type="presParOf" srcId="{7E197DFC-A38B-440B-8EF4-6F5BFFA698B8}" destId="{967F0819-0004-41DC-A184-257287A479E9}" srcOrd="1" destOrd="0" presId="urn:microsoft.com/office/officeart/2005/8/layout/hierarchy1"/>
+    <dgm:cxn modelId="{5E9C7246-0F7A-4203-85C5-FFA9ACF5D10B}" type="presParOf" srcId="{D3FAA7C4-0F3D-4B59-8F09-08D7302F574A}" destId="{3A819128-D462-40FA-A803-6E7F18C5F824}" srcOrd="1" destOrd="0" presId="urn:microsoft.com/office/officeart/2005/8/layout/hierarchy1"/>
+    <dgm:cxn modelId="{2BD7CB9E-26E2-4F18-999A-4AD8D95505D4}" type="presParOf" srcId="{C5124175-2A05-458D-8571-B65B13C86D85}" destId="{8FFD27F9-719E-4128-A136-C88ED87D23A0}" srcOrd="1" destOrd="0" presId="urn:microsoft.com/office/officeart/2005/8/layout/hierarchy1"/>
+    <dgm:cxn modelId="{EA539185-E4F0-49C3-BB24-DD029AC8D323}" type="presParOf" srcId="{8FFD27F9-719E-4128-A136-C88ED87D23A0}" destId="{D1C5FE74-218D-4248-9D13-334705A7189E}" srcOrd="0" destOrd="0" presId="urn:microsoft.com/office/officeart/2005/8/layout/hierarchy1"/>
+    <dgm:cxn modelId="{08238640-753B-47F7-8D2D-1232E1A75CDB}" type="presParOf" srcId="{D1C5FE74-218D-4248-9D13-334705A7189E}" destId="{BAB2BF1A-7546-43F8-87C5-0D1A2913EA9C}" srcOrd="0" destOrd="0" presId="urn:microsoft.com/office/officeart/2005/8/layout/hierarchy1"/>
+    <dgm:cxn modelId="{749A179B-2539-4444-99EF-6997EF251A3C}" type="presParOf" srcId="{D1C5FE74-218D-4248-9D13-334705A7189E}" destId="{CC6BE747-29E7-40C0-B5A0-9C87EEA7F1C0}" srcOrd="1" destOrd="0" presId="urn:microsoft.com/office/officeart/2005/8/layout/hierarchy1"/>
+    <dgm:cxn modelId="{21CEEA81-117C-4E98-AA0E-1F27866C8894}" type="presParOf" srcId="{8FFD27F9-719E-4128-A136-C88ED87D23A0}" destId="{5E26C905-01ED-4A15-8C61-03447320C69A}" srcOrd="1" destOrd="0" presId="urn:microsoft.com/office/officeart/2005/8/layout/hierarchy1"/>
+    <dgm:cxn modelId="{85B19EA4-1619-4489-A9E6-08BF426C0C74}" type="presParOf" srcId="{C5124175-2A05-458D-8571-B65B13C86D85}" destId="{6CE11EB4-E710-4C3E-B45F-E52E58AEFD2A}" srcOrd="2" destOrd="0" presId="urn:microsoft.com/office/officeart/2005/8/layout/hierarchy1"/>
+    <dgm:cxn modelId="{CFB19F3C-E8B7-4559-B80C-7A73A4595254}" type="presParOf" srcId="{6CE11EB4-E710-4C3E-B45F-E52E58AEFD2A}" destId="{38109EFA-F71E-49E3-A83F-38E83D06B8B7}" srcOrd="0" destOrd="0" presId="urn:microsoft.com/office/officeart/2005/8/layout/hierarchy1"/>
+    <dgm:cxn modelId="{740723B2-773B-4EA4-8EEE-54D6E6994153}" type="presParOf" srcId="{38109EFA-F71E-49E3-A83F-38E83D06B8B7}" destId="{3D848562-D818-402B-939E-4D301263F432}" srcOrd="0" destOrd="0" presId="urn:microsoft.com/office/officeart/2005/8/layout/hierarchy1"/>
+    <dgm:cxn modelId="{5B55E606-3FF0-4D94-886F-B68E03A79296}" type="presParOf" srcId="{38109EFA-F71E-49E3-A83F-38E83D06B8B7}" destId="{0CA8DEAE-2207-4CB2-ADB2-9C192A3219AD}" srcOrd="1" destOrd="0" presId="urn:microsoft.com/office/officeart/2005/8/layout/hierarchy1"/>
+    <dgm:cxn modelId="{612B70EB-7568-4173-8606-98397D448906}" type="presParOf" srcId="{6CE11EB4-E710-4C3E-B45F-E52E58AEFD2A}" destId="{E205F5F0-6D37-49F7-A36B-895AF6DD2908}" srcOrd="1" destOrd="0" presId="urn:microsoft.com/office/officeart/2005/8/layout/hierarchy1"/>
+    <dgm:cxn modelId="{355F0F79-E1DB-4F37-94B0-F095545356B5}" type="presParOf" srcId="{C5124175-2A05-458D-8571-B65B13C86D85}" destId="{2E7A26DB-7717-4116-BC68-BC2C23F764D1}" srcOrd="3" destOrd="0" presId="urn:microsoft.com/office/officeart/2005/8/layout/hierarchy1"/>
+    <dgm:cxn modelId="{6C8CA5E4-2F7B-411C-8570-44DE7DE5336E}" type="presParOf" srcId="{2E7A26DB-7717-4116-BC68-BC2C23F764D1}" destId="{CB152F4A-B511-42C6-A1F7-790BBB15E623}" srcOrd="0" destOrd="0" presId="urn:microsoft.com/office/officeart/2005/8/layout/hierarchy1"/>
+    <dgm:cxn modelId="{5B47A784-28C2-4898-9792-68F6274C8475}" type="presParOf" srcId="{CB152F4A-B511-42C6-A1F7-790BBB15E623}" destId="{646FA8B2-7C9E-4F44-BD23-C4DF7B937EB5}" srcOrd="0" destOrd="0" presId="urn:microsoft.com/office/officeart/2005/8/layout/hierarchy1"/>
+    <dgm:cxn modelId="{A1C41F77-CE7B-4154-9FAF-4D1A8F321F3F}" type="presParOf" srcId="{CB152F4A-B511-42C6-A1F7-790BBB15E623}" destId="{D503447B-1095-4F24-8050-2549F9B9C819}" srcOrd="1" destOrd="0" presId="urn:microsoft.com/office/officeart/2005/8/layout/hierarchy1"/>
+    <dgm:cxn modelId="{D61E676A-9AAA-487A-983F-BD7CC65E8093}" type="presParOf" srcId="{2E7A26DB-7717-4116-BC68-BC2C23F764D1}" destId="{6F15C3CA-4624-4088-8B96-464D3A5B8993}" srcOrd="1" destOrd="0" presId="urn:microsoft.com/office/officeart/2005/8/layout/hierarchy1"/>
+  </dgm:cxnLst>
+  <dgm:bg/>
+  <dgm:whole/>
+  <dgm:extLst>
+    <a:ext uri="http://schemas.microsoft.com/office/drawing/2008/diagram">
+      <dsp:dataModelExt xmlns:dsp="http://schemas.microsoft.com/office/drawing/2008/diagram" relId="rId6" minVer="http://schemas.openxmlformats.org/drawingml/2006/diagram"/>
+    </a:ext>
+  </dgm:extLst>
+</dgm:dataModel>
+</file>
+
+<file path=ppt/diagrams/data2.xml><?xml version="1.0" encoding="utf-8"?>
+<dgm:dataModel xmlns:dgm="http://schemas.openxmlformats.org/drawingml/2006/diagram" xmlns:a="http://schemas.openxmlformats.org/drawingml/2006/main">
+  <dgm:ptLst>
+    <dgm:pt modelId="{DB9B2FA7-2B5A-4A8D-9F2C-D50BF73BD1B8}" type="doc">
+      <dgm:prSet loTypeId="urn:microsoft.com/office/officeart/2008/layout/LinedList" loCatId="Inbox" qsTypeId="urn:microsoft.com/office/officeart/2005/8/quickstyle/simple1" qsCatId="simple" csTypeId="urn:microsoft.com/office/officeart/2005/8/colors/ColorSchemeForSuggestions" csCatId="other" phldr="1"/>
+      <dgm:spPr/>
+      <dgm:t>
+        <a:bodyPr/>
+        <a:lstStyle/>
+        <a:p>
+          <a:endParaRPr lang="en-US"/>
+        </a:p>
+      </dgm:t>
+    </dgm:pt>
+    <dgm:pt modelId="{315074F8-4626-42A8-B736-B5EFA38C16BF}">
+      <dgm:prSet/>
+      <dgm:spPr/>
+      <dgm:t>
+        <a:bodyPr/>
+        <a:lstStyle/>
+        <a:p>
+          <a:r>
+            <a:rPr lang="fr-CA"/>
+            <a:t>Création d’un profil</a:t>
+          </a:r>
+          <a:endParaRPr lang="en-US"/>
+        </a:p>
+      </dgm:t>
+    </dgm:pt>
+    <dgm:pt modelId="{9F016806-F527-4372-A598-923EEACA1DFC}" type="parTrans" cxnId="{D6F118FE-72AF-4FD8-B62F-442EB31FC19D}">
+      <dgm:prSet/>
+      <dgm:spPr/>
+      <dgm:t>
+        <a:bodyPr/>
+        <a:lstStyle/>
+        <a:p>
+          <a:endParaRPr lang="en-US"/>
+        </a:p>
+      </dgm:t>
+    </dgm:pt>
+    <dgm:pt modelId="{35C2BBCB-92BA-408C-AFB1-E351C36186C3}" type="sibTrans" cxnId="{D6F118FE-72AF-4FD8-B62F-442EB31FC19D}">
+      <dgm:prSet/>
+      <dgm:spPr/>
+      <dgm:t>
+        <a:bodyPr/>
+        <a:lstStyle/>
+        <a:p>
+          <a:endParaRPr lang="en-US"/>
+        </a:p>
+      </dgm:t>
+    </dgm:pt>
+    <dgm:pt modelId="{B600B1DD-BEDC-47BB-AC72-EC939A5EAFED}">
+      <dgm:prSet/>
+      <dgm:spPr/>
+      <dgm:t>
+        <a:bodyPr/>
+        <a:lstStyle/>
+        <a:p>
+          <a:r>
+            <a:rPr lang="fr-CA"/>
+            <a:t>Followers</a:t>
+          </a:r>
+          <a:endParaRPr lang="en-US"/>
+        </a:p>
+      </dgm:t>
+    </dgm:pt>
+    <dgm:pt modelId="{73F2AF14-C40E-414E-A6E7-64C3FFAFE58E}" type="parTrans" cxnId="{457F8611-6515-48FC-B0FE-32AD1445C6E3}">
+      <dgm:prSet/>
+      <dgm:spPr/>
+      <dgm:t>
+        <a:bodyPr/>
+        <a:lstStyle/>
+        <a:p>
+          <a:endParaRPr lang="en-US"/>
+        </a:p>
+      </dgm:t>
+    </dgm:pt>
+    <dgm:pt modelId="{C578D5C8-36FE-46CF-B03D-8FD94AA5A538}" type="sibTrans" cxnId="{457F8611-6515-48FC-B0FE-32AD1445C6E3}">
+      <dgm:prSet/>
+      <dgm:spPr/>
+      <dgm:t>
+        <a:bodyPr/>
+        <a:lstStyle/>
+        <a:p>
+          <a:endParaRPr lang="en-US"/>
+        </a:p>
+      </dgm:t>
+    </dgm:pt>
+    <dgm:pt modelId="{5CCD0E62-B17B-4F62-93A3-2A6BC238788F}">
+      <dgm:prSet/>
+      <dgm:spPr/>
+      <dgm:t>
+        <a:bodyPr/>
+        <a:lstStyle/>
+        <a:p>
+          <a:r>
+            <a:rPr lang="fr-CA" dirty="0"/>
+            <a:t>Système de commentaires</a:t>
+          </a:r>
+          <a:endParaRPr lang="en-US" dirty="0"/>
+        </a:p>
+      </dgm:t>
+    </dgm:pt>
+    <dgm:pt modelId="{278365E1-131A-4367-BBD0-102A9149E7A1}" type="parTrans" cxnId="{830349AA-FD48-45EA-B023-15A6B53959A0}">
+      <dgm:prSet/>
+      <dgm:spPr/>
+      <dgm:t>
+        <a:bodyPr/>
+        <a:lstStyle/>
+        <a:p>
+          <a:endParaRPr lang="en-US"/>
+        </a:p>
+      </dgm:t>
+    </dgm:pt>
+    <dgm:pt modelId="{D4AF5F7E-8CE9-4B01-99F2-D29EE65FFD9D}" type="sibTrans" cxnId="{830349AA-FD48-45EA-B023-15A6B53959A0}">
+      <dgm:prSet/>
+      <dgm:spPr/>
+      <dgm:t>
+        <a:bodyPr/>
+        <a:lstStyle/>
+        <a:p>
+          <a:endParaRPr lang="en-US"/>
+        </a:p>
+      </dgm:t>
+    </dgm:pt>
+    <dgm:pt modelId="{AC7A11C5-C2AF-4394-800C-177050567BA0}">
+      <dgm:prSet/>
+      <dgm:spPr/>
+      <dgm:t>
+        <a:bodyPr/>
+        <a:lstStyle/>
+        <a:p>
+          <a:r>
+            <a:rPr lang="fr-CA"/>
+            <a:t>Interaction entre les utilisateurs</a:t>
+          </a:r>
+          <a:endParaRPr lang="en-US"/>
+        </a:p>
+      </dgm:t>
+    </dgm:pt>
+    <dgm:pt modelId="{337B584F-EB09-4BB9-AF01-22DF71F04792}" type="parTrans" cxnId="{09BC028C-A2E3-4CD7-95EE-03F6B734918A}">
+      <dgm:prSet/>
+      <dgm:spPr/>
+      <dgm:t>
+        <a:bodyPr/>
+        <a:lstStyle/>
+        <a:p>
+          <a:endParaRPr lang="en-US"/>
+        </a:p>
+      </dgm:t>
+    </dgm:pt>
+    <dgm:pt modelId="{ACB33340-7A5F-4180-982E-9B5017B9C235}" type="sibTrans" cxnId="{09BC028C-A2E3-4CD7-95EE-03F6B734918A}">
+      <dgm:prSet/>
+      <dgm:spPr/>
+      <dgm:t>
+        <a:bodyPr/>
+        <a:lstStyle/>
+        <a:p>
+          <a:endParaRPr lang="en-US"/>
+        </a:p>
+      </dgm:t>
+    </dgm:pt>
+    <dgm:pt modelId="{294FB91F-7C04-4A62-9C39-5845F21DC088}" type="pres">
+      <dgm:prSet presAssocID="{DB9B2FA7-2B5A-4A8D-9F2C-D50BF73BD1B8}" presName="vert0" presStyleCnt="0">
+        <dgm:presLayoutVars>
+          <dgm:dir/>
+          <dgm:animOne val="branch"/>
+          <dgm:animLvl val="lvl"/>
+        </dgm:presLayoutVars>
+      </dgm:prSet>
+      <dgm:spPr/>
+    </dgm:pt>
+    <dgm:pt modelId="{CEB2ED02-829F-4907-82AD-32227AE54EF4}" type="pres">
+      <dgm:prSet presAssocID="{315074F8-4626-42A8-B736-B5EFA38C16BF}" presName="thickLine" presStyleLbl="alignNode1" presStyleIdx="0" presStyleCnt="4"/>
+      <dgm:spPr/>
+    </dgm:pt>
+    <dgm:pt modelId="{5A7B0E78-D9FC-4715-8A31-BC5F32C06441}" type="pres">
+      <dgm:prSet presAssocID="{315074F8-4626-42A8-B736-B5EFA38C16BF}" presName="horz1" presStyleCnt="0"/>
+      <dgm:spPr/>
+    </dgm:pt>
+    <dgm:pt modelId="{B7E4F89F-B55D-4306-A565-C43D247B8085}" type="pres">
+      <dgm:prSet presAssocID="{315074F8-4626-42A8-B736-B5EFA38C16BF}" presName="tx1" presStyleLbl="revTx" presStyleIdx="0" presStyleCnt="4"/>
+      <dgm:spPr/>
+    </dgm:pt>
+    <dgm:pt modelId="{1BAC3667-B093-40B0-82B5-73F346750BDB}" type="pres">
+      <dgm:prSet presAssocID="{315074F8-4626-42A8-B736-B5EFA38C16BF}" presName="vert1" presStyleCnt="0"/>
+      <dgm:spPr/>
+    </dgm:pt>
+    <dgm:pt modelId="{3CE35197-6925-4440-9E3C-EBCB440E319D}" type="pres">
+      <dgm:prSet presAssocID="{B600B1DD-BEDC-47BB-AC72-EC939A5EAFED}" presName="thickLine" presStyleLbl="alignNode1" presStyleIdx="1" presStyleCnt="4"/>
+      <dgm:spPr/>
+    </dgm:pt>
+    <dgm:pt modelId="{B6676E29-0BB6-41CD-8D8F-EDAC5B2BDF21}" type="pres">
+      <dgm:prSet presAssocID="{B600B1DD-BEDC-47BB-AC72-EC939A5EAFED}" presName="horz1" presStyleCnt="0"/>
+      <dgm:spPr/>
+    </dgm:pt>
+    <dgm:pt modelId="{BA1D910B-88D7-4317-B05F-EA1707A7197A}" type="pres">
+      <dgm:prSet presAssocID="{B600B1DD-BEDC-47BB-AC72-EC939A5EAFED}" presName="tx1" presStyleLbl="revTx" presStyleIdx="1" presStyleCnt="4"/>
+      <dgm:spPr/>
+    </dgm:pt>
+    <dgm:pt modelId="{B431395E-95DF-4AE8-ABAE-227C7DDFA2FC}" type="pres">
+      <dgm:prSet presAssocID="{B600B1DD-BEDC-47BB-AC72-EC939A5EAFED}" presName="vert1" presStyleCnt="0"/>
+      <dgm:spPr/>
+    </dgm:pt>
+    <dgm:pt modelId="{298C95C8-FDFF-479C-BCFC-25C7B19583EE}" type="pres">
+      <dgm:prSet presAssocID="{5CCD0E62-B17B-4F62-93A3-2A6BC238788F}" presName="thickLine" presStyleLbl="alignNode1" presStyleIdx="2" presStyleCnt="4"/>
+      <dgm:spPr/>
+    </dgm:pt>
+    <dgm:pt modelId="{10F3257D-B0A5-4202-B3F2-18B3315566F0}" type="pres">
+      <dgm:prSet presAssocID="{5CCD0E62-B17B-4F62-93A3-2A6BC238788F}" presName="horz1" presStyleCnt="0"/>
+      <dgm:spPr/>
+    </dgm:pt>
+    <dgm:pt modelId="{DAAFB2A1-B8C3-4ABE-AF77-968C7DA97E3A}" type="pres">
+      <dgm:prSet presAssocID="{5CCD0E62-B17B-4F62-93A3-2A6BC238788F}" presName="tx1" presStyleLbl="revTx" presStyleIdx="2" presStyleCnt="4"/>
+      <dgm:spPr/>
+    </dgm:pt>
+    <dgm:pt modelId="{C2779428-237E-4309-A8D9-33C8BA19CF6A}" type="pres">
+      <dgm:prSet presAssocID="{5CCD0E62-B17B-4F62-93A3-2A6BC238788F}" presName="vert1" presStyleCnt="0"/>
+      <dgm:spPr/>
+    </dgm:pt>
+    <dgm:pt modelId="{2D3D64C0-406F-491A-9612-D28ECA705F34}" type="pres">
+      <dgm:prSet presAssocID="{AC7A11C5-C2AF-4394-800C-177050567BA0}" presName="thickLine" presStyleLbl="alignNode1" presStyleIdx="3" presStyleCnt="4"/>
+      <dgm:spPr/>
+    </dgm:pt>
+    <dgm:pt modelId="{BB8FC023-758B-42ED-904E-FD3D33A6165C}" type="pres">
+      <dgm:prSet presAssocID="{AC7A11C5-C2AF-4394-800C-177050567BA0}" presName="horz1" presStyleCnt="0"/>
+      <dgm:spPr/>
+    </dgm:pt>
+    <dgm:pt modelId="{C505D23A-6223-459B-AD26-187ADC4E885B}" type="pres">
+      <dgm:prSet presAssocID="{AC7A11C5-C2AF-4394-800C-177050567BA0}" presName="tx1" presStyleLbl="revTx" presStyleIdx="3" presStyleCnt="4"/>
+      <dgm:spPr/>
+    </dgm:pt>
+    <dgm:pt modelId="{5428340C-FDBF-40C1-83B2-8818C3BCB558}" type="pres">
+      <dgm:prSet presAssocID="{AC7A11C5-C2AF-4394-800C-177050567BA0}" presName="vert1" presStyleCnt="0"/>
+      <dgm:spPr/>
+    </dgm:pt>
+  </dgm:ptLst>
+  <dgm:cxnLst>
+    <dgm:cxn modelId="{E09CB209-4DE2-4D9A-A1B6-4FD04E1F84D4}" type="presOf" srcId="{315074F8-4626-42A8-B736-B5EFA38C16BF}" destId="{B7E4F89F-B55D-4306-A565-C43D247B8085}" srcOrd="0" destOrd="0" presId="urn:microsoft.com/office/officeart/2008/layout/LinedList"/>
+    <dgm:cxn modelId="{457F8611-6515-48FC-B0FE-32AD1445C6E3}" srcId="{DB9B2FA7-2B5A-4A8D-9F2C-D50BF73BD1B8}" destId="{B600B1DD-BEDC-47BB-AC72-EC939A5EAFED}" srcOrd="1" destOrd="0" parTransId="{73F2AF14-C40E-414E-A6E7-64C3FFAFE58E}" sibTransId="{C578D5C8-36FE-46CF-B03D-8FD94AA5A538}"/>
+    <dgm:cxn modelId="{3A8BA147-029F-4A30-BDCF-C5586313B101}" type="presOf" srcId="{B600B1DD-BEDC-47BB-AC72-EC939A5EAFED}" destId="{BA1D910B-88D7-4317-B05F-EA1707A7197A}" srcOrd="0" destOrd="0" presId="urn:microsoft.com/office/officeart/2008/layout/LinedList"/>
+    <dgm:cxn modelId="{09BC028C-A2E3-4CD7-95EE-03F6B734918A}" srcId="{DB9B2FA7-2B5A-4A8D-9F2C-D50BF73BD1B8}" destId="{AC7A11C5-C2AF-4394-800C-177050567BA0}" srcOrd="3" destOrd="0" parTransId="{337B584F-EB09-4BB9-AF01-22DF71F04792}" sibTransId="{ACB33340-7A5F-4180-982E-9B5017B9C235}"/>
+    <dgm:cxn modelId="{830349AA-FD48-45EA-B023-15A6B53959A0}" srcId="{DB9B2FA7-2B5A-4A8D-9F2C-D50BF73BD1B8}" destId="{5CCD0E62-B17B-4F62-93A3-2A6BC238788F}" srcOrd="2" destOrd="0" parTransId="{278365E1-131A-4367-BBD0-102A9149E7A1}" sibTransId="{D4AF5F7E-8CE9-4B01-99F2-D29EE65FFD9D}"/>
+    <dgm:cxn modelId="{3CAC19D0-33CD-4C31-A535-C83E05C26820}" type="presOf" srcId="{5CCD0E62-B17B-4F62-93A3-2A6BC238788F}" destId="{DAAFB2A1-B8C3-4ABE-AF77-968C7DA97E3A}" srcOrd="0" destOrd="0" presId="urn:microsoft.com/office/officeart/2008/layout/LinedList"/>
+    <dgm:cxn modelId="{09CD3CD3-405A-4D55-9F09-34D4B6E29AE0}" type="presOf" srcId="{AC7A11C5-C2AF-4394-800C-177050567BA0}" destId="{C505D23A-6223-459B-AD26-187ADC4E885B}" srcOrd="0" destOrd="0" presId="urn:microsoft.com/office/officeart/2008/layout/LinedList"/>
+    <dgm:cxn modelId="{D844EDE2-3B9F-4C5E-91CB-AA8712952258}" type="presOf" srcId="{DB9B2FA7-2B5A-4A8D-9F2C-D50BF73BD1B8}" destId="{294FB91F-7C04-4A62-9C39-5845F21DC088}" srcOrd="0" destOrd="0" presId="urn:microsoft.com/office/officeart/2008/layout/LinedList"/>
+    <dgm:cxn modelId="{D6F118FE-72AF-4FD8-B62F-442EB31FC19D}" srcId="{DB9B2FA7-2B5A-4A8D-9F2C-D50BF73BD1B8}" destId="{315074F8-4626-42A8-B736-B5EFA38C16BF}" srcOrd="0" destOrd="0" parTransId="{9F016806-F527-4372-A598-923EEACA1DFC}" sibTransId="{35C2BBCB-92BA-408C-AFB1-E351C36186C3}"/>
+    <dgm:cxn modelId="{A0A93E48-6266-4ECA-9491-7C8CA0781E29}" type="presParOf" srcId="{294FB91F-7C04-4A62-9C39-5845F21DC088}" destId="{CEB2ED02-829F-4907-82AD-32227AE54EF4}" srcOrd="0" destOrd="0" presId="urn:microsoft.com/office/officeart/2008/layout/LinedList"/>
+    <dgm:cxn modelId="{6FBFE461-E407-427B-A1DA-EBE405287B9A}" type="presParOf" srcId="{294FB91F-7C04-4A62-9C39-5845F21DC088}" destId="{5A7B0E78-D9FC-4715-8A31-BC5F32C06441}" srcOrd="1" destOrd="0" presId="urn:microsoft.com/office/officeart/2008/layout/LinedList"/>
+    <dgm:cxn modelId="{F037A33F-83EF-46DB-9B8D-B4CBE1DA0702}" type="presParOf" srcId="{5A7B0E78-D9FC-4715-8A31-BC5F32C06441}" destId="{B7E4F89F-B55D-4306-A565-C43D247B8085}" srcOrd="0" destOrd="0" presId="urn:microsoft.com/office/officeart/2008/layout/LinedList"/>
+    <dgm:cxn modelId="{1EDA05A5-8633-4013-98F4-1879D7B5FD00}" type="presParOf" srcId="{5A7B0E78-D9FC-4715-8A31-BC5F32C06441}" destId="{1BAC3667-B093-40B0-82B5-73F346750BDB}" srcOrd="1" destOrd="0" presId="urn:microsoft.com/office/officeart/2008/layout/LinedList"/>
+    <dgm:cxn modelId="{CAE1BC37-336F-4F51-B945-96B0A8E13E1E}" type="presParOf" srcId="{294FB91F-7C04-4A62-9C39-5845F21DC088}" destId="{3CE35197-6925-4440-9E3C-EBCB440E319D}" srcOrd="2" destOrd="0" presId="urn:microsoft.com/office/officeart/2008/layout/LinedList"/>
+    <dgm:cxn modelId="{A941B031-CAA9-44A9-B006-1D0425ADB01C}" type="presParOf" srcId="{294FB91F-7C04-4A62-9C39-5845F21DC088}" destId="{B6676E29-0BB6-41CD-8D8F-EDAC5B2BDF21}" srcOrd="3" destOrd="0" presId="urn:microsoft.com/office/officeart/2008/layout/LinedList"/>
+    <dgm:cxn modelId="{4CE97BE1-C312-4930-8074-F2B50E530055}" type="presParOf" srcId="{B6676E29-0BB6-41CD-8D8F-EDAC5B2BDF21}" destId="{BA1D910B-88D7-4317-B05F-EA1707A7197A}" srcOrd="0" destOrd="0" presId="urn:microsoft.com/office/officeart/2008/layout/LinedList"/>
+    <dgm:cxn modelId="{A4549AEC-B677-4116-9351-0E94C0928087}" type="presParOf" srcId="{B6676E29-0BB6-41CD-8D8F-EDAC5B2BDF21}" destId="{B431395E-95DF-4AE8-ABAE-227C7DDFA2FC}" srcOrd="1" destOrd="0" presId="urn:microsoft.com/office/officeart/2008/layout/LinedList"/>
+    <dgm:cxn modelId="{C31BBA83-77F7-4781-A2E1-94B6E3EA6269}" type="presParOf" srcId="{294FB91F-7C04-4A62-9C39-5845F21DC088}" destId="{298C95C8-FDFF-479C-BCFC-25C7B19583EE}" srcOrd="4" destOrd="0" presId="urn:microsoft.com/office/officeart/2008/layout/LinedList"/>
+    <dgm:cxn modelId="{5DEE3D8E-FC5C-4650-96E4-392C5F82E5DC}" type="presParOf" srcId="{294FB91F-7C04-4A62-9C39-5845F21DC088}" destId="{10F3257D-B0A5-4202-B3F2-18B3315566F0}" srcOrd="5" destOrd="0" presId="urn:microsoft.com/office/officeart/2008/layout/LinedList"/>
+    <dgm:cxn modelId="{26169EA3-7C70-42C4-9D18-A9E45EEC48E5}" type="presParOf" srcId="{10F3257D-B0A5-4202-B3F2-18B3315566F0}" destId="{DAAFB2A1-B8C3-4ABE-AF77-968C7DA97E3A}" srcOrd="0" destOrd="0" presId="urn:microsoft.com/office/officeart/2008/layout/LinedList"/>
+    <dgm:cxn modelId="{88B86489-FCCA-43EB-8098-29C0A2D1DD36}" type="presParOf" srcId="{10F3257D-B0A5-4202-B3F2-18B3315566F0}" destId="{C2779428-237E-4309-A8D9-33C8BA19CF6A}" srcOrd="1" destOrd="0" presId="urn:microsoft.com/office/officeart/2008/layout/LinedList"/>
+    <dgm:cxn modelId="{D2E43084-0861-4DBD-BFE1-17B75B691B00}" type="presParOf" srcId="{294FB91F-7C04-4A62-9C39-5845F21DC088}" destId="{2D3D64C0-406F-491A-9612-D28ECA705F34}" srcOrd="6" destOrd="0" presId="urn:microsoft.com/office/officeart/2008/layout/LinedList"/>
+    <dgm:cxn modelId="{626830C9-F646-4FF0-A797-6FCBBD2DB3AD}" type="presParOf" srcId="{294FB91F-7C04-4A62-9C39-5845F21DC088}" destId="{BB8FC023-758B-42ED-904E-FD3D33A6165C}" srcOrd="7" destOrd="0" presId="urn:microsoft.com/office/officeart/2008/layout/LinedList"/>
+    <dgm:cxn modelId="{1992740F-D390-4EFA-B01E-686CD8F0C364}" type="presParOf" srcId="{BB8FC023-758B-42ED-904E-FD3D33A6165C}" destId="{C505D23A-6223-459B-AD26-187ADC4E885B}" srcOrd="0" destOrd="0" presId="urn:microsoft.com/office/officeart/2008/layout/LinedList"/>
+    <dgm:cxn modelId="{7730505D-C8B6-4F4F-A429-CE7986018625}" type="presParOf" srcId="{BB8FC023-758B-42ED-904E-FD3D33A6165C}" destId="{5428340C-FDBF-40C1-83B2-8818C3BCB558}" srcOrd="1" destOrd="0" presId="urn:microsoft.com/office/officeart/2008/layout/LinedList"/>
+  </dgm:cxnLst>
+  <dgm:bg/>
+  <dgm:whole/>
+  <dgm:extLst>
+    <a:ext uri="http://schemas.microsoft.com/office/drawing/2008/diagram">
+      <dsp:dataModelExt xmlns:dsp="http://schemas.microsoft.com/office/drawing/2008/diagram" relId="rId6" minVer="http://schemas.openxmlformats.org/drawingml/2006/diagram"/>
+    </a:ext>
+  </dgm:extLst>
+</dgm:dataModel>
+</file>
+
+<file path=ppt/diagrams/drawing1.xml><?xml version="1.0" encoding="utf-8"?>
+<dsp:drawing xmlns:dgm="http://schemas.openxmlformats.org/drawingml/2006/diagram" xmlns:dsp="http://schemas.microsoft.com/office/drawing/2008/diagram" xmlns:a="http://schemas.openxmlformats.org/drawingml/2006/main">
+  <dsp:spTree>
+    <dsp:nvGrpSpPr>
+      <dsp:cNvPr id="0" name=""/>
+      <dsp:cNvGrpSpPr/>
+    </dsp:nvGrpSpPr>
+    <dsp:grpSpPr/>
+    <dsp:sp modelId="{0915AD29-2CF3-4AD7-ACCB-6A7A37E68F5E}">
+      <dsp:nvSpPr>
+        <dsp:cNvPr id="0" name=""/>
+        <dsp:cNvSpPr/>
+      </dsp:nvSpPr>
+      <dsp:spPr>
+        <a:xfrm>
+          <a:off x="2854" y="793731"/>
+          <a:ext cx="2037895" cy="1294063"/>
+        </a:xfrm>
+        <a:prstGeom prst="roundRect">
+          <a:avLst>
+            <a:gd name="adj" fmla="val 10000"/>
+          </a:avLst>
+        </a:prstGeom>
+        <a:solidFill>
+          <a:schemeClr val="accent1">
+            <a:hueOff val="0"/>
+            <a:satOff val="0"/>
+            <a:lumOff val="0"/>
+            <a:alphaOff val="0"/>
+          </a:schemeClr>
+        </a:solidFill>
+        <a:ln w="15875" cap="rnd" cmpd="sng" algn="ctr">
+          <a:solidFill>
+            <a:schemeClr val="lt1">
+              <a:hueOff val="0"/>
+              <a:satOff val="0"/>
+              <a:lumOff val="0"/>
+              <a:alphaOff val="0"/>
+            </a:schemeClr>
+          </a:solidFill>
+          <a:prstDash val="solid"/>
+        </a:ln>
+        <a:effectLst/>
+      </dsp:spPr>
+      <dsp:style>
+        <a:lnRef idx="2">
+          <a:scrgbClr r="0" g="0" b="0"/>
+        </a:lnRef>
+        <a:fillRef idx="1">
+          <a:scrgbClr r="0" g="0" b="0"/>
+        </a:fillRef>
+        <a:effectRef idx="0">
+          <a:scrgbClr r="0" g="0" b="0"/>
+        </a:effectRef>
+        <a:fontRef idx="minor">
+          <a:schemeClr val="lt1"/>
+        </a:fontRef>
+      </dsp:style>
+    </dsp:sp>
+    <dsp:sp modelId="{967F0819-0004-41DC-A184-257287A479E9}">
+      <dsp:nvSpPr>
+        <dsp:cNvPr id="0" name=""/>
+        <dsp:cNvSpPr/>
+      </dsp:nvSpPr>
+      <dsp:spPr>
+        <a:xfrm>
+          <a:off x="229286" y="1008842"/>
+          <a:ext cx="2037895" cy="1294063"/>
+        </a:xfrm>
+        <a:prstGeom prst="roundRect">
+          <a:avLst>
+            <a:gd name="adj" fmla="val 10000"/>
+          </a:avLst>
+        </a:prstGeom>
+        <a:solidFill>
+          <a:schemeClr val="lt1">
+            <a:alpha val="90000"/>
+            <a:hueOff val="0"/>
+            <a:satOff val="0"/>
+            <a:lumOff val="0"/>
+            <a:alphaOff val="0"/>
+          </a:schemeClr>
+        </a:solidFill>
+        <a:ln w="15875" cap="rnd" cmpd="sng" algn="ctr">
+          <a:solidFill>
+            <a:schemeClr val="accent1">
+              <a:hueOff val="0"/>
+              <a:satOff val="0"/>
+              <a:lumOff val="0"/>
+              <a:alphaOff val="0"/>
+            </a:schemeClr>
+          </a:solidFill>
+          <a:prstDash val="solid"/>
+        </a:ln>
+        <a:effectLst/>
+      </dsp:spPr>
+      <dsp:style>
+        <a:lnRef idx="2">
+          <a:scrgbClr r="0" g="0" b="0"/>
+        </a:lnRef>
+        <a:fillRef idx="1">
+          <a:scrgbClr r="0" g="0" b="0"/>
+        </a:fillRef>
+        <a:effectRef idx="0">
+          <a:scrgbClr r="0" g="0" b="0"/>
+        </a:effectRef>
+        <a:fontRef idx="minor"/>
+      </dsp:style>
+      <dsp:txBody>
+        <a:bodyPr spcFirstLastPara="0" vert="horz" wrap="square" lIns="68580" tIns="68580" rIns="68580" bIns="68580" numCol="1" spcCol="1270" anchor="ctr" anchorCtr="0">
+          <a:noAutofit/>
+        </a:bodyPr>
+        <a:lstStyle/>
+        <a:p>
+          <a:pPr marL="0" lvl="0" indent="0" algn="ctr" defTabSz="800100">
+            <a:lnSpc>
+              <a:spcPct val="90000"/>
+            </a:lnSpc>
+            <a:spcBef>
+              <a:spcPct val="0"/>
+            </a:spcBef>
+            <a:spcAft>
+              <a:spcPct val="35000"/>
+            </a:spcAft>
+            <a:buNone/>
+          </a:pPr>
+          <a:r>
+            <a:rPr lang="fr-CA" sz="1800" kern="1200" dirty="0"/>
+            <a:t>Le site d’hébergement de dépôts git le plus utilisé au monde</a:t>
+          </a:r>
+          <a:endParaRPr lang="en-US" sz="1800" kern="1200" dirty="0"/>
+        </a:p>
+      </dsp:txBody>
+      <dsp:txXfrm>
+        <a:off x="267188" y="1046744"/>
+        <a:ext cx="1962091" cy="1218259"/>
+      </dsp:txXfrm>
+    </dsp:sp>
+    <dsp:sp modelId="{BAB2BF1A-7546-43F8-87C5-0D1A2913EA9C}">
+      <dsp:nvSpPr>
+        <dsp:cNvPr id="0" name=""/>
+        <dsp:cNvSpPr/>
+      </dsp:nvSpPr>
+      <dsp:spPr>
+        <a:xfrm>
+          <a:off x="2493615" y="793731"/>
+          <a:ext cx="2037895" cy="1294063"/>
+        </a:xfrm>
+        <a:prstGeom prst="roundRect">
+          <a:avLst>
+            <a:gd name="adj" fmla="val 10000"/>
+          </a:avLst>
+        </a:prstGeom>
+        <a:solidFill>
+          <a:schemeClr val="accent1">
+            <a:hueOff val="0"/>
+            <a:satOff val="0"/>
+            <a:lumOff val="0"/>
+            <a:alphaOff val="0"/>
+          </a:schemeClr>
+        </a:solidFill>
+        <a:ln w="15875" cap="rnd" cmpd="sng" algn="ctr">
+          <a:solidFill>
+            <a:schemeClr val="lt1">
+              <a:hueOff val="0"/>
+              <a:satOff val="0"/>
+              <a:lumOff val="0"/>
+              <a:alphaOff val="0"/>
+            </a:schemeClr>
+          </a:solidFill>
+          <a:prstDash val="solid"/>
+        </a:ln>
+        <a:effectLst/>
+      </dsp:spPr>
+      <dsp:style>
+        <a:lnRef idx="2">
+          <a:scrgbClr r="0" g="0" b="0"/>
+        </a:lnRef>
+        <a:fillRef idx="1">
+          <a:scrgbClr r="0" g="0" b="0"/>
+        </a:fillRef>
+        <a:effectRef idx="0">
+          <a:scrgbClr r="0" g="0" b="0"/>
+        </a:effectRef>
+        <a:fontRef idx="minor">
+          <a:schemeClr val="lt1"/>
+        </a:fontRef>
+      </dsp:style>
+    </dsp:sp>
+    <dsp:sp modelId="{CC6BE747-29E7-40C0-B5A0-9C87EEA7F1C0}">
+      <dsp:nvSpPr>
+        <dsp:cNvPr id="0" name=""/>
+        <dsp:cNvSpPr/>
+      </dsp:nvSpPr>
+      <dsp:spPr>
+        <a:xfrm>
+          <a:off x="2720047" y="1008842"/>
+          <a:ext cx="2037895" cy="1294063"/>
+        </a:xfrm>
+        <a:prstGeom prst="roundRect">
+          <a:avLst>
+            <a:gd name="adj" fmla="val 10000"/>
+          </a:avLst>
+        </a:prstGeom>
+        <a:solidFill>
+          <a:schemeClr val="lt1">
+            <a:alpha val="90000"/>
+            <a:hueOff val="0"/>
+            <a:satOff val="0"/>
+            <a:lumOff val="0"/>
+            <a:alphaOff val="0"/>
+          </a:schemeClr>
+        </a:solidFill>
+        <a:ln w="15875" cap="rnd" cmpd="sng" algn="ctr">
+          <a:solidFill>
+            <a:schemeClr val="accent1">
+              <a:hueOff val="0"/>
+              <a:satOff val="0"/>
+              <a:lumOff val="0"/>
+              <a:alphaOff val="0"/>
+            </a:schemeClr>
+          </a:solidFill>
+          <a:prstDash val="solid"/>
+        </a:ln>
+        <a:effectLst/>
+      </dsp:spPr>
+      <dsp:style>
+        <a:lnRef idx="2">
+          <a:scrgbClr r="0" g="0" b="0"/>
+        </a:lnRef>
+        <a:fillRef idx="1">
+          <a:scrgbClr r="0" g="0" b="0"/>
+        </a:fillRef>
+        <a:effectRef idx="0">
+          <a:scrgbClr r="0" g="0" b="0"/>
+        </a:effectRef>
+        <a:fontRef idx="minor"/>
+      </dsp:style>
+      <dsp:txBody>
+        <a:bodyPr spcFirstLastPara="0" vert="horz" wrap="square" lIns="68580" tIns="68580" rIns="68580" bIns="68580" numCol="1" spcCol="1270" anchor="ctr" anchorCtr="0">
+          <a:noAutofit/>
+        </a:bodyPr>
+        <a:lstStyle/>
+        <a:p>
+          <a:pPr marL="0" lvl="0" indent="0" algn="ctr" defTabSz="800100">
+            <a:lnSpc>
+              <a:spcPct val="90000"/>
+            </a:lnSpc>
+            <a:spcBef>
+              <a:spcPct val="0"/>
+            </a:spcBef>
+            <a:spcAft>
+              <a:spcPct val="35000"/>
+            </a:spcAft>
+            <a:buNone/>
+          </a:pPr>
+          <a:r>
+            <a:rPr lang="fr-CA" sz="1800" kern="1200"/>
+            <a:t>Fondé en 2007</a:t>
+          </a:r>
+          <a:endParaRPr lang="en-US" sz="1800" kern="1200"/>
+        </a:p>
+      </dsp:txBody>
+      <dsp:txXfrm>
+        <a:off x="2757949" y="1046744"/>
+        <a:ext cx="1962091" cy="1218259"/>
+      </dsp:txXfrm>
+    </dsp:sp>
+    <dsp:sp modelId="{3D848562-D818-402B-939E-4D301263F432}">
+      <dsp:nvSpPr>
+        <dsp:cNvPr id="0" name=""/>
+        <dsp:cNvSpPr/>
+      </dsp:nvSpPr>
+      <dsp:spPr>
+        <a:xfrm>
+          <a:off x="4984375" y="793731"/>
+          <a:ext cx="2037895" cy="1294063"/>
+        </a:xfrm>
+        <a:prstGeom prst="roundRect">
+          <a:avLst>
+            <a:gd name="adj" fmla="val 10000"/>
+          </a:avLst>
+        </a:prstGeom>
+        <a:solidFill>
+          <a:schemeClr val="accent1">
+            <a:hueOff val="0"/>
+            <a:satOff val="0"/>
+            <a:lumOff val="0"/>
+            <a:alphaOff val="0"/>
+          </a:schemeClr>
+        </a:solidFill>
+        <a:ln w="15875" cap="rnd" cmpd="sng" algn="ctr">
+          <a:solidFill>
+            <a:schemeClr val="lt1">
+              <a:hueOff val="0"/>
+              <a:satOff val="0"/>
+              <a:lumOff val="0"/>
+              <a:alphaOff val="0"/>
+            </a:schemeClr>
+          </a:solidFill>
+          <a:prstDash val="solid"/>
+        </a:ln>
+        <a:effectLst/>
+      </dsp:spPr>
+      <dsp:style>
+        <a:lnRef idx="2">
+          <a:scrgbClr r="0" g="0" b="0"/>
+        </a:lnRef>
+        <a:fillRef idx="1">
+          <a:scrgbClr r="0" g="0" b="0"/>
+        </a:fillRef>
+        <a:effectRef idx="0">
+          <a:scrgbClr r="0" g="0" b="0"/>
+        </a:effectRef>
+        <a:fontRef idx="minor">
+          <a:schemeClr val="lt1"/>
+        </a:fontRef>
+      </dsp:style>
+    </dsp:sp>
+    <dsp:sp modelId="{0CA8DEAE-2207-4CB2-ADB2-9C192A3219AD}">
+      <dsp:nvSpPr>
+        <dsp:cNvPr id="0" name=""/>
+        <dsp:cNvSpPr/>
+      </dsp:nvSpPr>
+      <dsp:spPr>
+        <a:xfrm>
+          <a:off x="5210808" y="1008842"/>
+          <a:ext cx="2037895" cy="1294063"/>
+        </a:xfrm>
+        <a:prstGeom prst="roundRect">
+          <a:avLst>
+            <a:gd name="adj" fmla="val 10000"/>
+          </a:avLst>
+        </a:prstGeom>
+        <a:solidFill>
+          <a:schemeClr val="lt1">
+            <a:alpha val="90000"/>
+            <a:hueOff val="0"/>
+            <a:satOff val="0"/>
+            <a:lumOff val="0"/>
+            <a:alphaOff val="0"/>
+          </a:schemeClr>
+        </a:solidFill>
+        <a:ln w="15875" cap="rnd" cmpd="sng" algn="ctr">
+          <a:solidFill>
+            <a:schemeClr val="accent1">
+              <a:hueOff val="0"/>
+              <a:satOff val="0"/>
+              <a:lumOff val="0"/>
+              <a:alphaOff val="0"/>
+            </a:schemeClr>
+          </a:solidFill>
+          <a:prstDash val="solid"/>
+        </a:ln>
+        <a:effectLst/>
+      </dsp:spPr>
+      <dsp:style>
+        <a:lnRef idx="2">
+          <a:scrgbClr r="0" g="0" b="0"/>
+        </a:lnRef>
+        <a:fillRef idx="1">
+          <a:scrgbClr r="0" g="0" b="0"/>
+        </a:fillRef>
+        <a:effectRef idx="0">
+          <a:scrgbClr r="0" g="0" b="0"/>
+        </a:effectRef>
+        <a:fontRef idx="minor"/>
+      </dsp:style>
+      <dsp:txBody>
+        <a:bodyPr spcFirstLastPara="0" vert="horz" wrap="square" lIns="68580" tIns="68580" rIns="68580" bIns="68580" numCol="1" spcCol="1270" anchor="ctr" anchorCtr="0">
+          <a:noAutofit/>
+        </a:bodyPr>
+        <a:lstStyle/>
+        <a:p>
+          <a:pPr marL="0" lvl="0" indent="0" algn="ctr" defTabSz="800100">
+            <a:lnSpc>
+              <a:spcPct val="90000"/>
+            </a:lnSpc>
+            <a:spcBef>
+              <a:spcPct val="0"/>
+            </a:spcBef>
+            <a:spcAft>
+              <a:spcPct val="35000"/>
+            </a:spcAft>
+            <a:buNone/>
+          </a:pPr>
+          <a:r>
+            <a:rPr lang="fr-CA" sz="1800" kern="1200"/>
+            <a:t>69 millions de projets hébergés</a:t>
+          </a:r>
+          <a:endParaRPr lang="en-US" sz="1800" kern="1200"/>
+        </a:p>
+      </dsp:txBody>
+      <dsp:txXfrm>
+        <a:off x="5248710" y="1046744"/>
+        <a:ext cx="1962091" cy="1218259"/>
+      </dsp:txXfrm>
+    </dsp:sp>
+    <dsp:sp modelId="{646FA8B2-7C9E-4F44-BD23-C4DF7B937EB5}">
+      <dsp:nvSpPr>
+        <dsp:cNvPr id="0" name=""/>
+        <dsp:cNvSpPr/>
+      </dsp:nvSpPr>
+      <dsp:spPr>
+        <a:xfrm>
+          <a:off x="7475136" y="793731"/>
+          <a:ext cx="2037895" cy="1294063"/>
+        </a:xfrm>
+        <a:prstGeom prst="roundRect">
+          <a:avLst>
+            <a:gd name="adj" fmla="val 10000"/>
+          </a:avLst>
+        </a:prstGeom>
+        <a:solidFill>
+          <a:schemeClr val="accent1">
+            <a:hueOff val="0"/>
+            <a:satOff val="0"/>
+            <a:lumOff val="0"/>
+            <a:alphaOff val="0"/>
+          </a:schemeClr>
+        </a:solidFill>
+        <a:ln w="15875" cap="rnd" cmpd="sng" algn="ctr">
+          <a:solidFill>
+            <a:schemeClr val="lt1">
+              <a:hueOff val="0"/>
+              <a:satOff val="0"/>
+              <a:lumOff val="0"/>
+              <a:alphaOff val="0"/>
+            </a:schemeClr>
+          </a:solidFill>
+          <a:prstDash val="solid"/>
+        </a:ln>
+        <a:effectLst/>
+      </dsp:spPr>
+      <dsp:style>
+        <a:lnRef idx="2">
+          <a:scrgbClr r="0" g="0" b="0"/>
+        </a:lnRef>
+        <a:fillRef idx="1">
+          <a:scrgbClr r="0" g="0" b="0"/>
+        </a:fillRef>
+        <a:effectRef idx="0">
+          <a:scrgbClr r="0" g="0" b="0"/>
+        </a:effectRef>
+        <a:fontRef idx="minor">
+          <a:schemeClr val="lt1"/>
+        </a:fontRef>
+      </dsp:style>
+    </dsp:sp>
+    <dsp:sp modelId="{D503447B-1095-4F24-8050-2549F9B9C819}">
+      <dsp:nvSpPr>
+        <dsp:cNvPr id="0" name=""/>
+        <dsp:cNvSpPr/>
+      </dsp:nvSpPr>
+      <dsp:spPr>
+        <a:xfrm>
+          <a:off x="7701569" y="1008842"/>
+          <a:ext cx="2037895" cy="1294063"/>
+        </a:xfrm>
+        <a:prstGeom prst="roundRect">
+          <a:avLst>
+            <a:gd name="adj" fmla="val 10000"/>
+          </a:avLst>
+        </a:prstGeom>
+        <a:solidFill>
+          <a:schemeClr val="lt1">
+            <a:alpha val="90000"/>
+            <a:hueOff val="0"/>
+            <a:satOff val="0"/>
+            <a:lumOff val="0"/>
+            <a:alphaOff val="0"/>
+          </a:schemeClr>
+        </a:solidFill>
+        <a:ln w="15875" cap="rnd" cmpd="sng" algn="ctr">
+          <a:solidFill>
+            <a:schemeClr val="accent1">
+              <a:hueOff val="0"/>
+              <a:satOff val="0"/>
+              <a:lumOff val="0"/>
+              <a:alphaOff val="0"/>
+            </a:schemeClr>
+          </a:solidFill>
+          <a:prstDash val="solid"/>
+        </a:ln>
+        <a:effectLst/>
+      </dsp:spPr>
+      <dsp:style>
+        <a:lnRef idx="2">
+          <a:scrgbClr r="0" g="0" b="0"/>
+        </a:lnRef>
+        <a:fillRef idx="1">
+          <a:scrgbClr r="0" g="0" b="0"/>
+        </a:fillRef>
+        <a:effectRef idx="0">
+          <a:scrgbClr r="0" g="0" b="0"/>
+        </a:effectRef>
+        <a:fontRef idx="minor"/>
+      </dsp:style>
+      <dsp:txBody>
+        <a:bodyPr spcFirstLastPara="0" vert="horz" wrap="square" lIns="68580" tIns="68580" rIns="68580" bIns="68580" numCol="1" spcCol="1270" anchor="ctr" anchorCtr="0">
+          <a:noAutofit/>
+        </a:bodyPr>
+        <a:lstStyle/>
+        <a:p>
+          <a:pPr marL="0" lvl="0" indent="0" algn="ctr" defTabSz="800100">
+            <a:lnSpc>
+              <a:spcPct val="90000"/>
+            </a:lnSpc>
+            <a:spcBef>
+              <a:spcPct val="0"/>
+            </a:spcBef>
+            <a:spcAft>
+              <a:spcPct val="35000"/>
+            </a:spcAft>
+            <a:buNone/>
+          </a:pPr>
+          <a:r>
+            <a:rPr lang="fr-CA" sz="1800" kern="1200"/>
+            <a:t>707 employés autour du monde</a:t>
+          </a:r>
+          <a:endParaRPr lang="en-US" sz="1800" kern="1200"/>
+        </a:p>
+      </dsp:txBody>
+      <dsp:txXfrm>
+        <a:off x="7739471" y="1046744"/>
+        <a:ext cx="1962091" cy="1218259"/>
+      </dsp:txXfrm>
+    </dsp:sp>
+  </dsp:spTree>
+</dsp:drawing>
+</file>
+
+<file path=ppt/diagrams/drawing2.xml><?xml version="1.0" encoding="utf-8"?>
+<dsp:drawing xmlns:dgm="http://schemas.openxmlformats.org/drawingml/2006/diagram" xmlns:dsp="http://schemas.microsoft.com/office/drawing/2008/diagram" xmlns:a="http://schemas.openxmlformats.org/drawingml/2006/main">
+  <dsp:spTree>
+    <dsp:nvGrpSpPr>
+      <dsp:cNvPr id="0" name=""/>
+      <dsp:cNvGrpSpPr/>
+    </dsp:nvGrpSpPr>
+    <dsp:grpSpPr/>
+    <dsp:sp modelId="{CEB2ED02-829F-4907-82AD-32227AE54EF4}">
+      <dsp:nvSpPr>
+        <dsp:cNvPr id="0" name=""/>
+        <dsp:cNvSpPr/>
+      </dsp:nvSpPr>
+      <dsp:spPr>
+        <a:xfrm>
+          <a:off x="0" y="0"/>
+          <a:ext cx="9742319" cy="0"/>
+        </a:xfrm>
+        <a:prstGeom prst="line">
+          <a:avLst/>
+        </a:prstGeom>
+        <a:solidFill>
+          <a:schemeClr val="accent1">
+            <a:hueOff val="0"/>
+            <a:satOff val="0"/>
+            <a:lumOff val="0"/>
+            <a:alphaOff val="0"/>
+          </a:schemeClr>
+        </a:solidFill>
+        <a:ln w="15875" cap="rnd" cmpd="sng" algn="ctr">
+          <a:solidFill>
+            <a:schemeClr val="accent1">
+              <a:hueOff val="0"/>
+              <a:satOff val="0"/>
+              <a:lumOff val="0"/>
+              <a:alphaOff val="0"/>
+            </a:schemeClr>
+          </a:solidFill>
+          <a:prstDash val="solid"/>
+        </a:ln>
+        <a:effectLst/>
+      </dsp:spPr>
+      <dsp:style>
+        <a:lnRef idx="2">
+          <a:scrgbClr r="0" g="0" b="0"/>
+        </a:lnRef>
+        <a:fillRef idx="1">
+          <a:scrgbClr r="0" g="0" b="0"/>
+        </a:fillRef>
+        <a:effectRef idx="0">
+          <a:scrgbClr r="0" g="0" b="0"/>
+        </a:effectRef>
+        <a:fontRef idx="minor">
+          <a:schemeClr val="lt1"/>
+        </a:fontRef>
+      </dsp:style>
+    </dsp:sp>
+    <dsp:sp modelId="{B7E4F89F-B55D-4306-A565-C43D247B8085}">
+      <dsp:nvSpPr>
+        <dsp:cNvPr id="0" name=""/>
+        <dsp:cNvSpPr/>
+      </dsp:nvSpPr>
+      <dsp:spPr>
+        <a:xfrm>
+          <a:off x="0" y="0"/>
+          <a:ext cx="9742319" cy="774159"/>
+        </a:xfrm>
+        <a:prstGeom prst="rect">
+          <a:avLst/>
+        </a:prstGeom>
+        <a:noFill/>
+        <a:ln>
+          <a:noFill/>
+        </a:ln>
+        <a:effectLst/>
+      </dsp:spPr>
+      <dsp:style>
+        <a:lnRef idx="0">
+          <a:scrgbClr r="0" g="0" b="0"/>
+        </a:lnRef>
+        <a:fillRef idx="0">
+          <a:scrgbClr r="0" g="0" b="0"/>
+        </a:fillRef>
+        <a:effectRef idx="0">
+          <a:scrgbClr r="0" g="0" b="0"/>
+        </a:effectRef>
+        <a:fontRef idx="minor"/>
+      </dsp:style>
+      <dsp:txBody>
+        <a:bodyPr spcFirstLastPara="0" vert="horz" wrap="square" lIns="133350" tIns="133350" rIns="133350" bIns="133350" numCol="1" spcCol="1270" anchor="t" anchorCtr="0">
+          <a:noAutofit/>
+        </a:bodyPr>
+        <a:lstStyle/>
+        <a:p>
+          <a:pPr marL="0" lvl="0" indent="0" algn="l" defTabSz="1555750">
+            <a:lnSpc>
+              <a:spcPct val="90000"/>
+            </a:lnSpc>
+            <a:spcBef>
+              <a:spcPct val="0"/>
+            </a:spcBef>
+            <a:spcAft>
+              <a:spcPct val="35000"/>
+            </a:spcAft>
+            <a:buNone/>
+          </a:pPr>
+          <a:r>
+            <a:rPr lang="fr-CA" sz="3500" kern="1200"/>
+            <a:t>Création d’un profil</a:t>
+          </a:r>
+          <a:endParaRPr lang="en-US" sz="3500" kern="1200"/>
+        </a:p>
+      </dsp:txBody>
+      <dsp:txXfrm>
+        <a:off x="0" y="0"/>
+        <a:ext cx="9742319" cy="774159"/>
+      </dsp:txXfrm>
+    </dsp:sp>
+    <dsp:sp modelId="{3CE35197-6925-4440-9E3C-EBCB440E319D}">
+      <dsp:nvSpPr>
+        <dsp:cNvPr id="0" name=""/>
+        <dsp:cNvSpPr/>
+      </dsp:nvSpPr>
+      <dsp:spPr>
+        <a:xfrm>
+          <a:off x="0" y="774159"/>
+          <a:ext cx="9742319" cy="0"/>
+        </a:xfrm>
+        <a:prstGeom prst="line">
+          <a:avLst/>
+        </a:prstGeom>
+        <a:solidFill>
+          <a:schemeClr val="accent1">
+            <a:hueOff val="0"/>
+            <a:satOff val="0"/>
+            <a:lumOff val="0"/>
+            <a:alphaOff val="0"/>
+          </a:schemeClr>
+        </a:solidFill>
+        <a:ln w="15875" cap="rnd" cmpd="sng" algn="ctr">
+          <a:solidFill>
+            <a:schemeClr val="accent1">
+              <a:hueOff val="0"/>
+              <a:satOff val="0"/>
+              <a:lumOff val="0"/>
+              <a:alphaOff val="0"/>
+            </a:schemeClr>
+          </a:solidFill>
+          <a:prstDash val="solid"/>
+        </a:ln>
+        <a:effectLst/>
+      </dsp:spPr>
+      <dsp:style>
+        <a:lnRef idx="2">
+          <a:scrgbClr r="0" g="0" b="0"/>
+        </a:lnRef>
+        <a:fillRef idx="1">
+          <a:scrgbClr r="0" g="0" b="0"/>
+        </a:fillRef>
+        <a:effectRef idx="0">
+          <a:scrgbClr r="0" g="0" b="0"/>
+        </a:effectRef>
+        <a:fontRef idx="minor">
+          <a:schemeClr val="lt1"/>
+        </a:fontRef>
+      </dsp:style>
+    </dsp:sp>
+    <dsp:sp modelId="{BA1D910B-88D7-4317-B05F-EA1707A7197A}">
+      <dsp:nvSpPr>
+        <dsp:cNvPr id="0" name=""/>
+        <dsp:cNvSpPr/>
+      </dsp:nvSpPr>
+      <dsp:spPr>
+        <a:xfrm>
+          <a:off x="0" y="774159"/>
+          <a:ext cx="9742319" cy="774159"/>
+        </a:xfrm>
+        <a:prstGeom prst="rect">
+          <a:avLst/>
+        </a:prstGeom>
+        <a:noFill/>
+        <a:ln>
+          <a:noFill/>
+        </a:ln>
+        <a:effectLst/>
+      </dsp:spPr>
+      <dsp:style>
+        <a:lnRef idx="0">
+          <a:scrgbClr r="0" g="0" b="0"/>
+        </a:lnRef>
+        <a:fillRef idx="0">
+          <a:scrgbClr r="0" g="0" b="0"/>
+        </a:fillRef>
+        <a:effectRef idx="0">
+          <a:scrgbClr r="0" g="0" b="0"/>
+        </a:effectRef>
+        <a:fontRef idx="minor"/>
+      </dsp:style>
+      <dsp:txBody>
+        <a:bodyPr spcFirstLastPara="0" vert="horz" wrap="square" lIns="133350" tIns="133350" rIns="133350" bIns="133350" numCol="1" spcCol="1270" anchor="t" anchorCtr="0">
+          <a:noAutofit/>
+        </a:bodyPr>
+        <a:lstStyle/>
+        <a:p>
+          <a:pPr marL="0" lvl="0" indent="0" algn="l" defTabSz="1555750">
+            <a:lnSpc>
+              <a:spcPct val="90000"/>
+            </a:lnSpc>
+            <a:spcBef>
+              <a:spcPct val="0"/>
+            </a:spcBef>
+            <a:spcAft>
+              <a:spcPct val="35000"/>
+            </a:spcAft>
+            <a:buNone/>
+          </a:pPr>
+          <a:r>
+            <a:rPr lang="fr-CA" sz="3500" kern="1200"/>
+            <a:t>Followers</a:t>
+          </a:r>
+          <a:endParaRPr lang="en-US" sz="3500" kern="1200"/>
+        </a:p>
+      </dsp:txBody>
+      <dsp:txXfrm>
+        <a:off x="0" y="774159"/>
+        <a:ext cx="9742319" cy="774159"/>
+      </dsp:txXfrm>
+    </dsp:sp>
+    <dsp:sp modelId="{298C95C8-FDFF-479C-BCFC-25C7B19583EE}">
+      <dsp:nvSpPr>
+        <dsp:cNvPr id="0" name=""/>
+        <dsp:cNvSpPr/>
+      </dsp:nvSpPr>
+      <dsp:spPr>
+        <a:xfrm>
+          <a:off x="0" y="1548319"/>
+          <a:ext cx="9742319" cy="0"/>
+        </a:xfrm>
+        <a:prstGeom prst="line">
+          <a:avLst/>
+        </a:prstGeom>
+        <a:solidFill>
+          <a:schemeClr val="accent1">
+            <a:hueOff val="0"/>
+            <a:satOff val="0"/>
+            <a:lumOff val="0"/>
+            <a:alphaOff val="0"/>
+          </a:schemeClr>
+        </a:solidFill>
+        <a:ln w="15875" cap="rnd" cmpd="sng" algn="ctr">
+          <a:solidFill>
+            <a:schemeClr val="accent1">
+              <a:hueOff val="0"/>
+              <a:satOff val="0"/>
+              <a:lumOff val="0"/>
+              <a:alphaOff val="0"/>
+            </a:schemeClr>
+          </a:solidFill>
+          <a:prstDash val="solid"/>
+        </a:ln>
+        <a:effectLst/>
+      </dsp:spPr>
+      <dsp:style>
+        <a:lnRef idx="2">
+          <a:scrgbClr r="0" g="0" b="0"/>
+        </a:lnRef>
+        <a:fillRef idx="1">
+          <a:scrgbClr r="0" g="0" b="0"/>
+        </a:fillRef>
+        <a:effectRef idx="0">
+          <a:scrgbClr r="0" g="0" b="0"/>
+        </a:effectRef>
+        <a:fontRef idx="minor">
+          <a:schemeClr val="lt1"/>
+        </a:fontRef>
+      </dsp:style>
+    </dsp:sp>
+    <dsp:sp modelId="{DAAFB2A1-B8C3-4ABE-AF77-968C7DA97E3A}">
+      <dsp:nvSpPr>
+        <dsp:cNvPr id="0" name=""/>
+        <dsp:cNvSpPr/>
+      </dsp:nvSpPr>
+      <dsp:spPr>
+        <a:xfrm>
+          <a:off x="0" y="1548318"/>
+          <a:ext cx="9742319" cy="774159"/>
+        </a:xfrm>
+        <a:prstGeom prst="rect">
+          <a:avLst/>
+        </a:prstGeom>
+        <a:noFill/>
+        <a:ln>
+          <a:noFill/>
+        </a:ln>
+        <a:effectLst/>
+      </dsp:spPr>
+      <dsp:style>
+        <a:lnRef idx="0">
+          <a:scrgbClr r="0" g="0" b="0"/>
+        </a:lnRef>
+        <a:fillRef idx="0">
+          <a:scrgbClr r="0" g="0" b="0"/>
+        </a:fillRef>
+        <a:effectRef idx="0">
+          <a:scrgbClr r="0" g="0" b="0"/>
+        </a:effectRef>
+        <a:fontRef idx="minor"/>
+      </dsp:style>
+      <dsp:txBody>
+        <a:bodyPr spcFirstLastPara="0" vert="horz" wrap="square" lIns="133350" tIns="133350" rIns="133350" bIns="133350" numCol="1" spcCol="1270" anchor="t" anchorCtr="0">
+          <a:noAutofit/>
+        </a:bodyPr>
+        <a:lstStyle/>
+        <a:p>
+          <a:pPr marL="0" lvl="0" indent="0" algn="l" defTabSz="1555750">
+            <a:lnSpc>
+              <a:spcPct val="90000"/>
+            </a:lnSpc>
+            <a:spcBef>
+              <a:spcPct val="0"/>
+            </a:spcBef>
+            <a:spcAft>
+              <a:spcPct val="35000"/>
+            </a:spcAft>
+            <a:buNone/>
+          </a:pPr>
+          <a:r>
+            <a:rPr lang="fr-CA" sz="3500" kern="1200" dirty="0"/>
+            <a:t>Système de commentaires</a:t>
+          </a:r>
+          <a:endParaRPr lang="en-US" sz="3500" kern="1200" dirty="0"/>
+        </a:p>
+      </dsp:txBody>
+      <dsp:txXfrm>
+        <a:off x="0" y="1548318"/>
+        <a:ext cx="9742319" cy="774159"/>
+      </dsp:txXfrm>
+    </dsp:sp>
+    <dsp:sp modelId="{2D3D64C0-406F-491A-9612-D28ECA705F34}">
+      <dsp:nvSpPr>
+        <dsp:cNvPr id="0" name=""/>
+        <dsp:cNvSpPr/>
+      </dsp:nvSpPr>
+      <dsp:spPr>
+        <a:xfrm>
+          <a:off x="0" y="2322478"/>
+          <a:ext cx="9742319" cy="0"/>
+        </a:xfrm>
+        <a:prstGeom prst="line">
+          <a:avLst/>
+        </a:prstGeom>
+        <a:solidFill>
+          <a:schemeClr val="accent1">
+            <a:hueOff val="0"/>
+            <a:satOff val="0"/>
+            <a:lumOff val="0"/>
+            <a:alphaOff val="0"/>
+          </a:schemeClr>
+        </a:solidFill>
+        <a:ln w="15875" cap="rnd" cmpd="sng" algn="ctr">
+          <a:solidFill>
+            <a:schemeClr val="accent1">
+              <a:hueOff val="0"/>
+              <a:satOff val="0"/>
+              <a:lumOff val="0"/>
+              <a:alphaOff val="0"/>
+            </a:schemeClr>
+          </a:solidFill>
+          <a:prstDash val="solid"/>
+        </a:ln>
+        <a:effectLst/>
+      </dsp:spPr>
+      <dsp:style>
+        <a:lnRef idx="2">
+          <a:scrgbClr r="0" g="0" b="0"/>
+        </a:lnRef>
+        <a:fillRef idx="1">
+          <a:scrgbClr r="0" g="0" b="0"/>
+        </a:fillRef>
+        <a:effectRef idx="0">
+          <a:scrgbClr r="0" g="0" b="0"/>
+        </a:effectRef>
+        <a:fontRef idx="minor">
+          <a:schemeClr val="lt1"/>
+        </a:fontRef>
+      </dsp:style>
+    </dsp:sp>
+    <dsp:sp modelId="{C505D23A-6223-459B-AD26-187ADC4E885B}">
+      <dsp:nvSpPr>
+        <dsp:cNvPr id="0" name=""/>
+        <dsp:cNvSpPr/>
+      </dsp:nvSpPr>
+      <dsp:spPr>
+        <a:xfrm>
+          <a:off x="0" y="2322478"/>
+          <a:ext cx="9742319" cy="774159"/>
+        </a:xfrm>
+        <a:prstGeom prst="rect">
+          <a:avLst/>
+        </a:prstGeom>
+        <a:noFill/>
+        <a:ln>
+          <a:noFill/>
+        </a:ln>
+        <a:effectLst/>
+      </dsp:spPr>
+      <dsp:style>
+        <a:lnRef idx="0">
+          <a:scrgbClr r="0" g="0" b="0"/>
+        </a:lnRef>
+        <a:fillRef idx="0">
+          <a:scrgbClr r="0" g="0" b="0"/>
+        </a:fillRef>
+        <a:effectRef idx="0">
+          <a:scrgbClr r="0" g="0" b="0"/>
+        </a:effectRef>
+        <a:fontRef idx="minor"/>
+      </dsp:style>
+      <dsp:txBody>
+        <a:bodyPr spcFirstLastPara="0" vert="horz" wrap="square" lIns="133350" tIns="133350" rIns="133350" bIns="133350" numCol="1" spcCol="1270" anchor="t" anchorCtr="0">
+          <a:noAutofit/>
+        </a:bodyPr>
+        <a:lstStyle/>
+        <a:p>
+          <a:pPr marL="0" lvl="0" indent="0" algn="l" defTabSz="1555750">
+            <a:lnSpc>
+              <a:spcPct val="90000"/>
+            </a:lnSpc>
+            <a:spcBef>
+              <a:spcPct val="0"/>
+            </a:spcBef>
+            <a:spcAft>
+              <a:spcPct val="35000"/>
+            </a:spcAft>
+            <a:buNone/>
+          </a:pPr>
+          <a:r>
+            <a:rPr lang="fr-CA" sz="3500" kern="1200"/>
+            <a:t>Interaction entre les utilisateurs</a:t>
+          </a:r>
+          <a:endParaRPr lang="en-US" sz="3500" kern="1200"/>
+        </a:p>
+      </dsp:txBody>
+      <dsp:txXfrm>
+        <a:off x="0" y="2322478"/>
+        <a:ext cx="9742319" cy="774159"/>
+      </dsp:txXfrm>
+    </dsp:sp>
+  </dsp:spTree>
+</dsp:drawing>
+</file>
+
+<file path=ppt/diagrams/layout1.xml><?xml version="1.0" encoding="utf-8"?>
+<dgm:layoutDef xmlns:dgm="http://schemas.openxmlformats.org/drawingml/2006/diagram" xmlns:a="http://schemas.openxmlformats.org/drawingml/2006/main" uniqueId="urn:microsoft.com/office/officeart/2005/8/layout/hierarchy1">
+  <dgm:title val=""/>
+  <dgm:desc val=""/>
+  <dgm:catLst>
+    <dgm:cat type="hierarchy" pri="2000"/>
+  </dgm:catLst>
+  <dgm:sampData>
+    <dgm:dataModel>
+      <dgm:ptLst>
+        <dgm:pt modelId="0" type="doc"/>
+        <dgm:pt modelId="1">
+          <dgm:prSet phldr="1"/>
+        </dgm:pt>
+        <dgm:pt modelId="2">
+          <dgm:prSet phldr="1"/>
+        </dgm:pt>
+        <dgm:pt modelId="21">
+          <dgm:prSet phldr="1"/>
+        </dgm:pt>
+        <dgm:pt modelId="22">
+          <dgm:prSet phldr="1"/>
+        </dgm:pt>
+        <dgm:pt modelId="3">
+          <dgm:prSet phldr="1"/>
+        </dgm:pt>
+        <dgm:pt modelId="31">
+          <dgm:prSet phldr="1"/>
+        </dgm:pt>
+      </dgm:ptLst>
+      <dgm:cxnLst>
+        <dgm:cxn modelId="4" srcId="0" destId="1" srcOrd="0" destOrd="0"/>
+        <dgm:cxn modelId="5" srcId="1" destId="2" srcOrd="0" destOrd="0"/>
+        <dgm:cxn modelId="6" srcId="1" destId="3" srcOrd="1" destOrd="0"/>
+        <dgm:cxn modelId="23" srcId="2" destId="21" srcOrd="0" destOrd="0"/>
+        <dgm:cxn modelId="24" srcId="2" destId="22" srcOrd="1" destOrd="0"/>
+        <dgm:cxn modelId="33" srcId="3" destId="31" srcOrd="0" destOrd="0"/>
+      </dgm:cxnLst>
+      <dgm:bg/>
+      <dgm:whole/>
+    </dgm:dataModel>
+  </dgm:sampData>
+  <dgm:styleData>
+    <dgm:dataModel>
+      <dgm:ptLst>
+        <dgm:pt modelId="0" type="doc"/>
+        <dgm:pt modelId="1"/>
+        <dgm:pt modelId="11"/>
+        <dgm:pt modelId="12"/>
+      </dgm:ptLst>
+      <dgm:cxnLst>
+        <dgm:cxn modelId="2" srcId="0" destId="1" srcOrd="0" destOrd="0"/>
+        <dgm:cxn modelId="13" srcId="1" destId="11" srcOrd="0" destOrd="0"/>
+        <dgm:cxn modelId="14" srcId="1" destId="12" srcOrd="1" destOrd="0"/>
+      </dgm:cxnLst>
+      <dgm:bg/>
+      <dgm:whole/>
+    </dgm:dataModel>
+  </dgm:styleData>
+  <dgm:clrData>
+    <dgm:dataModel>
+      <dgm:ptLst>
+        <dgm:pt modelId="0" type="doc"/>
+        <dgm:pt modelId="1"/>
+        <dgm:pt modelId="2"/>
+        <dgm:pt modelId="21"/>
+        <dgm:pt modelId="211"/>
+        <dgm:pt modelId="3"/>
+        <dgm:pt modelId="31"/>
+        <dgm:pt modelId="311"/>
+      </dgm:ptLst>
+      <dgm:cxnLst>
+        <dgm:cxn modelId="4" srcId="0" destId="1" srcOrd="0" destOrd="0"/>
+        <dgm:cxn modelId="5" srcId="1" destId="2" srcOrd="0" destOrd="0"/>
+        <dgm:cxn modelId="6" srcId="1" destId="3" srcOrd="1" destOrd="0"/>
+        <dgm:cxn modelId="23" srcId="2" destId="21" srcOrd="0" destOrd="0"/>
+        <dgm:cxn modelId="24" srcId="21" destId="211" srcOrd="0" destOrd="0"/>
+        <dgm:cxn modelId="33" srcId="3" destId="31" srcOrd="0" destOrd="0"/>
+        <dgm:cxn modelId="34" srcId="31" destId="311" srcOrd="0" destOrd="0"/>
+      </dgm:cxnLst>
+      <dgm:bg/>
+      <dgm:whole/>
+    </dgm:dataModel>
+  </dgm:clrData>
+  <dgm:layoutNode name="hierChild1">
+    <dgm:varLst>
+      <dgm:chPref val="1"/>
+      <dgm:dir/>
+      <dgm:animOne val="branch"/>
+      <dgm:animLvl val="lvl"/>
+      <dgm:resizeHandles/>
+    </dgm:varLst>
+    <dgm:choose name="Name0">
+      <dgm:if name="Name1" func="var" arg="dir" op="equ" val="norm">
+        <dgm:alg type="hierChild">
+          <dgm:param type="linDir" val="fromL"/>
+        </dgm:alg>
+      </dgm:if>
+      <dgm:else name="Name2">
+        <dgm:alg type="hierChild">
+          <dgm:param type="linDir" val="fromR"/>
+        </dgm:alg>
+      </dgm:else>
+    </dgm:choose>
+    <dgm:shape xmlns:r="http://schemas.openxmlformats.org/officeDocument/2006/relationships" r:blip="">
+      <dgm:adjLst/>
+    </dgm:shape>
+    <dgm:presOf/>
+    <dgm:constrLst>
+      <dgm:constr type="primFontSz" for="des" ptType="node" op="equ" val="65"/>
+      <dgm:constr type="w" for="des" forName="composite" refType="w"/>
+      <dgm:constr type="h" for="des" forName="composite" refType="w" refFor="des" refForName="composite" fact="0.667"/>
+      <dgm:constr type="w" for="des" forName="composite2" refType="w" refFor="des" refForName="composite"/>
+      <dgm:constr type="h" for="des" forName="composite2" refType="h" refFor="des" refForName="composite"/>
+      <dgm:constr type="w" for="des" forName="composite3" refType="w" refFor="des" refForName="composite"/>
+      <dgm:constr type="h" for="des" forName="composite3" refType="h" refFor="des" refForName="composite"/>
+      <dgm:constr type="w" for="des" forName="composite4" refType="w" refFor="des" refForName="composite"/>
+      <dgm:constr type="h" for="des" forName="composite4" refType="h" refFor="des" refForName="composite"/>
+      <dgm:constr type="w" for="des" forName="composite5" refType="w" refFor="des" refForName="composite"/>
+      <dgm:constr type="h" for="des" forName="composite5" refType="h" refFor="des" refForName="composite"/>
+      <dgm:constr type="sibSp" refType="w" refFor="des" refForName="composite" fact="0.1"/>
+      <dgm:constr type="sibSp" for="des" forName="hierChild2" refType="sibSp"/>
+      <dgm:constr type="sibSp" for="des" forName="hierChild3" refType="sibSp"/>
+      <dgm:constr type="sibSp" for="des" forName="hierChild4" refType="sibSp"/>
+      <dgm:constr type="sibSp" for="des" forName="hierChild5" refType="sibSp"/>
+      <dgm:constr type="sibSp" for="des" forName="hierChild6" refType="sibSp"/>
+      <dgm:constr type="sp" for="des" forName="hierRoot1" refType="h" refFor="des" refForName="composite" fact="0.25"/>
+      <dgm:constr type="sp" for="des" forName="hierRoot2" refType="sp" refFor="des" refForName="hierRoot1"/>
+      <dgm:constr type="sp" for="des" forName="hierRoot3" refType="sp" refFor="des" refForName="hierRoot1"/>
+      <dgm:constr type="sp" for="des" forName="hierRoot4" refType="sp" refFor="des" refForName="hierRoot1"/>
+      <dgm:constr type="sp" for="des" forName="hierRoot5" refType="sp" refFor="des" refForName="hierRoot1"/>
+    </dgm:constrLst>
+    <dgm:ruleLst/>
+    <dgm:forEach name="Name3" axis="ch">
+      <dgm:forEach name="Name4" axis="self" ptType="node">
+        <dgm:layoutNode name="hierRoot1">
+          <dgm:alg type="hierRoot"/>
+          <dgm:shape xmlns:r="http://schemas.openxmlformats.org/officeDocument/2006/relationships" r:blip="">
+            <dgm:adjLst/>
+          </dgm:shape>
+          <dgm:presOf/>
+          <dgm:constrLst>
+            <dgm:constr type="bendDist" for="des" ptType="parTrans" refType="sp" fact="0.5"/>
+          </dgm:constrLst>
+          <dgm:ruleLst/>
+          <dgm:layoutNode name="composite">
+            <dgm:alg type="composite"/>
+            <dgm:shape xmlns:r="http://schemas.openxmlformats.org/officeDocument/2006/relationships" r:blip="">
+              <dgm:adjLst/>
+            </dgm:shape>
+            <dgm:presOf/>
+            <dgm:constrLst>
+              <dgm:constr type="w" for="ch" forName="background" refType="w" fact="0.9"/>
+              <dgm:constr type="h" for="ch" forName="background" refType="w" refFor="ch" refForName="background" fact="0.635"/>
+              <dgm:constr type="t" for="ch" forName="background"/>
+              <dgm:constr type="l" for="ch" forName="background"/>
+              <dgm:constr type="w" for="ch" forName="text" refType="w" fact="0.9"/>
+              <dgm:constr type="h" for="ch" forName="text" refType="w" refFor="ch" refForName="text" fact="0.635"/>
+              <dgm:constr type="t" for="ch" forName="text" refType="w" fact="0.095"/>
+              <dgm:constr type="l" for="ch" forName="text" refType="w" fact="0.1"/>
+            </dgm:constrLst>
+            <dgm:ruleLst/>
+            <dgm:layoutNode name="background" styleLbl="node0" moveWith="text">
+              <dgm:alg type="sp"/>
+              <dgm:shape xmlns:r="http://schemas.openxmlformats.org/officeDocument/2006/relationships" type="roundRect" r:blip="">
+                <dgm:adjLst>
+                  <dgm:adj idx="1" val="0.1"/>
+                </dgm:adjLst>
+              </dgm:shape>
+              <dgm:presOf/>
+              <dgm:constrLst/>
+              <dgm:ruleLst/>
+            </dgm:layoutNode>
+            <dgm:layoutNode name="text" styleLbl="fgAcc0">
+              <dgm:varLst>
+                <dgm:chPref val="3"/>
+              </dgm:varLst>
+              <dgm:alg type="tx"/>
+              <dgm:shape xmlns:r="http://schemas.openxmlformats.org/officeDocument/2006/relationships" type="roundRect" r:blip="">
+                <dgm:adjLst>
+                  <dgm:adj idx="1" val="0.1"/>
+                </dgm:adjLst>
+              </dgm:shape>
+              <dgm:presOf axis="self"/>
+              <dgm:constrLst>
+                <dgm:constr type="tMarg" refType="primFontSz" fact="0.3"/>
+                <dgm:constr type="bMarg" refType="primFontSz" fact="0.3"/>
+                <dgm:constr type="lMarg" refType="primFontSz" fact="0.3"/>
+                <dgm:constr type="rMarg" refType="primFontSz" fact="0.3"/>
+              </dgm:constrLst>
+              <dgm:ruleLst>
+                <dgm:rule type="primFontSz" val="5" fact="NaN" max="NaN"/>
+              </dgm:ruleLst>
+            </dgm:layoutNode>
+          </dgm:layoutNode>
+          <dgm:layoutNode name="hierChild2">
+            <dgm:choose name="Name5">
+              <dgm:if name="Name6" func="var" arg="dir" op="equ" val="norm">
+                <dgm:alg type="hierChild">
+                  <dgm:param type="linDir" val="fromL"/>
+                </dgm:alg>
+              </dgm:if>
+              <dgm:else name="Name7">
+                <dgm:alg type="hierChild">
+                  <dgm:param type="linDir" val="fromR"/>
+                </dgm:alg>
+              </dgm:else>
+            </dgm:choose>
+            <dgm:shape xmlns:r="http://schemas.openxmlformats.org/officeDocument/2006/relationships" r:blip="">
+              <dgm:adjLst/>
+            </dgm:shape>
+            <dgm:presOf/>
+            <dgm:constrLst/>
+            <dgm:ruleLst/>
+            <dgm:forEach name="Name8" axis="ch">
+              <dgm:forEach name="Name9" axis="self" ptType="parTrans" cnt="1">
+                <dgm:layoutNode name="Name10">
+                  <dgm:alg type="conn">
+                    <dgm:param type="dim" val="1D"/>
+                    <dgm:param type="endSty" val="noArr"/>
+                    <dgm:param type="connRout" val="bend"/>
+                    <dgm:param type="bendPt" val="end"/>
+                    <dgm:param type="begPts" val="bCtr"/>
+                    <dgm:param type="endPts" val="tCtr"/>
+                    <dgm:param type="srcNode" val="background"/>
+                    <dgm:param type="dstNode" val="background2"/>
+                  </dgm:alg>
+                  <dgm:shape xmlns:r="http://schemas.openxmlformats.org/officeDocument/2006/relationships" type="conn" r:blip="" zOrderOff="-999">
+                    <dgm:adjLst/>
+                  </dgm:shape>
+                  <dgm:presOf axis="self"/>
+                  <dgm:constrLst>
+                    <dgm:constr type="begPad"/>
+                    <dgm:constr type="endPad"/>
+                  </dgm:constrLst>
+                  <dgm:ruleLst/>
+                </dgm:layoutNode>
+              </dgm:forEach>
+              <dgm:forEach name="Name11" axis="self" ptType="node">
+                <dgm:layoutNode name="hierRoot2">
+                  <dgm:alg type="hierRoot"/>
+                  <dgm:shape xmlns:r="http://schemas.openxmlformats.org/officeDocument/2006/relationships" r:blip="">
+                    <dgm:adjLst/>
+                  </dgm:shape>
+                  <dgm:presOf/>
+                  <dgm:constrLst>
+                    <dgm:constr type="bendDist" for="des" ptType="parTrans" refType="sp" fact="0.5"/>
+                  </dgm:constrLst>
+                  <dgm:ruleLst/>
+                  <dgm:layoutNode name="composite2">
+                    <dgm:alg type="composite"/>
+                    <dgm:shape xmlns:r="http://schemas.openxmlformats.org/officeDocument/2006/relationships" r:blip="">
+                      <dgm:adjLst/>
+                    </dgm:shape>
+                    <dgm:presOf/>
+                    <dgm:constrLst>
+                      <dgm:constr type="w" for="ch" forName="background2" refType="w" fact="0.9"/>
+                      <dgm:constr type="h" for="ch" forName="background2" refType="w" refFor="ch" refForName="background2" fact="0.635"/>
+                      <dgm:constr type="t" for="ch" forName="background2"/>
+                      <dgm:constr type="l" for="ch" forName="background2"/>
+                      <dgm:constr type="w" for="ch" forName="text2" refType="w" fact="0.9"/>
+                      <dgm:constr type="h" for="ch" forName="text2" refType="w" refFor="ch" refForName="text2" fact="0.635"/>
+                      <dgm:constr type="t" for="ch" forName="text2" refType="w" fact="0.095"/>
+                      <dgm:constr type="l" for="ch" forName="text2" refType="w" fact="0.1"/>
+                    </dgm:constrLst>
+                    <dgm:ruleLst/>
+                    <dgm:layoutNode name="background2" moveWith="text2">
+                      <dgm:alg type="sp"/>
+                      <dgm:shape xmlns:r="http://schemas.openxmlformats.org/officeDocument/2006/relationships" type="roundRect" r:blip="">
+                        <dgm:adjLst>
+                          <dgm:adj idx="1" val="0.1"/>
+                        </dgm:adjLst>
+                      </dgm:shape>
+                      <dgm:presOf/>
+                      <dgm:constrLst/>
+                      <dgm:ruleLst/>
+                    </dgm:layoutNode>
+                    <dgm:layoutNode name="text2" styleLbl="fgAcc2">
+                      <dgm:varLst>
+                        <dgm:chPref val="3"/>
+                      </dgm:varLst>
+                      <dgm:alg type="tx"/>
+                      <dgm:shape xmlns:r="http://schemas.openxmlformats.org/officeDocument/2006/relationships" type="roundRect" r:blip="">
+                        <dgm:adjLst>
+                          <dgm:adj idx="1" val="0.1"/>
+                        </dgm:adjLst>
+                      </dgm:shape>
+                      <dgm:presOf axis="self"/>
+                      <dgm:constrLst>
+                        <dgm:constr type="tMarg" refType="primFontSz" fact="0.3"/>
+                        <dgm:constr type="bMarg" refType="primFontSz" fact="0.3"/>
+                        <dgm:constr type="lMarg" refType="primFontSz" fact="0.3"/>
+                        <dgm:constr type="rMarg" refType="primFontSz" fact="0.3"/>
+                      </dgm:constrLst>
+                      <dgm:ruleLst>
+                        <dgm:rule type="primFontSz" val="5" fact="NaN" max="NaN"/>
+                      </dgm:ruleLst>
+                    </dgm:layoutNode>
+                  </dgm:layoutNode>
+                  <dgm:layoutNode name="hierChild3">
+                    <dgm:choose name="Name12">
+                      <dgm:if name="Name13" func="var" arg="dir" op="equ" val="norm">
+                        <dgm:alg type="hierChild">
+                          <dgm:param type="linDir" val="fromL"/>
+                        </dgm:alg>
+                      </dgm:if>
+                      <dgm:else name="Name14">
+                        <dgm:alg type="hierChild">
+                          <dgm:param type="linDir" val="fromR"/>
+                        </dgm:alg>
+                      </dgm:else>
+                    </dgm:choose>
+                    <dgm:shape xmlns:r="http://schemas.openxmlformats.org/officeDocument/2006/relationships" r:blip="">
+                      <dgm:adjLst/>
+                    </dgm:shape>
+                    <dgm:presOf/>
+                    <dgm:constrLst/>
+                    <dgm:ruleLst/>
+                    <dgm:forEach name="Name15" axis="ch">
+                      <dgm:forEach name="Name16" axis="self" ptType="parTrans" cnt="1">
+                        <dgm:layoutNode name="Name17">
+                          <dgm:alg type="conn">
+                            <dgm:param type="dim" val="1D"/>
+                            <dgm:param type="endSty" val="noArr"/>
+                            <dgm:param type="connRout" val="bend"/>
+                            <dgm:param type="bendPt" val="end"/>
+                            <dgm:param type="begPts" val="bCtr"/>
+                            <dgm:param type="endPts" val="tCtr"/>
+                            <dgm:param type="srcNode" val="background2"/>
+                            <dgm:param type="dstNode" val="background3"/>
+                          </dgm:alg>
+                          <dgm:shape xmlns:r="http://schemas.openxmlformats.org/officeDocument/2006/relationships" type="conn" r:blip="" zOrderOff="-999">
+                            <dgm:adjLst/>
+                          </dgm:shape>
+                          <dgm:presOf axis="self"/>
+                          <dgm:constrLst>
+                            <dgm:constr type="begPad"/>
+                            <dgm:constr type="endPad"/>
+                          </dgm:constrLst>
+                          <dgm:ruleLst/>
+                        </dgm:layoutNode>
+                      </dgm:forEach>
+                      <dgm:forEach name="Name18" axis="self" ptType="node">
+                        <dgm:layoutNode name="hierRoot3">
+                          <dgm:alg type="hierRoot"/>
+                          <dgm:shape xmlns:r="http://schemas.openxmlformats.org/officeDocument/2006/relationships" r:blip="">
+                            <dgm:adjLst/>
+                          </dgm:shape>
+                          <dgm:presOf/>
+                          <dgm:constrLst>
+                            <dgm:constr type="bendDist" for="des" ptType="parTrans" refType="sp" fact="0.5"/>
+                          </dgm:constrLst>
+                          <dgm:ruleLst/>
+                          <dgm:layoutNode name="composite3">
+                            <dgm:alg type="composite"/>
+                            <dgm:shape xmlns:r="http://schemas.openxmlformats.org/officeDocument/2006/relationships" r:blip="">
+                              <dgm:adjLst/>
+                            </dgm:shape>
+                            <dgm:presOf/>
+                            <dgm:constrLst>
+                              <dgm:constr type="w" for="ch" forName="background3" refType="w" fact="0.9"/>
+                              <dgm:constr type="h" for="ch" forName="background3" refType="w" refFor="ch" refForName="background3" fact="0.635"/>
+                              <dgm:constr type="t" for="ch" forName="background3"/>
+                              <dgm:constr type="l" for="ch" forName="background3"/>
+                              <dgm:constr type="w" for="ch" forName="text3" refType="w" fact="0.9"/>
+                              <dgm:constr type="h" for="ch" forName="text3" refType="w" refFor="ch" refForName="text3" fact="0.635"/>
+                              <dgm:constr type="t" for="ch" forName="text3" refType="w" fact="0.095"/>
+                              <dgm:constr type="l" for="ch" forName="text3" refType="w" fact="0.1"/>
+                            </dgm:constrLst>
+                            <dgm:ruleLst/>
+                            <dgm:layoutNode name="background3" moveWith="text3">
+                              <dgm:alg type="sp"/>
+                              <dgm:shape xmlns:r="http://schemas.openxmlformats.org/officeDocument/2006/relationships" type="roundRect" r:blip="">
+                                <dgm:adjLst>
+                                  <dgm:adj idx="1" val="0.1"/>
+                                </dgm:adjLst>
+                              </dgm:shape>
+                              <dgm:presOf/>
+                              <dgm:constrLst/>
+                              <dgm:ruleLst/>
+                            </dgm:layoutNode>
+                            <dgm:layoutNode name="text3" styleLbl="fgAcc3">
+                              <dgm:varLst>
+                                <dgm:chPref val="3"/>
+                              </dgm:varLst>
+                              <dgm:alg type="tx"/>
+                              <dgm:shape xmlns:r="http://schemas.openxmlformats.org/officeDocument/2006/relationships" type="roundRect" r:blip="">
+                                <dgm:adjLst>
+                                  <dgm:adj idx="1" val="0.1"/>
+                                </dgm:adjLst>
+                              </dgm:shape>
+                              <dgm:presOf axis="self"/>
+                              <dgm:constrLst>
+                                <dgm:constr type="tMarg" refType="primFontSz" fact="0.3"/>
+                                <dgm:constr type="bMarg" refType="primFontSz" fact="0.3"/>
+                                <dgm:constr type="lMarg" refType="primFontSz" fact="0.3"/>
+                                <dgm:constr type="rMarg" refType="primFontSz" fact="0.3"/>
+                              </dgm:constrLst>
+                              <dgm:ruleLst>
+                                <dgm:rule type="primFontSz" val="5" fact="NaN" max="NaN"/>
+                              </dgm:ruleLst>
+                            </dgm:layoutNode>
+                          </dgm:layoutNode>
+                          <dgm:layoutNode name="hierChild4">
+                            <dgm:choose name="Name19">
+                              <dgm:if name="Name20" func="var" arg="dir" op="equ" val="norm">
+                                <dgm:alg type="hierChild">
+                                  <dgm:param type="linDir" val="fromL"/>
+                                </dgm:alg>
+                              </dgm:if>
+                              <dgm:else name="Name21">
+                                <dgm:alg type="hierChild">
+                                  <dgm:param type="linDir" val="fromR"/>
+                                </dgm:alg>
+                              </dgm:else>
+                            </dgm:choose>
+                            <dgm:shape xmlns:r="http://schemas.openxmlformats.org/officeDocument/2006/relationships" r:blip="">
+                              <dgm:adjLst/>
+                            </dgm:shape>
+                            <dgm:presOf/>
+                            <dgm:constrLst/>
+                            <dgm:ruleLst/>
+                            <dgm:forEach name="repeat" axis="ch">
+                              <dgm:forEach name="Name22" axis="self" ptType="parTrans" cnt="1">
+                                <dgm:layoutNode name="Name23">
+                                  <dgm:choose name="Name24">
+                                    <dgm:if name="Name25" axis="self" func="depth" op="lte" val="4">
+                                      <dgm:alg type="conn">
+                                        <dgm:param type="dim" val="1D"/>
+                                        <dgm:param type="endSty" val="noArr"/>
+                                        <dgm:param type="connRout" val="bend"/>
+                                        <dgm:param type="bendPt" val="end"/>
+                                        <dgm:param type="begPts" val="bCtr"/>
+                                        <dgm:param type="endPts" val="tCtr"/>
+                                        <dgm:param type="srcNode" val="background3"/>
+                                        <dgm:param type="dstNode" val="background4"/>
+                                      </dgm:alg>
+                                    </dgm:if>
+                                    <dgm:else name="Name26">
+                                      <dgm:alg type="conn">
+                                        <dgm:param type="dim" val="1D"/>
+                                        <dgm:param type="endSty" val="noArr"/>
+                                        <dgm:param type="connRout" val="bend"/>
+                                        <dgm:param type="bendPt" val="end"/>
+                                        <dgm:param type="begPts" val="bCtr"/>
+                                        <dgm:param type="endPts" val="tCtr"/>
+                                        <dgm:param type="srcNode" val="background4"/>
+                                        <dgm:param type="dstNode" val="background4"/>
+                                      </dgm:alg>
+                                    </dgm:else>
+                                  </dgm:choose>
+                                  <dgm:shape xmlns:r="http://schemas.openxmlformats.org/officeDocument/2006/relationships" type="conn" r:blip="" zOrderOff="-999">
+                                    <dgm:adjLst/>
+                                  </dgm:shape>
+                                  <dgm:presOf axis="self"/>
+                                  <dgm:constrLst>
+                                    <dgm:constr type="begPad"/>
+                                    <dgm:constr type="endPad"/>
+                                  </dgm:constrLst>
+                                  <dgm:ruleLst/>
+                                </dgm:layoutNode>
+                              </dgm:forEach>
+                              <dgm:forEach name="Name27" axis="self" ptType="node">
+                                <dgm:layoutNode name="hierRoot4">
+                                  <dgm:alg type="hierRoot"/>
+                                  <dgm:shape xmlns:r="http://schemas.openxmlformats.org/officeDocument/2006/relationships" r:blip="">
+                                    <dgm:adjLst/>
+                                  </dgm:shape>
+                                  <dgm:presOf/>
+                                  <dgm:constrLst>
+                                    <dgm:constr type="bendDist" for="des" ptType="parTrans" refType="sp" fact="0.5"/>
+                                  </dgm:constrLst>
+                                  <dgm:ruleLst/>
+                                  <dgm:layoutNode name="composite4">
+                                    <dgm:alg type="composite"/>
+                                    <dgm:shape xmlns:r="http://schemas.openxmlformats.org/officeDocument/2006/relationships" r:blip="">
+                                      <dgm:adjLst/>
+                                    </dgm:shape>
+                                    <dgm:presOf/>
+                                    <dgm:constrLst>
+                                      <dgm:constr type="w" for="ch" forName="background4" refType="w" fact="0.9"/>
+                                      <dgm:constr type="h" for="ch" forName="background4" refType="w" refFor="ch" refForName="background4" fact="0.635"/>
+                                      <dgm:constr type="t" for="ch" forName="background4"/>
+                                      <dgm:constr type="l" for="ch" forName="background4"/>
+                                      <dgm:constr type="w" for="ch" forName="text4" refType="w" fact="0.9"/>
+                                      <dgm:constr type="h" for="ch" forName="text4" refType="w" refFor="ch" refForName="text4" fact="0.635"/>
+                                      <dgm:constr type="t" for="ch" forName="text4" refType="w" fact="0.095"/>
+                                      <dgm:constr type="l" for="ch" forName="text4" refType="w" fact="0.1"/>
+                                    </dgm:constrLst>
+                                    <dgm:ruleLst/>
+                                    <dgm:layoutNode name="background4" moveWith="text4">
+                                      <dgm:alg type="sp"/>
+                                      <dgm:shape xmlns:r="http://schemas.openxmlformats.org/officeDocument/2006/relationships" type="roundRect" r:blip="">
+                                        <dgm:adjLst>
+                                          <dgm:adj idx="1" val="0.1"/>
+                                        </dgm:adjLst>
+                                      </dgm:shape>
+                                      <dgm:presOf/>
+                                      <dgm:constrLst/>
+                                      <dgm:ruleLst/>
+                                    </dgm:layoutNode>
+                                    <dgm:layoutNode name="text4" styleLbl="fgAcc4">
+                                      <dgm:varLst>
+                                        <dgm:chPref val="3"/>
+                                      </dgm:varLst>
+                                      <dgm:alg type="tx"/>
+                                      <dgm:shape xmlns:r="http://schemas.openxmlformats.org/officeDocument/2006/relationships" type="roundRect" r:blip="">
+                                        <dgm:adjLst>
+                                          <dgm:adj idx="1" val="0.1"/>
+                                        </dgm:adjLst>
+                                      </dgm:shape>
+                                      <dgm:presOf axis="self"/>
+                                      <dgm:constrLst>
+                                        <dgm:constr type="tMarg" refType="primFontSz" fact="0.3"/>
+                                        <dgm:constr type="bMarg" refType="primFontSz" fact="0.3"/>
+                                        <dgm:constr type="lMarg" refType="primFontSz" fact="0.3"/>
+                                        <dgm:constr type="rMarg" refType="primFontSz" fact="0.3"/>
+                                      </dgm:constrLst>
+                                      <dgm:ruleLst>
+                                        <dgm:rule type="primFontSz" val="5" fact="NaN" max="NaN"/>
+                                      </dgm:ruleLst>
+                                    </dgm:layoutNode>
+                                  </dgm:layoutNode>
+                                  <dgm:layoutNode name="hierChild5">
+                                    <dgm:choose name="Name28">
+                                      <dgm:if name="Name29" func="var" arg="dir" op="equ" val="norm">
+                                        <dgm:alg type="hierChild">
+                                          <dgm:param type="linDir" val="fromL"/>
+                                        </dgm:alg>
+                                      </dgm:if>
+                                      <dgm:else name="Name30">
+                                        <dgm:alg type="hierChild">
+                                          <dgm:param type="linDir" val="fromR"/>
+                                        </dgm:alg>
+                                      </dgm:else>
+                                    </dgm:choose>
+                                    <dgm:shape xmlns:r="http://schemas.openxmlformats.org/officeDocument/2006/relationships" r:blip="">
+                                      <dgm:adjLst/>
+                                    </dgm:shape>
+                                    <dgm:presOf/>
+                                    <dgm:constrLst/>
+                                    <dgm:ruleLst/>
+                                    <dgm:forEach name="Name31" ref="repeat"/>
+                                  </dgm:layoutNode>
+                                </dgm:layoutNode>
+                              </dgm:forEach>
+                            </dgm:forEach>
+                          </dgm:layoutNode>
+                        </dgm:layoutNode>
+                      </dgm:forEach>
+                    </dgm:forEach>
+                  </dgm:layoutNode>
+                </dgm:layoutNode>
+              </dgm:forEach>
+            </dgm:forEach>
+          </dgm:layoutNode>
+        </dgm:layoutNode>
+      </dgm:forEach>
+    </dgm:forEach>
+  </dgm:layoutNode>
+</dgm:layoutDef>
+</file>
+
+<file path=ppt/diagrams/layout2.xml><?xml version="1.0" encoding="utf-8"?>
+<dgm:layoutDef xmlns:dgm="http://schemas.openxmlformats.org/drawingml/2006/diagram" xmlns:a="http://schemas.openxmlformats.org/drawingml/2006/main" uniqueId="urn:microsoft.com/office/officeart/2008/layout/LinedList">
+  <dgm:title val=""/>
+  <dgm:desc val=""/>
+  <dgm:catLst>
+    <dgm:cat type="hierarchy" pri="8000"/>
+    <dgm:cat type="list" pri="2500"/>
+  </dgm:catLst>
+  <dgm:sampData>
+    <dgm:dataModel>
+      <dgm:ptLst>
+        <dgm:pt modelId="0" type="doc"/>
+        <dgm:pt modelId="1">
+          <dgm:prSet phldr="1"/>
+        </dgm:pt>
+        <dgm:pt modelId="11">
+          <dgm:prSet phldr="1"/>
+        </dgm:pt>
+        <dgm:pt modelId="12">
+          <dgm:prSet phldr="1"/>
+        </dgm:pt>
+        <dgm:pt modelId="13">
+          <dgm:prSet phldr="1"/>
+        </dgm:pt>
+      </dgm:ptLst>
+      <dgm:cxnLst>
+        <dgm:cxn modelId="2" srcId="0" destId="1" srcOrd="0" destOrd="0"/>
+        <dgm:cxn modelId="3" srcId="1" destId="11" srcOrd="0" destOrd="0"/>
+        <dgm:cxn modelId="4" srcId="1" destId="12" srcOrd="1" destOrd="0"/>
+        <dgm:cxn modelId="5" srcId="1" destId="13" srcOrd="2" destOrd="0"/>
+      </dgm:cxnLst>
+      <dgm:bg/>
+      <dgm:whole/>
+    </dgm:dataModel>
+  </dgm:sampData>
+  <dgm:styleData>
+    <dgm:dataModel>
+      <dgm:ptLst>
+        <dgm:pt modelId="0" type="doc"/>
+        <dgm:pt modelId="1">
+          <dgm:prSet phldr="1"/>
+        </dgm:pt>
+        <dgm:pt modelId="11">
+          <dgm:prSet phldr="1"/>
+        </dgm:pt>
+        <dgm:pt modelId="12">
+          <dgm:prSet phldr="1"/>
+        </dgm:pt>
+      </dgm:ptLst>
+      <dgm:cxnLst>
+        <dgm:cxn modelId="2" srcId="0" destId="1" srcOrd="0" destOrd="0"/>
+        <dgm:cxn modelId="3" srcId="1" destId="11" srcOrd="0" destOrd="0"/>
+        <dgm:cxn modelId="4" srcId="1" destId="12" srcOrd="1" destOrd="0"/>
+      </dgm:cxnLst>
+      <dgm:bg/>
+      <dgm:whole/>
+    </dgm:dataModel>
+  </dgm:styleData>
+  <dgm:clrData>
+    <dgm:dataModel>
+      <dgm:ptLst>
+        <dgm:pt modelId="0" type="doc"/>
+        <dgm:pt modelId="1">
+          <dgm:prSet phldr="1"/>
+        </dgm:pt>
+        <dgm:pt modelId="11">
+          <dgm:prSet phldr="1"/>
+        </dgm:pt>
+        <dgm:pt modelId="12">
+          <dgm:prSet phldr="1"/>
+        </dgm:pt>
+      </dgm:ptLst>
+      <dgm:cxnLst>
+        <dgm:cxn modelId="2" srcId="0" destId="1" srcOrd="0" destOrd="0"/>
+        <dgm:cxn modelId="3" srcId="1" destId="11" srcOrd="0" destOrd="0"/>
+        <dgm:cxn modelId="4" srcId="1" destId="12" srcOrd="1" destOrd="0"/>
+      </dgm:cxnLst>
+      <dgm:bg/>
+      <dgm:whole/>
+    </dgm:dataModel>
+  </dgm:clrData>
+  <dgm:layoutNode name="vert0">
+    <dgm:varLst>
+      <dgm:dir/>
+      <dgm:animOne val="branch"/>
+      <dgm:animLvl val="lvl"/>
+    </dgm:varLst>
+    <dgm:choose name="Name0">
+      <dgm:if name="Name1" func="var" arg="dir" op="equ" val="norm">
+        <dgm:alg type="lin">
+          <dgm:param type="linDir" val="fromT"/>
+          <dgm:param type="nodeHorzAlign" val="l"/>
+        </dgm:alg>
+      </dgm:if>
+      <dgm:else name="Name2">
+        <dgm:alg type="lin">
+          <dgm:param type="linDir" val="fromT"/>
+          <dgm:param type="nodeHorzAlign" val="r"/>
+        </dgm:alg>
+      </dgm:else>
+    </dgm:choose>
+    <dgm:shape xmlns:r="http://schemas.openxmlformats.org/officeDocument/2006/relationships" r:blip="">
+      <dgm:adjLst/>
+    </dgm:shape>
+    <dgm:presOf/>
+    <dgm:constrLst>
+      <dgm:constr type="w" for="ch" forName="horz1" refType="w"/>
+      <dgm:constr type="h" for="ch" forName="horz1" refType="h"/>
+      <dgm:constr type="h" for="des" forName="vert1" refType="h"/>
+      <dgm:constr type="h" for="des" forName="tx1" refType="h"/>
+      <dgm:constr type="h" for="des" forName="horz2" refType="h"/>
+      <dgm:constr type="h" for="des" forName="vert2" refType="h"/>
+      <dgm:constr type="h" for="des" forName="horz3" refType="h"/>
+      <dgm:constr type="h" for="des" forName="vert3" refType="h"/>
+      <dgm:constr type="h" for="des" forName="horz4" refType="h"/>
+      <dgm:constr type="h" for="des" ptType="node" refType="h"/>
+      <dgm:constr type="primFontSz" for="des" forName="tx1" op="equ" val="65"/>
+      <dgm:constr type="primFontSz" for="des" forName="tx2" op="equ" val="65"/>
+      <dgm:constr type="primFontSz" for="des" forName="tx3" op="equ" val="65"/>
+      <dgm:constr type="primFontSz" for="des" forName="tx4" op="equ" val="65"/>
+      <dgm:constr type="w" for="des" forName="thickLine" refType="w"/>
+      <dgm:constr type="h" for="des" forName="thickLine"/>
+      <dgm:constr type="h" for="des" forName="thinLine1"/>
+      <dgm:constr type="h" for="des" forName="thinLine2b"/>
+      <dgm:constr type="h" for="des" forName="thinLine3"/>
+      <dgm:constr type="h" for="des" forName="vertSpace2a" refType="h" fact="0.05"/>
+      <dgm:constr type="h" for="des" forName="vertSpace2b" refType="h" refFor="des" refForName="vertSpace2a"/>
+    </dgm:constrLst>
+    <dgm:forEach name="Name3" axis="ch" ptType="node">
+      <dgm:layoutNode name="thickLine" styleLbl="alignNode1">
+        <dgm:alg type="sp"/>
+        <dgm:shape xmlns:r="http://schemas.openxmlformats.org/officeDocument/2006/relationships" type="line" r:blip="">
+          <dgm:adjLst/>
+        </dgm:shape>
+        <dgm:presOf/>
+      </dgm:layoutNode>
+      <dgm:layoutNode name="horz1">
+        <dgm:choose name="Name4">
+          <dgm:if name="Name5" func="var" arg="dir" op="equ" val="norm">
+            <dgm:alg type="lin">
+              <dgm:param type="linDir" val="fromL"/>
+              <dgm:param type="nodeVertAlign" val="t"/>
+            </dgm:alg>
+          </dgm:if>
+          <dgm:else name="Name6">
+            <dgm:alg type="lin">
+              <dgm:param type="linDir" val="fromR"/>
+              <dgm:param type="nodeVertAlign" val="t"/>
+            </dgm:alg>
+          </dgm:else>
+        </dgm:choose>
+        <dgm:shape xmlns:r="http://schemas.openxmlformats.org/officeDocument/2006/relationships" r:blip="">
+          <dgm:adjLst/>
+        </dgm:shape>
+        <dgm:presOf/>
+        <dgm:choose name="Name7">
+          <dgm:if name="Name8" axis="root des" func="maxDepth" op="equ" val="1">
+            <dgm:constrLst>
+              <dgm:constr type="w" for="ch" forName="tx1" refType="w"/>
+            </dgm:constrLst>
+          </dgm:if>
+          <dgm:if name="Name9" axis="root des" func="maxDepth" op="equ" val="2">
+            <dgm:constrLst>
+              <dgm:constr type="w" for="ch" forName="tx1" refType="w" fact="0.2"/>
+              <dgm:constr type="w" for="des" forName="tx2" refType="w" fact="0.785"/>
+              <dgm:constr type="w" for="des" forName="horzSpace2" refType="w" fact="0.015"/>
+              <dgm:constr type="w" for="des" forName="thinLine2b" refType="w" fact="0.8"/>
+            </dgm:constrLst>
+          </dgm:if>
+          <dgm:if name="Name10" axis="root des" func="maxDepth" op="equ" val="3">
+            <dgm:constrLst>
+              <dgm:constr type="w" for="ch" forName="tx1" refType="w" fact="0.2"/>
+              <dgm:constr type="w" for="des" forName="tx2" refType="w" fact="0.385"/>
+              <dgm:constr type="w" for="des" forName="tx3" refType="w" fact="0.385"/>
+              <dgm:constr type="w" for="des" forName="horzSpace2" refType="w" fact="0.015"/>
+              <dgm:constr type="w" for="des" forName="horzSpace3" refType="w" fact="0.015"/>
+              <dgm:constr type="w" for="des" forName="thinLine2b" refType="w" fact="0.8"/>
+              <dgm:constr type="w" for="des" forName="thinLine3" refType="w" fact="0.385"/>
+            </dgm:constrLst>
+          </dgm:if>
+          <dgm:if name="Name11" axis="root des" func="maxDepth" op="gte" val="4">
+            <dgm:constrLst>
+              <dgm:constr type="w" for="ch" forName="tx1" refType="w" fact="0.2"/>
+              <dgm:constr type="w" for="des" forName="tx2" refType="w" fact="0.2516"/>
+              <dgm:constr type="w" for="des" forName="tx3" refType="w" fact="0.2516"/>
+              <dgm:constr type="w" for="des" forName="tx4" refType="w" fact="0.2516"/>
+              <dgm:constr type="w" for="des" forName="horzSpace2" refType="w" fact="0.015"/>
+              <dgm:constr type="w" for="des" forName="horzSpace3" refType="w" fact="0.015"/>
+              <dgm:constr type="w" for="des" forName="horzSpace4" refType="w" fact="0.015"/>
+              <dgm:constr type="w" for="des" forName="thinLine2b" refType="w" fact="0.8"/>
+              <dgm:constr type="w" for="des" forName="thinLine3" refType="w" fact="0.5332"/>
+            </dgm:constrLst>
+          </dgm:if>
+          <dgm:else name="Name12"/>
+        </dgm:choose>
+        <dgm:layoutNode name="tx1" styleLbl="revTx">
+          <dgm:alg type="tx">
+            <dgm:param type="parTxLTRAlign" val="l"/>
+            <dgm:param type="parTxRTLAlign" val="r"/>
+            <dgm:param type="txAnchorVert" val="t"/>
+          </dgm:alg>
+          <dgm:shape xmlns:r="http://schemas.openxmlformats.org/officeDocument/2006/relationships" type="rect" r:blip="">
+            <dgm:adjLst/>
+          </dgm:shape>
+          <dgm:presOf axis="self"/>
+          <dgm:constrLst>
+            <dgm:constr type="tMarg" refType="primFontSz" fact="0.3"/>
+            <dgm:constr type="bMarg" refType="primFontSz" fact="0.3"/>
+            <dgm:constr type="lMarg" refType="primFontSz" fact="0.3"/>
+            <dgm:constr type="rMarg" refType="primFontSz" fact="0.3"/>
+          </dgm:constrLst>
+          <dgm:ruleLst>
+            <dgm:rule type="primFontSz" val="5" fact="NaN" max="NaN"/>
+          </dgm:ruleLst>
+        </dgm:layoutNode>
+        <dgm:layoutNode name="vert1">
+          <dgm:choose name="Name13">
+            <dgm:if name="Name14" func="var" arg="dir" op="equ" val="norm">
+              <dgm:alg type="lin">
+                <dgm:param type="linDir" val="fromT"/>
+                <dgm:param type="nodeHorzAlign" val="l"/>
+              </dgm:alg>
+            </dgm:if>
+            <dgm:else name="Name15">
+              <dgm:alg type="lin">
+                <dgm:param type="linDir" val="fromT"/>
+                <dgm:param type="nodeHorzAlign" val="r"/>
+              </dgm:alg>
+            </dgm:else>
+          </dgm:choose>
+          <dgm:shape xmlns:r="http://schemas.openxmlformats.org/officeDocument/2006/relationships" r:blip="">
+            <dgm:adjLst/>
+          </dgm:shape>
+          <dgm:presOf/>
+          <dgm:forEach name="Name16" axis="ch" ptType="node">
+            <dgm:choose name="Name17">
+              <dgm:if name="Name18" axis="self" ptType="node" func="pos" op="equ" val="1">
+                <dgm:layoutNode name="vertSpace2a">
+                  <dgm:alg type="sp"/>
+                  <dgm:shape xmlns:r="http://schemas.openxmlformats.org/officeDocument/2006/relationships" r:blip="">
+                    <dgm:adjLst/>
+                  </dgm:shape>
+                  <dgm:presOf/>
+                </dgm:layoutNode>
+              </dgm:if>
+              <dgm:else name="Name19"/>
+            </dgm:choose>
+            <dgm:layoutNode name="horz2">
+              <dgm:choose name="Name20">
+                <dgm:if name="Name21" func="var" arg="dir" op="equ" val="norm">
+                  <dgm:alg type="lin">
+                    <dgm:param type="linDir" val="fromL"/>
+                    <dgm:param type="nodeVertAlign" val="t"/>
+                  </dgm:alg>
+                </dgm:if>
+                <dgm:else name="Name22">
+                  <dgm:alg type="lin">
+                    <dgm:param type="linDir" val="fromR"/>
+                    <dgm:param type="nodeVertAlign" val="t"/>
+                  </dgm:alg>
+                </dgm:else>
+              </dgm:choose>
+              <dgm:shape xmlns:r="http://schemas.openxmlformats.org/officeDocument/2006/relationships" r:blip="">
+                <dgm:adjLst/>
+              </dgm:shape>
+              <dgm:presOf/>
+              <dgm:layoutNode name="horzSpace2">
+                <dgm:alg type="sp"/>
+                <dgm:shape xmlns:r="http://schemas.openxmlformats.org/officeDocument/2006/relationships" r:blip="">
+                  <dgm:adjLst/>
+                </dgm:shape>
+                <dgm:presOf/>
+              </dgm:layoutNode>
+              <dgm:layoutNode name="tx2" styleLbl="revTx">
+                <dgm:alg type="tx">
+                  <dgm:param type="parTxLTRAlign" val="l"/>
+                  <dgm:param type="parTxRTLAlign" val="r"/>
+                  <dgm:param type="txAnchorVert" val="t"/>
+                </dgm:alg>
+                <dgm:shape xmlns:r="http://schemas.openxmlformats.org/officeDocument/2006/relationships" type="rect" r:blip="">
+                  <dgm:adjLst/>
+                </dgm:shape>
+                <dgm:presOf axis="self"/>
+                <dgm:constrLst>
+                  <dgm:constr type="tMarg" refType="primFontSz" fact="0.3"/>
+                  <dgm:constr type="bMarg" refType="primFontSz" fact="0.3"/>
+                  <dgm:constr type="lMarg" refType="primFontSz" fact="0.3"/>
+                  <dgm:constr type="rMarg" refType="primFontSz" fact="0.3"/>
+                </dgm:constrLst>
+                <dgm:ruleLst>
+                  <dgm:rule type="primFontSz" val="5" fact="NaN" max="NaN"/>
+                </dgm:ruleLst>
+              </dgm:layoutNode>
+              <dgm:layoutNode name="vert2">
+                <dgm:choose name="Name23">
+                  <dgm:if name="Name24" func="var" arg="dir" op="equ" val="norm">
+                    <dgm:alg type="lin">
+                      <dgm:param type="linDir" val="fromT"/>
+                      <dgm:param type="nodeHorzAlign" val="l"/>
+                    </dgm:alg>
+                  </dgm:if>
+                  <dgm:else name="Name25">
+                    <dgm:alg type="lin">
+                      <dgm:param type="linDir" val="fromT"/>
+                      <dgm:param type="nodeHorzAlign" val="r"/>
+                    </dgm:alg>
+                  </dgm:else>
+                </dgm:choose>
+                <dgm:shape xmlns:r="http://schemas.openxmlformats.org/officeDocument/2006/relationships" r:blip="">
+                  <dgm:adjLst/>
+                </dgm:shape>
+                <dgm:presOf/>
+                <dgm:forEach name="Name26" axis="ch" ptType="node">
+                  <dgm:layoutNode name="horz3">
+                    <dgm:choose name="Name27">
+                      <dgm:if name="Name28" func="var" arg="dir" op="equ" val="norm">
+                        <dgm:alg type="lin">
+                          <dgm:param type="linDir" val="fromL"/>
+                          <dgm:param type="nodeVertAlign" val="t"/>
+                        </dgm:alg>
+                      </dgm:if>
+                      <dgm:else name="Name29">
+                        <dgm:alg type="lin">
+                          <dgm:param type="linDir" val="fromR"/>
+                          <dgm:param type="nodeVertAlign" val="t"/>
+                        </dgm:alg>
+                      </dgm:else>
+                    </dgm:choose>
+                    <dgm:shape xmlns:r="http://schemas.openxmlformats.org/officeDocument/2006/relationships" r:blip="">
+                      <dgm:adjLst/>
+                    </dgm:shape>
+                    <dgm:presOf/>
+                    <dgm:layoutNode name="horzSpace3">
+                      <dgm:alg type="sp"/>
+                      <dgm:shape xmlns:r="http://schemas.openxmlformats.org/officeDocument/2006/relationships" r:blip="">
+                        <dgm:adjLst/>
+                      </dgm:shape>
+                      <dgm:presOf/>
+                    </dgm:layoutNode>
+                    <dgm:layoutNode name="tx3" styleLbl="revTx">
+                      <dgm:alg type="tx">
+                        <dgm:param type="parTxLTRAlign" val="l"/>
+                        <dgm:param type="parTxRTLAlign" val="r"/>
+                        <dgm:param type="txAnchorVert" val="t"/>
+                      </dgm:alg>
+                      <dgm:shape xmlns:r="http://schemas.openxmlformats.org/officeDocument/2006/relationships" type="rect" r:blip="">
+                        <dgm:adjLst/>
+                      </dgm:shape>
+                      <dgm:presOf axis="self"/>
+                      <dgm:constrLst>
+                        <dgm:constr type="tMarg" refType="primFontSz" fact="0.3"/>
+                        <dgm:constr type="bMarg" refType="primFontSz" fact="0.3"/>
+                        <dgm:constr type="lMarg" refType="primFontSz" fact="0.3"/>
+                        <dgm:constr type="rMarg" refType="primFontSz" fact="0.3"/>
+                      </dgm:constrLst>
+                      <dgm:ruleLst>
+                        <dgm:rule type="primFontSz" val="5" fact="NaN" max="NaN"/>
+                      </dgm:ruleLst>
+                    </dgm:layoutNode>
+                    <dgm:layoutNode name="vert3">
+                      <dgm:choose name="Name30">
+                        <dgm:if name="Name31" func="var" arg="dir" op="equ" val="norm">
+                          <dgm:alg type="lin">
+                            <dgm:param type="linDir" val="fromT"/>
+                            <dgm:param type="nodeHorzAlign" val="l"/>
+                          </dgm:alg>
+                        </dgm:if>
+                        <dgm:else name="Name32">
+                          <dgm:alg type="lin">
+                            <dgm:param type="linDir" val="fromT"/>
+                            <dgm:param type="nodeHorzAlign" val="r"/>
+                          </dgm:alg>
+                        </dgm:else>
+                      </dgm:choose>
+                      <dgm:shape xmlns:r="http://schemas.openxmlformats.org/officeDocument/2006/relationships" r:blip="">
+                        <dgm:adjLst/>
+                      </dgm:shape>
+                      <dgm:presOf/>
+                      <dgm:forEach name="Name33" axis="ch" ptType="node">
+                        <dgm:layoutNode name="horz4">
+                          <dgm:choose name="Name34">
+                            <dgm:if name="Name35" func="var" arg="dir" op="equ" val="norm">
+                              <dgm:alg type="lin">
+                                <dgm:param type="linDir" val="fromL"/>
+                                <dgm:param type="nodeVertAlign" val="t"/>
+                              </dgm:alg>
+                            </dgm:if>
+                            <dgm:else name="Name36">
+                              <dgm:alg type="lin">
+                                <dgm:param type="linDir" val="fromR"/>
+                                <dgm:param type="nodeVertAlign" val="t"/>
+                              </dgm:alg>
+                            </dgm:else>
+                          </dgm:choose>
+                          <dgm:shape xmlns:r="http://schemas.openxmlformats.org/officeDocument/2006/relationships" r:blip="">
+                            <dgm:adjLst/>
+                          </dgm:shape>
+                          <dgm:presOf/>
+                          <dgm:layoutNode name="horzSpace4">
+                            <dgm:alg type="sp"/>
+                            <dgm:shape xmlns:r="http://schemas.openxmlformats.org/officeDocument/2006/relationships" r:blip="">
+                              <dgm:adjLst/>
+                            </dgm:shape>
+                            <dgm:presOf/>
+                          </dgm:layoutNode>
+                          <dgm:layoutNode name="tx4" styleLbl="revTx">
+                            <dgm:varLst>
+                              <dgm:bulletEnabled val="1"/>
+                            </dgm:varLst>
+                            <dgm:alg type="tx">
+                              <dgm:param type="parTxLTRAlign" val="l"/>
+                              <dgm:param type="parTxRTLAlign" val="r"/>
+                              <dgm:param type="txAnchorVert" val="t"/>
+                            </dgm:alg>
+                            <dgm:shape xmlns:r="http://schemas.openxmlformats.org/officeDocument/2006/relationships" type="rect" r:blip="">
+                              <dgm:adjLst/>
+                            </dgm:shape>
+                            <dgm:presOf axis="desOrSelf" ptType="node"/>
+                            <dgm:constrLst>
+                              <dgm:constr type="tMarg" refType="primFontSz" fact="0.3"/>
+                              <dgm:constr type="bMarg" refType="primFontSz" fact="0.3"/>
+                              <dgm:constr type="lMarg" refType="primFontSz" fact="0.3"/>
+                              <dgm:constr type="rMarg" refType="primFontSz" fact="0.3"/>
+                            </dgm:constrLst>
+                            <dgm:ruleLst>
+                              <dgm:rule type="primFontSz" val="5" fact="NaN" max="NaN"/>
+                            </dgm:ruleLst>
+                          </dgm:layoutNode>
+                        </dgm:layoutNode>
+                      </dgm:forEach>
+                    </dgm:layoutNode>
+                  </dgm:layoutNode>
+                  <dgm:forEach name="Name37" axis="followSib" ptType="sibTrans" cnt="1">
+                    <dgm:layoutNode name="thinLine3" styleLbl="callout">
+                      <dgm:alg type="sp"/>
+                      <dgm:shape xmlns:r="http://schemas.openxmlformats.org/officeDocument/2006/relationships" type="line" r:blip="">
+                        <dgm:adjLst/>
+                      </dgm:shape>
+                      <dgm:presOf/>
+                    </dgm:layoutNode>
+                  </dgm:forEach>
+                </dgm:forEach>
+              </dgm:layoutNode>
+            </dgm:layoutNode>
+            <dgm:layoutNode name="thinLine2b" styleLbl="callout">
+              <dgm:alg type="sp"/>
+              <dgm:shape xmlns:r="http://schemas.openxmlformats.org/officeDocument/2006/relationships" type="line" r:blip="">
+                <dgm:adjLst/>
+              </dgm:shape>
+              <dgm:presOf/>
+            </dgm:layoutNode>
+            <dgm:layoutNode name="vertSpace2b">
+              <dgm:alg type="sp"/>
+              <dgm:shape xmlns:r="http://schemas.openxmlformats.org/officeDocument/2006/relationships" r:blip="">
+                <dgm:adjLst/>
+              </dgm:shape>
+              <dgm:presOf/>
+            </dgm:layoutNode>
+          </dgm:forEach>
+        </dgm:layoutNode>
+      </dgm:layoutNode>
+    </dgm:forEach>
+  </dgm:layoutNode>
+</dgm:layoutDef>
+</file>
+
+<file path=ppt/diagrams/quickStyle1.xml><?xml version="1.0" encoding="utf-8"?>
+<dgm:styleDef xmlns:dgm="http://schemas.openxmlformats.org/drawingml/2006/diagram" xmlns:a="http://schemas.openxmlformats.org/drawingml/2006/main" uniqueId="urn:microsoft.com/office/officeart/2005/8/quickstyle/simple1">
+  <dgm:title val=""/>
+  <dgm:desc val=""/>
+  <dgm:catLst>
+    <dgm:cat type="simple" pri="10100"/>
+  </dgm:catLst>
+  <dgm:scene3d>
+    <a:camera prst="orthographicFront"/>
+    <a:lightRig rig="threePt" dir="t"/>
+  </dgm:scene3d>
+  <dgm:styleLbl name="node0">
+    <dgm:scene3d>
+      <a:camera prst="orthographicFront"/>
+      <a:lightRig rig="threePt" dir="t"/>
+    </dgm:scene3d>
+    <dgm:sp3d/>
+    <dgm:txPr/>
+    <dgm:style>
+      <a:lnRef idx="2">
+        <a:scrgbClr r="0" g="0" b="0"/>
+      </a:lnRef>
+      <a:fillRef idx="1">
+        <a:scrgbClr r="0" g="0" b="0"/>
+      </a:fillRef>
+      <a:effectRef idx="0">
+        <a:scrgbClr r="0" g="0" b="0"/>
+      </a:effectRef>
+      <a:fontRef idx="minor">
+        <a:schemeClr val="lt1"/>
+      </a:fontRef>
+    </dgm:style>
+  </dgm:styleLbl>
+  <dgm:styleLbl name="lnNode1">
+    <dgm:scene3d>
+      <a:camera prst="orthographicFront"/>
+      <a:lightRig rig="threePt" dir="t"/>
+    </dgm:scene3d>
+    <dgm:sp3d/>
+    <dgm:txPr/>
+    <dgm:style>
+      <a:lnRef idx="2">
+        <a:scrgbClr r="0" g="0" b="0"/>
+      </a:lnRef>
+      <a:fillRef idx="1">
+        <a:scrgbClr r="0" g="0" b="0"/>
+      </a:fillRef>
+      <a:effectRef idx="0">
+        <a:scrgbClr r="0" g="0" b="0"/>
+      </a:effectRef>
+      <a:fontRef idx="minor">
+        <a:schemeClr val="lt1"/>
+      </a:fontRef>
+    </dgm:style>
+  </dgm:styleLbl>
+  <dgm:styleLbl name="vennNode1">
+    <dgm:scene3d>
+      <a:camera prst="orthographicFront"/>
+      <a:lightRig rig="threePt" dir="t"/>
+    </dgm:scene3d>
+    <dgm:sp3d/>
+    <dgm:txPr/>
+    <dgm:style>
+      <a:lnRef idx="2">
+        <a:scrgbClr r="0" g="0" b="0"/>
+      </a:lnRef>
+      <a:fillRef idx="1">
+        <a:scrgbClr r="0" g="0" b="0"/>
+      </a:fillRef>
+      <a:effectRef idx="0">
+        <a:scrgbClr r="0" g="0" b="0"/>
+      </a:effectRef>
+      <a:fontRef idx="minor">
+        <a:schemeClr val="tx1"/>
+      </a:fontRef>
+    </dgm:style>
+  </dgm:styleLbl>
+  <dgm:styleLbl name="alignNode1">
+    <dgm:scene3d>
+      <a:camera prst="orthographicFront"/>
+      <a:lightRig rig="threePt" dir="t"/>
+    </dgm:scene3d>
+    <dgm:sp3d/>
+    <dgm:txPr/>
+    <dgm:style>
+      <a:lnRef idx="2">
+        <a:scrgbClr r="0" g="0" b="0"/>
+      </a:lnRef>
+      <a:fillRef idx="1">
+        <a:scrgbClr r="0" g="0" b="0"/>
+      </a:fillRef>
+      <a:effectRef idx="0">
+        <a:scrgbClr r="0" g="0" b="0"/>
+      </a:effectRef>
+      <a:fontRef idx="minor">
+        <a:schemeClr val="lt1"/>
+      </a:fontRef>
+    </dgm:style>
+  </dgm:styleLbl>
+  <dgm:styleLbl name="node1">
+    <dgm:scene3d>
+      <a:camera prst="orthographicFront"/>
+      <a:lightRig rig="threePt" dir="t"/>
+    </dgm:scene3d>
+    <dgm:sp3d/>
+    <dgm:txPr/>
+    <dgm:style>
+      <a:lnRef idx="2">
+        <a:scrgbClr r="0" g="0" b="0"/>
+      </a:lnRef>
+      <a:fillRef idx="1">
+        <a:scrgbClr r="0" g="0" b="0"/>
+      </a:fillRef>
+      <a:effectRef idx="0">
+        <a:scrgbClr r="0" g="0" b="0"/>
+      </a:effectRef>
+      <a:fontRef idx="minor">
+        <a:schemeClr val="lt1"/>
+      </a:fontRef>
+    </dgm:style>
+  </dgm:styleLbl>
+  <dgm:styleLbl name="node2">
+    <dgm:scene3d>
+      <a:camera prst="orthographicFront"/>
+      <a:lightRig rig="threePt" dir="t"/>
+    </dgm:scene3d>
+    <dgm:sp3d/>
+    <dgm:txPr/>
+    <dgm:style>
+      <a:lnRef idx="2">
+        <a:scrgbClr r="0" g="0" b="0"/>
+      </a:lnRef>
+      <a:fillRef idx="1">
+        <a:scrgbClr r="0" g="0" b="0"/>
+      </a:fillRef>
+      <a:effectRef idx="0">
+        <a:scrgbClr r="0" g="0" b="0"/>
+      </a:effectRef>
+      <a:fontRef idx="minor">
+        <a:schemeClr val="lt1"/>
+      </a:fontRef>
+    </dgm:style>
+  </dgm:styleLbl>
+  <dgm:styleLbl name="node3">
+    <dgm:scene3d>
+      <a:camera prst="orthographicFront"/>
+      <a:lightRig rig="threePt" dir="t"/>
+    </dgm:scene3d>
+    <dgm:sp3d/>
+    <dgm:txPr/>
+    <dgm:style>
+      <a:lnRef idx="2">
+        <a:scrgbClr r="0" g="0" b="0"/>
+      </a:lnRef>
+      <a:fillRef idx="1">
+        <a:scrgbClr r="0" g="0" b="0"/>
+      </a:fillRef>
+      <a:effectRef idx="0">
+        <a:scrgbClr r="0" g="0" b="0"/>
+      </a:effectRef>
+      <a:fontRef idx="minor">
+        <a:schemeClr val="lt1"/>
+      </a:fontRef>
+    </dgm:style>
+  </dgm:styleLbl>
+  <dgm:styleLbl name="node4">
+    <dgm:scene3d>
+      <a:camera prst="orthographicFront"/>
+      <a:lightRig rig="threePt" dir="t"/>
+    </dgm:scene3d>
+    <dgm:sp3d/>
+    <dgm:txPr/>
+    <dgm:style>
+      <a:lnRef idx="2">
+        <a:scrgbClr r="0" g="0" b="0"/>
+      </a:lnRef>
+      <a:fillRef idx="1">
+        <a:scrgbClr r="0" g="0" b="0"/>
+      </a:fillRef>
+      <a:effectRef idx="0">
+        <a:scrgbClr r="0" g="0" b="0"/>
+      </a:effectRef>
+      <a:fontRef idx="minor">
+        <a:schemeClr val="lt1"/>
+      </a:fontRef>
+    </dgm:style>
+  </dgm:styleLbl>
+  <dgm:styleLbl name="fgImgPlace1">
+    <dgm:scene3d>
+      <a:camera prst="orthographicFront"/>
+      <a:lightRig rig="threePt" dir="t"/>
+    </dgm:scene3d>
+    <dgm:sp3d/>
+    <dgm:txPr/>
+    <dgm:style>
+      <a:lnRef idx="2">
+        <a:scrgbClr r="0" g="0" b="0"/>
+      </a:lnRef>
+      <a:fillRef idx="1">
+        <a:scrgbClr r="0" g="0" b="0"/>
+      </a:fillRef>
+      <a:effectRef idx="0">
+        <a:scrgbClr r="0" g="0" b="0"/>
+      </a:effectRef>
+      <a:fontRef idx="minor"/>
+    </dgm:style>
+  </dgm:styleLbl>
+  <dgm:styleLbl name="alignImgPlace1">
+    <dgm:scene3d>
+      <a:camera prst="orthographicFront"/>
+      <a:lightRig rig="threePt" dir="t"/>
+    </dgm:scene3d>
+    <dgm:sp3d/>
+    <dgm:txPr/>
+    <dgm:style>
+      <a:lnRef idx="2">
+        <a:scrgbClr r="0" g="0" b="0"/>
+      </a:lnRef>
+      <a:fillRef idx="1">
+        <a:scrgbClr r="0" g="0" b="0"/>
+      </a:fillRef>
+      <a:effectRef idx="0">
+        <a:scrgbClr r="0" g="0" b="0"/>
+      </a:effectRef>
+      <a:fontRef idx="minor"/>
+    </dgm:style>
+  </dgm:styleLbl>
+  <dgm:styleLbl name="bgImgPlace1">
+    <dgm:scene3d>
+      <a:camera prst="orthographicFront"/>
+      <a:lightRig rig="threePt" dir="t"/>
+    </dgm:scene3d>
+    <dgm:sp3d/>
+    <dgm:txPr/>
+    <dgm:style>
+      <a:lnRef idx="2">
+        <a:scrgbClr r="0" g="0" b="0"/>
+      </a:lnRef>
+      <a:fillRef idx="1">
+        <a:scrgbClr r="0" g="0" b="0"/>
+      </a:fillRef>
+      <a:effectRef idx="0">
+        <a:scrgbClr r="0" g="0" b="0"/>
+      </a:effectRef>
+      <a:fontRef idx="minor"/>
+    </dgm:style>
+  </dgm:styleLbl>
+  <dgm:styleLbl name="sibTrans2D1">
+    <dgm:scene3d>
+      <a:camera prst="orthographicFront"/>
+      <a:lightRig rig="threePt" dir="t"/>
+    </dgm:scene3d>
+    <dgm:sp3d/>
+    <dgm:txPr/>
+    <dgm:style>
+      <a:lnRef idx="0">
+        <a:scrgbClr r="0" g="0" b="0"/>
+      </a:lnRef>
+      <a:fillRef idx="1">
+        <a:scrgbClr r="0" g="0" b="0"/>
+      </a:fillRef>
+      <a:effectRef idx="0">
+        <a:scrgbClr r="0" g="0" b="0"/>
+      </a:effectRef>
+      <a:fontRef idx="minor">
+        <a:schemeClr val="lt1"/>
+      </a:fontRef>
+    </dgm:style>
+  </dgm:styleLbl>
+  <dgm:styleLbl name="fgSibTrans2D1">
+    <dgm:scene3d>
+      <a:camera prst="orthographicFront"/>
+      <a:lightRig rig="threePt" dir="t"/>
+    </dgm:scene3d>
+    <dgm:sp3d/>
+    <dgm:txPr/>
+    <dgm:style>
+      <a:lnRef idx="0">
+        <a:scrgbClr r="0" g="0" b="0"/>
+      </a:lnRef>
+      <a:fillRef idx="1">
+        <a:scrgbClr r="0" g="0" b="0"/>
+      </a:fillRef>
+      <a:effectRef idx="0">
+        <a:scrgbClr r="0" g="0" b="0"/>
+      </a:effectRef>
+      <a:fontRef idx="minor">
+        <a:schemeClr val="lt1"/>
+      </a:fontRef>
+    </dgm:style>
+  </dgm:styleLbl>
+  <dgm:styleLbl name="bgSibTrans2D1">
+    <dgm:scene3d>
+      <a:camera prst="orthographicFront"/>
+      <a:lightRig rig="threePt" dir="t"/>
+    </dgm:scene3d>
+    <dgm:sp3d/>
+    <dgm:txPr/>
+    <dgm:style>
+      <a:lnRef idx="0">
+        <a:scrgbClr r="0" g="0" b="0"/>
+      </a:lnRef>
+      <a:fillRef idx="1">
+        <a:scrgbClr r="0" g="0" b="0"/>
+      </a:fillRef>
+      <a:effectRef idx="0">
+        <a:scrgbClr r="0" g="0" b="0"/>
+      </a:effectRef>
+      <a:fontRef idx="minor">
+        <a:schemeClr val="lt1"/>
+      </a:fontRef>
+    </dgm:style>
+  </dgm:styleLbl>
+  <dgm:styleLbl name="sibTrans1D1">
+    <dgm:scene3d>
+      <a:camera prst="orthographicFront"/>
+      <a:lightRig rig="threePt" dir="t"/>
+    </dgm:scene3d>
+    <dgm:sp3d/>
+    <dgm:txPr/>
+    <dgm:style>
+      <a:lnRef idx="1">
+        <a:scrgbClr r="0" g="0" b="0"/>
+      </a:lnRef>
+      <a:fillRef idx="0">
+        <a:scrgbClr r="0" g="0" b="0"/>
+      </a:fillRef>
+      <a:effectRef idx="0">
+        <a:scrgbClr r="0" g="0" b="0"/>
+      </a:effectRef>
+      <a:fontRef idx="minor"/>
+    </dgm:style>
+  </dgm:styleLbl>
+  <dgm:styleLbl name="callout">
+    <dgm:scene3d>
+      <a:camera prst="orthographicFront"/>
+      <a:lightRig rig="threePt" dir="t"/>
+    </dgm:scene3d>
+    <dgm:sp3d/>
+    <dgm:txPr/>
+    <dgm:style>
+      <a:lnRef idx="2">
+        <a:scrgbClr r="0" g="0" b="0"/>
+      </a:lnRef>
+      <a:fillRef idx="1">
+        <a:scrgbClr r="0" g="0" b="0"/>
+      </a:fillRef>
+      <a:effectRef idx="0">
+        <a:scrgbClr r="0" g="0" b="0"/>
+      </a:effectRef>
+      <a:fontRef idx="minor"/>
+    </dgm:style>
+  </dgm:styleLbl>
+  <dgm:styleLbl name="asst0">
+    <dgm:scene3d>
+      <a:camera prst="orthographicFront"/>
+      <a:lightRig rig="threePt" dir="t"/>
+    </dgm:scene3d>
+    <dgm:sp3d/>
+    <dgm:txPr/>
+    <dgm:style>
+      <a:lnRef idx="2">
+        <a:scrgbClr r="0" g="0" b="0"/>
+      </a:lnRef>
+      <a:fillRef idx="1">
+        <a:scrgbClr r="0" g="0" b="0"/>
+      </a:fillRef>
+      <a:effectRef idx="0">
+        <a:scrgbClr r="0" g="0" b="0"/>
+      </a:effectRef>
+      <a:fontRef idx="minor">
+        <a:schemeClr val="lt1"/>
+      </a:fontRef>
+    </dgm:style>
+  </dgm:styleLbl>
+  <dgm:styleLbl name="asst1">
+    <dgm:scene3d>
+      <a:camera prst="orthographicFront"/>
+      <a:lightRig rig="threePt" dir="t"/>
+    </dgm:scene3d>
+    <dgm:sp3d/>
+    <dgm:txPr/>
+    <dgm:style>
+      <a:lnRef idx="2">
+        <a:scrgbClr r="0" g="0" b="0"/>
+      </a:lnRef>
+      <a:fillRef idx="1">
+        <a:scrgbClr r="0" g="0" b="0"/>
+      </a:fillRef>
+      <a:effectRef idx="0">
+        <a:scrgbClr r="0" g="0" b="0"/>
+      </a:effectRef>
+      <a:fontRef idx="minor">
+        <a:schemeClr val="lt1"/>
+      </a:fontRef>
+    </dgm:style>
+  </dgm:styleLbl>
+  <dgm:styleLbl name="asst2">
+    <dgm:scene3d>
+      <a:camera prst="orthographicFront"/>
+      <a:lightRig rig="threePt" dir="t"/>
+    </dgm:scene3d>
+    <dgm:sp3d/>
+    <dgm:txPr/>
+    <dgm:style>
+      <a:lnRef idx="2">
+        <a:scrgbClr r="0" g="0" b="0"/>
+      </a:lnRef>
+      <a:fillRef idx="1">
+        <a:scrgbClr r="0" g="0" b="0"/>
+      </a:fillRef>
+      <a:effectRef idx="0">
+        <a:scrgbClr r="0" g="0" b="0"/>
+      </a:effectRef>
+      <a:fontRef idx="minor">
+        <a:schemeClr val="lt1"/>
+      </a:fontRef>
+    </dgm:style>
+  </dgm:styleLbl>
+  <dgm:styleLbl name="asst3">
+    <dgm:scene3d>
+      <a:camera prst="orthographicFront"/>
+      <a:lightRig rig="threePt" dir="t"/>
+    </dgm:scene3d>
+    <dgm:sp3d/>
+    <dgm:txPr/>
+    <dgm:style>
+      <a:lnRef idx="2">
+        <a:scrgbClr r="0" g="0" b="0"/>
+      </a:lnRef>
+      <a:fillRef idx="1">
+        <a:scrgbClr r="0" g="0" b="0"/>
+      </a:fillRef>
+      <a:effectRef idx="0">
+        <a:scrgbClr r="0" g="0" b="0"/>
+      </a:effectRef>
+      <a:fontRef idx="minor">
+        <a:schemeClr val="lt1"/>
+      </a:fontRef>
+    </dgm:style>
+  </dgm:styleLbl>
+  <dgm:styleLbl name="asst4">
+    <dgm:scene3d>
+      <a:camera prst="orthographicFront"/>
+      <a:lightRig rig="threePt" dir="t"/>
+    </dgm:scene3d>
+    <dgm:sp3d/>
+    <dgm:txPr/>
+    <dgm:style>
+      <a:lnRef idx="2">
+        <a:scrgbClr r="0" g="0" b="0"/>
+      </a:lnRef>
+      <a:fillRef idx="1">
+        <a:scrgbClr r="0" g="0" b="0"/>
+      </a:fillRef>
+      <a:effectRef idx="0">
+        <a:scrgbClr r="0" g="0" b="0"/>
+      </a:effectRef>
+      <a:fontRef idx="minor">
+        <a:schemeClr val="lt1"/>
+      </a:fontRef>
+    </dgm:style>
+  </dgm:styleLbl>
+  <dgm:styleLbl name="parChTrans2D1">
+    <dgm:scene3d>
+      <a:camera prst="orthographicFront"/>
+      <a:lightRig rig="threePt" dir="t"/>
+    </dgm:scene3d>
+    <dgm:sp3d/>
+    <dgm:txPr/>
+    <dgm:style>
+      <a:lnRef idx="2">
+        <a:scrgbClr r="0" g="0" b="0"/>
+      </a:lnRef>
+      <a:fillRef idx="1">
+        <a:scrgbClr r="0" g="0" b="0"/>
+      </a:fillRef>
+      <a:effectRef idx="0">
+        <a:scrgbClr r="0" g="0" b="0"/>
+      </a:effectRef>
+      <a:fontRef idx="minor">
+        <a:schemeClr val="lt1"/>
+      </a:fontRef>
+    </dgm:style>
+  </dgm:styleLbl>
+  <dgm:styleLbl name="parChTrans2D2">
+    <dgm:scene3d>
+      <a:camera prst="orthographicFront"/>
+      <a:lightRig rig="threePt" dir="t"/>
+    </dgm:scene3d>
+    <dgm:sp3d/>
+    <dgm:txPr/>
+    <dgm:style>
+      <a:lnRef idx="2">
+        <a:scrgbClr r="0" g="0" b="0"/>
+      </a:lnRef>
+      <a:fillRef idx="1">
+        <a:scrgbClr r="0" g="0" b="0"/>
+      </a:fillRef>
+      <a:effectRef idx="0">
+        <a:scrgbClr r="0" g="0" b="0"/>
+      </a:effectRef>
+      <a:fontRef idx="minor">
+        <a:schemeClr val="lt1"/>
+      </a:fontRef>
+    </dgm:style>
+  </dgm:styleLbl>
+  <dgm:styleLbl name="parChTrans2D3">
+    <dgm:scene3d>
+      <a:camera prst="orthographicFront"/>
+      <a:lightRig rig="threePt" dir="t"/>
+    </dgm:scene3d>
+    <dgm:sp3d/>
+    <dgm:txPr/>
+    <dgm:style>
+      <a:lnRef idx="2">
+        <a:scrgbClr r="0" g="0" b="0"/>
+      </a:lnRef>
+      <a:fillRef idx="1">
+        <a:scrgbClr r="0" g="0" b="0"/>
+      </a:fillRef>
+      <a:effectRef idx="0">
+        <a:scrgbClr r="0" g="0" b="0"/>
+      </a:effectRef>
+      <a:fontRef idx="minor">
+        <a:schemeClr val="lt1"/>
+      </a:fontRef>
+    </dgm:style>
+  </dgm:styleLbl>
+  <dgm:styleLbl name="parChTrans2D4">
+    <dgm:scene3d>
+      <a:camera prst="orthographicFront"/>
+      <a:lightRig rig="threePt" dir="t"/>
+    </dgm:scene3d>
+    <dgm:sp3d/>
+    <dgm:txPr/>
+    <dgm:style>
+      <a:lnRef idx="2">
+        <a:scrgbClr r="0" g="0" b="0"/>
+      </a:lnRef>
+      <a:fillRef idx="1">
+        <a:scrgbClr r="0" g="0" b="0"/>
+      </a:fillRef>
+      <a:effectRef idx="0">
+        <a:scrgbClr r="0" g="0" b="0"/>
+      </a:effectRef>
+      <a:fontRef idx="minor">
+        <a:schemeClr val="lt1"/>
+      </a:fontRef>
+    </dgm:style>
+  </dgm:styleLbl>
+  <dgm:styleLbl name="parChTrans1D1">
+    <dgm:scene3d>
+      <a:camera prst="orthographicFront"/>
+      <a:lightRig rig="threePt" dir="t"/>
+    </dgm:scene3d>
+    <dgm:sp3d/>
+    <dgm:txPr/>
+    <dgm:style>
+      <a:lnRef idx="2">
+        <a:scrgbClr r="0" g="0" b="0"/>
+      </a:lnRef>
+      <a:fillRef idx="0">
+        <a:scrgbClr r="0" g="0" b="0"/>
+      </a:fillRef>
+      <a:effectRef idx="0">
+        <a:scrgbClr r="0" g="0" b="0"/>
+      </a:effectRef>
+      <a:fontRef idx="minor"/>
+    </dgm:style>
+  </dgm:styleLbl>
+  <dgm:styleLbl name="parChTrans1D2">
+    <dgm:scene3d>
+      <a:camera prst="orthographicFront"/>
+      <a:lightRig rig="threePt" dir="t"/>
+    </dgm:scene3d>
+    <dgm:sp3d/>
+    <dgm:txPr/>
+    <dgm:style>
+      <a:lnRef idx="2">
+        <a:scrgbClr r="0" g="0" b="0"/>
+      </a:lnRef>
+      <a:fillRef idx="0">
+        <a:scrgbClr r="0" g="0" b="0"/>
+      </a:fillRef>
+      <a:effectRef idx="0">
+        <a:scrgbClr r="0" g="0" b="0"/>
+      </a:effectRef>
+      <a:fontRef idx="minor"/>
+    </dgm:style>
+  </dgm:styleLbl>
+  <dgm:styleLbl name="parChTrans1D3">
+    <dgm:scene3d>
+      <a:camera prst="orthographicFront"/>
+      <a:lightRig rig="threePt" dir="t"/>
+    </dgm:scene3d>
+    <dgm:sp3d/>
+    <dgm:txPr/>
+    <dgm:style>
+      <a:lnRef idx="2">
+        <a:scrgbClr r="0" g="0" b="0"/>
+      </a:lnRef>
+      <a:fillRef idx="0">
+        <a:scrgbClr r="0" g="0" b="0"/>
+      </a:fillRef>
+      <a:effectRef idx="0">
+        <a:scrgbClr r="0" g="0" b="0"/>
+      </a:effectRef>
+      <a:fontRef idx="minor"/>
+    </dgm:style>
+  </dgm:styleLbl>
+  <dgm:styleLbl name="parChTrans1D4">
+    <dgm:scene3d>
+      <a:camera prst="orthographicFront"/>
+      <a:lightRig rig="threePt" dir="t"/>
+    </dgm:scene3d>
+    <dgm:sp3d/>
+    <dgm:txPr/>
+    <dgm:style>
+      <a:lnRef idx="2">
+        <a:scrgbClr r="0" g="0" b="0"/>
+      </a:lnRef>
+      <a:fillRef idx="0">
+        <a:scrgbClr r="0" g="0" b="0"/>
+      </a:fillRef>
+      <a:effectRef idx="0">
+        <a:scrgbClr r="0" g="0" b="0"/>
+      </a:effectRef>
+      <a:fontRef idx="minor"/>
+    </dgm:style>
+  </dgm:styleLbl>
+  <dgm:styleLbl name="fgAcc1">
+    <dgm:scene3d>
+      <a:camera prst="orthographicFront"/>
+      <a:lightRig rig="threePt" dir="t"/>
+    </dgm:scene3d>
+    <dgm:sp3d/>
+    <dgm:txPr/>
+    <dgm:style>
+      <a:lnRef idx="2">
+        <a:scrgbClr r="0" g="0" b="0"/>
+      </a:lnRef>
+      <a:fillRef idx="1">
+        <a:scrgbClr r="0" g="0" b="0"/>
+      </a:fillRef>
+      <a:effectRef idx="0">
+        <a:scrgbClr r="0" g="0" b="0"/>
+      </a:effectRef>
+      <a:fontRef idx="minor"/>
+    </dgm:style>
+  </dgm:styleLbl>
+  <dgm:styleLbl name="conFgAcc1">
+    <dgm:scene3d>
+      <a:camera prst="orthographicFront"/>
+      <a:lightRig rig="threePt" dir="t"/>
+    </dgm:scene3d>
+    <dgm:sp3d/>
+    <dgm:txPr/>
+    <dgm:style>
+      <a:lnRef idx="2">
+        <a:scrgbClr r="0" g="0" b="0"/>
+      </a:lnRef>
+      <a:fillRef idx="1">
+        <a:scrgbClr r="0" g="0" b="0"/>
+      </a:fillRef>
+      <a:effectRef idx="0">
+        <a:scrgbClr r="0" g="0" b="0"/>
+      </a:effectRef>
+      <a:fontRef idx="minor"/>
+    </dgm:style>
+  </dgm:styleLbl>
+  <dgm:styleLbl name="alignAcc1">
+    <dgm:scene3d>
+      <a:camera prst="orthographicFront"/>
+      <a:lightRig rig="threePt" dir="t"/>
+    </dgm:scene3d>
+    <dgm:sp3d/>
+    <dgm:txPr/>
+    <dgm:style>
+      <a:lnRef idx="2">
+        <a:scrgbClr r="0" g="0" b="0"/>
+      </a:lnRef>
+      <a:fillRef idx="1">
+        <a:scrgbClr r="0" g="0" b="0"/>
+      </a:fillRef>
+      <a:effectRef idx="0">
+        <a:scrgbClr r="0" g="0" b="0"/>
+      </a:effectRef>
+      <a:fontRef idx="minor"/>
+    </dgm:style>
+  </dgm:styleLbl>
+  <dgm:styleLbl name="trAlignAcc1">
+    <dgm:scene3d>
+      <a:camera prst="orthographicFront"/>
+      <a:lightRig rig="threePt" dir="t"/>
+    </dgm:scene3d>
+    <dgm:sp3d/>
+    <dgm:txPr/>
+    <dgm:style>
+      <a:lnRef idx="1">
+        <a:scrgbClr r="0" g="0" b="0"/>
+      </a:lnRef>
+      <a:fillRef idx="1">
+        <a:scrgbClr r="0" g="0" b="0"/>
+      </a:fillRef>
+      <a:effectRef idx="0">
+        <a:scrgbClr r="0" g="0" b="0"/>
+      </a:effectRef>
+      <a:fontRef idx="minor"/>
+    </dgm:style>
+  </dgm:styleLbl>
+  <dgm:styleLbl name="bgAcc1">
+    <dgm:scene3d>
+      <a:camera prst="orthographicFront"/>
+      <a:lightRig rig="threePt" dir="t"/>
+    </dgm:scene3d>
+    <dgm:sp3d/>
+    <dgm:txPr/>
+    <dgm:style>
+      <a:lnRef idx="2">
+        <a:scrgbClr r="0" g="0" b="0"/>
+      </a:lnRef>
+      <a:fillRef idx="1">
+        <a:scrgbClr r="0" g="0" b="0"/>
+      </a:fillRef>
+      <a:effectRef idx="0">
+        <a:scrgbClr r="0" g="0" b="0"/>
+      </a:effectRef>
+      <a:fontRef idx="minor"/>
+    </dgm:style>
+  </dgm:styleLbl>
+  <dgm:styleLbl name="solidFgAcc1">
+    <dgm:scene3d>
+      <a:camera prst="orthographicFront"/>
+      <a:lightRig rig="threePt" dir="t"/>
+    </dgm:scene3d>
+    <dgm:sp3d/>
+    <dgm:txPr/>
+    <dgm:style>
+      <a:lnRef idx="2">
+        <a:scrgbClr r="0" g="0" b="0"/>
+      </a:lnRef>
+      <a:fillRef idx="1">
+        <a:scrgbClr r="0" g="0" b="0"/>
+      </a:fillRef>
+      <a:effectRef idx="0">
+        <a:scrgbClr r="0" g="0" b="0"/>
+      </a:effectRef>
+      <a:fontRef idx="minor"/>
+    </dgm:style>
+  </dgm:styleLbl>
+  <dgm:styleLbl name="solidAlignAcc1">
+    <dgm:scene3d>
+      <a:camera prst="orthographicFront"/>
+      <a:lightRig rig="threePt" dir="t"/>
+    </dgm:scene3d>
+    <dgm:sp3d/>
+    <dgm:txPr/>
+    <dgm:style>
+      <a:lnRef idx="2">
+        <a:scrgbClr r="0" g="0" b="0"/>
+      </a:lnRef>
+      <a:fillRef idx="1">
+        <a:scrgbClr r="0" g="0" b="0"/>
+      </a:fillRef>
+      <a:effectRef idx="0">
+        <a:scrgbClr r="0" g="0" b="0"/>
+      </a:effectRef>
+      <a:fontRef idx="minor"/>
+    </dgm:style>
+  </dgm:styleLbl>
+  <dgm:styleLbl name="solidBgAcc1">
+    <dgm:scene3d>
+      <a:camera prst="orthographicFront"/>
+      <a:lightRig rig="threePt" dir="t"/>
+    </dgm:scene3d>
+    <dgm:sp3d/>
+    <dgm:txPr/>
+    <dgm:style>
+      <a:lnRef idx="2">
+        <a:scrgbClr r="0" g="0" b="0"/>
+      </a:lnRef>
+      <a:fillRef idx="1">
+        <a:scrgbClr r="0" g="0" b="0"/>
+      </a:fillRef>
+      <a:effectRef idx="0">
+        <a:scrgbClr r="0" g="0" b="0"/>
+      </a:effectRef>
+      <a:fontRef idx="minor"/>
+    </dgm:style>
+  </dgm:styleLbl>
+  <dgm:styleLbl name="fgAccFollowNode1">
+    <dgm:scene3d>
+      <a:camera prst="orthographicFront"/>
+      <a:lightRig rig="threePt" dir="t"/>
+    </dgm:scene3d>
+    <dgm:sp3d/>
+    <dgm:txPr/>
+    <dgm:style>
+      <a:lnRef idx="2">
+        <a:scrgbClr r="0" g="0" b="0"/>
+      </a:lnRef>
+      <a:fillRef idx="1">
+        <a:scrgbClr r="0" g="0" b="0"/>
+      </a:fillRef>
+      <a:effectRef idx="0">
+        <a:scrgbClr r="0" g="0" b="0"/>
+      </a:effectRef>
+      <a:fontRef idx="minor"/>
+    </dgm:style>
+  </dgm:styleLbl>
+  <dgm:styleLbl name="alignAccFollowNode1">
+    <dgm:scene3d>
+      <a:camera prst="orthographicFront"/>
+      <a:lightRig rig="threePt" dir="t"/>
+    </dgm:scene3d>
+    <dgm:sp3d/>
+    <dgm:txPr/>
+    <dgm:style>
+      <a:lnRef idx="2">
+        <a:scrgbClr r="0" g="0" b="0"/>
+      </a:lnRef>
+      <a:fillRef idx="1">
+        <a:scrgbClr r="0" g="0" b="0"/>
+      </a:fillRef>
+      <a:effectRef idx="0">
+        <a:scrgbClr r="0" g="0" b="0"/>
+      </a:effectRef>
+      <a:fontRef idx="minor"/>
+    </dgm:style>
+  </dgm:styleLbl>
+  <dgm:styleLbl name="bgAccFollowNode1">
+    <dgm:scene3d>
+      <a:camera prst="orthographicFront"/>
+      <a:lightRig rig="threePt" dir="t"/>
+    </dgm:scene3d>
+    <dgm:sp3d/>
+    <dgm:txPr/>
+    <dgm:style>
+      <a:lnRef idx="2">
+        <a:scrgbClr r="0" g="0" b="0"/>
+      </a:lnRef>
+      <a:fillRef idx="1">
+        <a:scrgbClr r="0" g="0" b="0"/>
+      </a:fillRef>
+      <a:effectRef idx="0">
+        <a:scrgbClr r="0" g="0" b="0"/>
+      </a:effectRef>
+      <a:fontRef idx="minor"/>
+    </dgm:style>
+  </dgm:styleLbl>
+  <dgm:styleLbl name="fgAcc0">
+    <dgm:scene3d>
+      <a:camera prst="orthographicFront"/>
+      <a:lightRig rig="threePt" dir="t"/>
+    </dgm:scene3d>
+    <dgm:sp3d/>
+    <dgm:txPr/>
+    <dgm:style>
+      <a:lnRef idx="2">
+        <a:scrgbClr r="0" g="0" b="0"/>
+      </a:lnRef>
+      <a:fillRef idx="1">
+        <a:scrgbClr r="0" g="0" b="0"/>
+      </a:fillRef>
+      <a:effectRef idx="0">
+        <a:scrgbClr r="0" g="0" b="0"/>
+      </a:effectRef>
+      <a:fontRef idx="minor"/>
+    </dgm:style>
+  </dgm:styleLbl>
+  <dgm:styleLbl name="fgAcc2">
+    <dgm:scene3d>
+      <a:camera prst="orthographicFront"/>
+      <a:lightRig rig="threePt" dir="t"/>
+    </dgm:scene3d>
+    <dgm:sp3d/>
+    <dgm:txPr/>
+    <dgm:style>
+      <a:lnRef idx="2">
+        <a:scrgbClr r="0" g="0" b="0"/>
+      </a:lnRef>
+      <a:fillRef idx="1">
+        <a:scrgbClr r="0" g="0" b="0"/>
+      </a:fillRef>
+      <a:effectRef idx="0">
+        <a:scrgbClr r="0" g="0" b="0"/>
+      </a:effectRef>
+      <a:fontRef idx="minor"/>
+    </dgm:style>
+  </dgm:styleLbl>
+  <dgm:styleLbl name="fgAcc3">
+    <dgm:scene3d>
+      <a:camera prst="orthographicFront"/>
+      <a:lightRig rig="threePt" dir="t"/>
+    </dgm:scene3d>
+    <dgm:sp3d/>
+    <dgm:txPr/>
+    <dgm:style>
+      <a:lnRef idx="2">
+        <a:scrgbClr r="0" g="0" b="0"/>
+      </a:lnRef>
+      <a:fillRef idx="1">
+        <a:scrgbClr r="0" g="0" b="0"/>
+      </a:fillRef>
+      <a:effectRef idx="0">
+        <a:scrgbClr r="0" g="0" b="0"/>
+      </a:effectRef>
+      <a:fontRef idx="minor"/>
+    </dgm:style>
+  </dgm:styleLbl>
+  <dgm:styleLbl name="fgAcc4">
+    <dgm:scene3d>
+      <a:camera prst="orthographicFront"/>
+      <a:lightRig rig="threePt" dir="t"/>
+    </dgm:scene3d>
+    <dgm:sp3d/>
+    <dgm:txPr/>
+    <dgm:style>
+      <a:lnRef idx="2">
+        <a:scrgbClr r="0" g="0" b="0"/>
+      </a:lnRef>
+      <a:fillRef idx="1">
+        <a:scrgbClr r="0" g="0" b="0"/>
+      </a:fillRef>
+      <a:effectRef idx="0">
+        <a:scrgbClr r="0" g="0" b="0"/>
+      </a:effectRef>
+      <a:fontRef idx="minor"/>
+    </dgm:style>
+  </dgm:styleLbl>
+  <dgm:styleLbl name="bgShp">
+    <dgm:scene3d>
+      <a:camera prst="orthographicFront"/>
+      <a:lightRig rig="threePt" dir="t"/>
+    </dgm:scene3d>
+    <dgm:sp3d/>
+    <dgm:txPr/>
+    <dgm:style>
+      <a:lnRef idx="0">
+        <a:scrgbClr r="0" g="0" b="0"/>
+      </a:lnRef>
+      <a:fillRef idx="1">
+        <a:scrgbClr r="0" g="0" b="0"/>
+      </a:fillRef>
+      <a:effectRef idx="0">
+        <a:scrgbClr r="0" g="0" b="0"/>
+      </a:effectRef>
+      <a:fontRef idx="minor"/>
+    </dgm:style>
+  </dgm:styleLbl>
+  <dgm:styleLbl name="dkBgShp">
+    <dgm:scene3d>
+      <a:camera prst="orthographicFront"/>
+      <a:lightRig rig="threePt" dir="t"/>
+    </dgm:scene3d>
+    <dgm:sp3d/>
+    <dgm:txPr/>
+    <dgm:style>
+      <a:lnRef idx="0">
+        <a:scrgbClr r="0" g="0" b="0"/>
+      </a:lnRef>
+      <a:fillRef idx="1">
+        <a:scrgbClr r="0" g="0" b="0"/>
+      </a:fillRef>
+      <a:effectRef idx="0">
+        <a:scrgbClr r="0" g="0" b="0"/>
+      </a:effectRef>
+      <a:fontRef idx="minor"/>
+    </dgm:style>
+  </dgm:styleLbl>
+  <dgm:styleLbl name="trBgShp">
+    <dgm:scene3d>
+      <a:camera prst="orthographicFront"/>
+      <a:lightRig rig="threePt" dir="t"/>
+    </dgm:scene3d>
+    <dgm:sp3d/>
+    <dgm:txPr/>
+    <dgm:style>
+      <a:lnRef idx="0">
+        <a:scrgbClr r="0" g="0" b="0"/>
+      </a:lnRef>
+      <a:fillRef idx="1">
+        <a:scrgbClr r="0" g="0" b="0"/>
+      </a:fillRef>
+      <a:effectRef idx="0">
+        <a:scrgbClr r="0" g="0" b="0"/>
+      </a:effectRef>
+      <a:fontRef idx="minor"/>
+    </dgm:style>
+  </dgm:styleLbl>
+  <dgm:styleLbl name="fgShp">
+    <dgm:scene3d>
+      <a:camera prst="orthographicFront"/>
+      <a:lightRig rig="threePt" dir="t"/>
+    </dgm:scene3d>
+    <dgm:sp3d/>
+    <dgm:txPr/>
+    <dgm:style>
+      <a:lnRef idx="2">
+        <a:scrgbClr r="0" g="0" b="0"/>
+      </a:lnRef>
+      <a:fillRef idx="1">
+        <a:scrgbClr r="0" g="0" b="0"/>
+      </a:fillRef>
+      <a:effectRef idx="0">
+        <a:scrgbClr r="0" g="0" b="0"/>
+      </a:effectRef>
+      <a:fontRef idx="minor"/>
+    </dgm:style>
+  </dgm:styleLbl>
+  <dgm:styleLbl name="revTx">
+    <dgm:scene3d>
+      <a:camera prst="orthographicFront"/>
+      <a:lightRig rig="threePt" dir="t"/>
+    </dgm:scene3d>
+    <dgm:sp3d/>
+    <dgm:txPr/>
+    <dgm:style>
+      <a:lnRef idx="0">
+        <a:scrgbClr r="0" g="0" b="0"/>
+      </a:lnRef>
+      <a:fillRef idx="0">
+        <a:scrgbClr r="0" g="0" b="0"/>
+      </a:fillRef>
+      <a:effectRef idx="0">
+        <a:scrgbClr r="0" g="0" b="0"/>
+      </a:effectRef>
+      <a:fontRef idx="minor"/>
+    </dgm:style>
+  </dgm:styleLbl>
+</dgm:styleDef>
+</file>
+
+<file path=ppt/diagrams/quickStyle2.xml><?xml version="1.0" encoding="utf-8"?>
+<dgm:styleDef xmlns:dgm="http://schemas.openxmlformats.org/drawingml/2006/diagram" xmlns:a="http://schemas.openxmlformats.org/drawingml/2006/main" uniqueId="urn:microsoft.com/office/officeart/2005/8/quickstyle/simple1">
+  <dgm:title val=""/>
+  <dgm:desc val=""/>
+  <dgm:catLst>
+    <dgm:cat type="simple" pri="10100"/>
+  </dgm:catLst>
+  <dgm:scene3d>
+    <a:camera prst="orthographicFront"/>
+    <a:lightRig rig="threePt" dir="t"/>
+  </dgm:scene3d>
+  <dgm:styleLbl name="node0">
+    <dgm:scene3d>
+      <a:camera prst="orthographicFront"/>
+      <a:lightRig rig="threePt" dir="t"/>
+    </dgm:scene3d>
+    <dgm:sp3d/>
+    <dgm:txPr/>
+    <dgm:style>
+      <a:lnRef idx="2">
+        <a:scrgbClr r="0" g="0" b="0"/>
+      </a:lnRef>
+      <a:fillRef idx="1">
+        <a:scrgbClr r="0" g="0" b="0"/>
+      </a:fillRef>
+      <a:effectRef idx="0">
+        <a:scrgbClr r="0" g="0" b="0"/>
+      </a:effectRef>
+      <a:fontRef idx="minor">
+        <a:schemeClr val="lt1"/>
+      </a:fontRef>
+    </dgm:style>
+  </dgm:styleLbl>
+  <dgm:styleLbl name="lnNode1">
+    <dgm:scene3d>
+      <a:camera prst="orthographicFront"/>
+      <a:lightRig rig="threePt" dir="t"/>
+    </dgm:scene3d>
+    <dgm:sp3d/>
+    <dgm:txPr/>
+    <dgm:style>
+      <a:lnRef idx="2">
+        <a:scrgbClr r="0" g="0" b="0"/>
+      </a:lnRef>
+      <a:fillRef idx="1">
+        <a:scrgbClr r="0" g="0" b="0"/>
+      </a:fillRef>
+      <a:effectRef idx="0">
+        <a:scrgbClr r="0" g="0" b="0"/>
+      </a:effectRef>
+      <a:fontRef idx="minor">
+        <a:schemeClr val="lt1"/>
+      </a:fontRef>
+    </dgm:style>
+  </dgm:styleLbl>
+  <dgm:styleLbl name="vennNode1">
+    <dgm:scene3d>
+      <a:camera prst="orthographicFront"/>
+      <a:lightRig rig="threePt" dir="t"/>
+    </dgm:scene3d>
+    <dgm:sp3d/>
+    <dgm:txPr/>
+    <dgm:style>
+      <a:lnRef idx="2">
+        <a:scrgbClr r="0" g="0" b="0"/>
+      </a:lnRef>
+      <a:fillRef idx="1">
+        <a:scrgbClr r="0" g="0" b="0"/>
+      </a:fillRef>
+      <a:effectRef idx="0">
+        <a:scrgbClr r="0" g="0" b="0"/>
+      </a:effectRef>
+      <a:fontRef idx="minor">
+        <a:schemeClr val="tx1"/>
+      </a:fontRef>
+    </dgm:style>
+  </dgm:styleLbl>
+  <dgm:styleLbl name="alignNode1">
+    <dgm:scene3d>
+      <a:camera prst="orthographicFront"/>
+      <a:lightRig rig="threePt" dir="t"/>
+    </dgm:scene3d>
+    <dgm:sp3d/>
+    <dgm:txPr/>
+    <dgm:style>
+      <a:lnRef idx="2">
+        <a:scrgbClr r="0" g="0" b="0"/>
+      </a:lnRef>
+      <a:fillRef idx="1">
+        <a:scrgbClr r="0" g="0" b="0"/>
+      </a:fillRef>
+      <a:effectRef idx="0">
+        <a:scrgbClr r="0" g="0" b="0"/>
+      </a:effectRef>
+      <a:fontRef idx="minor">
+        <a:schemeClr val="lt1"/>
+      </a:fontRef>
+    </dgm:style>
+  </dgm:styleLbl>
+  <dgm:styleLbl name="node1">
+    <dgm:scene3d>
+      <a:camera prst="orthographicFront"/>
+      <a:lightRig rig="threePt" dir="t"/>
+    </dgm:scene3d>
+    <dgm:sp3d/>
+    <dgm:txPr/>
+    <dgm:style>
+      <a:lnRef idx="2">
+        <a:scrgbClr r="0" g="0" b="0"/>
+      </a:lnRef>
+      <a:fillRef idx="1">
+        <a:scrgbClr r="0" g="0" b="0"/>
+      </a:fillRef>
+      <a:effectRef idx="0">
+        <a:scrgbClr r="0" g="0" b="0"/>
+      </a:effectRef>
+      <a:fontRef idx="minor">
+        <a:schemeClr val="lt1"/>
+      </a:fontRef>
+    </dgm:style>
+  </dgm:styleLbl>
+  <dgm:styleLbl name="node2">
+    <dgm:scene3d>
+      <a:camera prst="orthographicFront"/>
+      <a:lightRig rig="threePt" dir="t"/>
+    </dgm:scene3d>
+    <dgm:sp3d/>
+    <dgm:txPr/>
+    <dgm:style>
+      <a:lnRef idx="2">
+        <a:scrgbClr r="0" g="0" b="0"/>
+      </a:lnRef>
+      <a:fillRef idx="1">
+        <a:scrgbClr r="0" g="0" b="0"/>
+      </a:fillRef>
+      <a:effectRef idx="0">
+        <a:scrgbClr r="0" g="0" b="0"/>
+      </a:effectRef>
+      <a:fontRef idx="minor">
+        <a:schemeClr val="lt1"/>
+      </a:fontRef>
+    </dgm:style>
+  </dgm:styleLbl>
+  <dgm:styleLbl name="node3">
+    <dgm:scene3d>
+      <a:camera prst="orthographicFront"/>
+      <a:lightRig rig="threePt" dir="t"/>
+    </dgm:scene3d>
+    <dgm:sp3d/>
+    <dgm:txPr/>
+    <dgm:style>
+      <a:lnRef idx="2">
+        <a:scrgbClr r="0" g="0" b="0"/>
+      </a:lnRef>
+      <a:fillRef idx="1">
+        <a:scrgbClr r="0" g="0" b="0"/>
+      </a:fillRef>
+      <a:effectRef idx="0">
+        <a:scrgbClr r="0" g="0" b="0"/>
+      </a:effectRef>
+      <a:fontRef idx="minor">
+        <a:schemeClr val="lt1"/>
+      </a:fontRef>
+    </dgm:style>
+  </dgm:styleLbl>
+  <dgm:styleLbl name="node4">
+    <dgm:scene3d>
+      <a:camera prst="orthographicFront"/>
+      <a:lightRig rig="threePt" dir="t"/>
+    </dgm:scene3d>
+    <dgm:sp3d/>
+    <dgm:txPr/>
+    <dgm:style>
+      <a:lnRef idx="2">
+        <a:scrgbClr r="0" g="0" b="0"/>
+      </a:lnRef>
+      <a:fillRef idx="1">
+        <a:scrgbClr r="0" g="0" b="0"/>
+      </a:fillRef>
+      <a:effectRef idx="0">
+        <a:scrgbClr r="0" g="0" b="0"/>
+      </a:effectRef>
+      <a:fontRef idx="minor">
+        <a:schemeClr val="lt1"/>
+      </a:fontRef>
+    </dgm:style>
+  </dgm:styleLbl>
+  <dgm:styleLbl name="fgImgPlace1">
+    <dgm:scene3d>
+      <a:camera prst="orthographicFront"/>
+      <a:lightRig rig="threePt" dir="t"/>
+    </dgm:scene3d>
+    <dgm:sp3d/>
+    <dgm:txPr/>
+    <dgm:style>
+      <a:lnRef idx="2">
+        <a:scrgbClr r="0" g="0" b="0"/>
+      </a:lnRef>
+      <a:fillRef idx="1">
+        <a:scrgbClr r="0" g="0" b="0"/>
+      </a:fillRef>
+      <a:effectRef idx="0">
+        <a:scrgbClr r="0" g="0" b="0"/>
+      </a:effectRef>
+      <a:fontRef idx="minor"/>
+    </dgm:style>
+  </dgm:styleLbl>
+  <dgm:styleLbl name="alignImgPlace1">
+    <dgm:scene3d>
+      <a:camera prst="orthographicFront"/>
+      <a:lightRig rig="threePt" dir="t"/>
+    </dgm:scene3d>
+    <dgm:sp3d/>
+    <dgm:txPr/>
+    <dgm:style>
+      <a:lnRef idx="2">
+        <a:scrgbClr r="0" g="0" b="0"/>
+      </a:lnRef>
+      <a:fillRef idx="1">
+        <a:scrgbClr r="0" g="0" b="0"/>
+      </a:fillRef>
+      <a:effectRef idx="0">
+        <a:scrgbClr r="0" g="0" b="0"/>
+      </a:effectRef>
+      <a:fontRef idx="minor"/>
+    </dgm:style>
+  </dgm:styleLbl>
+  <dgm:styleLbl name="bgImgPlace1">
+    <dgm:scene3d>
+      <a:camera prst="orthographicFront"/>
+      <a:lightRig rig="threePt" dir="t"/>
+    </dgm:scene3d>
+    <dgm:sp3d/>
+    <dgm:txPr/>
+    <dgm:style>
+      <a:lnRef idx="2">
+        <a:scrgbClr r="0" g="0" b="0"/>
+      </a:lnRef>
+      <a:fillRef idx="1">
+        <a:scrgbClr r="0" g="0" b="0"/>
+      </a:fillRef>
+      <a:effectRef idx="0">
+        <a:scrgbClr r="0" g="0" b="0"/>
+      </a:effectRef>
+      <a:fontRef idx="minor"/>
+    </dgm:style>
+  </dgm:styleLbl>
+  <dgm:styleLbl name="sibTrans2D1">
+    <dgm:scene3d>
+      <a:camera prst="orthographicFront"/>
+      <a:lightRig rig="threePt" dir="t"/>
+    </dgm:scene3d>
+    <dgm:sp3d/>
+    <dgm:txPr/>
+    <dgm:style>
+      <a:lnRef idx="0">
+        <a:scrgbClr r="0" g="0" b="0"/>
+      </a:lnRef>
+      <a:fillRef idx="1">
+        <a:scrgbClr r="0" g="0" b="0"/>
+      </a:fillRef>
+      <a:effectRef idx="0">
+        <a:scrgbClr r="0" g="0" b="0"/>
+      </a:effectRef>
+      <a:fontRef idx="minor">
+        <a:schemeClr val="lt1"/>
+      </a:fontRef>
+    </dgm:style>
+  </dgm:styleLbl>
+  <dgm:styleLbl name="fgSibTrans2D1">
+    <dgm:scene3d>
+      <a:camera prst="orthographicFront"/>
+      <a:lightRig rig="threePt" dir="t"/>
+    </dgm:scene3d>
+    <dgm:sp3d/>
+    <dgm:txPr/>
+    <dgm:style>
+      <a:lnRef idx="0">
+        <a:scrgbClr r="0" g="0" b="0"/>
+      </a:lnRef>
+      <a:fillRef idx="1">
+        <a:scrgbClr r="0" g="0" b="0"/>
+      </a:fillRef>
+      <a:effectRef idx="0">
+        <a:scrgbClr r="0" g="0" b="0"/>
+      </a:effectRef>
+      <a:fontRef idx="minor">
+        <a:schemeClr val="lt1"/>
+      </a:fontRef>
+    </dgm:style>
+  </dgm:styleLbl>
+  <dgm:styleLbl name="bgSibTrans2D1">
+    <dgm:scene3d>
+      <a:camera prst="orthographicFront"/>
+      <a:lightRig rig="threePt" dir="t"/>
+    </dgm:scene3d>
+    <dgm:sp3d/>
+    <dgm:txPr/>
+    <dgm:style>
+      <a:lnRef idx="0">
+        <a:scrgbClr r="0" g="0" b="0"/>
+      </a:lnRef>
+      <a:fillRef idx="1">
+        <a:scrgbClr r="0" g="0" b="0"/>
+      </a:fillRef>
+      <a:effectRef idx="0">
+        <a:scrgbClr r="0" g="0" b="0"/>
+      </a:effectRef>
+      <a:fontRef idx="minor">
+        <a:schemeClr val="lt1"/>
+      </a:fontRef>
+    </dgm:style>
+  </dgm:styleLbl>
+  <dgm:styleLbl name="sibTrans1D1">
+    <dgm:scene3d>
+      <a:camera prst="orthographicFront"/>
+      <a:lightRig rig="threePt" dir="t"/>
+    </dgm:scene3d>
+    <dgm:sp3d/>
+    <dgm:txPr/>
+    <dgm:style>
+      <a:lnRef idx="1">
+        <a:scrgbClr r="0" g="0" b="0"/>
+      </a:lnRef>
+      <a:fillRef idx="0">
+        <a:scrgbClr r="0" g="0" b="0"/>
+      </a:fillRef>
+      <a:effectRef idx="0">
+        <a:scrgbClr r="0" g="0" b="0"/>
+      </a:effectRef>
+      <a:fontRef idx="minor"/>
+    </dgm:style>
+  </dgm:styleLbl>
+  <dgm:styleLbl name="callout">
+    <dgm:scene3d>
+      <a:camera prst="orthographicFront"/>
+      <a:lightRig rig="threePt" dir="t"/>
+    </dgm:scene3d>
+    <dgm:sp3d/>
+    <dgm:txPr/>
+    <dgm:style>
+      <a:lnRef idx="2">
+        <a:scrgbClr r="0" g="0" b="0"/>
+      </a:lnRef>
+      <a:fillRef idx="1">
+        <a:scrgbClr r="0" g="0" b="0"/>
+      </a:fillRef>
+      <a:effectRef idx="0">
+        <a:scrgbClr r="0" g="0" b="0"/>
+      </a:effectRef>
+      <a:fontRef idx="minor"/>
+    </dgm:style>
+  </dgm:styleLbl>
+  <dgm:styleLbl name="asst0">
+    <dgm:scene3d>
+      <a:camera prst="orthographicFront"/>
+      <a:lightRig rig="threePt" dir="t"/>
+    </dgm:scene3d>
+    <dgm:sp3d/>
+    <dgm:txPr/>
+    <dgm:style>
+      <a:lnRef idx="2">
+        <a:scrgbClr r="0" g="0" b="0"/>
+      </a:lnRef>
+      <a:fillRef idx="1">
+        <a:scrgbClr r="0" g="0" b="0"/>
+      </a:fillRef>
+      <a:effectRef idx="0">
+        <a:scrgbClr r="0" g="0" b="0"/>
+      </a:effectRef>
+      <a:fontRef idx="minor">
+        <a:schemeClr val="lt1"/>
+      </a:fontRef>
+    </dgm:style>
+  </dgm:styleLbl>
+  <dgm:styleLbl name="asst1">
+    <dgm:scene3d>
+      <a:camera prst="orthographicFront"/>
+      <a:lightRig rig="threePt" dir="t"/>
+    </dgm:scene3d>
+    <dgm:sp3d/>
+    <dgm:txPr/>
+    <dgm:style>
+      <a:lnRef idx="2">
+        <a:scrgbClr r="0" g="0" b="0"/>
+      </a:lnRef>
+      <a:fillRef idx="1">
+        <a:scrgbClr r="0" g="0" b="0"/>
+      </a:fillRef>
+      <a:effectRef idx="0">
+        <a:scrgbClr r="0" g="0" b="0"/>
+      </a:effectRef>
+      <a:fontRef idx="minor">
+        <a:schemeClr val="lt1"/>
+      </a:fontRef>
+    </dgm:style>
+  </dgm:styleLbl>
+  <dgm:styleLbl name="asst2">
+    <dgm:scene3d>
+      <a:camera prst="orthographicFront"/>
+      <a:lightRig rig="threePt" dir="t"/>
+    </dgm:scene3d>
+    <dgm:sp3d/>
+    <dgm:txPr/>
+    <dgm:style>
+      <a:lnRef idx="2">
+        <a:scrgbClr r="0" g="0" b="0"/>
+      </a:lnRef>
+      <a:fillRef idx="1">
+        <a:scrgbClr r="0" g="0" b="0"/>
+      </a:fillRef>
+      <a:effectRef idx="0">
+        <a:scrgbClr r="0" g="0" b="0"/>
+      </a:effectRef>
+      <a:fontRef idx="minor">
+        <a:schemeClr val="lt1"/>
+      </a:fontRef>
+    </dgm:style>
+  </dgm:styleLbl>
+  <dgm:styleLbl name="asst3">
+    <dgm:scene3d>
+      <a:camera prst="orthographicFront"/>
+      <a:lightRig rig="threePt" dir="t"/>
+    </dgm:scene3d>
+    <dgm:sp3d/>
+    <dgm:txPr/>
+    <dgm:style>
+      <a:lnRef idx="2">
+        <a:scrgbClr r="0" g="0" b="0"/>
+      </a:lnRef>
+      <a:fillRef idx="1">
+        <a:scrgbClr r="0" g="0" b="0"/>
+      </a:fillRef>
+      <a:effectRef idx="0">
+        <a:scrgbClr r="0" g="0" b="0"/>
+      </a:effectRef>
+      <a:fontRef idx="minor">
+        <a:schemeClr val="lt1"/>
+      </a:fontRef>
+    </dgm:style>
+  </dgm:styleLbl>
+  <dgm:styleLbl name="asst4">
+    <dgm:scene3d>
+      <a:camera prst="orthographicFront"/>
+      <a:lightRig rig="threePt" dir="t"/>
+    </dgm:scene3d>
+    <dgm:sp3d/>
+    <dgm:txPr/>
+    <dgm:style>
+      <a:lnRef idx="2">
+        <a:scrgbClr r="0" g="0" b="0"/>
+      </a:lnRef>
+      <a:fillRef idx="1">
+        <a:scrgbClr r="0" g="0" b="0"/>
+      </a:fillRef>
+      <a:effectRef idx="0">
+        <a:scrgbClr r="0" g="0" b="0"/>
+      </a:effectRef>
+      <a:fontRef idx="minor">
+        <a:schemeClr val="lt1"/>
+      </a:fontRef>
+    </dgm:style>
+  </dgm:styleLbl>
+  <dgm:styleLbl name="parChTrans2D1">
+    <dgm:scene3d>
+      <a:camera prst="orthographicFront"/>
+      <a:lightRig rig="threePt" dir="t"/>
+    </dgm:scene3d>
+    <dgm:sp3d/>
+    <dgm:txPr/>
+    <dgm:style>
+      <a:lnRef idx="2">
+        <a:scrgbClr r="0" g="0" b="0"/>
+      </a:lnRef>
+      <a:fillRef idx="1">
+        <a:scrgbClr r="0" g="0" b="0"/>
+      </a:fillRef>
+      <a:effectRef idx="0">
+        <a:scrgbClr r="0" g="0" b="0"/>
+      </a:effectRef>
+      <a:fontRef idx="minor">
+        <a:schemeClr val="lt1"/>
+      </a:fontRef>
+    </dgm:style>
+  </dgm:styleLbl>
+  <dgm:styleLbl name="parChTrans2D2">
+    <dgm:scene3d>
+      <a:camera prst="orthographicFront"/>
+      <a:lightRig rig="threePt" dir="t"/>
+    </dgm:scene3d>
+    <dgm:sp3d/>
+    <dgm:txPr/>
+    <dgm:style>
+      <a:lnRef idx="2">
+        <a:scrgbClr r="0" g="0" b="0"/>
+      </a:lnRef>
+      <a:fillRef idx="1">
+        <a:scrgbClr r="0" g="0" b="0"/>
+      </a:fillRef>
+      <a:effectRef idx="0">
+        <a:scrgbClr r="0" g="0" b="0"/>
+      </a:effectRef>
+      <a:fontRef idx="minor">
+        <a:schemeClr val="lt1"/>
+      </a:fontRef>
+    </dgm:style>
+  </dgm:styleLbl>
+  <dgm:styleLbl name="parChTrans2D3">
+    <dgm:scene3d>
+      <a:camera prst="orthographicFront"/>
+      <a:lightRig rig="threePt" dir="t"/>
+    </dgm:scene3d>
+    <dgm:sp3d/>
+    <dgm:txPr/>
+    <dgm:style>
+      <a:lnRef idx="2">
+        <a:scrgbClr r="0" g="0" b="0"/>
+      </a:lnRef>
+      <a:fillRef idx="1">
+        <a:scrgbClr r="0" g="0" b="0"/>
+      </a:fillRef>
+      <a:effectRef idx="0">
+        <a:scrgbClr r="0" g="0" b="0"/>
+      </a:effectRef>
+      <a:fontRef idx="minor">
+        <a:schemeClr val="lt1"/>
+      </a:fontRef>
+    </dgm:style>
+  </dgm:styleLbl>
+  <dgm:styleLbl name="parChTrans2D4">
+    <dgm:scene3d>
+      <a:camera prst="orthographicFront"/>
+      <a:lightRig rig="threePt" dir="t"/>
+    </dgm:scene3d>
+    <dgm:sp3d/>
+    <dgm:txPr/>
+    <dgm:style>
+      <a:lnRef idx="2">
+        <a:scrgbClr r="0" g="0" b="0"/>
+      </a:lnRef>
+      <a:fillRef idx="1">
+        <a:scrgbClr r="0" g="0" b="0"/>
+      </a:fillRef>
+      <a:effectRef idx="0">
+        <a:scrgbClr r="0" g="0" b="0"/>
+      </a:effectRef>
+      <a:fontRef idx="minor">
+        <a:schemeClr val="lt1"/>
+      </a:fontRef>
+    </dgm:style>
+  </dgm:styleLbl>
+  <dgm:styleLbl name="parChTrans1D1">
+    <dgm:scene3d>
+      <a:camera prst="orthographicFront"/>
+      <a:lightRig rig="threePt" dir="t"/>
+    </dgm:scene3d>
+    <dgm:sp3d/>
+    <dgm:txPr/>
+    <dgm:style>
+      <a:lnRef idx="2">
+        <a:scrgbClr r="0" g="0" b="0"/>
+      </a:lnRef>
+      <a:fillRef idx="0">
+        <a:scrgbClr r="0" g="0" b="0"/>
+      </a:fillRef>
+      <a:effectRef idx="0">
+        <a:scrgbClr r="0" g="0" b="0"/>
+      </a:effectRef>
+      <a:fontRef idx="minor"/>
+    </dgm:style>
+  </dgm:styleLbl>
+  <dgm:styleLbl name="parChTrans1D2">
+    <dgm:scene3d>
+      <a:camera prst="orthographicFront"/>
+      <a:lightRig rig="threePt" dir="t"/>
+    </dgm:scene3d>
+    <dgm:sp3d/>
+    <dgm:txPr/>
+    <dgm:style>
+      <a:lnRef idx="2">
+        <a:scrgbClr r="0" g="0" b="0"/>
+      </a:lnRef>
+      <a:fillRef idx="0">
+        <a:scrgbClr r="0" g="0" b="0"/>
+      </a:fillRef>
+      <a:effectRef idx="0">
+        <a:scrgbClr r="0" g="0" b="0"/>
+      </a:effectRef>
+      <a:fontRef idx="minor"/>
+    </dgm:style>
+  </dgm:styleLbl>
+  <dgm:styleLbl name="parChTrans1D3">
+    <dgm:scene3d>
+      <a:camera prst="orthographicFront"/>
+      <a:lightRig rig="threePt" dir="t"/>
+    </dgm:scene3d>
+    <dgm:sp3d/>
+    <dgm:txPr/>
+    <dgm:style>
+      <a:lnRef idx="2">
+        <a:scrgbClr r="0" g="0" b="0"/>
+      </a:lnRef>
+      <a:fillRef idx="0">
+        <a:scrgbClr r="0" g="0" b="0"/>
+      </a:fillRef>
+      <a:effectRef idx="0">
+        <a:scrgbClr r="0" g="0" b="0"/>
+      </a:effectRef>
+      <a:fontRef idx="minor"/>
+    </dgm:style>
+  </dgm:styleLbl>
+  <dgm:styleLbl name="parChTrans1D4">
+    <dgm:scene3d>
+      <a:camera prst="orthographicFront"/>
+      <a:lightRig rig="threePt" dir="t"/>
+    </dgm:scene3d>
+    <dgm:sp3d/>
+    <dgm:txPr/>
+    <dgm:style>
+      <a:lnRef idx="2">
+        <a:scrgbClr r="0" g="0" b="0"/>
+      </a:lnRef>
+      <a:fillRef idx="0">
+        <a:scrgbClr r="0" g="0" b="0"/>
+      </a:fillRef>
+      <a:effectRef idx="0">
+        <a:scrgbClr r="0" g="0" b="0"/>
+      </a:effectRef>
+      <a:fontRef idx="minor"/>
+    </dgm:style>
+  </dgm:styleLbl>
+  <dgm:styleLbl name="fgAcc1">
+    <dgm:scene3d>
+      <a:camera prst="orthographicFront"/>
+      <a:lightRig rig="threePt" dir="t"/>
+    </dgm:scene3d>
+    <dgm:sp3d/>
+    <dgm:txPr/>
+    <dgm:style>
+      <a:lnRef idx="2">
+        <a:scrgbClr r="0" g="0" b="0"/>
+      </a:lnRef>
+      <a:fillRef idx="1">
+        <a:scrgbClr r="0" g="0" b="0"/>
+      </a:fillRef>
+      <a:effectRef idx="0">
+        <a:scrgbClr r="0" g="0" b="0"/>
+      </a:effectRef>
+      <a:fontRef idx="minor"/>
+    </dgm:style>
+  </dgm:styleLbl>
+  <dgm:styleLbl name="conFgAcc1">
+    <dgm:scene3d>
+      <a:camera prst="orthographicFront"/>
+      <a:lightRig rig="threePt" dir="t"/>
+    </dgm:scene3d>
+    <dgm:sp3d/>
+    <dgm:txPr/>
+    <dgm:style>
+      <a:lnRef idx="2">
+        <a:scrgbClr r="0" g="0" b="0"/>
+      </a:lnRef>
+      <a:fillRef idx="1">
+        <a:scrgbClr r="0" g="0" b="0"/>
+      </a:fillRef>
+      <a:effectRef idx="0">
+        <a:scrgbClr r="0" g="0" b="0"/>
+      </a:effectRef>
+      <a:fontRef idx="minor"/>
+    </dgm:style>
+  </dgm:styleLbl>
+  <dgm:styleLbl name="alignAcc1">
+    <dgm:scene3d>
+      <a:camera prst="orthographicFront"/>
+      <a:lightRig rig="threePt" dir="t"/>
+    </dgm:scene3d>
+    <dgm:sp3d/>
+    <dgm:txPr/>
+    <dgm:style>
+      <a:lnRef idx="2">
+        <a:scrgbClr r="0" g="0" b="0"/>
+      </a:lnRef>
+      <a:fillRef idx="1">
+        <a:scrgbClr r="0" g="0" b="0"/>
+      </a:fillRef>
+      <a:effectRef idx="0">
+        <a:scrgbClr r="0" g="0" b="0"/>
+      </a:effectRef>
+      <a:fontRef idx="minor"/>
+    </dgm:style>
+  </dgm:styleLbl>
+  <dgm:styleLbl name="trAlignAcc1">
+    <dgm:scene3d>
+      <a:camera prst="orthographicFront"/>
+      <a:lightRig rig="threePt" dir="t"/>
+    </dgm:scene3d>
+    <dgm:sp3d/>
+    <dgm:txPr/>
+    <dgm:style>
+      <a:lnRef idx="1">
+        <a:scrgbClr r="0" g="0" b="0"/>
+      </a:lnRef>
+      <a:fillRef idx="1">
+        <a:scrgbClr r="0" g="0" b="0"/>
+      </a:fillRef>
+      <a:effectRef idx="0">
+        <a:scrgbClr r="0" g="0" b="0"/>
+      </a:effectRef>
+      <a:fontRef idx="minor"/>
+    </dgm:style>
+  </dgm:styleLbl>
+  <dgm:styleLbl name="bgAcc1">
+    <dgm:scene3d>
+      <a:camera prst="orthographicFront"/>
+      <a:lightRig rig="threePt" dir="t"/>
+    </dgm:scene3d>
+    <dgm:sp3d/>
+    <dgm:txPr/>
+    <dgm:style>
+      <a:lnRef idx="2">
+        <a:scrgbClr r="0" g="0" b="0"/>
+      </a:lnRef>
+      <a:fillRef idx="1">
+        <a:scrgbClr r="0" g="0" b="0"/>
+      </a:fillRef>
+      <a:effectRef idx="0">
+        <a:scrgbClr r="0" g="0" b="0"/>
+      </a:effectRef>
+      <a:fontRef idx="minor"/>
+    </dgm:style>
+  </dgm:styleLbl>
+  <dgm:styleLbl name="solidFgAcc1">
+    <dgm:scene3d>
+      <a:camera prst="orthographicFront"/>
+      <a:lightRig rig="threePt" dir="t"/>
+    </dgm:scene3d>
+    <dgm:sp3d/>
+    <dgm:txPr/>
+    <dgm:style>
+      <a:lnRef idx="2">
+        <a:scrgbClr r="0" g="0" b="0"/>
+      </a:lnRef>
+      <a:fillRef idx="1">
+        <a:scrgbClr r="0" g="0" b="0"/>
+      </a:fillRef>
+      <a:effectRef idx="0">
+        <a:scrgbClr r="0" g="0" b="0"/>
+      </a:effectRef>
+      <a:fontRef idx="minor"/>
+    </dgm:style>
+  </dgm:styleLbl>
+  <dgm:styleLbl name="solidAlignAcc1">
+    <dgm:scene3d>
+      <a:camera prst="orthographicFront"/>
+      <a:lightRig rig="threePt" dir="t"/>
+    </dgm:scene3d>
+    <dgm:sp3d/>
+    <dgm:txPr/>
+    <dgm:style>
+      <a:lnRef idx="2">
+        <a:scrgbClr r="0" g="0" b="0"/>
+      </a:lnRef>
+      <a:fillRef idx="1">
+        <a:scrgbClr r="0" g="0" b="0"/>
+      </a:fillRef>
+      <a:effectRef idx="0">
+        <a:scrgbClr r="0" g="0" b="0"/>
+      </a:effectRef>
+      <a:fontRef idx="minor"/>
+    </dgm:style>
+  </dgm:styleLbl>
+  <dgm:styleLbl name="solidBgAcc1">
+    <dgm:scene3d>
+      <a:camera prst="orthographicFront"/>
+      <a:lightRig rig="threePt" dir="t"/>
+    </dgm:scene3d>
+    <dgm:sp3d/>
+    <dgm:txPr/>
+    <dgm:style>
+      <a:lnRef idx="2">
+        <a:scrgbClr r="0" g="0" b="0"/>
+      </a:lnRef>
+      <a:fillRef idx="1">
+        <a:scrgbClr r="0" g="0" b="0"/>
+      </a:fillRef>
+      <a:effectRef idx="0">
+        <a:scrgbClr r="0" g="0" b="0"/>
+      </a:effectRef>
+      <a:fontRef idx="minor"/>
+    </dgm:style>
+  </dgm:styleLbl>
+  <dgm:styleLbl name="fgAccFollowNode1">
+    <dgm:scene3d>
+      <a:camera prst="orthographicFront"/>
+      <a:lightRig rig="threePt" dir="t"/>
+    </dgm:scene3d>
+    <dgm:sp3d/>
+    <dgm:txPr/>
+    <dgm:style>
+      <a:lnRef idx="2">
+        <a:scrgbClr r="0" g="0" b="0"/>
+      </a:lnRef>
+      <a:fillRef idx="1">
+        <a:scrgbClr r="0" g="0" b="0"/>
+      </a:fillRef>
+      <a:effectRef idx="0">
+        <a:scrgbClr r="0" g="0" b="0"/>
+      </a:effectRef>
+      <a:fontRef idx="minor"/>
+    </dgm:style>
+  </dgm:styleLbl>
+  <dgm:styleLbl name="alignAccFollowNode1">
+    <dgm:scene3d>
+      <a:camera prst="orthographicFront"/>
+      <a:lightRig rig="threePt" dir="t"/>
+    </dgm:scene3d>
+    <dgm:sp3d/>
+    <dgm:txPr/>
+    <dgm:style>
+      <a:lnRef idx="2">
+        <a:scrgbClr r="0" g="0" b="0"/>
+      </a:lnRef>
+      <a:fillRef idx="1">
+        <a:scrgbClr r="0" g="0" b="0"/>
+      </a:fillRef>
+      <a:effectRef idx="0">
+        <a:scrgbClr r="0" g="0" b="0"/>
+      </a:effectRef>
+      <a:fontRef idx="minor"/>
+    </dgm:style>
+  </dgm:styleLbl>
+  <dgm:styleLbl name="bgAccFollowNode1">
+    <dgm:scene3d>
+      <a:camera prst="orthographicFront"/>
+      <a:lightRig rig="threePt" dir="t"/>
+    </dgm:scene3d>
+    <dgm:sp3d/>
+    <dgm:txPr/>
+    <dgm:style>
+      <a:lnRef idx="2">
+        <a:scrgbClr r="0" g="0" b="0"/>
+      </a:lnRef>
+      <a:fillRef idx="1">
+        <a:scrgbClr r="0" g="0" b="0"/>
+      </a:fillRef>
+      <a:effectRef idx="0">
+        <a:scrgbClr r="0" g="0" b="0"/>
+      </a:effectRef>
+      <a:fontRef idx="minor"/>
+    </dgm:style>
+  </dgm:styleLbl>
+  <dgm:styleLbl name="fgAcc0">
+    <dgm:scene3d>
+      <a:camera prst="orthographicFront"/>
+      <a:lightRig rig="threePt" dir="t"/>
+    </dgm:scene3d>
+    <dgm:sp3d/>
+    <dgm:txPr/>
+    <dgm:style>
+      <a:lnRef idx="2">
+        <a:scrgbClr r="0" g="0" b="0"/>
+      </a:lnRef>
+      <a:fillRef idx="1">
+        <a:scrgbClr r="0" g="0" b="0"/>
+      </a:fillRef>
+      <a:effectRef idx="0">
+        <a:scrgbClr r="0" g="0" b="0"/>
+      </a:effectRef>
+      <a:fontRef idx="minor"/>
+    </dgm:style>
+  </dgm:styleLbl>
+  <dgm:styleLbl name="fgAcc2">
+    <dgm:scene3d>
+      <a:camera prst="orthographicFront"/>
+      <a:lightRig rig="threePt" dir="t"/>
+    </dgm:scene3d>
+    <dgm:sp3d/>
+    <dgm:txPr/>
+    <dgm:style>
+      <a:lnRef idx="2">
+        <a:scrgbClr r="0" g="0" b="0"/>
+      </a:lnRef>
+      <a:fillRef idx="1">
+        <a:scrgbClr r="0" g="0" b="0"/>
+      </a:fillRef>
+      <a:effectRef idx="0">
+        <a:scrgbClr r="0" g="0" b="0"/>
+      </a:effectRef>
+      <a:fontRef idx="minor"/>
+    </dgm:style>
+  </dgm:styleLbl>
+  <dgm:styleLbl name="fgAcc3">
+    <dgm:scene3d>
+      <a:camera prst="orthographicFront"/>
+      <a:lightRig rig="threePt" dir="t"/>
+    </dgm:scene3d>
+    <dgm:sp3d/>
+    <dgm:txPr/>
+    <dgm:style>
+      <a:lnRef idx="2">
+        <a:scrgbClr r="0" g="0" b="0"/>
+      </a:lnRef>
+      <a:fillRef idx="1">
+        <a:scrgbClr r="0" g="0" b="0"/>
+      </a:fillRef>
+      <a:effectRef idx="0">
+        <a:scrgbClr r="0" g="0" b="0"/>
+      </a:effectRef>
+      <a:fontRef idx="minor"/>
+    </dgm:style>
+  </dgm:styleLbl>
+  <dgm:styleLbl name="fgAcc4">
+    <dgm:scene3d>
+      <a:camera prst="orthographicFront"/>
+      <a:lightRig rig="threePt" dir="t"/>
+    </dgm:scene3d>
+    <dgm:sp3d/>
+    <dgm:txPr/>
+    <dgm:style>
+      <a:lnRef idx="2">
+        <a:scrgbClr r="0" g="0" b="0"/>
+      </a:lnRef>
+      <a:fillRef idx="1">
+        <a:scrgbClr r="0" g="0" b="0"/>
+      </a:fillRef>
+      <a:effectRef idx="0">
+        <a:scrgbClr r="0" g="0" b="0"/>
+      </a:effectRef>
+      <a:fontRef idx="minor"/>
+    </dgm:style>
+  </dgm:styleLbl>
+  <dgm:styleLbl name="bgShp">
+    <dgm:scene3d>
+      <a:camera prst="orthographicFront"/>
+      <a:lightRig rig="threePt" dir="t"/>
+    </dgm:scene3d>
+    <dgm:sp3d/>
+    <dgm:txPr/>
+    <dgm:style>
+      <a:lnRef idx="0">
+        <a:scrgbClr r="0" g="0" b="0"/>
+      </a:lnRef>
+      <a:fillRef idx="1">
+        <a:scrgbClr r="0" g="0" b="0"/>
+      </a:fillRef>
+      <a:effectRef idx="0">
+        <a:scrgbClr r="0" g="0" b="0"/>
+      </a:effectRef>
+      <a:fontRef idx="minor"/>
+    </dgm:style>
+  </dgm:styleLbl>
+  <dgm:styleLbl name="dkBgShp">
+    <dgm:scene3d>
+      <a:camera prst="orthographicFront"/>
+      <a:lightRig rig="threePt" dir="t"/>
+    </dgm:scene3d>
+    <dgm:sp3d/>
+    <dgm:txPr/>
+    <dgm:style>
+      <a:lnRef idx="0">
+        <a:scrgbClr r="0" g="0" b="0"/>
+      </a:lnRef>
+      <a:fillRef idx="1">
+        <a:scrgbClr r="0" g="0" b="0"/>
+      </a:fillRef>
+      <a:effectRef idx="0">
+        <a:scrgbClr r="0" g="0" b="0"/>
+      </a:effectRef>
+      <a:fontRef idx="minor"/>
+    </dgm:style>
+  </dgm:styleLbl>
+  <dgm:styleLbl name="trBgShp">
+    <dgm:scene3d>
+      <a:camera prst="orthographicFront"/>
+      <a:lightRig rig="threePt" dir="t"/>
+    </dgm:scene3d>
+    <dgm:sp3d/>
+    <dgm:txPr/>
+    <dgm:style>
+      <a:lnRef idx="0">
+        <a:scrgbClr r="0" g="0" b="0"/>
+      </a:lnRef>
+      <a:fillRef idx="1">
+        <a:scrgbClr r="0" g="0" b="0"/>
+      </a:fillRef>
+      <a:effectRef idx="0">
+        <a:scrgbClr r="0" g="0" b="0"/>
+      </a:effectRef>
+      <a:fontRef idx="minor"/>
+    </dgm:style>
+  </dgm:styleLbl>
+  <dgm:styleLbl name="fgShp">
+    <dgm:scene3d>
+      <a:camera prst="orthographicFront"/>
+      <a:lightRig rig="threePt" dir="t"/>
+    </dgm:scene3d>
+    <dgm:sp3d/>
+    <dgm:txPr/>
+    <dgm:style>
+      <a:lnRef idx="2">
+        <a:scrgbClr r="0" g="0" b="0"/>
+      </a:lnRef>
+      <a:fillRef idx="1">
+        <a:scrgbClr r="0" g="0" b="0"/>
+      </a:fillRef>
+      <a:effectRef idx="0">
+        <a:scrgbClr r="0" g="0" b="0"/>
+      </a:effectRef>
+      <a:fontRef idx="minor"/>
+    </dgm:style>
+  </dgm:styleLbl>
+  <dgm:styleLbl name="revTx">
+    <dgm:scene3d>
+      <a:camera prst="orthographicFront"/>
+      <a:lightRig rig="threePt" dir="t"/>
+    </dgm:scene3d>
+    <dgm:sp3d/>
+    <dgm:txPr/>
+    <dgm:style>
+      <a:lnRef idx="0">
+        <a:scrgbClr r="0" g="0" b="0"/>
+      </a:lnRef>
+      <a:fillRef idx="0">
+        <a:scrgbClr r="0" g="0" b="0"/>
+      </a:fillRef>
+      <a:effectRef idx="0">
+        <a:scrgbClr r="0" g="0" b="0"/>
+      </a:effectRef>
+      <a:fontRef idx="minor"/>
+    </dgm:style>
+  </dgm:styleLbl>
+</dgm:styleDef>
+</file>
+
 <file path=ppt/notesMasters/notesMaster1.xml><?xml version="1.0" encoding="utf-8"?>
 <p:notesMaster xmlns:a="http://schemas.openxmlformats.org/drawingml/2006/main" xmlns:r="http://schemas.openxmlformats.org/officeDocument/2006/relationships" xmlns:p="http://schemas.openxmlformats.org/presentationml/2006/main">
   <p:cSld>
@@ -1522,6 +7702,90 @@
     </a:lvl9pPr>
   </p:notesStyle>
 </p:notesMaster>
+</file>
+
+<file path=ppt/notesSlides/notesSlide1.xml><?xml version="1.0" encoding="utf-8"?>
+<p:notes xmlns:a="http://schemas.openxmlformats.org/drawingml/2006/main" xmlns:r="http://schemas.openxmlformats.org/officeDocument/2006/relationships" xmlns:p="http://schemas.openxmlformats.org/presentationml/2006/main">
+  <p:cSld>
+    <p:spTree>
+      <p:nvGrpSpPr>
+        <p:cNvPr id="1" name=""/>
+        <p:cNvGrpSpPr/>
+        <p:nvPr/>
+      </p:nvGrpSpPr>
+      <p:grpSpPr>
+        <a:xfrm>
+          <a:off x="0" y="0"/>
+          <a:ext cx="0" cy="0"/>
+          <a:chOff x="0" y="0"/>
+          <a:chExt cx="0" cy="0"/>
+        </a:xfrm>
+      </p:grpSpPr>
+      <p:sp>
+        <p:nvSpPr>
+          <p:cNvPr id="2" name="Espace réservé de l'image des diapositives 1"/>
+          <p:cNvSpPr>
+            <a:spLocks noGrp="1" noRot="1" noChangeAspect="1"/>
+          </p:cNvSpPr>
+          <p:nvPr>
+            <p:ph type="sldImg"/>
+          </p:nvPr>
+        </p:nvSpPr>
+        <p:spPr/>
+      </p:sp>
+      <p:sp>
+        <p:nvSpPr>
+          <p:cNvPr id="3" name="Espace réservé des notes 2"/>
+          <p:cNvSpPr>
+            <a:spLocks noGrp="1"/>
+          </p:cNvSpPr>
+          <p:nvPr>
+            <p:ph type="body" idx="1"/>
+          </p:nvPr>
+        </p:nvSpPr>
+        <p:spPr/>
+        <p:txBody>
+          <a:bodyPr/>
+          <a:lstStyle/>
+          <a:p>
+            <a:endParaRPr lang="fr-CA" dirty="0"/>
+          </a:p>
+        </p:txBody>
+      </p:sp>
+      <p:sp>
+        <p:nvSpPr>
+          <p:cNvPr id="4" name="Espace réservé du numéro de diapositive 3"/>
+          <p:cNvSpPr>
+            <a:spLocks noGrp="1"/>
+          </p:cNvSpPr>
+          <p:nvPr>
+            <p:ph type="sldNum" sz="quarter" idx="10"/>
+          </p:nvPr>
+        </p:nvSpPr>
+        <p:spPr/>
+        <p:txBody>
+          <a:bodyPr/>
+          <a:lstStyle/>
+          <a:p>
+            <a:fld id="{62DC9C40-1CE6-A340-B000-CBE4CF18F9C7}" type="slidenum">
+              <a:rPr lang="en-US" smtClean="0"/>
+              <a:t>26</a:t>
+            </a:fld>
+            <a:endParaRPr lang="en-US"/>
+          </a:p>
+        </p:txBody>
+      </p:sp>
+    </p:spTree>
+    <p:extLst>
+      <p:ext uri="{BB962C8B-B14F-4D97-AF65-F5344CB8AC3E}">
+        <p14:creationId xmlns:p14="http://schemas.microsoft.com/office/powerpoint/2010/main" val="3255954389"/>
+      </p:ext>
+    </p:extLst>
+  </p:cSld>
+  <p:clrMapOvr>
+    <a:masterClrMapping/>
+  </p:clrMapOvr>
+</p:notes>
 </file>
 
 <file path=ppt/slideLayouts/slideLayout1.xml><?xml version="1.0" encoding="utf-8"?>
@@ -9102,6 +15366,926 @@
     <p:extLst>
       <p:ext uri="{BB962C8B-B14F-4D97-AF65-F5344CB8AC3E}">
         <p14:creationId xmlns:p14="http://schemas.microsoft.com/office/powerpoint/2010/main" val="2051483936"/>
+      </p:ext>
+    </p:extLst>
+  </p:cSld>
+  <p:clrMapOvr>
+    <a:masterClrMapping/>
+  </p:clrMapOvr>
+</p:sld>
+</file>
+
+<file path=ppt/slides/slide17.xml><?xml version="1.0" encoding="utf-8"?>
+<p:sld xmlns:a="http://schemas.openxmlformats.org/drawingml/2006/main" xmlns:r="http://schemas.openxmlformats.org/officeDocument/2006/relationships" xmlns:p="http://schemas.openxmlformats.org/presentationml/2006/main">
+  <p:cSld>
+    <p:bg>
+      <p:bgPr>
+        <a:blipFill rotWithShape="1">
+          <a:blip r:embed="rId2">
+            <a:duotone>
+              <a:schemeClr val="bg2">
+                <a:shade val="76000"/>
+                <a:satMod val="180000"/>
+              </a:schemeClr>
+              <a:schemeClr val="bg2">
+                <a:tint val="80000"/>
+                <a:satMod val="120000"/>
+                <a:lumMod val="180000"/>
+              </a:schemeClr>
+            </a:duotone>
+            <a:extLst/>
+          </a:blip>
+          <a:stretch/>
+        </a:blipFill>
+        <a:effectLst/>
+      </p:bgPr>
+    </p:bg>
+    <p:spTree>
+      <p:nvGrpSpPr>
+        <p:cNvPr id="1" name=""/>
+        <p:cNvGrpSpPr/>
+        <p:nvPr/>
+      </p:nvGrpSpPr>
+      <p:grpSpPr>
+        <a:xfrm>
+          <a:off x="0" y="0"/>
+          <a:ext cx="0" cy="0"/>
+          <a:chOff x="0" y="0"/>
+          <a:chExt cx="0" cy="0"/>
+        </a:xfrm>
+      </p:grpSpPr>
+      <p:grpSp>
+        <p:nvGrpSpPr>
+          <p:cNvPr id="10" name="Group 9">
+            <a:extLst>
+              <a:ext uri="{FF2B5EF4-FFF2-40B4-BE49-F238E27FC236}">
+                <a16:creationId xmlns:a16="http://schemas.microsoft.com/office/drawing/2014/main" id="{C4DBDFA9-08EB-4D7B-A78D-C55FA0411538}"/>
+              </a:ext>
+            </a:extLst>
+          </p:cNvPr>
+          <p:cNvGrpSpPr>
+            <a:grpSpLocks noGrp="1" noUngrp="1" noRot="1" noChangeAspect="1" noMove="1" noResize="1"/>
+          </p:cNvGrpSpPr>
+          <p:nvPr>
+            <p:extLst>
+              <p:ext uri="{386F3935-93C4-4BCD-93E2-E3B085C9AB24}">
+                <p16:designElem xmlns:p16="http://schemas.microsoft.com/office/powerpoint/2015/main" val="1"/>
+              </p:ext>
+            </p:extLst>
+          </p:nvPr>
+        </p:nvGrpSpPr>
+        <p:grpSpPr>
+          <a:xfrm>
+            <a:off x="546100" y="-4763"/>
+            <a:ext cx="5014912" cy="6862763"/>
+            <a:chOff x="2928938" y="-4763"/>
+            <a:chExt cx="5014912" cy="6862763"/>
+          </a:xfrm>
+        </p:grpSpPr>
+        <p:sp>
+          <p:nvSpPr>
+            <p:cNvPr id="11" name="Freeform 6">
+              <a:extLst>
+                <a:ext uri="{FF2B5EF4-FFF2-40B4-BE49-F238E27FC236}">
+                  <a16:creationId xmlns:a16="http://schemas.microsoft.com/office/drawing/2014/main" id="{B5DB6DAD-8C73-48BA-A076-DD97829AC880}"/>
+                </a:ext>
+              </a:extLst>
+            </p:cNvPr>
+            <p:cNvSpPr/>
+            <p:nvPr>
+              <p:extLst>
+                <p:ext uri="{386F3935-93C4-4BCD-93E2-E3B085C9AB24}">
+                  <p16:designElem xmlns:p16="http://schemas.microsoft.com/office/powerpoint/2015/main" val="1"/>
+                </p:ext>
+              </p:extLst>
+            </p:nvPr>
+          </p:nvSpPr>
+          <p:spPr bwMode="auto">
+            <a:xfrm>
+              <a:off x="3367088" y="-4763"/>
+              <a:ext cx="1063625" cy="2782888"/>
+            </a:xfrm>
+            <a:custGeom>
+              <a:avLst/>
+              <a:gdLst/>
+              <a:ahLst/>
+              <a:cxnLst/>
+              <a:rect l="0" t="0" r="r" b="b"/>
+              <a:pathLst>
+                <a:path w="670" h="1753">
+                  <a:moveTo>
+                    <a:pt x="0" y="1696"/>
+                  </a:moveTo>
+                  <a:lnTo>
+                    <a:pt x="225" y="1753"/>
+                  </a:lnTo>
+                  <a:lnTo>
+                    <a:pt x="670" y="0"/>
+                  </a:lnTo>
+                  <a:lnTo>
+                    <a:pt x="430" y="0"/>
+                  </a:lnTo>
+                  <a:lnTo>
+                    <a:pt x="0" y="1696"/>
+                  </a:lnTo>
+                  <a:close/>
+                </a:path>
+              </a:pathLst>
+            </a:custGeom>
+            <a:solidFill>
+              <a:schemeClr val="accent1"/>
+            </a:solidFill>
+            <a:ln>
+              <a:noFill/>
+            </a:ln>
+          </p:spPr>
+        </p:sp>
+        <p:sp>
+          <p:nvSpPr>
+            <p:cNvPr id="12" name="Freeform 7">
+              <a:extLst>
+                <a:ext uri="{FF2B5EF4-FFF2-40B4-BE49-F238E27FC236}">
+                  <a16:creationId xmlns:a16="http://schemas.microsoft.com/office/drawing/2014/main" id="{049C0B3B-222A-4303-80BE-D4314A395AFA}"/>
+                </a:ext>
+              </a:extLst>
+            </p:cNvPr>
+            <p:cNvSpPr/>
+            <p:nvPr>
+              <p:extLst>
+                <p:ext uri="{386F3935-93C4-4BCD-93E2-E3B085C9AB24}">
+                  <p16:designElem xmlns:p16="http://schemas.microsoft.com/office/powerpoint/2015/main" val="1"/>
+                </p:ext>
+              </p:extLst>
+            </p:nvPr>
+          </p:nvSpPr>
+          <p:spPr bwMode="auto">
+            <a:xfrm>
+              <a:off x="2928938" y="-4763"/>
+              <a:ext cx="1035050" cy="2673350"/>
+            </a:xfrm>
+            <a:custGeom>
+              <a:avLst/>
+              <a:gdLst/>
+              <a:ahLst/>
+              <a:cxnLst/>
+              <a:rect l="0" t="0" r="r" b="b"/>
+              <a:pathLst>
+                <a:path w="652" h="1684">
+                  <a:moveTo>
+                    <a:pt x="225" y="1684"/>
+                  </a:moveTo>
+                  <a:lnTo>
+                    <a:pt x="652" y="0"/>
+                  </a:lnTo>
+                  <a:lnTo>
+                    <a:pt x="411" y="0"/>
+                  </a:lnTo>
+                  <a:lnTo>
+                    <a:pt x="0" y="1627"/>
+                  </a:lnTo>
+                  <a:lnTo>
+                    <a:pt x="219" y="1681"/>
+                  </a:lnTo>
+                  <a:lnTo>
+                    <a:pt x="225" y="1684"/>
+                  </a:lnTo>
+                  <a:close/>
+                </a:path>
+              </a:pathLst>
+            </a:custGeom>
+            <a:solidFill>
+              <a:schemeClr val="tx1">
+                <a:lumMod val="65000"/>
+                <a:lumOff val="35000"/>
+              </a:schemeClr>
+            </a:solidFill>
+            <a:ln>
+              <a:noFill/>
+            </a:ln>
+          </p:spPr>
+        </p:sp>
+        <p:sp>
+          <p:nvSpPr>
+            <p:cNvPr id="13" name="Freeform 9">
+              <a:extLst>
+                <a:ext uri="{FF2B5EF4-FFF2-40B4-BE49-F238E27FC236}">
+                  <a16:creationId xmlns:a16="http://schemas.microsoft.com/office/drawing/2014/main" id="{07FDF952-3B6F-4C6D-B66C-94D87E627C92}"/>
+                </a:ext>
+              </a:extLst>
+            </p:cNvPr>
+            <p:cNvSpPr/>
+            <p:nvPr>
+              <p:extLst>
+                <p:ext uri="{386F3935-93C4-4BCD-93E2-E3B085C9AB24}">
+                  <p16:designElem xmlns:p16="http://schemas.microsoft.com/office/powerpoint/2015/main" val="1"/>
+                </p:ext>
+              </p:extLst>
+            </p:nvPr>
+          </p:nvSpPr>
+          <p:spPr bwMode="auto">
+            <a:xfrm>
+              <a:off x="2928938" y="2582862"/>
+              <a:ext cx="2693987" cy="4275138"/>
+            </a:xfrm>
+            <a:custGeom>
+              <a:avLst/>
+              <a:gdLst/>
+              <a:ahLst/>
+              <a:cxnLst/>
+              <a:rect l="0" t="0" r="r" b="b"/>
+              <a:pathLst>
+                <a:path w="1697" h="2693">
+                  <a:moveTo>
+                    <a:pt x="0" y="0"/>
+                  </a:moveTo>
+                  <a:lnTo>
+                    <a:pt x="1622" y="2693"/>
+                  </a:lnTo>
+                  <a:lnTo>
+                    <a:pt x="1697" y="2693"/>
+                  </a:lnTo>
+                  <a:lnTo>
+                    <a:pt x="0" y="0"/>
+                  </a:lnTo>
+                  <a:close/>
+                </a:path>
+              </a:pathLst>
+            </a:custGeom>
+            <a:solidFill>
+              <a:schemeClr val="tx1">
+                <a:lumMod val="85000"/>
+                <a:lumOff val="15000"/>
+              </a:schemeClr>
+            </a:solidFill>
+            <a:ln>
+              <a:noFill/>
+            </a:ln>
+          </p:spPr>
+        </p:sp>
+        <p:sp>
+          <p:nvSpPr>
+            <p:cNvPr id="14" name="Freeform 10">
+              <a:extLst>
+                <a:ext uri="{FF2B5EF4-FFF2-40B4-BE49-F238E27FC236}">
+                  <a16:creationId xmlns:a16="http://schemas.microsoft.com/office/drawing/2014/main" id="{EEBA0FAD-1126-46FB-9D2D-BEA3E8FC4E91}"/>
+                </a:ext>
+              </a:extLst>
+            </p:cNvPr>
+            <p:cNvSpPr/>
+            <p:nvPr>
+              <p:extLst>
+                <p:ext uri="{386F3935-93C4-4BCD-93E2-E3B085C9AB24}">
+                  <p16:designElem xmlns:p16="http://schemas.microsoft.com/office/powerpoint/2015/main" val="1"/>
+                </p:ext>
+              </p:extLst>
+            </p:nvPr>
+          </p:nvSpPr>
+          <p:spPr bwMode="auto">
+            <a:xfrm>
+              <a:off x="3371850" y="2692400"/>
+              <a:ext cx="3332162" cy="4165600"/>
+            </a:xfrm>
+            <a:custGeom>
+              <a:avLst/>
+              <a:gdLst/>
+              <a:ahLst/>
+              <a:cxnLst/>
+              <a:rect l="0" t="0" r="r" b="b"/>
+              <a:pathLst>
+                <a:path w="2099" h="2624">
+                  <a:moveTo>
+                    <a:pt x="2099" y="2624"/>
+                  </a:moveTo>
+                  <a:lnTo>
+                    <a:pt x="0" y="0"/>
+                  </a:lnTo>
+                  <a:lnTo>
+                    <a:pt x="2021" y="2624"/>
+                  </a:lnTo>
+                  <a:lnTo>
+                    <a:pt x="2099" y="2624"/>
+                  </a:lnTo>
+                  <a:close/>
+                </a:path>
+              </a:pathLst>
+            </a:custGeom>
+            <a:solidFill>
+              <a:schemeClr val="accent1">
+                <a:lumMod val="50000"/>
+              </a:schemeClr>
+            </a:solidFill>
+            <a:ln>
+              <a:noFill/>
+            </a:ln>
+          </p:spPr>
+        </p:sp>
+        <p:sp>
+          <p:nvSpPr>
+            <p:cNvPr id="15" name="Freeform 11">
+              <a:extLst>
+                <a:ext uri="{FF2B5EF4-FFF2-40B4-BE49-F238E27FC236}">
+                  <a16:creationId xmlns:a16="http://schemas.microsoft.com/office/drawing/2014/main" id="{58A7569F-71E5-4C1E-8F61-7B4D50B6BDD4}"/>
+                </a:ext>
+              </a:extLst>
+            </p:cNvPr>
+            <p:cNvSpPr/>
+            <p:nvPr>
+              <p:extLst>
+                <p:ext uri="{386F3935-93C4-4BCD-93E2-E3B085C9AB24}">
+                  <p16:designElem xmlns:p16="http://schemas.microsoft.com/office/powerpoint/2015/main" val="1"/>
+                </p:ext>
+              </p:extLst>
+            </p:nvPr>
+          </p:nvSpPr>
+          <p:spPr bwMode="auto">
+            <a:xfrm>
+              <a:off x="3367088" y="2687637"/>
+              <a:ext cx="4576762" cy="4170363"/>
+            </a:xfrm>
+            <a:custGeom>
+              <a:avLst/>
+              <a:gdLst/>
+              <a:ahLst/>
+              <a:cxnLst/>
+              <a:rect l="0" t="0" r="r" b="b"/>
+              <a:pathLst>
+                <a:path w="2883" h="2627">
+                  <a:moveTo>
+                    <a:pt x="0" y="0"/>
+                  </a:moveTo>
+                  <a:lnTo>
+                    <a:pt x="3" y="3"/>
+                  </a:lnTo>
+                  <a:lnTo>
+                    <a:pt x="2102" y="2627"/>
+                  </a:lnTo>
+                  <a:lnTo>
+                    <a:pt x="2883" y="2627"/>
+                  </a:lnTo>
+                  <a:lnTo>
+                    <a:pt x="225" y="57"/>
+                  </a:lnTo>
+                  <a:lnTo>
+                    <a:pt x="0" y="0"/>
+                  </a:lnTo>
+                  <a:close/>
+                </a:path>
+              </a:pathLst>
+            </a:custGeom>
+            <a:solidFill>
+              <a:schemeClr val="accent1">
+                <a:lumMod val="75000"/>
+              </a:schemeClr>
+            </a:solidFill>
+            <a:ln>
+              <a:noFill/>
+            </a:ln>
+          </p:spPr>
+        </p:sp>
+        <p:sp>
+          <p:nvSpPr>
+            <p:cNvPr id="16" name="Freeform 12">
+              <a:extLst>
+                <a:ext uri="{FF2B5EF4-FFF2-40B4-BE49-F238E27FC236}">
+                  <a16:creationId xmlns:a16="http://schemas.microsoft.com/office/drawing/2014/main" id="{1E25C137-81F4-4388-AAAC-599E23DED911}"/>
+                </a:ext>
+              </a:extLst>
+            </p:cNvPr>
+            <p:cNvSpPr/>
+            <p:nvPr>
+              <p:extLst>
+                <p:ext uri="{386F3935-93C4-4BCD-93E2-E3B085C9AB24}">
+                  <p16:designElem xmlns:p16="http://schemas.microsoft.com/office/powerpoint/2015/main" val="1"/>
+                </p:ext>
+              </p:extLst>
+            </p:nvPr>
+          </p:nvSpPr>
+          <p:spPr bwMode="auto">
+            <a:xfrm>
+              <a:off x="2928938" y="2578100"/>
+              <a:ext cx="3584575" cy="4279900"/>
+            </a:xfrm>
+            <a:custGeom>
+              <a:avLst/>
+              <a:gdLst/>
+              <a:ahLst/>
+              <a:cxnLst/>
+              <a:rect l="0" t="0" r="r" b="b"/>
+              <a:pathLst>
+                <a:path w="2258" h="2696">
+                  <a:moveTo>
+                    <a:pt x="2258" y="2696"/>
+                  </a:moveTo>
+                  <a:lnTo>
+                    <a:pt x="264" y="111"/>
+                  </a:lnTo>
+                  <a:lnTo>
+                    <a:pt x="228" y="60"/>
+                  </a:lnTo>
+                  <a:lnTo>
+                    <a:pt x="225" y="57"/>
+                  </a:lnTo>
+                  <a:lnTo>
+                    <a:pt x="0" y="0"/>
+                  </a:lnTo>
+                  <a:lnTo>
+                    <a:pt x="0" y="3"/>
+                  </a:lnTo>
+                  <a:lnTo>
+                    <a:pt x="1697" y="2696"/>
+                  </a:lnTo>
+                  <a:lnTo>
+                    <a:pt x="2258" y="2696"/>
+                  </a:lnTo>
+                  <a:close/>
+                </a:path>
+              </a:pathLst>
+            </a:custGeom>
+            <a:solidFill>
+              <a:schemeClr val="tx1">
+                <a:lumMod val="75000"/>
+                <a:lumOff val="25000"/>
+              </a:schemeClr>
+            </a:solidFill>
+            <a:ln>
+              <a:noFill/>
+            </a:ln>
+          </p:spPr>
+        </p:sp>
+      </p:grpSp>
+      <p:sp>
+        <p:nvSpPr>
+          <p:cNvPr id="18" name="Rounded Rectangle 6">
+            <a:extLst>
+              <a:ext uri="{FF2B5EF4-FFF2-40B4-BE49-F238E27FC236}">
+                <a16:creationId xmlns:a16="http://schemas.microsoft.com/office/drawing/2014/main" id="{092DE265-5D35-4609-A037-07F08E1CA283}"/>
+              </a:ext>
+            </a:extLst>
+          </p:cNvPr>
+          <p:cNvSpPr>
+            <a:spLocks noGrp="1" noRot="1" noChangeAspect="1" noMove="1" noResize="1" noEditPoints="1" noAdjustHandles="1" noChangeArrowheads="1" noChangeShapeType="1" noTextEdit="1"/>
+          </p:cNvSpPr>
+          <p:nvPr>
+            <p:extLst>
+              <p:ext uri="{386F3935-93C4-4BCD-93E2-E3B085C9AB24}">
+                <p16:designElem xmlns:p16="http://schemas.microsoft.com/office/powerpoint/2015/main" val="1"/>
+              </p:ext>
+            </p:extLst>
+          </p:nvPr>
+        </p:nvSpPr>
+        <p:spPr>
+          <a:xfrm>
+            <a:off x="3718560" y="609600"/>
+            <a:ext cx="7833360" cy="3633216"/>
+          </a:xfrm>
+          <a:prstGeom prst="roundRect">
+            <a:avLst>
+              <a:gd name="adj" fmla="val 4834"/>
+            </a:avLst>
+          </a:prstGeom>
+          <a:solidFill>
+            <a:schemeClr val="bg1"/>
+          </a:solidFill>
+          <a:ln w="38100">
+            <a:gradFill flip="none" rotWithShape="1">
+              <a:gsLst>
+                <a:gs pos="0">
+                  <a:schemeClr val="bg2"/>
+                </a:gs>
+                <a:gs pos="100000">
+                  <a:schemeClr val="bg2">
+                    <a:lumMod val="75000"/>
+                  </a:schemeClr>
+                </a:gs>
+              </a:gsLst>
+              <a:lin ang="5400000" scaled="0"/>
+              <a:tileRect/>
+            </a:gradFill>
+          </a:ln>
+          <a:effectLst>
+            <a:innerShdw blurRad="57150" dist="38100" dir="14460000">
+              <a:srgbClr val="000000">
+                <a:alpha val="70000"/>
+              </a:srgbClr>
+            </a:innerShdw>
+          </a:effectLst>
+        </p:spPr>
+        <p:style>
+          <a:lnRef idx="2">
+            <a:schemeClr val="accent1">
+              <a:shade val="50000"/>
+            </a:schemeClr>
+          </a:lnRef>
+          <a:fillRef idx="1">
+            <a:schemeClr val="accent1"/>
+          </a:fillRef>
+          <a:effectRef idx="0">
+            <a:schemeClr val="accent1"/>
+          </a:effectRef>
+          <a:fontRef idx="minor">
+            <a:schemeClr val="lt1"/>
+          </a:fontRef>
+        </p:style>
+        <p:txBody>
+          <a:bodyPr rtlCol="0" anchor="ctr"/>
+          <a:lstStyle/>
+          <a:p>
+            <a:pPr algn="ctr"/>
+            <a:endParaRPr lang="en-US"/>
+          </a:p>
+        </p:txBody>
+      </p:sp>
+      <p:pic>
+        <p:nvPicPr>
+          <p:cNvPr id="5" name="Espace réservé du contenu 4">
+            <a:extLst>
+              <a:ext uri="{FF2B5EF4-FFF2-40B4-BE49-F238E27FC236}">
+                <a16:creationId xmlns:a16="http://schemas.microsoft.com/office/drawing/2014/main" id="{E83BCF07-CB51-468B-BCAC-D2F2B25F6576}"/>
+              </a:ext>
+            </a:extLst>
+          </p:cNvPr>
+          <p:cNvPicPr>
+            <a:picLocks noGrp="1" noChangeAspect="1"/>
+          </p:cNvPicPr>
+          <p:nvPr>
+            <p:ph idx="1"/>
+          </p:nvPr>
+        </p:nvPicPr>
+        <p:blipFill>
+          <a:blip r:embed="rId3"/>
+          <a:stretch>
+            <a:fillRect/>
+          </a:stretch>
+        </p:blipFill>
+        <p:spPr>
+          <a:xfrm>
+            <a:off x="4045131" y="1119141"/>
+            <a:ext cx="7175863" cy="2659853"/>
+          </a:xfrm>
+          <a:prstGeom prst="rect">
+            <a:avLst/>
+          </a:prstGeom>
+        </p:spPr>
+      </p:pic>
+      <p:sp>
+        <p:nvSpPr>
+          <p:cNvPr id="2" name="Titre 1">
+            <a:extLst>
+              <a:ext uri="{FF2B5EF4-FFF2-40B4-BE49-F238E27FC236}">
+                <a16:creationId xmlns:a16="http://schemas.microsoft.com/office/drawing/2014/main" id="{8A4A3BB4-14F5-4D9E-B259-302C38AEF256}"/>
+              </a:ext>
+            </a:extLst>
+          </p:cNvPr>
+          <p:cNvSpPr>
+            <a:spLocks noGrp="1"/>
+          </p:cNvSpPr>
+          <p:nvPr>
+            <p:ph type="title"/>
+          </p:nvPr>
+        </p:nvSpPr>
+        <p:spPr>
+          <a:xfrm>
+            <a:off x="3678237" y="4562856"/>
+            <a:ext cx="7824785" cy="898149"/>
+          </a:xfrm>
+        </p:spPr>
+        <p:txBody>
+          <a:bodyPr vert="horz" lIns="91440" tIns="45720" rIns="91440" bIns="45720" rtlCol="0" anchor="b">
+            <a:normAutofit fontScale="90000"/>
+          </a:bodyPr>
+          <a:lstStyle/>
+          <a:p>
+            <a:pPr algn="r"/>
+            <a:r>
+              <a:rPr lang="en-US" sz="4800" dirty="0"/>
+              <a:t>Site d</a:t>
+            </a:r>
+            <a:r>
+              <a:rPr lang="fr-CA" sz="4800" dirty="0"/>
+              <a:t>’hébergement de dépôt git</a:t>
+            </a:r>
+            <a:endParaRPr lang="en-US" sz="4800" dirty="0"/>
+          </a:p>
+        </p:txBody>
+      </p:sp>
+    </p:spTree>
+    <p:extLst>
+      <p:ext uri="{BB962C8B-B14F-4D97-AF65-F5344CB8AC3E}">
+        <p14:creationId xmlns:p14="http://schemas.microsoft.com/office/powerpoint/2010/main" val="2346419177"/>
+      </p:ext>
+    </p:extLst>
+  </p:cSld>
+  <p:clrMapOvr>
+    <a:masterClrMapping/>
+  </p:clrMapOvr>
+</p:sld>
+</file>
+
+<file path=ppt/slides/slide18.xml><?xml version="1.0" encoding="utf-8"?>
+<p:sld xmlns:a="http://schemas.openxmlformats.org/drawingml/2006/main" xmlns:r="http://schemas.openxmlformats.org/officeDocument/2006/relationships" xmlns:p="http://schemas.openxmlformats.org/presentationml/2006/main">
+  <p:cSld>
+    <p:bg>
+      <p:bgPr>
+        <a:gradFill rotWithShape="1">
+          <a:gsLst>
+            <a:gs pos="0">
+              <a:schemeClr val="bg2">
+                <a:tint val="90000"/>
+                <a:lumMod val="110000"/>
+              </a:schemeClr>
+            </a:gs>
+            <a:gs pos="100000">
+              <a:schemeClr val="bg2">
+                <a:shade val="64000"/>
+                <a:lumMod val="98000"/>
+              </a:schemeClr>
+            </a:gs>
+          </a:gsLst>
+          <a:lin ang="5400000" scaled="0"/>
+        </a:gradFill>
+        <a:effectLst/>
+      </p:bgPr>
+    </p:bg>
+    <p:spTree>
+      <p:nvGrpSpPr>
+        <p:cNvPr id="1" name=""/>
+        <p:cNvGrpSpPr/>
+        <p:nvPr/>
+      </p:nvGrpSpPr>
+      <p:grpSpPr>
+        <a:xfrm>
+          <a:off x="0" y="0"/>
+          <a:ext cx="0" cy="0"/>
+          <a:chOff x="0" y="0"/>
+          <a:chExt cx="0" cy="0"/>
+        </a:xfrm>
+      </p:grpSpPr>
+      <p:sp>
+        <p:nvSpPr>
+          <p:cNvPr id="2" name="Titre 1">
+            <a:extLst>
+              <a:ext uri="{FF2B5EF4-FFF2-40B4-BE49-F238E27FC236}">
+                <a16:creationId xmlns:a16="http://schemas.microsoft.com/office/drawing/2014/main" id="{17B5D353-35C6-4EBF-ACBD-C2FBE2133BE8}"/>
+              </a:ext>
+            </a:extLst>
+          </p:cNvPr>
+          <p:cNvSpPr>
+            <a:spLocks noGrp="1"/>
+          </p:cNvSpPr>
+          <p:nvPr>
+            <p:ph type="title"/>
+          </p:nvPr>
+        </p:nvSpPr>
+        <p:spPr>
+          <a:xfrm>
+            <a:off x="1760706" y="685800"/>
+            <a:ext cx="9742318" cy="1752599"/>
+          </a:xfrm>
+        </p:spPr>
+        <p:txBody>
+          <a:bodyPr>
+            <a:normAutofit/>
+          </a:bodyPr>
+          <a:lstStyle/>
+          <a:p>
+            <a:r>
+              <a:rPr lang="fr-CA" dirty="0"/>
+              <a:t>GitHub</a:t>
+            </a:r>
+          </a:p>
+        </p:txBody>
+      </p:sp>
+      <p:graphicFrame>
+        <p:nvGraphicFramePr>
+          <p:cNvPr id="22" name="Espace réservé du contenu 2"/>
+          <p:cNvGraphicFramePr>
+            <a:graphicFrameLocks noGrp="1"/>
+          </p:cNvGraphicFramePr>
+          <p:nvPr>
+            <p:ph idx="1"/>
+            <p:extLst>
+              <p:ext uri="{D42A27DB-BD31-4B8C-83A1-F6EECF244321}">
+                <p14:modId xmlns:p14="http://schemas.microsoft.com/office/powerpoint/2010/main" val="2306398939"/>
+              </p:ext>
+            </p:extLst>
+          </p:nvPr>
+        </p:nvGraphicFramePr>
+        <p:xfrm>
+          <a:off x="1760705" y="2694562"/>
+          <a:ext cx="9742319" cy="3096638"/>
+        </p:xfrm>
+        <a:graphic>
+          <a:graphicData uri="http://schemas.openxmlformats.org/drawingml/2006/diagram">
+            <dgm:relIds xmlns:dgm="http://schemas.openxmlformats.org/drawingml/2006/diagram" xmlns:r="http://schemas.openxmlformats.org/officeDocument/2006/relationships" r:dm="rId2" r:lo="rId3" r:qs="rId4" r:cs="rId5"/>
+          </a:graphicData>
+        </a:graphic>
+      </p:graphicFrame>
+    </p:spTree>
+    <p:extLst>
+      <p:ext uri="{BB962C8B-B14F-4D97-AF65-F5344CB8AC3E}">
+        <p14:creationId xmlns:p14="http://schemas.microsoft.com/office/powerpoint/2010/main" val="200800319"/>
+      </p:ext>
+    </p:extLst>
+  </p:cSld>
+  <p:clrMapOvr>
+    <a:masterClrMapping/>
+  </p:clrMapOvr>
+</p:sld>
+</file>
+
+<file path=ppt/slides/slide19.xml><?xml version="1.0" encoding="utf-8"?>
+<p:sld xmlns:a="http://schemas.openxmlformats.org/drawingml/2006/main" xmlns:r="http://schemas.openxmlformats.org/officeDocument/2006/relationships" xmlns:p="http://schemas.openxmlformats.org/presentationml/2006/main">
+  <p:cSld>
+    <p:spTree>
+      <p:nvGrpSpPr>
+        <p:cNvPr id="1" name=""/>
+        <p:cNvGrpSpPr/>
+        <p:nvPr/>
+      </p:nvGrpSpPr>
+      <p:grpSpPr>
+        <a:xfrm>
+          <a:off x="0" y="0"/>
+          <a:ext cx="0" cy="0"/>
+          <a:chOff x="0" y="0"/>
+          <a:chExt cx="0" cy="0"/>
+        </a:xfrm>
+      </p:grpSpPr>
+      <p:sp>
+        <p:nvSpPr>
+          <p:cNvPr id="2" name="Titre 1">
+            <a:extLst>
+              <a:ext uri="{FF2B5EF4-FFF2-40B4-BE49-F238E27FC236}">
+                <a16:creationId xmlns:a16="http://schemas.microsoft.com/office/drawing/2014/main" id="{0C0ECAFF-0671-4591-BC26-1B58D2EA01A1}"/>
+              </a:ext>
+            </a:extLst>
+          </p:cNvPr>
+          <p:cNvSpPr>
+            <a:spLocks noGrp="1"/>
+          </p:cNvSpPr>
+          <p:nvPr>
+            <p:ph type="title"/>
+          </p:nvPr>
+        </p:nvSpPr>
+        <p:spPr/>
+        <p:txBody>
+          <a:bodyPr/>
+          <a:lstStyle/>
+          <a:p>
+            <a:r>
+              <a:rPr lang="fr-CA" dirty="0"/>
+              <a:t>Signification de Github</a:t>
+            </a:r>
+          </a:p>
+        </p:txBody>
+      </p:sp>
+      <p:sp>
+        <p:nvSpPr>
+          <p:cNvPr id="3" name="Espace réservé du texte 2">
+            <a:extLst>
+              <a:ext uri="{FF2B5EF4-FFF2-40B4-BE49-F238E27FC236}">
+                <a16:creationId xmlns:a16="http://schemas.microsoft.com/office/drawing/2014/main" id="{94441B11-3B8A-48BF-B345-AA5B4C862CFC}"/>
+              </a:ext>
+            </a:extLst>
+          </p:cNvPr>
+          <p:cNvSpPr>
+            <a:spLocks noGrp="1"/>
+          </p:cNvSpPr>
+          <p:nvPr>
+            <p:ph type="body" idx="1"/>
+          </p:nvPr>
+        </p:nvSpPr>
+        <p:spPr/>
+        <p:txBody>
+          <a:bodyPr/>
+          <a:lstStyle/>
+          <a:p>
+            <a:pPr algn="ctr"/>
+            <a:r>
+              <a:rPr lang="en-CA" dirty="0"/>
+              <a:t>“</a:t>
+            </a:r>
+            <a:r>
+              <a:rPr lang="fr-CA" dirty="0"/>
+              <a:t> Git </a:t>
+            </a:r>
+            <a:r>
+              <a:rPr lang="en-CA" dirty="0"/>
+              <a:t>”</a:t>
+            </a:r>
+            <a:endParaRPr lang="fr-CA" dirty="0"/>
+          </a:p>
+        </p:txBody>
+      </p:sp>
+      <p:sp>
+        <p:nvSpPr>
+          <p:cNvPr id="4" name="Espace réservé du contenu 3">
+            <a:extLst>
+              <a:ext uri="{FF2B5EF4-FFF2-40B4-BE49-F238E27FC236}">
+                <a16:creationId xmlns:a16="http://schemas.microsoft.com/office/drawing/2014/main" id="{670EFFA4-BBB6-402C-A48C-5A2CE9777875}"/>
+              </a:ext>
+            </a:extLst>
+          </p:cNvPr>
+          <p:cNvSpPr>
+            <a:spLocks noGrp="1"/>
+          </p:cNvSpPr>
+          <p:nvPr>
+            <p:ph sz="half" idx="2"/>
+          </p:nvPr>
+        </p:nvSpPr>
+        <p:spPr/>
+        <p:txBody>
+          <a:bodyPr/>
+          <a:lstStyle/>
+          <a:p>
+            <a:r>
+              <a:rPr lang="en-CA" dirty="0"/>
+              <a:t>Git fait </a:t>
+            </a:r>
+            <a:r>
+              <a:rPr lang="fr-CA" dirty="0"/>
+              <a:t>évidemment</a:t>
+            </a:r>
+            <a:r>
+              <a:rPr lang="en-CA" dirty="0"/>
+              <a:t> </a:t>
+            </a:r>
+            <a:r>
+              <a:rPr lang="fr-CA" dirty="0"/>
+              <a:t>référence au système de contrôle de versions Git.</a:t>
+            </a:r>
+          </a:p>
+        </p:txBody>
+      </p:sp>
+      <p:sp>
+        <p:nvSpPr>
+          <p:cNvPr id="5" name="Espace réservé du texte 4">
+            <a:extLst>
+              <a:ext uri="{FF2B5EF4-FFF2-40B4-BE49-F238E27FC236}">
+                <a16:creationId xmlns:a16="http://schemas.microsoft.com/office/drawing/2014/main" id="{BE9C42A5-6A6D-42A3-9C06-8F53119F6A38}"/>
+              </a:ext>
+            </a:extLst>
+          </p:cNvPr>
+          <p:cNvSpPr>
+            <a:spLocks noGrp="1"/>
+          </p:cNvSpPr>
+          <p:nvPr>
+            <p:ph type="body" sz="quarter" idx="3"/>
+          </p:nvPr>
+        </p:nvSpPr>
+        <p:spPr/>
+        <p:txBody>
+          <a:bodyPr/>
+          <a:lstStyle/>
+          <a:p>
+            <a:pPr algn="ctr"/>
+            <a:r>
+              <a:rPr lang="en-CA" dirty="0"/>
+              <a:t>“</a:t>
+            </a:r>
+            <a:r>
+              <a:rPr lang="fr-CA" dirty="0"/>
+              <a:t>Hub</a:t>
+            </a:r>
+            <a:r>
+              <a:rPr lang="en-CA" dirty="0"/>
+              <a:t>”</a:t>
+            </a:r>
+            <a:endParaRPr lang="fr-CA" dirty="0"/>
+          </a:p>
+        </p:txBody>
+      </p:sp>
+      <p:sp>
+        <p:nvSpPr>
+          <p:cNvPr id="6" name="Espace réservé du contenu 5">
+            <a:extLst>
+              <a:ext uri="{FF2B5EF4-FFF2-40B4-BE49-F238E27FC236}">
+                <a16:creationId xmlns:a16="http://schemas.microsoft.com/office/drawing/2014/main" id="{8CA1AA1B-3FA1-4B0E-9BB5-BD08CEA7DCA7}"/>
+              </a:ext>
+            </a:extLst>
+          </p:cNvPr>
+          <p:cNvSpPr>
+            <a:spLocks noGrp="1"/>
+          </p:cNvSpPr>
+          <p:nvPr>
+            <p:ph sz="quarter" idx="4"/>
+          </p:nvPr>
+        </p:nvSpPr>
+        <p:spPr/>
+        <p:txBody>
+          <a:bodyPr/>
+          <a:lstStyle/>
+          <a:p>
+            <a:r>
+              <a:rPr lang="fr-CA" dirty="0"/>
+              <a:t>Hub fait référence à un réseau social qui a été bâti autour du système de contrôle de version.</a:t>
+            </a:r>
+          </a:p>
+        </p:txBody>
+      </p:sp>
+    </p:spTree>
+    <p:extLst>
+      <p:ext uri="{BB962C8B-B14F-4D97-AF65-F5344CB8AC3E}">
+        <p14:creationId xmlns:p14="http://schemas.microsoft.com/office/powerpoint/2010/main" val="3950949000"/>
       </p:ext>
     </p:extLst>
   </p:cSld>
@@ -9706,6 +16890,948 @@
 </p:sld>
 </file>
 
+<file path=ppt/slides/slide20.xml><?xml version="1.0" encoding="utf-8"?>
+<p:sld xmlns:a="http://schemas.openxmlformats.org/drawingml/2006/main" xmlns:r="http://schemas.openxmlformats.org/officeDocument/2006/relationships" xmlns:p="http://schemas.openxmlformats.org/presentationml/2006/main">
+  <p:cSld>
+    <p:spTree>
+      <p:nvGrpSpPr>
+        <p:cNvPr id="1" name=""/>
+        <p:cNvGrpSpPr/>
+        <p:nvPr/>
+      </p:nvGrpSpPr>
+      <p:grpSpPr>
+        <a:xfrm>
+          <a:off x="0" y="0"/>
+          <a:ext cx="0" cy="0"/>
+          <a:chOff x="0" y="0"/>
+          <a:chExt cx="0" cy="0"/>
+        </a:xfrm>
+      </p:grpSpPr>
+      <p:sp>
+        <p:nvSpPr>
+          <p:cNvPr id="2" name="Titre 1">
+            <a:extLst>
+              <a:ext uri="{FF2B5EF4-FFF2-40B4-BE49-F238E27FC236}">
+                <a16:creationId xmlns:a16="http://schemas.microsoft.com/office/drawing/2014/main" id="{64807ACB-66DA-46FD-B36C-4AA40AED92CB}"/>
+              </a:ext>
+            </a:extLst>
+          </p:cNvPr>
+          <p:cNvSpPr>
+            <a:spLocks noGrp="1"/>
+          </p:cNvSpPr>
+          <p:nvPr>
+            <p:ph type="title"/>
+          </p:nvPr>
+        </p:nvSpPr>
+        <p:spPr>
+          <a:xfrm>
+            <a:off x="1667191" y="226841"/>
+            <a:ext cx="10018713" cy="917917"/>
+          </a:xfrm>
+        </p:spPr>
+        <p:txBody>
+          <a:bodyPr>
+            <a:normAutofit fontScale="90000"/>
+          </a:bodyPr>
+          <a:lstStyle/>
+          <a:p>
+            <a:r>
+              <a:rPr lang="fr-CA"/>
+              <a:t>Interface Web qui facilite la gestion de nos dépôts</a:t>
+            </a:r>
+            <a:endParaRPr lang="fr-CA" dirty="0"/>
+          </a:p>
+        </p:txBody>
+      </p:sp>
+      <p:pic>
+        <p:nvPicPr>
+          <p:cNvPr id="5" name="Espace réservé du contenu 4" descr="Une image contenant capture d’écran&#10;&#10;Description générée avec un niveau de confiance très élevé">
+            <a:extLst>
+              <a:ext uri="{FF2B5EF4-FFF2-40B4-BE49-F238E27FC236}">
+                <a16:creationId xmlns:a16="http://schemas.microsoft.com/office/drawing/2014/main" id="{4EA4A6E1-46B8-4D0E-AB90-34399DD198A2}"/>
+              </a:ext>
+            </a:extLst>
+          </p:cNvPr>
+          <p:cNvPicPr>
+            <a:picLocks noGrp="1" noChangeAspect="1"/>
+          </p:cNvPicPr>
+          <p:nvPr>
+            <p:ph idx="1"/>
+          </p:nvPr>
+        </p:nvPicPr>
+        <p:blipFill>
+          <a:blip r:embed="rId2"/>
+          <a:stretch>
+            <a:fillRect/>
+          </a:stretch>
+        </p:blipFill>
+        <p:spPr>
+          <a:xfrm>
+            <a:off x="1561515" y="1178168"/>
+            <a:ext cx="9762977" cy="5429521"/>
+          </a:xfrm>
+        </p:spPr>
+      </p:pic>
+    </p:spTree>
+    <p:extLst>
+      <p:ext uri="{BB962C8B-B14F-4D97-AF65-F5344CB8AC3E}">
+        <p14:creationId xmlns:p14="http://schemas.microsoft.com/office/powerpoint/2010/main" val="2725092527"/>
+      </p:ext>
+    </p:extLst>
+  </p:cSld>
+  <p:clrMapOvr>
+    <a:masterClrMapping/>
+  </p:clrMapOvr>
+</p:sld>
+</file>
+
+<file path=ppt/slides/slide21.xml><?xml version="1.0" encoding="utf-8"?>
+<p:sld xmlns:a="http://schemas.openxmlformats.org/drawingml/2006/main" xmlns:r="http://schemas.openxmlformats.org/officeDocument/2006/relationships" xmlns:p="http://schemas.openxmlformats.org/presentationml/2006/main">
+  <p:cSld>
+    <p:spTree>
+      <p:nvGrpSpPr>
+        <p:cNvPr id="1" name=""/>
+        <p:cNvGrpSpPr/>
+        <p:nvPr/>
+      </p:nvGrpSpPr>
+      <p:grpSpPr>
+        <a:xfrm>
+          <a:off x="0" y="0"/>
+          <a:ext cx="0" cy="0"/>
+          <a:chOff x="0" y="0"/>
+          <a:chExt cx="0" cy="0"/>
+        </a:xfrm>
+      </p:grpSpPr>
+      <p:sp>
+        <p:nvSpPr>
+          <p:cNvPr id="2" name="Titre 1">
+            <a:extLst>
+              <a:ext uri="{FF2B5EF4-FFF2-40B4-BE49-F238E27FC236}">
+                <a16:creationId xmlns:a16="http://schemas.microsoft.com/office/drawing/2014/main" id="{AA95563F-91B0-4BB8-85FE-F8C1C0213BCA}"/>
+              </a:ext>
+            </a:extLst>
+          </p:cNvPr>
+          <p:cNvSpPr>
+            <a:spLocks noGrp="1"/>
+          </p:cNvSpPr>
+          <p:nvPr>
+            <p:ph type="title"/>
+          </p:nvPr>
+        </p:nvSpPr>
+        <p:spPr>
+          <a:xfrm>
+            <a:off x="1484311" y="1"/>
+            <a:ext cx="10018713" cy="492368"/>
+          </a:xfrm>
+        </p:spPr>
+        <p:txBody>
+          <a:bodyPr>
+            <a:normAutofit fontScale="90000"/>
+          </a:bodyPr>
+          <a:lstStyle/>
+          <a:p>
+            <a:r>
+              <a:rPr lang="fr-CA"/>
+              <a:t>Liste des commits</a:t>
+            </a:r>
+            <a:endParaRPr lang="fr-CA" dirty="0"/>
+          </a:p>
+        </p:txBody>
+      </p:sp>
+      <p:pic>
+        <p:nvPicPr>
+          <p:cNvPr id="5" name="Espace réservé du contenu 4" descr="Une image contenant capture d’écran&#10;&#10;Description générée avec un niveau de confiance très élevé">
+            <a:extLst>
+              <a:ext uri="{FF2B5EF4-FFF2-40B4-BE49-F238E27FC236}">
+                <a16:creationId xmlns:a16="http://schemas.microsoft.com/office/drawing/2014/main" id="{6EBF3924-06B0-4C0A-B783-91283B5B4697}"/>
+              </a:ext>
+            </a:extLst>
+          </p:cNvPr>
+          <p:cNvPicPr>
+            <a:picLocks noGrp="1" noChangeAspect="1"/>
+          </p:cNvPicPr>
+          <p:nvPr>
+            <p:ph idx="1"/>
+          </p:nvPr>
+        </p:nvPicPr>
+        <p:blipFill>
+          <a:blip r:embed="rId2"/>
+          <a:stretch>
+            <a:fillRect/>
+          </a:stretch>
+        </p:blipFill>
+        <p:spPr>
+          <a:xfrm>
+            <a:off x="1456904" y="492369"/>
+            <a:ext cx="10073526" cy="6182751"/>
+          </a:xfrm>
+        </p:spPr>
+      </p:pic>
+    </p:spTree>
+    <p:extLst>
+      <p:ext uri="{BB962C8B-B14F-4D97-AF65-F5344CB8AC3E}">
+        <p14:creationId xmlns:p14="http://schemas.microsoft.com/office/powerpoint/2010/main" val="2919819429"/>
+      </p:ext>
+    </p:extLst>
+  </p:cSld>
+  <p:clrMapOvr>
+    <a:masterClrMapping/>
+  </p:clrMapOvr>
+</p:sld>
+</file>
+
+<file path=ppt/slides/slide22.xml><?xml version="1.0" encoding="utf-8"?>
+<p:sld xmlns:a="http://schemas.openxmlformats.org/drawingml/2006/main" xmlns:r="http://schemas.openxmlformats.org/officeDocument/2006/relationships" xmlns:p="http://schemas.openxmlformats.org/presentationml/2006/main">
+  <p:cSld>
+    <p:spTree>
+      <p:nvGrpSpPr>
+        <p:cNvPr id="1" name=""/>
+        <p:cNvGrpSpPr/>
+        <p:nvPr/>
+      </p:nvGrpSpPr>
+      <p:grpSpPr>
+        <a:xfrm>
+          <a:off x="0" y="0"/>
+          <a:ext cx="0" cy="0"/>
+          <a:chOff x="0" y="0"/>
+          <a:chExt cx="0" cy="0"/>
+        </a:xfrm>
+      </p:grpSpPr>
+      <p:sp>
+        <p:nvSpPr>
+          <p:cNvPr id="2" name="Titre 1">
+            <a:extLst>
+              <a:ext uri="{FF2B5EF4-FFF2-40B4-BE49-F238E27FC236}">
+                <a16:creationId xmlns:a16="http://schemas.microsoft.com/office/drawing/2014/main" id="{0F4008A0-9242-4B5F-B413-1D0629EAE94A}"/>
+              </a:ext>
+            </a:extLst>
+          </p:cNvPr>
+          <p:cNvSpPr>
+            <a:spLocks noGrp="1"/>
+          </p:cNvSpPr>
+          <p:nvPr>
+            <p:ph type="title"/>
+          </p:nvPr>
+        </p:nvSpPr>
+        <p:spPr>
+          <a:xfrm>
+            <a:off x="1343632" y="5511018"/>
+            <a:ext cx="10018713" cy="1752599"/>
+          </a:xfrm>
+        </p:spPr>
+        <p:txBody>
+          <a:bodyPr/>
+          <a:lstStyle/>
+          <a:p>
+            <a:r>
+              <a:rPr lang="fr-CA" dirty="0"/>
+              <a:t>Section branches</a:t>
+            </a:r>
+          </a:p>
+        </p:txBody>
+      </p:sp>
+      <p:pic>
+        <p:nvPicPr>
+          <p:cNvPr id="5" name="Espace réservé du contenu 4" descr="Une image contenant capture d’écran&#10;&#10;Description générée avec un niveau de confiance très élevé">
+            <a:extLst>
+              <a:ext uri="{FF2B5EF4-FFF2-40B4-BE49-F238E27FC236}">
+                <a16:creationId xmlns:a16="http://schemas.microsoft.com/office/drawing/2014/main" id="{D1A13561-1CAB-4690-B426-EBD7C64BAF99}"/>
+              </a:ext>
+            </a:extLst>
+          </p:cNvPr>
+          <p:cNvPicPr>
+            <a:picLocks noGrp="1" noChangeAspect="1"/>
+          </p:cNvPicPr>
+          <p:nvPr>
+            <p:ph idx="1"/>
+          </p:nvPr>
+        </p:nvPicPr>
+        <p:blipFill>
+          <a:blip r:embed="rId2"/>
+          <a:stretch>
+            <a:fillRect/>
+          </a:stretch>
+        </p:blipFill>
+        <p:spPr>
+          <a:xfrm>
+            <a:off x="1753882" y="0"/>
+            <a:ext cx="9749140" cy="5950634"/>
+          </a:xfrm>
+        </p:spPr>
+      </p:pic>
+    </p:spTree>
+    <p:extLst>
+      <p:ext uri="{BB962C8B-B14F-4D97-AF65-F5344CB8AC3E}">
+        <p14:creationId xmlns:p14="http://schemas.microsoft.com/office/powerpoint/2010/main" val="439470167"/>
+      </p:ext>
+    </p:extLst>
+  </p:cSld>
+  <p:clrMapOvr>
+    <a:masterClrMapping/>
+  </p:clrMapOvr>
+</p:sld>
+</file>
+
+<file path=ppt/slides/slide23.xml><?xml version="1.0" encoding="utf-8"?>
+<p:sld xmlns:a="http://schemas.openxmlformats.org/drawingml/2006/main" xmlns:r="http://schemas.openxmlformats.org/officeDocument/2006/relationships" xmlns:p="http://schemas.openxmlformats.org/presentationml/2006/main">
+  <p:cSld>
+    <p:bg>
+      <p:bgPr>
+        <a:gradFill rotWithShape="1">
+          <a:gsLst>
+            <a:gs pos="0">
+              <a:schemeClr val="bg2">
+                <a:tint val="90000"/>
+                <a:lumMod val="110000"/>
+              </a:schemeClr>
+            </a:gs>
+            <a:gs pos="100000">
+              <a:schemeClr val="bg2">
+                <a:shade val="64000"/>
+                <a:lumMod val="98000"/>
+              </a:schemeClr>
+            </a:gs>
+          </a:gsLst>
+          <a:lin ang="5400000" scaled="0"/>
+        </a:gradFill>
+        <a:effectLst/>
+      </p:bgPr>
+    </p:bg>
+    <p:spTree>
+      <p:nvGrpSpPr>
+        <p:cNvPr id="1" name=""/>
+        <p:cNvGrpSpPr/>
+        <p:nvPr/>
+      </p:nvGrpSpPr>
+      <p:grpSpPr>
+        <a:xfrm>
+          <a:off x="0" y="0"/>
+          <a:ext cx="0" cy="0"/>
+          <a:chOff x="0" y="0"/>
+          <a:chExt cx="0" cy="0"/>
+        </a:xfrm>
+      </p:grpSpPr>
+      <p:sp>
+        <p:nvSpPr>
+          <p:cNvPr id="2" name="Titre 1">
+            <a:extLst>
+              <a:ext uri="{FF2B5EF4-FFF2-40B4-BE49-F238E27FC236}">
+                <a16:creationId xmlns:a16="http://schemas.microsoft.com/office/drawing/2014/main" id="{5D4CC37B-495E-4951-BB07-CEA6BAB61EE2}"/>
+              </a:ext>
+            </a:extLst>
+          </p:cNvPr>
+          <p:cNvSpPr>
+            <a:spLocks noGrp="1"/>
+          </p:cNvSpPr>
+          <p:nvPr>
+            <p:ph type="title"/>
+          </p:nvPr>
+        </p:nvSpPr>
+        <p:spPr>
+          <a:xfrm>
+            <a:off x="1760706" y="685800"/>
+            <a:ext cx="9742318" cy="1752599"/>
+          </a:xfrm>
+        </p:spPr>
+        <p:txBody>
+          <a:bodyPr>
+            <a:normAutofit/>
+          </a:bodyPr>
+          <a:lstStyle/>
+          <a:p>
+            <a:r>
+              <a:rPr lang="fr-CA" dirty="0"/>
+              <a:t>L’aspect réseau social de Github</a:t>
+            </a:r>
+          </a:p>
+        </p:txBody>
+      </p:sp>
+      <p:graphicFrame>
+        <p:nvGraphicFramePr>
+          <p:cNvPr id="25" name="Espace réservé du contenu 2"/>
+          <p:cNvGraphicFramePr>
+            <a:graphicFrameLocks noGrp="1"/>
+          </p:cNvGraphicFramePr>
+          <p:nvPr>
+            <p:ph idx="1"/>
+            <p:extLst>
+              <p:ext uri="{D42A27DB-BD31-4B8C-83A1-F6EECF244321}">
+                <p14:modId xmlns:p14="http://schemas.microsoft.com/office/powerpoint/2010/main" val="4235362557"/>
+              </p:ext>
+            </p:extLst>
+          </p:nvPr>
+        </p:nvGraphicFramePr>
+        <p:xfrm>
+          <a:off x="1760705" y="2694562"/>
+          <a:ext cx="9742319" cy="3096638"/>
+        </p:xfrm>
+        <a:graphic>
+          <a:graphicData uri="http://schemas.openxmlformats.org/drawingml/2006/diagram">
+            <dgm:relIds xmlns:dgm="http://schemas.openxmlformats.org/drawingml/2006/diagram" xmlns:r="http://schemas.openxmlformats.org/officeDocument/2006/relationships" r:dm="rId2" r:lo="rId3" r:qs="rId4" r:cs="rId5"/>
+          </a:graphicData>
+        </a:graphic>
+      </p:graphicFrame>
+    </p:spTree>
+    <p:extLst>
+      <p:ext uri="{BB962C8B-B14F-4D97-AF65-F5344CB8AC3E}">
+        <p14:creationId xmlns:p14="http://schemas.microsoft.com/office/powerpoint/2010/main" val="2203092445"/>
+      </p:ext>
+    </p:extLst>
+  </p:cSld>
+  <p:clrMapOvr>
+    <a:masterClrMapping/>
+  </p:clrMapOvr>
+</p:sld>
+</file>
+
+<file path=ppt/slides/slide24.xml><?xml version="1.0" encoding="utf-8"?>
+<p:sld xmlns:a="http://schemas.openxmlformats.org/drawingml/2006/main" xmlns:r="http://schemas.openxmlformats.org/officeDocument/2006/relationships" xmlns:p="http://schemas.openxmlformats.org/presentationml/2006/main">
+  <p:cSld>
+    <p:spTree>
+      <p:nvGrpSpPr>
+        <p:cNvPr id="1" name=""/>
+        <p:cNvGrpSpPr/>
+        <p:nvPr/>
+      </p:nvGrpSpPr>
+      <p:grpSpPr>
+        <a:xfrm>
+          <a:off x="0" y="0"/>
+          <a:ext cx="0" cy="0"/>
+          <a:chOff x="0" y="0"/>
+          <a:chExt cx="0" cy="0"/>
+        </a:xfrm>
+      </p:grpSpPr>
+      <p:sp>
+        <p:nvSpPr>
+          <p:cNvPr id="2" name="Titre 1">
+            <a:extLst>
+              <a:ext uri="{FF2B5EF4-FFF2-40B4-BE49-F238E27FC236}">
+                <a16:creationId xmlns:a16="http://schemas.microsoft.com/office/drawing/2014/main" id="{A13092BE-7EFE-4128-AB32-C29BF7E0A2C0}"/>
+              </a:ext>
+            </a:extLst>
+          </p:cNvPr>
+          <p:cNvSpPr>
+            <a:spLocks noGrp="1"/>
+          </p:cNvSpPr>
+          <p:nvPr>
+            <p:ph type="title"/>
+          </p:nvPr>
+        </p:nvSpPr>
+        <p:spPr>
+          <a:xfrm>
+            <a:off x="752791" y="-28134"/>
+            <a:ext cx="10018713" cy="753208"/>
+          </a:xfrm>
+        </p:spPr>
+        <p:txBody>
+          <a:bodyPr/>
+          <a:lstStyle/>
+          <a:p>
+            <a:r>
+              <a:rPr lang="fr-CA" dirty="0"/>
+              <a:t>Profil Git hub</a:t>
+            </a:r>
+          </a:p>
+        </p:txBody>
+      </p:sp>
+      <p:pic>
+        <p:nvPicPr>
+          <p:cNvPr id="5" name="Espace réservé du contenu 4" descr="Une image contenant capture d’écran, moniteur, intérieur, ordinateur&#10;&#10;Description générée avec un niveau de confiance très élevé">
+            <a:extLst>
+              <a:ext uri="{FF2B5EF4-FFF2-40B4-BE49-F238E27FC236}">
+                <a16:creationId xmlns:a16="http://schemas.microsoft.com/office/drawing/2014/main" id="{8CD161F4-EC0F-45DB-86F3-120E595132C4}"/>
+              </a:ext>
+            </a:extLst>
+          </p:cNvPr>
+          <p:cNvPicPr>
+            <a:picLocks noGrp="1" noChangeAspect="1"/>
+          </p:cNvPicPr>
+          <p:nvPr>
+            <p:ph idx="1"/>
+          </p:nvPr>
+        </p:nvPicPr>
+        <p:blipFill>
+          <a:blip r:embed="rId2"/>
+          <a:stretch>
+            <a:fillRect/>
+          </a:stretch>
+        </p:blipFill>
+        <p:spPr>
+          <a:xfrm>
+            <a:off x="993657" y="725074"/>
+            <a:ext cx="10541851" cy="6066227"/>
+          </a:xfrm>
+        </p:spPr>
+      </p:pic>
+    </p:spTree>
+    <p:extLst>
+      <p:ext uri="{BB962C8B-B14F-4D97-AF65-F5344CB8AC3E}">
+        <p14:creationId xmlns:p14="http://schemas.microsoft.com/office/powerpoint/2010/main" val="421251287"/>
+      </p:ext>
+    </p:extLst>
+  </p:cSld>
+  <p:clrMapOvr>
+    <a:masterClrMapping/>
+  </p:clrMapOvr>
+</p:sld>
+</file>
+
+<file path=ppt/slides/slide25.xml><?xml version="1.0" encoding="utf-8"?>
+<p:sld xmlns:a="http://schemas.openxmlformats.org/drawingml/2006/main" xmlns:r="http://schemas.openxmlformats.org/officeDocument/2006/relationships" xmlns:p="http://schemas.openxmlformats.org/presentationml/2006/main">
+  <p:cSld>
+    <p:spTree>
+      <p:nvGrpSpPr>
+        <p:cNvPr id="1" name=""/>
+        <p:cNvGrpSpPr/>
+        <p:nvPr/>
+      </p:nvGrpSpPr>
+      <p:grpSpPr>
+        <a:xfrm>
+          <a:off x="0" y="0"/>
+          <a:ext cx="0" cy="0"/>
+          <a:chOff x="0" y="0"/>
+          <a:chExt cx="0" cy="0"/>
+        </a:xfrm>
+      </p:grpSpPr>
+      <p:sp>
+        <p:nvSpPr>
+          <p:cNvPr id="2" name="Titre 1">
+            <a:extLst>
+              <a:ext uri="{FF2B5EF4-FFF2-40B4-BE49-F238E27FC236}">
+                <a16:creationId xmlns:a16="http://schemas.microsoft.com/office/drawing/2014/main" id="{69A14312-AAFD-4157-97E8-55FA98EFE359}"/>
+              </a:ext>
+            </a:extLst>
+          </p:cNvPr>
+          <p:cNvSpPr>
+            <a:spLocks noGrp="1"/>
+          </p:cNvSpPr>
+          <p:nvPr>
+            <p:ph type="title"/>
+          </p:nvPr>
+        </p:nvSpPr>
+        <p:spPr>
+          <a:xfrm>
+            <a:off x="1329567" y="-70339"/>
+            <a:ext cx="10018713" cy="833511"/>
+          </a:xfrm>
+        </p:spPr>
+        <p:txBody>
+          <a:bodyPr/>
+          <a:lstStyle/>
+          <a:p>
+            <a:r>
+              <a:rPr lang="fr-CA" dirty="0"/>
+              <a:t>Système de commentaires</a:t>
+            </a:r>
+          </a:p>
+        </p:txBody>
+      </p:sp>
+      <p:pic>
+        <p:nvPicPr>
+          <p:cNvPr id="5" name="Espace réservé du contenu 4" descr="Une image contenant capture d’écran&#10;&#10;Description générée avec un niveau de confiance très élevé">
+            <a:extLst>
+              <a:ext uri="{FF2B5EF4-FFF2-40B4-BE49-F238E27FC236}">
+                <a16:creationId xmlns:a16="http://schemas.microsoft.com/office/drawing/2014/main" id="{3D9E20A8-2C4F-41AF-8E68-9977F1DFFB6F}"/>
+              </a:ext>
+            </a:extLst>
+          </p:cNvPr>
+          <p:cNvPicPr>
+            <a:picLocks noGrp="1" noChangeAspect="1"/>
+          </p:cNvPicPr>
+          <p:nvPr>
+            <p:ph idx="1"/>
+          </p:nvPr>
+        </p:nvPicPr>
+        <p:blipFill>
+          <a:blip r:embed="rId2"/>
+          <a:stretch>
+            <a:fillRect/>
+          </a:stretch>
+        </p:blipFill>
+        <p:spPr>
+          <a:xfrm>
+            <a:off x="2484375" y="763171"/>
+            <a:ext cx="7709095" cy="6021371"/>
+          </a:xfrm>
+        </p:spPr>
+      </p:pic>
+    </p:spTree>
+    <p:extLst>
+      <p:ext uri="{BB962C8B-B14F-4D97-AF65-F5344CB8AC3E}">
+        <p14:creationId xmlns:p14="http://schemas.microsoft.com/office/powerpoint/2010/main" val="2378276562"/>
+      </p:ext>
+    </p:extLst>
+  </p:cSld>
+  <p:clrMapOvr>
+    <a:masterClrMapping/>
+  </p:clrMapOvr>
+</p:sld>
+</file>
+
+<file path=ppt/slides/slide26.xml><?xml version="1.0" encoding="utf-8"?>
+<p:sld xmlns:a="http://schemas.openxmlformats.org/drawingml/2006/main" xmlns:r="http://schemas.openxmlformats.org/officeDocument/2006/relationships" xmlns:p="http://schemas.openxmlformats.org/presentationml/2006/main">
+  <p:cSld>
+    <p:spTree>
+      <p:nvGrpSpPr>
+        <p:cNvPr id="1" name=""/>
+        <p:cNvGrpSpPr/>
+        <p:nvPr/>
+      </p:nvGrpSpPr>
+      <p:grpSpPr>
+        <a:xfrm>
+          <a:off x="0" y="0"/>
+          <a:ext cx="0" cy="0"/>
+          <a:chOff x="0" y="0"/>
+          <a:chExt cx="0" cy="0"/>
+        </a:xfrm>
+      </p:grpSpPr>
+      <p:sp>
+        <p:nvSpPr>
+          <p:cNvPr id="2" name="Titre 1">
+            <a:extLst>
+              <a:ext uri="{FF2B5EF4-FFF2-40B4-BE49-F238E27FC236}">
+                <a16:creationId xmlns:a16="http://schemas.microsoft.com/office/drawing/2014/main" id="{B09E68B8-69D7-4560-87AD-60EE96164E02}"/>
+              </a:ext>
+            </a:extLst>
+          </p:cNvPr>
+          <p:cNvSpPr>
+            <a:spLocks noGrp="1"/>
+          </p:cNvSpPr>
+          <p:nvPr>
+            <p:ph type="title"/>
+          </p:nvPr>
+        </p:nvSpPr>
+        <p:spPr/>
+        <p:txBody>
+          <a:bodyPr/>
+          <a:lstStyle/>
+          <a:p>
+            <a:r>
+              <a:rPr lang="fr-CA" dirty="0"/>
+              <a:t>Les avantages de Github</a:t>
+            </a:r>
+          </a:p>
+        </p:txBody>
+      </p:sp>
+      <p:sp>
+        <p:nvSpPr>
+          <p:cNvPr id="3" name="Espace réservé du contenu 2">
+            <a:extLst>
+              <a:ext uri="{FF2B5EF4-FFF2-40B4-BE49-F238E27FC236}">
+                <a16:creationId xmlns:a16="http://schemas.microsoft.com/office/drawing/2014/main" id="{0FA0543D-B5CF-4C25-A3F9-E9F90DC111D9}"/>
+              </a:ext>
+            </a:extLst>
+          </p:cNvPr>
+          <p:cNvSpPr>
+            <a:spLocks noGrp="1"/>
+          </p:cNvSpPr>
+          <p:nvPr>
+            <p:ph idx="1"/>
+          </p:nvPr>
+        </p:nvSpPr>
+        <p:spPr/>
+        <p:txBody>
+          <a:bodyPr/>
+          <a:lstStyle/>
+          <a:p>
+            <a:pPr marL="0" indent="0">
+              <a:buNone/>
+            </a:pPr>
+            <a:r>
+              <a:rPr lang="fr-CA" dirty="0"/>
+              <a:t>Maintenant, est-ce que Github est le seul site d’hébergement de dépôts git? Absolument pas. Cependant, il est le plus utilisé et il y a plusieurs excellentes raisons qui font qu’il est au top du palmarès dans sa catégorie. </a:t>
+            </a:r>
+          </a:p>
+        </p:txBody>
+      </p:sp>
+    </p:spTree>
+    <p:extLst>
+      <p:ext uri="{BB962C8B-B14F-4D97-AF65-F5344CB8AC3E}">
+        <p14:creationId xmlns:p14="http://schemas.microsoft.com/office/powerpoint/2010/main" val="3187470176"/>
+      </p:ext>
+    </p:extLst>
+  </p:cSld>
+  <p:clrMapOvr>
+    <a:masterClrMapping/>
+  </p:clrMapOvr>
+</p:sld>
+</file>
+
+<file path=ppt/slides/slide27.xml><?xml version="1.0" encoding="utf-8"?>
+<p:sld xmlns:a="http://schemas.openxmlformats.org/drawingml/2006/main" xmlns:r="http://schemas.openxmlformats.org/officeDocument/2006/relationships" xmlns:p="http://schemas.openxmlformats.org/presentationml/2006/main">
+  <p:cSld>
+    <p:spTree>
+      <p:nvGrpSpPr>
+        <p:cNvPr id="1" name=""/>
+        <p:cNvGrpSpPr/>
+        <p:nvPr/>
+      </p:nvGrpSpPr>
+      <p:grpSpPr>
+        <a:xfrm>
+          <a:off x="0" y="0"/>
+          <a:ext cx="0" cy="0"/>
+          <a:chOff x="0" y="0"/>
+          <a:chExt cx="0" cy="0"/>
+        </a:xfrm>
+      </p:grpSpPr>
+      <p:sp>
+        <p:nvSpPr>
+          <p:cNvPr id="2" name="Titre 1">
+            <a:extLst>
+              <a:ext uri="{FF2B5EF4-FFF2-40B4-BE49-F238E27FC236}">
+                <a16:creationId xmlns:a16="http://schemas.microsoft.com/office/drawing/2014/main" id="{D77FBC4A-99DB-4DF6-BDFD-E02A4AED9DF9}"/>
+              </a:ext>
+            </a:extLst>
+          </p:cNvPr>
+          <p:cNvSpPr>
+            <a:spLocks noGrp="1"/>
+          </p:cNvSpPr>
+          <p:nvPr>
+            <p:ph type="title"/>
+          </p:nvPr>
+        </p:nvSpPr>
+        <p:spPr/>
+        <p:txBody>
+          <a:bodyPr/>
+          <a:lstStyle/>
+          <a:p>
+            <a:r>
+              <a:rPr lang="fr-CA" dirty="0"/>
+              <a:t>Dépôt public ou privé</a:t>
+            </a:r>
+          </a:p>
+        </p:txBody>
+      </p:sp>
+      <p:sp>
+        <p:nvSpPr>
+          <p:cNvPr id="3" name="Espace réservé du contenu 2">
+            <a:extLst>
+              <a:ext uri="{FF2B5EF4-FFF2-40B4-BE49-F238E27FC236}">
+                <a16:creationId xmlns:a16="http://schemas.microsoft.com/office/drawing/2014/main" id="{C9D87E41-C442-4436-B28F-3BFBEE7686B6}"/>
+              </a:ext>
+            </a:extLst>
+          </p:cNvPr>
+          <p:cNvSpPr>
+            <a:spLocks noGrp="1"/>
+          </p:cNvSpPr>
+          <p:nvPr>
+            <p:ph idx="1"/>
+          </p:nvPr>
+        </p:nvSpPr>
+        <p:spPr/>
+        <p:txBody>
+          <a:bodyPr/>
+          <a:lstStyle/>
+          <a:p>
+            <a:pPr marL="0" indent="0">
+              <a:buNone/>
+            </a:pPr>
+            <a:r>
+              <a:rPr lang="fr-CA" dirty="0"/>
+              <a:t>GitHub propose de pouvoir rendre le dépôt privé. Ce qui est parfait pour les entreprises qui veulent travailler en open-source mais simplement à l’intérieur de la compagnie. Cette fonctionnalité est payante mais selon nous essentielle pour certaines entreprises.</a:t>
+            </a:r>
+          </a:p>
+        </p:txBody>
+      </p:sp>
+    </p:spTree>
+    <p:extLst>
+      <p:ext uri="{BB962C8B-B14F-4D97-AF65-F5344CB8AC3E}">
+        <p14:creationId xmlns:p14="http://schemas.microsoft.com/office/powerpoint/2010/main" val="2571472115"/>
+      </p:ext>
+    </p:extLst>
+  </p:cSld>
+  <p:clrMapOvr>
+    <a:masterClrMapping/>
+  </p:clrMapOvr>
+</p:sld>
+</file>
+
+<file path=ppt/slides/slide28.xml><?xml version="1.0" encoding="utf-8"?>
+<p:sld xmlns:a="http://schemas.openxmlformats.org/drawingml/2006/main" xmlns:r="http://schemas.openxmlformats.org/officeDocument/2006/relationships" xmlns:p="http://schemas.openxmlformats.org/presentationml/2006/main">
+  <p:cSld>
+    <p:spTree>
+      <p:nvGrpSpPr>
+        <p:cNvPr id="1" name=""/>
+        <p:cNvGrpSpPr/>
+        <p:nvPr/>
+      </p:nvGrpSpPr>
+      <p:grpSpPr>
+        <a:xfrm>
+          <a:off x="0" y="0"/>
+          <a:ext cx="0" cy="0"/>
+          <a:chOff x="0" y="0"/>
+          <a:chExt cx="0" cy="0"/>
+        </a:xfrm>
+      </p:grpSpPr>
+      <p:sp>
+        <p:nvSpPr>
+          <p:cNvPr id="2" name="Titre 1">
+            <a:extLst>
+              <a:ext uri="{FF2B5EF4-FFF2-40B4-BE49-F238E27FC236}">
+                <a16:creationId xmlns:a16="http://schemas.microsoft.com/office/drawing/2014/main" id="{07EE440A-D8DB-44E0-BF27-DFC9FA2E62CE}"/>
+              </a:ext>
+            </a:extLst>
+          </p:cNvPr>
+          <p:cNvSpPr>
+            <a:spLocks noGrp="1"/>
+          </p:cNvSpPr>
+          <p:nvPr>
+            <p:ph type="title"/>
+          </p:nvPr>
+        </p:nvSpPr>
+        <p:spPr/>
+        <p:txBody>
+          <a:bodyPr/>
+          <a:lstStyle/>
+          <a:p>
+            <a:r>
+              <a:rPr lang="fr-CA" dirty="0"/>
+              <a:t>La fonction collaborateur</a:t>
+            </a:r>
+          </a:p>
+        </p:txBody>
+      </p:sp>
+      <p:sp>
+        <p:nvSpPr>
+          <p:cNvPr id="3" name="Espace réservé du contenu 2">
+            <a:extLst>
+              <a:ext uri="{FF2B5EF4-FFF2-40B4-BE49-F238E27FC236}">
+                <a16:creationId xmlns:a16="http://schemas.microsoft.com/office/drawing/2014/main" id="{CFD814E9-5314-4E7C-94DF-E8D6ECCA6A82}"/>
+              </a:ext>
+            </a:extLst>
+          </p:cNvPr>
+          <p:cNvSpPr>
+            <a:spLocks noGrp="1"/>
+          </p:cNvSpPr>
+          <p:nvPr>
+            <p:ph idx="1"/>
+          </p:nvPr>
+        </p:nvSpPr>
+        <p:spPr/>
+        <p:txBody>
+          <a:bodyPr/>
+          <a:lstStyle/>
+          <a:p>
+            <a:pPr marL="0" indent="0">
+              <a:buNone/>
+            </a:pPr>
+            <a:r>
+              <a:rPr lang="fr-CA" dirty="0"/>
+              <a:t>Cette fonction permet au créateur du dépôt de choisir qui peut avoir un impact et effectuer des changements sur les différentes branches du projet. Que ce soit sur la ‘’master’’ ou les autres branches l’utilisateur décide qui peut modifier le projet. Alors, plusieurs personnes peuvent proposer certains changements mais seulement quelques collaborateurs peuvent gérer le projet.</a:t>
+            </a:r>
+          </a:p>
+          <a:p>
+            <a:endParaRPr lang="fr-CA" dirty="0"/>
+          </a:p>
+        </p:txBody>
+      </p:sp>
+    </p:spTree>
+    <p:extLst>
+      <p:ext uri="{BB962C8B-B14F-4D97-AF65-F5344CB8AC3E}">
+        <p14:creationId xmlns:p14="http://schemas.microsoft.com/office/powerpoint/2010/main" val="2898882105"/>
+      </p:ext>
+    </p:extLst>
+  </p:cSld>
+  <p:clrMapOvr>
+    <a:masterClrMapping/>
+  </p:clrMapOvr>
+</p:sld>
+</file>
+
+<file path=ppt/slides/slide29.xml><?xml version="1.0" encoding="utf-8"?>
+<p:sld xmlns:a="http://schemas.openxmlformats.org/drawingml/2006/main" xmlns:r="http://schemas.openxmlformats.org/officeDocument/2006/relationships" xmlns:p="http://schemas.openxmlformats.org/presentationml/2006/main">
+  <p:cSld>
+    <p:spTree>
+      <p:nvGrpSpPr>
+        <p:cNvPr id="1" name=""/>
+        <p:cNvGrpSpPr/>
+        <p:nvPr/>
+      </p:nvGrpSpPr>
+      <p:grpSpPr>
+        <a:xfrm>
+          <a:off x="0" y="0"/>
+          <a:ext cx="0" cy="0"/>
+          <a:chOff x="0" y="0"/>
+          <a:chExt cx="0" cy="0"/>
+        </a:xfrm>
+      </p:grpSpPr>
+      <p:sp>
+        <p:nvSpPr>
+          <p:cNvPr id="2" name="Titre 1">
+            <a:extLst>
+              <a:ext uri="{FF2B5EF4-FFF2-40B4-BE49-F238E27FC236}">
+                <a16:creationId xmlns:a16="http://schemas.microsoft.com/office/drawing/2014/main" id="{E621050A-EB6D-43F5-8A8B-3D7AE7361595}"/>
+              </a:ext>
+            </a:extLst>
+          </p:cNvPr>
+          <p:cNvSpPr>
+            <a:spLocks noGrp="1"/>
+          </p:cNvSpPr>
+          <p:nvPr>
+            <p:ph type="title"/>
+          </p:nvPr>
+        </p:nvSpPr>
+        <p:spPr>
+          <a:xfrm>
+            <a:off x="1484311" y="24619"/>
+            <a:ext cx="10018713" cy="481818"/>
+          </a:xfrm>
+        </p:spPr>
+        <p:txBody>
+          <a:bodyPr>
+            <a:normAutofit fontScale="90000"/>
+          </a:bodyPr>
+          <a:lstStyle/>
+          <a:p>
+            <a:r>
+              <a:rPr lang="fr-CA" dirty="0"/>
+              <a:t>L’application Github Desktop</a:t>
+            </a:r>
+          </a:p>
+        </p:txBody>
+      </p:sp>
+      <p:pic>
+        <p:nvPicPr>
+          <p:cNvPr id="5" name="Espace réservé du contenu 4" descr="Une image contenant capture d’écran&#10;&#10;Description générée avec un niveau de confiance très élevé">
+            <a:extLst>
+              <a:ext uri="{FF2B5EF4-FFF2-40B4-BE49-F238E27FC236}">
+                <a16:creationId xmlns:a16="http://schemas.microsoft.com/office/drawing/2014/main" id="{B5A35D3B-98E3-4D4A-9A6A-3A6474FA56C9}"/>
+              </a:ext>
+            </a:extLst>
+          </p:cNvPr>
+          <p:cNvPicPr>
+            <a:picLocks noGrp="1" noChangeAspect="1"/>
+          </p:cNvPicPr>
+          <p:nvPr>
+            <p:ph idx="1"/>
+          </p:nvPr>
+        </p:nvPicPr>
+        <p:blipFill>
+          <a:blip r:embed="rId2"/>
+          <a:stretch>
+            <a:fillRect/>
+          </a:stretch>
+        </p:blipFill>
+        <p:spPr>
+          <a:xfrm>
+            <a:off x="1218284" y="506437"/>
+            <a:ext cx="10550765" cy="5953646"/>
+          </a:xfrm>
+        </p:spPr>
+      </p:pic>
+    </p:spTree>
+    <p:extLst>
+      <p:ext uri="{BB962C8B-B14F-4D97-AF65-F5344CB8AC3E}">
+        <p14:creationId xmlns:p14="http://schemas.microsoft.com/office/powerpoint/2010/main" val="1166996138"/>
+      </p:ext>
+    </p:extLst>
+  </p:cSld>
+  <p:clrMapOvr>
+    <a:masterClrMapping/>
+  </p:clrMapOvr>
+</p:sld>
+</file>
+
 <file path=ppt/slides/slide3.xml><?xml version="1.0" encoding="utf-8"?>
 <p:sld xmlns:a="http://schemas.openxmlformats.org/drawingml/2006/main" xmlns:r="http://schemas.openxmlformats.org/officeDocument/2006/relationships" xmlns:p="http://schemas.openxmlformats.org/presentationml/2006/main">
   <p:cSld>
@@ -9838,15 +17964,7 @@
             <a:pPr lvl="0"/>
             <a:r>
               <a:rPr lang="fr-CA" dirty="0"/>
-              <a:t>Beaucoup de services associés comme </a:t>
-            </a:r>
-            <a:r>
-              <a:rPr lang="fr-CA" dirty="0" err="1"/>
-              <a:t>Github</a:t>
-            </a:r>
-            <a:r>
-              <a:rPr lang="fr-CA" dirty="0"/>
-              <a:t> ou </a:t>
+              <a:t>Beaucoup de services associés comme Github ou </a:t>
             </a:r>
             <a:r>
               <a:rPr lang="fr-CA" dirty="0" err="1"/>
@@ -9879,6 +17997,444 @@
     <p:extLst>
       <p:ext uri="{BB962C8B-B14F-4D97-AF65-F5344CB8AC3E}">
         <p14:creationId xmlns:p14="http://schemas.microsoft.com/office/powerpoint/2010/main" val="994882287"/>
+      </p:ext>
+    </p:extLst>
+  </p:cSld>
+  <p:clrMapOvr>
+    <a:masterClrMapping/>
+  </p:clrMapOvr>
+</p:sld>
+</file>
+
+<file path=ppt/slides/slide30.xml><?xml version="1.0" encoding="utf-8"?>
+<p:sld xmlns:a="http://schemas.openxmlformats.org/drawingml/2006/main" xmlns:r="http://schemas.openxmlformats.org/officeDocument/2006/relationships" xmlns:p="http://schemas.openxmlformats.org/presentationml/2006/main">
+  <p:cSld>
+    <p:spTree>
+      <p:nvGrpSpPr>
+        <p:cNvPr id="1" name=""/>
+        <p:cNvGrpSpPr/>
+        <p:nvPr/>
+      </p:nvGrpSpPr>
+      <p:grpSpPr>
+        <a:xfrm>
+          <a:off x="0" y="0"/>
+          <a:ext cx="0" cy="0"/>
+          <a:chOff x="0" y="0"/>
+          <a:chExt cx="0" cy="0"/>
+        </a:xfrm>
+      </p:grpSpPr>
+      <p:sp>
+        <p:nvSpPr>
+          <p:cNvPr id="2" name="Titre 1">
+            <a:extLst>
+              <a:ext uri="{FF2B5EF4-FFF2-40B4-BE49-F238E27FC236}">
+                <a16:creationId xmlns:a16="http://schemas.microsoft.com/office/drawing/2014/main" id="{0E21C2F7-5DAC-4951-9C1A-441B16ACDE05}"/>
+              </a:ext>
+            </a:extLst>
+          </p:cNvPr>
+          <p:cNvSpPr>
+            <a:spLocks noGrp="1"/>
+          </p:cNvSpPr>
+          <p:nvPr>
+            <p:ph type="title"/>
+          </p:nvPr>
+        </p:nvSpPr>
+        <p:spPr>
+          <a:xfrm>
+            <a:off x="1484311" y="59791"/>
+            <a:ext cx="10018713" cy="636562"/>
+          </a:xfrm>
+        </p:spPr>
+        <p:txBody>
+          <a:bodyPr>
+            <a:normAutofit fontScale="90000"/>
+          </a:bodyPr>
+          <a:lstStyle/>
+          <a:p>
+            <a:r>
+              <a:rPr lang="fr-CA" sz="3600" dirty="0"/>
+              <a:t>Un logiciel de suivi des problèmes ‘’</a:t>
+            </a:r>
+            <a:r>
+              <a:rPr lang="fr-CA" sz="3600" dirty="0" err="1"/>
+              <a:t>bugtracker</a:t>
+            </a:r>
+            <a:r>
+              <a:rPr lang="fr-CA" sz="3600" dirty="0"/>
+              <a:t>’’  </a:t>
+            </a:r>
+          </a:p>
+        </p:txBody>
+      </p:sp>
+      <p:pic>
+        <p:nvPicPr>
+          <p:cNvPr id="6" name="Espace réservé du contenu 5" descr="Une image contenant capture d’écran&#10;&#10;Description générée avec un niveau de confiance très élevé">
+            <a:extLst>
+              <a:ext uri="{FF2B5EF4-FFF2-40B4-BE49-F238E27FC236}">
+                <a16:creationId xmlns:a16="http://schemas.microsoft.com/office/drawing/2014/main" id="{2F7B46B4-AC51-49FB-A011-D35F1E08C942}"/>
+              </a:ext>
+            </a:extLst>
+          </p:cNvPr>
+          <p:cNvPicPr>
+            <a:picLocks noGrp="1" noChangeAspect="1"/>
+          </p:cNvPicPr>
+          <p:nvPr>
+            <p:ph idx="1"/>
+          </p:nvPr>
+        </p:nvPicPr>
+        <p:blipFill>
+          <a:blip r:embed="rId2"/>
+          <a:stretch>
+            <a:fillRect/>
+          </a:stretch>
+        </p:blipFill>
+        <p:spPr>
+          <a:xfrm>
+            <a:off x="1369605" y="696353"/>
+            <a:ext cx="10025225" cy="6092253"/>
+          </a:xfrm>
+        </p:spPr>
+      </p:pic>
+    </p:spTree>
+    <p:extLst>
+      <p:ext uri="{BB962C8B-B14F-4D97-AF65-F5344CB8AC3E}">
+        <p14:creationId xmlns:p14="http://schemas.microsoft.com/office/powerpoint/2010/main" val="3851944352"/>
+      </p:ext>
+    </p:extLst>
+  </p:cSld>
+  <p:clrMapOvr>
+    <a:masterClrMapping/>
+  </p:clrMapOvr>
+</p:sld>
+</file>
+
+<file path=ppt/slides/slide31.xml><?xml version="1.0" encoding="utf-8"?>
+<p:sld xmlns:a="http://schemas.openxmlformats.org/drawingml/2006/main" xmlns:r="http://schemas.openxmlformats.org/officeDocument/2006/relationships" xmlns:p="http://schemas.openxmlformats.org/presentationml/2006/main">
+  <p:cSld>
+    <p:spTree>
+      <p:nvGrpSpPr>
+        <p:cNvPr id="1" name=""/>
+        <p:cNvGrpSpPr/>
+        <p:nvPr/>
+      </p:nvGrpSpPr>
+      <p:grpSpPr>
+        <a:xfrm>
+          <a:off x="0" y="0"/>
+          <a:ext cx="0" cy="0"/>
+          <a:chOff x="0" y="0"/>
+          <a:chExt cx="0" cy="0"/>
+        </a:xfrm>
+      </p:grpSpPr>
+      <p:sp>
+        <p:nvSpPr>
+          <p:cNvPr id="2" name="Titre 1">
+            <a:extLst>
+              <a:ext uri="{FF2B5EF4-FFF2-40B4-BE49-F238E27FC236}">
+                <a16:creationId xmlns:a16="http://schemas.microsoft.com/office/drawing/2014/main" id="{6827359D-1E26-4BDE-85B5-B5C37956B9F9}"/>
+              </a:ext>
+            </a:extLst>
+          </p:cNvPr>
+          <p:cNvSpPr>
+            <a:spLocks noGrp="1"/>
+          </p:cNvSpPr>
+          <p:nvPr>
+            <p:ph type="title"/>
+          </p:nvPr>
+        </p:nvSpPr>
+        <p:spPr/>
+        <p:txBody>
+          <a:bodyPr/>
+          <a:lstStyle/>
+          <a:p>
+            <a:r>
+              <a:rPr lang="en-CA" dirty="0"/>
+              <a:t>Integration mobile</a:t>
+            </a:r>
+            <a:endParaRPr lang="fr-CA" dirty="0"/>
+          </a:p>
+        </p:txBody>
+      </p:sp>
+      <p:sp>
+        <p:nvSpPr>
+          <p:cNvPr id="3" name="Espace réservé du contenu 2">
+            <a:extLst>
+              <a:ext uri="{FF2B5EF4-FFF2-40B4-BE49-F238E27FC236}">
+                <a16:creationId xmlns:a16="http://schemas.microsoft.com/office/drawing/2014/main" id="{08A982B7-A432-4361-8935-FD1A50AFD660}"/>
+              </a:ext>
+            </a:extLst>
+          </p:cNvPr>
+          <p:cNvSpPr>
+            <a:spLocks noGrp="1"/>
+          </p:cNvSpPr>
+          <p:nvPr>
+            <p:ph idx="1"/>
+          </p:nvPr>
+        </p:nvSpPr>
+        <p:spPr/>
+        <p:txBody>
+          <a:bodyPr/>
+          <a:lstStyle/>
+          <a:p>
+            <a:r>
+              <a:rPr lang="en-CA" dirty="0"/>
+              <a:t>Application sur </a:t>
+            </a:r>
+            <a:r>
+              <a:rPr lang="fr-CA" dirty="0"/>
+              <a:t>cellulaire</a:t>
+            </a:r>
+            <a:r>
+              <a:rPr lang="en-CA" dirty="0"/>
+              <a:t> avec </a:t>
+            </a:r>
+            <a:r>
+              <a:rPr lang="fr-CA" dirty="0"/>
+              <a:t>fonctions</a:t>
+            </a:r>
+            <a:r>
+              <a:rPr lang="en-CA" dirty="0"/>
+              <a:t> </a:t>
+            </a:r>
+            <a:r>
+              <a:rPr lang="fr-CA" dirty="0"/>
+              <a:t>restreintes</a:t>
+            </a:r>
+            <a:r>
+              <a:rPr lang="en-CA" dirty="0"/>
+              <a:t> </a:t>
+            </a:r>
+            <a:r>
+              <a:rPr lang="fr-CA" dirty="0"/>
+              <a:t>mais</a:t>
+            </a:r>
+            <a:r>
+              <a:rPr lang="en-CA" dirty="0"/>
+              <a:t> tout de m</a:t>
+            </a:r>
+            <a:r>
+              <a:rPr lang="fr-CA" dirty="0" err="1"/>
+              <a:t>ême</a:t>
+            </a:r>
+            <a:r>
+              <a:rPr lang="fr-CA" dirty="0"/>
+              <a:t> très intéressantes.</a:t>
+            </a:r>
+          </a:p>
+        </p:txBody>
+      </p:sp>
+    </p:spTree>
+    <p:extLst>
+      <p:ext uri="{BB962C8B-B14F-4D97-AF65-F5344CB8AC3E}">
+        <p14:creationId xmlns:p14="http://schemas.microsoft.com/office/powerpoint/2010/main" val="362881525"/>
+      </p:ext>
+    </p:extLst>
+  </p:cSld>
+  <p:clrMapOvr>
+    <a:masterClrMapping/>
+  </p:clrMapOvr>
+</p:sld>
+</file>
+
+<file path=ppt/slides/slide32.xml><?xml version="1.0" encoding="utf-8"?>
+<p:sld xmlns:a="http://schemas.openxmlformats.org/drawingml/2006/main" xmlns:r="http://schemas.openxmlformats.org/officeDocument/2006/relationships" xmlns:p="http://schemas.openxmlformats.org/presentationml/2006/main">
+  <p:cSld>
+    <p:spTree>
+      <p:nvGrpSpPr>
+        <p:cNvPr id="1" name=""/>
+        <p:cNvGrpSpPr/>
+        <p:nvPr/>
+      </p:nvGrpSpPr>
+      <p:grpSpPr>
+        <a:xfrm>
+          <a:off x="0" y="0"/>
+          <a:ext cx="0" cy="0"/>
+          <a:chOff x="0" y="0"/>
+          <a:chExt cx="0" cy="0"/>
+        </a:xfrm>
+      </p:grpSpPr>
+      <p:sp>
+        <p:nvSpPr>
+          <p:cNvPr id="2" name="Titre 1">
+            <a:extLst>
+              <a:ext uri="{FF2B5EF4-FFF2-40B4-BE49-F238E27FC236}">
+                <a16:creationId xmlns:a16="http://schemas.microsoft.com/office/drawing/2014/main" id="{7316D3FB-DD53-48E8-A1E5-D6894F3B374D}"/>
+              </a:ext>
+            </a:extLst>
+          </p:cNvPr>
+          <p:cNvSpPr>
+            <a:spLocks noGrp="1"/>
+          </p:cNvSpPr>
+          <p:nvPr>
+            <p:ph type="title"/>
+          </p:nvPr>
+        </p:nvSpPr>
+        <p:spPr>
+          <a:xfrm>
+            <a:off x="1132619" y="276078"/>
+            <a:ext cx="10018713" cy="819443"/>
+          </a:xfrm>
+        </p:spPr>
+        <p:txBody>
+          <a:bodyPr/>
+          <a:lstStyle/>
+          <a:p>
+            <a:r>
+              <a:rPr lang="fr-CA" dirty="0"/>
+              <a:t>Hébergement d’un site statique gratuit</a:t>
+            </a:r>
+          </a:p>
+        </p:txBody>
+      </p:sp>
+      <p:sp>
+        <p:nvSpPr>
+          <p:cNvPr id="3" name="Espace réservé du contenu 2">
+            <a:extLst>
+              <a:ext uri="{FF2B5EF4-FFF2-40B4-BE49-F238E27FC236}">
+                <a16:creationId xmlns:a16="http://schemas.microsoft.com/office/drawing/2014/main" id="{900665B7-28AE-4658-AAE6-F0FAA2DE6D68}"/>
+              </a:ext>
+            </a:extLst>
+          </p:cNvPr>
+          <p:cNvSpPr>
+            <a:spLocks noGrp="1"/>
+          </p:cNvSpPr>
+          <p:nvPr>
+            <p:ph idx="1"/>
+          </p:nvPr>
+        </p:nvSpPr>
+        <p:spPr/>
+        <p:txBody>
+          <a:bodyPr/>
+          <a:lstStyle/>
+          <a:p>
+            <a:pPr marL="0" indent="0">
+              <a:buNone/>
+            </a:pPr>
+            <a:r>
+              <a:rPr lang="fr-CA" dirty="0"/>
+              <a:t>GitHub vous offre un hébergement de site web statique gratuit! L’URL se terminera par .</a:t>
+            </a:r>
+            <a:r>
+              <a:rPr lang="fr-CA" dirty="0" err="1"/>
+              <a:t>io</a:t>
+            </a:r>
+            <a:r>
+              <a:rPr lang="fr-CA" dirty="0"/>
+              <a:t> et sera accessible à tous!</a:t>
+            </a:r>
+          </a:p>
+        </p:txBody>
+      </p:sp>
+    </p:spTree>
+    <p:extLst>
+      <p:ext uri="{BB962C8B-B14F-4D97-AF65-F5344CB8AC3E}">
+        <p14:creationId xmlns:p14="http://schemas.microsoft.com/office/powerpoint/2010/main" val="3812091275"/>
+      </p:ext>
+    </p:extLst>
+  </p:cSld>
+  <p:clrMapOvr>
+    <a:masterClrMapping/>
+  </p:clrMapOvr>
+</p:sld>
+</file>
+
+<file path=ppt/slides/slide33.xml><?xml version="1.0" encoding="utf-8"?>
+<p:sld xmlns:a="http://schemas.openxmlformats.org/drawingml/2006/main" xmlns:r="http://schemas.openxmlformats.org/officeDocument/2006/relationships" xmlns:p="http://schemas.openxmlformats.org/presentationml/2006/main">
+  <p:cSld>
+    <p:spTree>
+      <p:nvGrpSpPr>
+        <p:cNvPr id="1" name=""/>
+        <p:cNvGrpSpPr/>
+        <p:nvPr/>
+      </p:nvGrpSpPr>
+      <p:grpSpPr>
+        <a:xfrm>
+          <a:off x="0" y="0"/>
+          <a:ext cx="0" cy="0"/>
+          <a:chOff x="0" y="0"/>
+          <a:chExt cx="0" cy="0"/>
+        </a:xfrm>
+      </p:grpSpPr>
+      <p:sp>
+        <p:nvSpPr>
+          <p:cNvPr id="2" name="Titre 1">
+            <a:extLst>
+              <a:ext uri="{FF2B5EF4-FFF2-40B4-BE49-F238E27FC236}">
+                <a16:creationId xmlns:a16="http://schemas.microsoft.com/office/drawing/2014/main" id="{472FF3D9-C0B6-427C-B713-B441F8C60975}"/>
+              </a:ext>
+            </a:extLst>
+          </p:cNvPr>
+          <p:cNvSpPr>
+            <a:spLocks noGrp="1"/>
+          </p:cNvSpPr>
+          <p:nvPr>
+            <p:ph type="title"/>
+          </p:nvPr>
+        </p:nvSpPr>
+        <p:spPr>
+          <a:xfrm>
+            <a:off x="1484309" y="109025"/>
+            <a:ext cx="10018713" cy="735037"/>
+          </a:xfrm>
+        </p:spPr>
+        <p:txBody>
+          <a:bodyPr/>
+          <a:lstStyle/>
+          <a:p>
+            <a:r>
+              <a:rPr lang="fr-CA" dirty="0"/>
+              <a:t>Conclusion</a:t>
+            </a:r>
+          </a:p>
+        </p:txBody>
+      </p:sp>
+      <p:sp>
+        <p:nvSpPr>
+          <p:cNvPr id="3" name="Espace réservé du contenu 2">
+            <a:extLst>
+              <a:ext uri="{FF2B5EF4-FFF2-40B4-BE49-F238E27FC236}">
+                <a16:creationId xmlns:a16="http://schemas.microsoft.com/office/drawing/2014/main" id="{51906BD1-8ECA-4A38-8503-2C2F702973E5}"/>
+              </a:ext>
+            </a:extLst>
+          </p:cNvPr>
+          <p:cNvSpPr>
+            <a:spLocks noGrp="1"/>
+          </p:cNvSpPr>
+          <p:nvPr>
+            <p:ph idx="1"/>
+          </p:nvPr>
+        </p:nvSpPr>
+        <p:spPr>
+          <a:xfrm>
+            <a:off x="1484310" y="1209823"/>
+            <a:ext cx="10018713" cy="4581378"/>
+          </a:xfrm>
+        </p:spPr>
+        <p:txBody>
+          <a:bodyPr>
+            <a:normAutofit/>
+          </a:bodyPr>
+          <a:lstStyle/>
+          <a:p>
+            <a:r>
+              <a:rPr lang="fr-CA" dirty="0"/>
+              <a:t>En gros, Github est un moyen très efficace de gérer nos dépôts git dans une interface web facile d’usage avec certaines fonctionnalités des réseaux sociaux.</a:t>
+            </a:r>
+          </a:p>
+          <a:p>
+            <a:endParaRPr lang="fr-CA" dirty="0"/>
+          </a:p>
+          <a:p>
+            <a:r>
+              <a:rPr lang="fr-CA" dirty="0"/>
+              <a:t>Pour nous, GitHub a été toute qu’une découverte et c’est pourquoi nous avons décidé de partager cette expérience avec vous. Que ce soit pour un travail d’école, un travail personnel ou professionnel nous vous conseillons fortement d’explorer l’univers GitHub. Un chef d’œuvre pour le domaine de l’informatique.</a:t>
+            </a:r>
+          </a:p>
+        </p:txBody>
+      </p:sp>
+    </p:spTree>
+    <p:extLst>
+      <p:ext uri="{BB962C8B-B14F-4D97-AF65-F5344CB8AC3E}">
+        <p14:creationId xmlns:p14="http://schemas.microsoft.com/office/powerpoint/2010/main" val="820804428"/>
       </p:ext>
     </p:extLst>
   </p:cSld>
